--- a/19ass/19ass.pptx
+++ b/19ass/19ass.pptx
@@ -140,6 +140,11 @@
       </a:defRPr>
     </a:lvl9pPr>
   </p:defaultTextStyle>
+  <p:extLst>
+    <p:ext uri="{EFAFB233-063F-42B5-8137-9DF3F51BA10A}">
+      <p15:sldGuideLst xmlns:p15="http://schemas.microsoft.com/office/powerpoint/2012/main"/>
+    </p:ext>
+  </p:extLst>
 </p:presentation>
 </file>
 
@@ -292,7 +297,7 @@
           <a:p>
             <a:fld id="{98E8F9B4-5C7F-7B4B-B94C-BB97D518C911}" type="datetimeFigureOut">
               <a:rPr lang="en-IL" smtClean="0"/>
-              <a:t>04/06/2023</a:t>
+              <a:t>09/06/2023</a:t>
             </a:fld>
             <a:endParaRPr lang="en-IL"/>
           </a:p>
@@ -492,7 +497,7 @@
           <a:p>
             <a:fld id="{98E8F9B4-5C7F-7B4B-B94C-BB97D518C911}" type="datetimeFigureOut">
               <a:rPr lang="en-IL" smtClean="0"/>
-              <a:t>04/06/2023</a:t>
+              <a:t>09/06/2023</a:t>
             </a:fld>
             <a:endParaRPr lang="en-IL"/>
           </a:p>
@@ -702,7 +707,7 @@
           <a:p>
             <a:fld id="{98E8F9B4-5C7F-7B4B-B94C-BB97D518C911}" type="datetimeFigureOut">
               <a:rPr lang="en-IL" smtClean="0"/>
-              <a:t>04/06/2023</a:t>
+              <a:t>09/06/2023</a:t>
             </a:fld>
             <a:endParaRPr lang="en-IL"/>
           </a:p>
@@ -902,7 +907,7 @@
           <a:p>
             <a:fld id="{98E8F9B4-5C7F-7B4B-B94C-BB97D518C911}" type="datetimeFigureOut">
               <a:rPr lang="en-IL" smtClean="0"/>
-              <a:t>04/06/2023</a:t>
+              <a:t>09/06/2023</a:t>
             </a:fld>
             <a:endParaRPr lang="en-IL"/>
           </a:p>
@@ -1178,7 +1183,7 @@
           <a:p>
             <a:fld id="{98E8F9B4-5C7F-7B4B-B94C-BB97D518C911}" type="datetimeFigureOut">
               <a:rPr lang="en-IL" smtClean="0"/>
-              <a:t>04/06/2023</a:t>
+              <a:t>09/06/2023</a:t>
             </a:fld>
             <a:endParaRPr lang="en-IL"/>
           </a:p>
@@ -1446,7 +1451,7 @@
           <a:p>
             <a:fld id="{98E8F9B4-5C7F-7B4B-B94C-BB97D518C911}" type="datetimeFigureOut">
               <a:rPr lang="en-IL" smtClean="0"/>
-              <a:t>04/06/2023</a:t>
+              <a:t>09/06/2023</a:t>
             </a:fld>
             <a:endParaRPr lang="en-IL"/>
           </a:p>
@@ -1861,7 +1866,7 @@
           <a:p>
             <a:fld id="{98E8F9B4-5C7F-7B4B-B94C-BB97D518C911}" type="datetimeFigureOut">
               <a:rPr lang="en-IL" smtClean="0"/>
-              <a:t>04/06/2023</a:t>
+              <a:t>09/06/2023</a:t>
             </a:fld>
             <a:endParaRPr lang="en-IL"/>
           </a:p>
@@ -2003,7 +2008,7 @@
           <a:p>
             <a:fld id="{98E8F9B4-5C7F-7B4B-B94C-BB97D518C911}" type="datetimeFigureOut">
               <a:rPr lang="en-IL" smtClean="0"/>
-              <a:t>04/06/2023</a:t>
+              <a:t>09/06/2023</a:t>
             </a:fld>
             <a:endParaRPr lang="en-IL"/>
           </a:p>
@@ -2116,7 +2121,7 @@
           <a:p>
             <a:fld id="{98E8F9B4-5C7F-7B4B-B94C-BB97D518C911}" type="datetimeFigureOut">
               <a:rPr lang="en-IL" smtClean="0"/>
-              <a:t>04/06/2023</a:t>
+              <a:t>09/06/2023</a:t>
             </a:fld>
             <a:endParaRPr lang="en-IL"/>
           </a:p>
@@ -2429,7 +2434,7 @@
           <a:p>
             <a:fld id="{98E8F9B4-5C7F-7B4B-B94C-BB97D518C911}" type="datetimeFigureOut">
               <a:rPr lang="en-IL" smtClean="0"/>
-              <a:t>04/06/2023</a:t>
+              <a:t>09/06/2023</a:t>
             </a:fld>
             <a:endParaRPr lang="en-IL"/>
           </a:p>
@@ -2718,7 +2723,7 @@
           <a:p>
             <a:fld id="{98E8F9B4-5C7F-7B4B-B94C-BB97D518C911}" type="datetimeFigureOut">
               <a:rPr lang="en-IL" smtClean="0"/>
-              <a:t>04/06/2023</a:t>
+              <a:t>09/06/2023</a:t>
             </a:fld>
             <a:endParaRPr lang="en-IL"/>
           </a:p>
@@ -2961,7 +2966,7 @@
           <a:p>
             <a:fld id="{98E8F9B4-5C7F-7B4B-B94C-BB97D518C911}" type="datetimeFigureOut">
               <a:rPr lang="en-IL" smtClean="0"/>
-              <a:t>04/06/2023</a:t>
+              <a:t>09/06/2023</a:t>
             </a:fld>
             <a:endParaRPr lang="en-IL"/>
           </a:p>
@@ -6393,6 +6398,36 @@
               </a:rPr>
               <a:t>module.css</a:t>
             </a:r>
+            <a:r>
+              <a:rPr lang="he-IL" b="1" i="0" dirty="0">
+                <a:solidFill>
+                  <a:srgbClr val="111827"/>
+                </a:solidFill>
+                <a:effectLst/>
+                <a:latin typeface="Söhne Mono"/>
+              </a:rPr>
+              <a:t>  </a:t>
+            </a:r>
+            <a:r>
+              <a:rPr lang="en-US" b="1" i="0" dirty="0">
+                <a:solidFill>
+                  <a:srgbClr val="111827"/>
+                </a:solidFill>
+                <a:effectLst/>
+                <a:latin typeface="Söhne Mono"/>
+              </a:rPr>
+              <a:t>and </a:t>
+            </a:r>
+            <a:r>
+              <a:rPr lang="en-US" b="1" i="0" dirty="0" err="1">
+                <a:solidFill>
+                  <a:srgbClr val="111827"/>
+                </a:solidFill>
+                <a:effectLst/>
+                <a:latin typeface="Söhne Mono"/>
+              </a:rPr>
+              <a:t>file.css</a:t>
+            </a:r>
             <a:endParaRPr lang="en-IL" dirty="0"/>
           </a:p>
         </p:txBody>
@@ -6482,8 +6517,25 @@
                 <a:effectLst/>
                 <a:latin typeface="Söhne"/>
               </a:rPr>
-              <a:t>Regular CSS File:</a:t>
-            </a:r>
+              <a:t>Regular CSS File: </a:t>
+            </a:r>
+            <a:r>
+              <a:rPr lang="en-US" b="0" i="0" dirty="0" err="1">
+                <a:solidFill>
+                  <a:srgbClr val="374151"/>
+                </a:solidFill>
+                <a:effectLst/>
+                <a:latin typeface="Söhne"/>
+              </a:rPr>
+              <a:t>file.css</a:t>
+            </a:r>
+            <a:endParaRPr lang="en-US" b="0" i="0" dirty="0">
+              <a:solidFill>
+                <a:srgbClr val="374151"/>
+              </a:solidFill>
+              <a:effectLst/>
+              <a:latin typeface="Söhne"/>
+            </a:endParaRPr>
           </a:p>
           <a:p>
             <a:pPr algn="l">
@@ -7356,7 +7408,15 @@
           <a:bodyPr/>
           <a:lstStyle/>
           <a:p>
-            <a:endParaRPr lang="en-IL"/>
+            <a:r>
+              <a:rPr lang="en-US" dirty="0" err="1"/>
+              <a:t>Tsx</a:t>
+            </a:r>
+            <a:r>
+              <a:rPr lang="en-US" dirty="0"/>
+              <a:t> basic syntax</a:t>
+            </a:r>
+            <a:endParaRPr lang="en-IL" dirty="0"/>
           </a:p>
         </p:txBody>
       </p:sp>
@@ -7378,10 +7438,160 @@
         </p:nvSpPr>
         <p:spPr/>
         <p:txBody>
-          <a:bodyPr/>
-          <a:lstStyle/>
-          <a:p>
-            <a:endParaRPr lang="en-IL"/>
+          <a:bodyPr>
+            <a:normAutofit fontScale="92500" lnSpcReduction="10000"/>
+          </a:bodyPr>
+          <a:lstStyle/>
+          <a:p>
+            <a:r>
+              <a:rPr lang="en-US" b="0" i="0" dirty="0">
+                <a:solidFill>
+                  <a:srgbClr val="374151"/>
+                </a:solidFill>
+                <a:effectLst/>
+                <a:latin typeface="Söhne"/>
+              </a:rPr>
+              <a:t>TSX (TypeScript JSX) is a syntax extension for TypeScript that allows you to write JSX (JavaScript XML) syntax within TypeScript code. It is commonly used in frameworks like React and </a:t>
+            </a:r>
+            <a:r>
+              <a:rPr lang="en-US" b="0" i="0" dirty="0" err="1">
+                <a:solidFill>
+                  <a:srgbClr val="374151"/>
+                </a:solidFill>
+                <a:effectLst/>
+                <a:latin typeface="Söhne"/>
+              </a:rPr>
+              <a:t>Next.js</a:t>
+            </a:r>
+            <a:r>
+              <a:rPr lang="en-US" b="0" i="0" dirty="0">
+                <a:solidFill>
+                  <a:srgbClr val="374151"/>
+                </a:solidFill>
+                <a:effectLst/>
+                <a:latin typeface="Söhne"/>
+              </a:rPr>
+              <a:t>. Here's a brief overview of TSX syntax.</a:t>
+            </a:r>
+          </a:p>
+          <a:p>
+            <a:pPr algn="l">
+              <a:buFont typeface="+mj-lt"/>
+              <a:buAutoNum type="arabicPeriod"/>
+            </a:pPr>
+            <a:r>
+              <a:rPr lang="en-US" b="0" i="0" dirty="0">
+                <a:solidFill>
+                  <a:srgbClr val="374151"/>
+                </a:solidFill>
+                <a:effectLst/>
+                <a:latin typeface="Söhne"/>
+              </a:rPr>
+              <a:t>File Extension:</a:t>
+            </a:r>
+          </a:p>
+          <a:p>
+            <a:pPr marL="742950" lvl="1" indent="-285750" algn="l">
+              <a:buFont typeface="+mj-lt"/>
+              <a:buAutoNum type="arabicPeriod"/>
+            </a:pPr>
+            <a:r>
+              <a:rPr lang="en-US" b="0" i="0" dirty="0">
+                <a:solidFill>
+                  <a:srgbClr val="374151"/>
+                </a:solidFill>
+                <a:effectLst/>
+                <a:latin typeface="Söhne"/>
+              </a:rPr>
+              <a:t>TypeScript files that contain JSX code have the .</a:t>
+            </a:r>
+            <a:r>
+              <a:rPr lang="en-US" b="0" i="0" dirty="0" err="1">
+                <a:solidFill>
+                  <a:srgbClr val="374151"/>
+                </a:solidFill>
+                <a:effectLst/>
+                <a:latin typeface="Söhne"/>
+              </a:rPr>
+              <a:t>tsx</a:t>
+            </a:r>
+            <a:r>
+              <a:rPr lang="en-US" b="0" i="0" dirty="0">
+                <a:solidFill>
+                  <a:srgbClr val="374151"/>
+                </a:solidFill>
+                <a:effectLst/>
+                <a:latin typeface="Söhne"/>
+              </a:rPr>
+              <a:t> extension.</a:t>
+            </a:r>
+          </a:p>
+          <a:p>
+            <a:pPr algn="l">
+              <a:buFont typeface="+mj-lt"/>
+              <a:buAutoNum type="arabicPeriod"/>
+            </a:pPr>
+            <a:r>
+              <a:rPr lang="en-US" b="0" i="0" dirty="0">
+                <a:solidFill>
+                  <a:srgbClr val="374151"/>
+                </a:solidFill>
+                <a:effectLst/>
+                <a:latin typeface="Söhne"/>
+              </a:rPr>
+              <a:t>Importing Dependencies:</a:t>
+            </a:r>
+          </a:p>
+          <a:p>
+            <a:pPr marL="742950" lvl="1" indent="-285750" algn="l">
+              <a:buFont typeface="+mj-lt"/>
+              <a:buAutoNum type="arabicPeriod"/>
+            </a:pPr>
+            <a:r>
+              <a:rPr lang="en-US" b="0" i="0" dirty="0">
+                <a:solidFill>
+                  <a:srgbClr val="374151"/>
+                </a:solidFill>
+                <a:effectLst/>
+                <a:latin typeface="Söhne"/>
+              </a:rPr>
+              <a:t>Import the necessary dependencies at the beginning of your file, just like in regular TypeScript files.</a:t>
+            </a:r>
+          </a:p>
+          <a:p>
+            <a:pPr algn="l">
+              <a:buFont typeface="+mj-lt"/>
+              <a:buAutoNum type="arabicPeriod"/>
+            </a:pPr>
+            <a:r>
+              <a:rPr lang="en-US" b="0" i="0" dirty="0">
+                <a:solidFill>
+                  <a:srgbClr val="374151"/>
+                </a:solidFill>
+                <a:effectLst/>
+                <a:latin typeface="Söhne"/>
+              </a:rPr>
+              <a:t>JSX Elements:</a:t>
+            </a:r>
+          </a:p>
+          <a:p>
+            <a:pPr marL="742950" lvl="1" indent="-285750" algn="l">
+              <a:buFont typeface="+mj-lt"/>
+              <a:buAutoNum type="arabicPeriod"/>
+            </a:pPr>
+            <a:r>
+              <a:rPr lang="en-US" b="0" i="0" dirty="0">
+                <a:solidFill>
+                  <a:srgbClr val="374151"/>
+                </a:solidFill>
+                <a:effectLst/>
+                <a:latin typeface="Söhne"/>
+              </a:rPr>
+              <a:t>JSX allows you to write HTML-like elements in your TypeScript code. For example, you can write &lt;div&gt;, &lt;span&gt;, &lt;h1&gt;, etc.</a:t>
+            </a:r>
+          </a:p>
+          <a:p>
+            <a:endParaRPr lang="en-IL" dirty="0"/>
           </a:p>
         </p:txBody>
       </p:sp>
@@ -7436,35 +7646,46 @@
           <a:bodyPr/>
           <a:lstStyle/>
           <a:p>
-            <a:endParaRPr lang="en-IL" dirty="0"/>
-          </a:p>
-        </p:txBody>
-      </p:sp>
-      <p:sp>
-        <p:nvSpPr>
-          <p:cNvPr id="3" name="Content Placeholder 2">
-            <a:extLst>
-              <a:ext uri="{FF2B5EF4-FFF2-40B4-BE49-F238E27FC236}">
-                <a16:creationId xmlns:a16="http://schemas.microsoft.com/office/drawing/2014/main" id="{F49F4338-A046-AA8A-F11C-C9A0E5B958A0}"/>
-              </a:ext>
-            </a:extLst>
-          </p:cNvPr>
-          <p:cNvSpPr>
-            <a:spLocks noGrp="1"/>
-          </p:cNvSpPr>
+            <a:r>
+              <a:rPr lang="en-US" dirty="0"/>
+              <a:t>M</a:t>
+            </a:r>
+            <a:r>
+              <a:rPr lang="en-IL" dirty="0"/>
+              <a:t>ore about that </a:t>
+            </a:r>
+          </a:p>
+        </p:txBody>
+      </p:sp>
+      <p:pic>
+        <p:nvPicPr>
+          <p:cNvPr id="5" name="Content Placeholder 4">
+            <a:extLst>
+              <a:ext uri="{FF2B5EF4-FFF2-40B4-BE49-F238E27FC236}">
+                <a16:creationId xmlns:a16="http://schemas.microsoft.com/office/drawing/2014/main" id="{1B183A21-6727-AEA0-F9B3-F9B74865FA86}"/>
+              </a:ext>
+            </a:extLst>
+          </p:cNvPr>
+          <p:cNvPicPr>
+            <a:picLocks noGrp="1" noChangeAspect="1"/>
+          </p:cNvPicPr>
           <p:nvPr>
             <p:ph idx="1"/>
           </p:nvPr>
-        </p:nvSpPr>
-        <p:spPr/>
-        <p:txBody>
-          <a:bodyPr/>
-          <a:lstStyle/>
-          <a:p>
-            <a:endParaRPr lang="en-IL"/>
-          </a:p>
-        </p:txBody>
-      </p:sp>
+        </p:nvPicPr>
+        <p:blipFill>
+          <a:blip r:embed="rId2"/>
+          <a:stretch>
+            <a:fillRect/>
+          </a:stretch>
+        </p:blipFill>
+        <p:spPr>
+          <a:xfrm>
+            <a:off x="3790950" y="3759994"/>
+            <a:ext cx="4610100" cy="482600"/>
+          </a:xfrm>
+        </p:spPr>
+      </p:pic>
     </p:spTree>
     <p:extLst>
       <p:ext uri="{BB962C8B-B14F-4D97-AF65-F5344CB8AC3E}">

--- a/19ass/19ass.pptx
+++ b/19ass/19ass.pptx
@@ -42,6 +42,21 @@
     <p:sldId id="262" r:id="rId36"/>
     <p:sldId id="263" r:id="rId37"/>
     <p:sldId id="264" r:id="rId38"/>
+    <p:sldId id="293" r:id="rId39"/>
+    <p:sldId id="294" r:id="rId40"/>
+    <p:sldId id="295" r:id="rId41"/>
+    <p:sldId id="296" r:id="rId42"/>
+    <p:sldId id="297" r:id="rId43"/>
+    <p:sldId id="298" r:id="rId44"/>
+    <p:sldId id="303" r:id="rId45"/>
+    <p:sldId id="299" r:id="rId46"/>
+    <p:sldId id="300" r:id="rId47"/>
+    <p:sldId id="304" r:id="rId48"/>
+    <p:sldId id="305" r:id="rId49"/>
+    <p:sldId id="306" r:id="rId50"/>
+    <p:sldId id="307" r:id="rId51"/>
+    <p:sldId id="301" r:id="rId52"/>
+    <p:sldId id="302" r:id="rId53"/>
   </p:sldIdLst>
   <p:sldSz cx="12192000" cy="6858000"/>
   <p:notesSz cx="6858000" cy="9144000"/>
@@ -297,7 +312,7 @@
           <a:p>
             <a:fld id="{98E8F9B4-5C7F-7B4B-B94C-BB97D518C911}" type="datetimeFigureOut">
               <a:rPr lang="en-IL" smtClean="0"/>
-              <a:t>09/06/2023</a:t>
+              <a:t>19/06/2023</a:t>
             </a:fld>
             <a:endParaRPr lang="en-IL"/>
           </a:p>
@@ -497,7 +512,7 @@
           <a:p>
             <a:fld id="{98E8F9B4-5C7F-7B4B-B94C-BB97D518C911}" type="datetimeFigureOut">
               <a:rPr lang="en-IL" smtClean="0"/>
-              <a:t>09/06/2023</a:t>
+              <a:t>19/06/2023</a:t>
             </a:fld>
             <a:endParaRPr lang="en-IL"/>
           </a:p>
@@ -707,7 +722,7 @@
           <a:p>
             <a:fld id="{98E8F9B4-5C7F-7B4B-B94C-BB97D518C911}" type="datetimeFigureOut">
               <a:rPr lang="en-IL" smtClean="0"/>
-              <a:t>09/06/2023</a:t>
+              <a:t>19/06/2023</a:t>
             </a:fld>
             <a:endParaRPr lang="en-IL"/>
           </a:p>
@@ -907,7 +922,7 @@
           <a:p>
             <a:fld id="{98E8F9B4-5C7F-7B4B-B94C-BB97D518C911}" type="datetimeFigureOut">
               <a:rPr lang="en-IL" smtClean="0"/>
-              <a:t>09/06/2023</a:t>
+              <a:t>19/06/2023</a:t>
             </a:fld>
             <a:endParaRPr lang="en-IL"/>
           </a:p>
@@ -1183,7 +1198,7 @@
           <a:p>
             <a:fld id="{98E8F9B4-5C7F-7B4B-B94C-BB97D518C911}" type="datetimeFigureOut">
               <a:rPr lang="en-IL" smtClean="0"/>
-              <a:t>09/06/2023</a:t>
+              <a:t>19/06/2023</a:t>
             </a:fld>
             <a:endParaRPr lang="en-IL"/>
           </a:p>
@@ -1451,7 +1466,7 @@
           <a:p>
             <a:fld id="{98E8F9B4-5C7F-7B4B-B94C-BB97D518C911}" type="datetimeFigureOut">
               <a:rPr lang="en-IL" smtClean="0"/>
-              <a:t>09/06/2023</a:t>
+              <a:t>19/06/2023</a:t>
             </a:fld>
             <a:endParaRPr lang="en-IL"/>
           </a:p>
@@ -1866,7 +1881,7 @@
           <a:p>
             <a:fld id="{98E8F9B4-5C7F-7B4B-B94C-BB97D518C911}" type="datetimeFigureOut">
               <a:rPr lang="en-IL" smtClean="0"/>
-              <a:t>09/06/2023</a:t>
+              <a:t>19/06/2023</a:t>
             </a:fld>
             <a:endParaRPr lang="en-IL"/>
           </a:p>
@@ -2008,7 +2023,7 @@
           <a:p>
             <a:fld id="{98E8F9B4-5C7F-7B4B-B94C-BB97D518C911}" type="datetimeFigureOut">
               <a:rPr lang="en-IL" smtClean="0"/>
-              <a:t>09/06/2023</a:t>
+              <a:t>19/06/2023</a:t>
             </a:fld>
             <a:endParaRPr lang="en-IL"/>
           </a:p>
@@ -2121,7 +2136,7 @@
           <a:p>
             <a:fld id="{98E8F9B4-5C7F-7B4B-B94C-BB97D518C911}" type="datetimeFigureOut">
               <a:rPr lang="en-IL" smtClean="0"/>
-              <a:t>09/06/2023</a:t>
+              <a:t>19/06/2023</a:t>
             </a:fld>
             <a:endParaRPr lang="en-IL"/>
           </a:p>
@@ -2434,7 +2449,7 @@
           <a:p>
             <a:fld id="{98E8F9B4-5C7F-7B4B-B94C-BB97D518C911}" type="datetimeFigureOut">
               <a:rPr lang="en-IL" smtClean="0"/>
-              <a:t>09/06/2023</a:t>
+              <a:t>19/06/2023</a:t>
             </a:fld>
             <a:endParaRPr lang="en-IL"/>
           </a:p>
@@ -2723,7 +2738,7 @@
           <a:p>
             <a:fld id="{98E8F9B4-5C7F-7B4B-B94C-BB97D518C911}" type="datetimeFigureOut">
               <a:rPr lang="en-IL" smtClean="0"/>
-              <a:t>09/06/2023</a:t>
+              <a:t>19/06/2023</a:t>
             </a:fld>
             <a:endParaRPr lang="en-IL"/>
           </a:p>
@@ -2966,7 +2981,7 @@
           <a:p>
             <a:fld id="{98E8F9B4-5C7F-7B4B-B94C-BB97D518C911}" type="datetimeFigureOut">
               <a:rPr lang="en-IL" smtClean="0"/>
-              <a:t>09/06/2023</a:t>
+              <a:t>19/06/2023</a:t>
             </a:fld>
             <a:endParaRPr lang="en-IL"/>
           </a:p>
@@ -8803,7 +8818,14 @@
           <a:bodyPr/>
           <a:lstStyle/>
           <a:p>
-            <a:endParaRPr lang="en-IL"/>
+            <a:r>
+              <a:rPr lang="en-US" dirty="0"/>
+              <a:t>S</a:t>
+            </a:r>
+            <a:r>
+              <a:rPr lang="en-IL" dirty="0"/>
+              <a:t>elect - get</a:t>
+            </a:r>
           </a:p>
         </p:txBody>
       </p:sp>
@@ -8825,10 +8847,35 @@
         </p:nvSpPr>
         <p:spPr/>
         <p:txBody>
-          <a:bodyPr/>
+          <a:bodyPr>
+            <a:normAutofit/>
+          </a:bodyPr>
           <a:lstStyle/>
           <a:p>
-            <a:endParaRPr lang="en-IL"/>
+            <a:pPr algn="l"/>
+            <a:r>
+              <a:rPr lang="en-US" b="0" i="0" dirty="0">
+                <a:solidFill>
+                  <a:srgbClr val="374151"/>
+                </a:solidFill>
+                <a:effectLst/>
+                <a:latin typeface="Söhne"/>
+              </a:rPr>
+              <a:t>A GET request is a type of HTTP request method used to retrieve or fetch data from a specified resource. It is one of the most commonly used methods in web development and is considered a safe and idempotent operation, meaning it does not modify the resource and can be repeated multiple times without changing the server state.</a:t>
+            </a:r>
+          </a:p>
+          <a:p>
+            <a:pPr algn="l"/>
+            <a:r>
+              <a:rPr lang="en-US" b="0" i="0" dirty="0">
+                <a:solidFill>
+                  <a:srgbClr val="374151"/>
+                </a:solidFill>
+                <a:effectLst/>
+                <a:latin typeface="Söhne"/>
+              </a:rPr>
+              <a:t>When making a GET request, the client (typically a web browser or an API client) sends a request to the server with a specific URL (Uniform Resource Locator) that points to the desired resource. The server then responds with the requested data or an error message if the resource is not found.</a:t>
+            </a:r>
           </a:p>
         </p:txBody>
       </p:sp>
@@ -8848,6 +8895,14 @@
 <file path=ppt/slides/slide36.xml><?xml version="1.0" encoding="utf-8"?>
 <p:sld xmlns:a="http://schemas.openxmlformats.org/drawingml/2006/main" xmlns:r="http://schemas.openxmlformats.org/officeDocument/2006/relationships" xmlns:p="http://schemas.openxmlformats.org/presentationml/2006/main">
   <p:cSld>
+    <p:bg>
+      <p:bgPr>
+        <a:solidFill>
+          <a:schemeClr val="bg1"/>
+        </a:solidFill>
+        <a:effectLst/>
+      </p:bgPr>
+    </p:bg>
     <p:spTree>
       <p:nvGrpSpPr>
         <p:cNvPr id="1" name=""/>
@@ -8862,37 +8917,148 @@
           <a:chExt cx="0" cy="0"/>
         </a:xfrm>
       </p:grpSpPr>
-      <p:sp>
+      <p:sp useBgFill="1">
         <p:nvSpPr>
-          <p:cNvPr id="2" name="Title 1">
-            <a:extLst>
-              <a:ext uri="{FF2B5EF4-FFF2-40B4-BE49-F238E27FC236}">
-                <a16:creationId xmlns:a16="http://schemas.microsoft.com/office/drawing/2014/main" id="{14392B00-5B1A-3702-B5AF-50267DC77378}"/>
+          <p:cNvPr id="10" name="Rectangle 9">
+            <a:extLst>
+              <a:ext uri="{FF2B5EF4-FFF2-40B4-BE49-F238E27FC236}">
+                <a16:creationId xmlns:a16="http://schemas.microsoft.com/office/drawing/2014/main" id="{33ADEAE5-B080-4DEC-819A-00E41A93F881}"/>
+              </a:ext>
+              <a:ext uri="{C183D7F6-B498-43B3-948B-1728B52AA6E4}">
+                <adec:decorative xmlns:adec="http://schemas.microsoft.com/office/drawing/2017/decorative" val="1"/>
               </a:ext>
             </a:extLst>
           </p:cNvPr>
           <p:cNvSpPr>
-            <a:spLocks noGrp="1"/>
+            <a:spLocks noGrp="1" noRot="1" noChangeAspect="1" noMove="1" noResize="1" noEditPoints="1" noAdjustHandles="1" noChangeArrowheads="1" noChangeShapeType="1" noTextEdit="1"/>
           </p:cNvSpPr>
           <p:nvPr>
-            <p:ph type="title"/>
+            <p:extLst>
+              <p:ext uri="{386F3935-93C4-4BCD-93E2-E3B085C9AB24}">
+                <p16:designElem xmlns:p16="http://schemas.microsoft.com/office/powerpoint/2015/main" val="1"/>
+              </p:ext>
+            </p:extLst>
           </p:nvPr>
         </p:nvSpPr>
-        <p:spPr/>
+        <p:spPr>
+          <a:xfrm>
+            <a:off x="0" y="0"/>
+            <a:ext cx="12192000" cy="6858000"/>
+          </a:xfrm>
+          <a:prstGeom prst="rect">
+            <a:avLst/>
+          </a:prstGeom>
+          <a:ln>
+            <a:noFill/>
+          </a:ln>
+        </p:spPr>
+        <p:style>
+          <a:lnRef idx="2">
+            <a:schemeClr val="accent1">
+              <a:shade val="50000"/>
+            </a:schemeClr>
+          </a:lnRef>
+          <a:fillRef idx="1">
+            <a:schemeClr val="accent1"/>
+          </a:fillRef>
+          <a:effectRef idx="0">
+            <a:schemeClr val="accent1"/>
+          </a:effectRef>
+          <a:fontRef idx="minor">
+            <a:schemeClr val="lt1"/>
+          </a:fontRef>
+        </p:style>
         <p:txBody>
-          <a:bodyPr/>
+          <a:bodyPr rtlCol="0" anchor="ctr"/>
           <a:lstStyle/>
           <a:p>
-            <a:endParaRPr lang="en-IL"/>
+            <a:pPr algn="ctr"/>
+            <a:endParaRPr lang="en-US"/>
           </a:p>
         </p:txBody>
       </p:sp>
       <p:sp>
         <p:nvSpPr>
-          <p:cNvPr id="3" name="Content Placeholder 2">
-            <a:extLst>
-              <a:ext uri="{FF2B5EF4-FFF2-40B4-BE49-F238E27FC236}">
-                <a16:creationId xmlns:a16="http://schemas.microsoft.com/office/drawing/2014/main" id="{099451C3-00FC-8F6A-A3DF-F4D93A7DBA3A}"/>
+          <p:cNvPr id="12" name="Rectangle 11">
+            <a:extLst>
+              <a:ext uri="{FF2B5EF4-FFF2-40B4-BE49-F238E27FC236}">
+                <a16:creationId xmlns:a16="http://schemas.microsoft.com/office/drawing/2014/main" id="{D9FB580A-BA0E-4D5E-90F4-C42767A78389}"/>
+              </a:ext>
+              <a:ext uri="{C183D7F6-B498-43B3-948B-1728B52AA6E4}">
+                <adec:decorative xmlns:adec="http://schemas.microsoft.com/office/drawing/2017/decorative" val="1"/>
+              </a:ext>
+            </a:extLst>
+          </p:cNvPr>
+          <p:cNvSpPr>
+            <a:spLocks noGrp="1" noRot="1" noChangeAspect="1" noMove="1" noResize="1" noEditPoints="1" noAdjustHandles="1" noChangeArrowheads="1" noChangeShapeType="1" noTextEdit="1"/>
+          </p:cNvSpPr>
+          <p:nvPr>
+            <p:extLst>
+              <p:ext uri="{386F3935-93C4-4BCD-93E2-E3B085C9AB24}">
+                <p16:designElem xmlns:p16="http://schemas.microsoft.com/office/powerpoint/2015/main" val="1"/>
+              </p:ext>
+            </p:extLst>
+          </p:nvPr>
+        </p:nvSpPr>
+        <p:spPr>
+          <a:xfrm>
+            <a:off x="0" y="0"/>
+            <a:ext cx="12192000" cy="6858000"/>
+          </a:xfrm>
+          <a:prstGeom prst="rect">
+            <a:avLst/>
+          </a:prstGeom>
+          <a:gradFill flip="none" rotWithShape="1">
+            <a:gsLst>
+              <a:gs pos="0">
+                <a:schemeClr val="accent1"/>
+              </a:gs>
+              <a:gs pos="100000">
+                <a:schemeClr val="accent2"/>
+              </a:gs>
+            </a:gsLst>
+            <a:lin ang="18900000" scaled="0"/>
+            <a:tileRect/>
+          </a:gradFill>
+          <a:ln>
+            <a:noFill/>
+          </a:ln>
+        </p:spPr>
+        <p:style>
+          <a:lnRef idx="2">
+            <a:schemeClr val="accent1">
+              <a:shade val="50000"/>
+            </a:schemeClr>
+          </a:lnRef>
+          <a:fillRef idx="1">
+            <a:schemeClr val="accent1"/>
+          </a:fillRef>
+          <a:effectRef idx="0">
+            <a:schemeClr val="accent1"/>
+          </a:effectRef>
+          <a:fontRef idx="minor">
+            <a:schemeClr val="lt1"/>
+          </a:fontRef>
+        </p:style>
+        <p:txBody>
+          <a:bodyPr rtlCol="0" anchor="ctr"/>
+          <a:lstStyle/>
+          <a:p>
+            <a:pPr algn="ctr"/>
+            <a:endParaRPr lang="en-US">
+              <a:solidFill>
+                <a:srgbClr val="FFFFFF"/>
+              </a:solidFill>
+            </a:endParaRPr>
+          </a:p>
+        </p:txBody>
+      </p:sp>
+      <p:sp>
+        <p:nvSpPr>
+          <p:cNvPr id="2" name="Title 1">
+            <a:extLst>
+              <a:ext uri="{FF2B5EF4-FFF2-40B4-BE49-F238E27FC236}">
+                <a16:creationId xmlns:a16="http://schemas.microsoft.com/office/drawing/2014/main" id="{14392B00-5B1A-3702-B5AF-50267DC77378}"/>
               </a:ext>
             </a:extLst>
           </p:cNvPr>
@@ -8900,18 +9066,67 @@
             <a:spLocks noGrp="1"/>
           </p:cNvSpPr>
           <p:nvPr>
-            <p:ph idx="1"/>
+            <p:ph type="title"/>
           </p:nvPr>
         </p:nvSpPr>
-        <p:spPr/>
+        <p:spPr>
+          <a:xfrm>
+            <a:off x="1256275" y="3655371"/>
+            <a:ext cx="9679449" cy="1463136"/>
+          </a:xfrm>
+        </p:spPr>
         <p:txBody>
-          <a:bodyPr/>
+          <a:bodyPr vert="horz" lIns="91440" tIns="45720" rIns="91440" bIns="45720" rtlCol="0" anchor="b">
+            <a:normAutofit/>
+          </a:bodyPr>
           <a:lstStyle/>
           <a:p>
-            <a:endParaRPr lang="en-IL"/>
+            <a:r>
+              <a:rPr lang="en-US" sz="5600" kern="1200">
+                <a:solidFill>
+                  <a:srgbClr val="FFFFFF"/>
+                </a:solidFill>
+                <a:latin typeface="+mj-lt"/>
+                <a:ea typeface="+mj-ea"/>
+                <a:cs typeface="+mj-cs"/>
+              </a:rPr>
+              <a:t>Select – get supabase </a:t>
+            </a:r>
           </a:p>
         </p:txBody>
       </p:sp>
+      <p:pic>
+        <p:nvPicPr>
+          <p:cNvPr id="5" name="Content Placeholder 4">
+            <a:extLst>
+              <a:ext uri="{FF2B5EF4-FFF2-40B4-BE49-F238E27FC236}">
+                <a16:creationId xmlns:a16="http://schemas.microsoft.com/office/drawing/2014/main" id="{608F7C0D-83A9-BC18-0F28-97D71E77473A}"/>
+              </a:ext>
+            </a:extLst>
+          </p:cNvPr>
+          <p:cNvPicPr>
+            <a:picLocks noGrp="1" noChangeAspect="1"/>
+          </p:cNvPicPr>
+          <p:nvPr>
+            <p:ph idx="1"/>
+          </p:nvPr>
+        </p:nvPicPr>
+        <p:blipFill>
+          <a:blip r:embed="rId2"/>
+          <a:stretch>
+            <a:fillRect/>
+          </a:stretch>
+        </p:blipFill>
+        <p:spPr>
+          <a:xfrm>
+            <a:off x="540006" y="1499946"/>
+            <a:ext cx="11111988" cy="1250099"/>
+          </a:xfrm>
+          <a:prstGeom prst="rect">
+            <a:avLst/>
+          </a:prstGeom>
+        </p:spPr>
+      </p:pic>
     </p:spTree>
     <p:extLst>
       <p:ext uri="{BB962C8B-B14F-4D97-AF65-F5344CB8AC3E}">
@@ -8963,7 +9178,25 @@
           <a:bodyPr/>
           <a:lstStyle/>
           <a:p>
-            <a:endParaRPr lang="en-IL"/>
+            <a:r>
+              <a:rPr lang="en-US" dirty="0"/>
+              <a:t>G</a:t>
+            </a:r>
+            <a:r>
+              <a:rPr lang="en-IL" dirty="0"/>
+              <a:t>et key </a:t>
+            </a:r>
+            <a:r>
+              <a:rPr lang="en-US" b="0" i="0" dirty="0">
+                <a:solidFill>
+                  <a:srgbClr val="374151"/>
+                </a:solidFill>
+                <a:effectLst/>
+                <a:latin typeface="Söhne"/>
+              </a:rPr>
+              <a:t>characteristics</a:t>
+            </a:r>
+            <a:endParaRPr lang="en-IL" dirty="0"/>
           </a:p>
         </p:txBody>
       </p:sp>
@@ -8985,10 +9218,113 @@
         </p:nvSpPr>
         <p:spPr/>
         <p:txBody>
-          <a:bodyPr/>
+          <a:bodyPr>
+            <a:normAutofit fontScale="85000" lnSpcReduction="20000"/>
+          </a:bodyPr>
           <a:lstStyle/>
           <a:p>
-            <a:endParaRPr lang="en-IL"/>
+            <a:pPr algn="l">
+              <a:buFont typeface="+mj-lt"/>
+              <a:buAutoNum type="arabicPeriod"/>
+            </a:pPr>
+            <a:r>
+              <a:rPr lang="en-US" b="0" i="0" dirty="0">
+                <a:solidFill>
+                  <a:srgbClr val="374151"/>
+                </a:solidFill>
+                <a:effectLst/>
+                <a:latin typeface="Söhne"/>
+              </a:rPr>
+              <a:t>Idempotence: GET requests are considered idempotent because they should not have any side effects on the server. Repeating the same GET request multiple times should yield the same result.</a:t>
+            </a:r>
+          </a:p>
+          <a:p>
+            <a:pPr algn="l">
+              <a:buFont typeface="+mj-lt"/>
+              <a:buAutoNum type="arabicPeriod"/>
+            </a:pPr>
+            <a:r>
+              <a:rPr lang="en-US" b="0" i="0" dirty="0">
+                <a:solidFill>
+                  <a:srgbClr val="374151"/>
+                </a:solidFill>
+                <a:effectLst/>
+                <a:latin typeface="Söhne"/>
+              </a:rPr>
+              <a:t>Data Passing: GET requests can pass data to the server through query parameters. Query parameters are appended to the URL and are typically in the form of key-value pairs. For example, https://</a:t>
+            </a:r>
+            <a:r>
+              <a:rPr lang="en-US" b="0" i="0" dirty="0" err="1">
+                <a:solidFill>
+                  <a:srgbClr val="374151"/>
+                </a:solidFill>
+                <a:effectLst/>
+                <a:latin typeface="Söhne"/>
+              </a:rPr>
+              <a:t>api.example.com</a:t>
+            </a:r>
+            <a:r>
+              <a:rPr lang="en-US" b="0" i="0" dirty="0">
+                <a:solidFill>
+                  <a:srgbClr val="374151"/>
+                </a:solidFill>
+                <a:effectLst/>
+                <a:latin typeface="Söhne"/>
+              </a:rPr>
+              <a:t>/</a:t>
+            </a:r>
+            <a:r>
+              <a:rPr lang="en-US" b="0" i="0" dirty="0" err="1">
+                <a:solidFill>
+                  <a:srgbClr val="374151"/>
+                </a:solidFill>
+                <a:effectLst/>
+                <a:latin typeface="Söhne"/>
+              </a:rPr>
+              <a:t>users?id</a:t>
+            </a:r>
+            <a:r>
+              <a:rPr lang="en-US" b="0" i="0" dirty="0">
+                <a:solidFill>
+                  <a:srgbClr val="374151"/>
+                </a:solidFill>
+                <a:effectLst/>
+                <a:latin typeface="Söhne"/>
+              </a:rPr>
+              <a:t>=123 passes the id parameter with a value of 123.</a:t>
+            </a:r>
+          </a:p>
+          <a:p>
+            <a:pPr algn="l">
+              <a:buFont typeface="+mj-lt"/>
+              <a:buAutoNum type="arabicPeriod"/>
+            </a:pPr>
+            <a:r>
+              <a:rPr lang="en-US" b="0" i="0" dirty="0">
+                <a:solidFill>
+                  <a:srgbClr val="374151"/>
+                </a:solidFill>
+                <a:effectLst/>
+                <a:latin typeface="Söhne"/>
+              </a:rPr>
+              <a:t>Caching: GET requests can be cached by the client or intermediate systems like proxies. Caching helps improve performance by allowing subsequent requests to be served from a cache rather than fetching data from the server again.</a:t>
+            </a:r>
+          </a:p>
+          <a:p>
+            <a:pPr algn="l">
+              <a:buFont typeface="+mj-lt"/>
+              <a:buAutoNum type="arabicPeriod"/>
+            </a:pPr>
+            <a:r>
+              <a:rPr lang="en-US" b="0" i="0" dirty="0">
+                <a:solidFill>
+                  <a:srgbClr val="374151"/>
+                </a:solidFill>
+                <a:effectLst/>
+                <a:latin typeface="Söhne"/>
+              </a:rPr>
+              <a:t>Security: GET requests should not be used to send sensitive information as the data is visible in the URL. Passwords, API keys, and other sensitive data should be transmitted using more secure methods like POST requests with encrypted connections (HTTPS).</a:t>
+            </a:r>
           </a:p>
         </p:txBody>
       </p:sp>
@@ -8996,6 +9332,966 @@
     <p:extLst>
       <p:ext uri="{BB962C8B-B14F-4D97-AF65-F5344CB8AC3E}">
         <p14:creationId xmlns:p14="http://schemas.microsoft.com/office/powerpoint/2010/main" val="1571105240"/>
+      </p:ext>
+    </p:extLst>
+  </p:cSld>
+  <p:clrMapOvr>
+    <a:masterClrMapping/>
+  </p:clrMapOvr>
+</p:sld>
+</file>
+
+<file path=ppt/slides/slide38.xml><?xml version="1.0" encoding="utf-8"?>
+<p:sld xmlns:a="http://schemas.openxmlformats.org/drawingml/2006/main" xmlns:r="http://schemas.openxmlformats.org/officeDocument/2006/relationships" xmlns:p="http://schemas.openxmlformats.org/presentationml/2006/main">
+  <p:cSld>
+    <p:bg>
+      <p:bgPr>
+        <a:solidFill>
+          <a:schemeClr val="bg1"/>
+        </a:solidFill>
+        <a:effectLst/>
+      </p:bgPr>
+    </p:bg>
+    <p:spTree>
+      <p:nvGrpSpPr>
+        <p:cNvPr id="1" name=""/>
+        <p:cNvGrpSpPr/>
+        <p:nvPr/>
+      </p:nvGrpSpPr>
+      <p:grpSpPr>
+        <a:xfrm>
+          <a:off x="0" y="0"/>
+          <a:ext cx="0" cy="0"/>
+          <a:chOff x="0" y="0"/>
+          <a:chExt cx="0" cy="0"/>
+        </a:xfrm>
+      </p:grpSpPr>
+      <p:sp useBgFill="1">
+        <p:nvSpPr>
+          <p:cNvPr id="10" name="Rectangle 9">
+            <a:extLst>
+              <a:ext uri="{FF2B5EF4-FFF2-40B4-BE49-F238E27FC236}">
+                <a16:creationId xmlns:a16="http://schemas.microsoft.com/office/drawing/2014/main" id="{66E48AFA-8884-4F68-A44F-D2C1E8609C5A}"/>
+              </a:ext>
+              <a:ext uri="{C183D7F6-B498-43B3-948B-1728B52AA6E4}">
+                <adec:decorative xmlns:adec="http://schemas.microsoft.com/office/drawing/2017/decorative" val="1"/>
+              </a:ext>
+            </a:extLst>
+          </p:cNvPr>
+          <p:cNvSpPr>
+            <a:spLocks noGrp="1" noRot="1" noChangeAspect="1" noMove="1" noResize="1" noEditPoints="1" noAdjustHandles="1" noChangeArrowheads="1" noChangeShapeType="1" noTextEdit="1"/>
+          </p:cNvSpPr>
+          <p:nvPr>
+            <p:extLst>
+              <p:ext uri="{386F3935-93C4-4BCD-93E2-E3B085C9AB24}">
+                <p16:designElem xmlns:p16="http://schemas.microsoft.com/office/powerpoint/2015/main" val="1"/>
+              </p:ext>
+            </p:extLst>
+          </p:nvPr>
+        </p:nvSpPr>
+        <p:spPr bwMode="white">
+          <a:xfrm>
+            <a:off x="0" y="0"/>
+            <a:ext cx="12192000" cy="6858000"/>
+          </a:xfrm>
+          <a:prstGeom prst="rect">
+            <a:avLst/>
+          </a:prstGeom>
+          <a:ln>
+            <a:noFill/>
+          </a:ln>
+        </p:spPr>
+        <p:style>
+          <a:lnRef idx="2">
+            <a:schemeClr val="accent1">
+              <a:shade val="50000"/>
+            </a:schemeClr>
+          </a:lnRef>
+          <a:fillRef idx="1">
+            <a:schemeClr val="accent1"/>
+          </a:fillRef>
+          <a:effectRef idx="0">
+            <a:schemeClr val="accent1"/>
+          </a:effectRef>
+          <a:fontRef idx="minor">
+            <a:schemeClr val="lt1"/>
+          </a:fontRef>
+        </p:style>
+        <p:txBody>
+          <a:bodyPr rtlCol="0" anchor="ctr"/>
+          <a:lstStyle>
+            <a:defPPr>
+              <a:defRPr lang="en-US"/>
+            </a:defPPr>
+            <a:lvl1pPr marL="0" algn="l" defTabSz="914400" rtl="0" eaLnBrk="1" latinLnBrk="0" hangingPunct="1">
+              <a:defRPr sz="1800" kern="1200">
+                <a:solidFill>
+                  <a:schemeClr val="lt1"/>
+                </a:solidFill>
+                <a:latin typeface="+mn-lt"/>
+                <a:ea typeface="+mn-ea"/>
+                <a:cs typeface="+mn-cs"/>
+              </a:defRPr>
+            </a:lvl1pPr>
+            <a:lvl2pPr marL="457200" algn="l" defTabSz="914400" rtl="0" eaLnBrk="1" latinLnBrk="0" hangingPunct="1">
+              <a:defRPr sz="1800" kern="1200">
+                <a:solidFill>
+                  <a:schemeClr val="lt1"/>
+                </a:solidFill>
+                <a:latin typeface="+mn-lt"/>
+                <a:ea typeface="+mn-ea"/>
+                <a:cs typeface="+mn-cs"/>
+              </a:defRPr>
+            </a:lvl2pPr>
+            <a:lvl3pPr marL="914400" algn="l" defTabSz="914400" rtl="0" eaLnBrk="1" latinLnBrk="0" hangingPunct="1">
+              <a:defRPr sz="1800" kern="1200">
+                <a:solidFill>
+                  <a:schemeClr val="lt1"/>
+                </a:solidFill>
+                <a:latin typeface="+mn-lt"/>
+                <a:ea typeface="+mn-ea"/>
+                <a:cs typeface="+mn-cs"/>
+              </a:defRPr>
+            </a:lvl3pPr>
+            <a:lvl4pPr marL="1371600" algn="l" defTabSz="914400" rtl="0" eaLnBrk="1" latinLnBrk="0" hangingPunct="1">
+              <a:defRPr sz="1800" kern="1200">
+                <a:solidFill>
+                  <a:schemeClr val="lt1"/>
+                </a:solidFill>
+                <a:latin typeface="+mn-lt"/>
+                <a:ea typeface="+mn-ea"/>
+                <a:cs typeface="+mn-cs"/>
+              </a:defRPr>
+            </a:lvl4pPr>
+            <a:lvl5pPr marL="1828800" algn="l" defTabSz="914400" rtl="0" eaLnBrk="1" latinLnBrk="0" hangingPunct="1">
+              <a:defRPr sz="1800" kern="1200">
+                <a:solidFill>
+                  <a:schemeClr val="lt1"/>
+                </a:solidFill>
+                <a:latin typeface="+mn-lt"/>
+                <a:ea typeface="+mn-ea"/>
+                <a:cs typeface="+mn-cs"/>
+              </a:defRPr>
+            </a:lvl5pPr>
+            <a:lvl6pPr marL="2286000" algn="l" defTabSz="914400" rtl="0" eaLnBrk="1" latinLnBrk="0" hangingPunct="1">
+              <a:defRPr sz="1800" kern="1200">
+                <a:solidFill>
+                  <a:schemeClr val="lt1"/>
+                </a:solidFill>
+                <a:latin typeface="+mn-lt"/>
+                <a:ea typeface="+mn-ea"/>
+                <a:cs typeface="+mn-cs"/>
+              </a:defRPr>
+            </a:lvl6pPr>
+            <a:lvl7pPr marL="2743200" algn="l" defTabSz="914400" rtl="0" eaLnBrk="1" latinLnBrk="0" hangingPunct="1">
+              <a:defRPr sz="1800" kern="1200">
+                <a:solidFill>
+                  <a:schemeClr val="lt1"/>
+                </a:solidFill>
+                <a:latin typeface="+mn-lt"/>
+                <a:ea typeface="+mn-ea"/>
+                <a:cs typeface="+mn-cs"/>
+              </a:defRPr>
+            </a:lvl7pPr>
+            <a:lvl8pPr marL="3200400" algn="l" defTabSz="914400" rtl="0" eaLnBrk="1" latinLnBrk="0" hangingPunct="1">
+              <a:defRPr sz="1800" kern="1200">
+                <a:solidFill>
+                  <a:schemeClr val="lt1"/>
+                </a:solidFill>
+                <a:latin typeface="+mn-lt"/>
+                <a:ea typeface="+mn-ea"/>
+                <a:cs typeface="+mn-cs"/>
+              </a:defRPr>
+            </a:lvl8pPr>
+            <a:lvl9pPr marL="3657600" algn="l" defTabSz="914400" rtl="0" eaLnBrk="1" latinLnBrk="0" hangingPunct="1">
+              <a:defRPr sz="1800" kern="1200">
+                <a:solidFill>
+                  <a:schemeClr val="lt1"/>
+                </a:solidFill>
+                <a:latin typeface="+mn-lt"/>
+                <a:ea typeface="+mn-ea"/>
+                <a:cs typeface="+mn-cs"/>
+              </a:defRPr>
+            </a:lvl9pPr>
+          </a:lstStyle>
+          <a:p>
+            <a:pPr algn="ctr"/>
+            <a:endParaRPr lang="en-US"/>
+          </a:p>
+        </p:txBody>
+      </p:sp>
+      <p:sp>
+        <p:nvSpPr>
+          <p:cNvPr id="2" name="Title 1">
+            <a:extLst>
+              <a:ext uri="{FF2B5EF4-FFF2-40B4-BE49-F238E27FC236}">
+                <a16:creationId xmlns:a16="http://schemas.microsoft.com/office/drawing/2014/main" id="{B7A5C517-CD7A-82AC-2AB9-FF0F07AD4F1F}"/>
+              </a:ext>
+            </a:extLst>
+          </p:cNvPr>
+          <p:cNvSpPr>
+            <a:spLocks noGrp="1"/>
+          </p:cNvSpPr>
+          <p:nvPr>
+            <p:ph type="title"/>
+          </p:nvPr>
+        </p:nvSpPr>
+        <p:spPr>
+          <a:xfrm>
+            <a:off x="838201" y="3998018"/>
+            <a:ext cx="3981854" cy="2216513"/>
+          </a:xfrm>
+        </p:spPr>
+        <p:txBody>
+          <a:bodyPr>
+            <a:normAutofit/>
+          </a:bodyPr>
+          <a:lstStyle/>
+          <a:p>
+            <a:r>
+              <a:rPr lang="en-US" dirty="0"/>
+              <a:t>G</a:t>
+            </a:r>
+            <a:r>
+              <a:rPr lang="en-IL" dirty="0"/>
+              <a:t>et with filters</a:t>
+            </a:r>
+          </a:p>
+        </p:txBody>
+      </p:sp>
+      <p:sp>
+        <p:nvSpPr>
+          <p:cNvPr id="12" name="Arc 11">
+            <a:extLst>
+              <a:ext uri="{FF2B5EF4-FFF2-40B4-BE49-F238E27FC236}">
+                <a16:creationId xmlns:a16="http://schemas.microsoft.com/office/drawing/2014/main" id="{969D19A6-08CB-498C-93EC-3FFB021FC68A}"/>
+              </a:ext>
+              <a:ext uri="{C183D7F6-B498-43B3-948B-1728B52AA6E4}">
+                <adec:decorative xmlns:adec="http://schemas.microsoft.com/office/drawing/2017/decorative" val="1"/>
+              </a:ext>
+            </a:extLst>
+          </p:cNvPr>
+          <p:cNvSpPr>
+            <a:spLocks noGrp="1" noRot="1" noChangeAspect="1" noMove="1" noResize="1" noEditPoints="1" noAdjustHandles="1" noChangeArrowheads="1" noChangeShapeType="1" noTextEdit="1"/>
+          </p:cNvSpPr>
+          <p:nvPr>
+            <p:extLst>
+              <p:ext uri="{386F3935-93C4-4BCD-93E2-E3B085C9AB24}">
+                <p16:designElem xmlns:p16="http://schemas.microsoft.com/office/powerpoint/2015/main" val="1"/>
+              </p:ext>
+            </p:extLst>
+          </p:nvPr>
+        </p:nvSpPr>
+        <p:spPr>
+          <a:xfrm rot="6269068">
+            <a:off x="8717845" y="3339275"/>
+            <a:ext cx="2987899" cy="2987899"/>
+          </a:xfrm>
+          <a:prstGeom prst="arc">
+            <a:avLst>
+              <a:gd name="adj1" fmla="val 14441841"/>
+              <a:gd name="adj2" fmla="val 0"/>
+            </a:avLst>
+          </a:prstGeom>
+          <a:ln w="127000" cap="rnd">
+            <a:solidFill>
+              <a:schemeClr val="accent4"/>
+            </a:solidFill>
+            <a:prstDash val="dash"/>
+            <a:miter lim="800000"/>
+          </a:ln>
+        </p:spPr>
+        <p:style>
+          <a:lnRef idx="1">
+            <a:schemeClr val="accent1"/>
+          </a:lnRef>
+          <a:fillRef idx="0">
+            <a:schemeClr val="accent1"/>
+          </a:fillRef>
+          <a:effectRef idx="0">
+            <a:schemeClr val="accent1"/>
+          </a:effectRef>
+          <a:fontRef idx="minor">
+            <a:schemeClr val="tx1"/>
+          </a:fontRef>
+        </p:style>
+        <p:txBody>
+          <a:bodyPr rtlCol="0" anchor="ctr"/>
+          <a:lstStyle/>
+          <a:p>
+            <a:pPr marL="0" marR="0" lvl="0" indent="0" algn="ctr" defTabSz="914400" rtl="0" eaLnBrk="1" fontAlgn="auto" latinLnBrk="0" hangingPunct="1">
+              <a:lnSpc>
+                <a:spcPct val="100000"/>
+              </a:lnSpc>
+              <a:spcBef>
+                <a:spcPts val="0"/>
+              </a:spcBef>
+              <a:spcAft>
+                <a:spcPts val="0"/>
+              </a:spcAft>
+              <a:buClrTx/>
+              <a:buSzTx/>
+              <a:buFontTx/>
+              <a:buNone/>
+              <a:tabLst/>
+              <a:defRPr/>
+            </a:pPr>
+            <a:endParaRPr kumimoji="0" lang="en-US" sz="1800" b="0" i="0" u="none" strike="noStrike" kern="1200" cap="none" spc="0" normalizeH="0" baseline="0" noProof="0">
+              <a:ln>
+                <a:noFill/>
+              </a:ln>
+              <a:solidFill>
+                <a:srgbClr val="000000"/>
+              </a:solidFill>
+              <a:effectLst/>
+              <a:uLnTx/>
+              <a:uFillTx/>
+              <a:latin typeface="Calibri" panose="020F0502020204030204"/>
+              <a:ea typeface="+mn-ea"/>
+              <a:cs typeface="+mn-cs"/>
+            </a:endParaRPr>
+          </a:p>
+        </p:txBody>
+      </p:sp>
+      <p:pic>
+        <p:nvPicPr>
+          <p:cNvPr id="5" name="Picture 4" descr="A picture containing text, font, screenshot&#10;&#10;Description automatically generated">
+            <a:extLst>
+              <a:ext uri="{FF2B5EF4-FFF2-40B4-BE49-F238E27FC236}">
+                <a16:creationId xmlns:a16="http://schemas.microsoft.com/office/drawing/2014/main" id="{BD90B031-242B-3AD2-801A-386F1ABAD560}"/>
+              </a:ext>
+            </a:extLst>
+          </p:cNvPr>
+          <p:cNvPicPr>
+            <a:picLocks noChangeAspect="1"/>
+          </p:cNvPicPr>
+          <p:nvPr/>
+        </p:nvPicPr>
+        <p:blipFill>
+          <a:blip r:embed="rId2"/>
+          <a:stretch>
+            <a:fillRect/>
+          </a:stretch>
+        </p:blipFill>
+        <p:spPr>
+          <a:xfrm>
+            <a:off x="976225" y="704504"/>
+            <a:ext cx="10239549" cy="2957472"/>
+          </a:xfrm>
+          <a:custGeom>
+            <a:avLst/>
+            <a:gdLst/>
+            <a:ahLst/>
+            <a:cxnLst/>
+            <a:rect l="l" t="t" r="r" b="b"/>
+            <a:pathLst>
+              <a:path w="10580201" h="2957472">
+                <a:moveTo>
+                  <a:pt x="88961" y="0"/>
+                </a:moveTo>
+                <a:lnTo>
+                  <a:pt x="10491240" y="0"/>
+                </a:lnTo>
+                <a:cubicBezTo>
+                  <a:pt x="10540372" y="0"/>
+                  <a:pt x="10580201" y="39829"/>
+                  <a:pt x="10580201" y="88961"/>
+                </a:cubicBezTo>
+                <a:lnTo>
+                  <a:pt x="10580201" y="2868511"/>
+                </a:lnTo>
+                <a:cubicBezTo>
+                  <a:pt x="10580201" y="2917643"/>
+                  <a:pt x="10540372" y="2957472"/>
+                  <a:pt x="10491240" y="2957472"/>
+                </a:cubicBezTo>
+                <a:lnTo>
+                  <a:pt x="88961" y="2957472"/>
+                </a:lnTo>
+                <a:cubicBezTo>
+                  <a:pt x="39829" y="2957472"/>
+                  <a:pt x="0" y="2917643"/>
+                  <a:pt x="0" y="2868511"/>
+                </a:cubicBezTo>
+                <a:lnTo>
+                  <a:pt x="0" y="88961"/>
+                </a:lnTo>
+                <a:cubicBezTo>
+                  <a:pt x="0" y="39829"/>
+                  <a:pt x="39829" y="0"/>
+                  <a:pt x="88961" y="0"/>
+                </a:cubicBezTo>
+                <a:close/>
+              </a:path>
+            </a:pathLst>
+          </a:custGeom>
+        </p:spPr>
+      </p:pic>
+      <p:sp>
+        <p:nvSpPr>
+          <p:cNvPr id="3" name="Content Placeholder 2">
+            <a:extLst>
+              <a:ext uri="{FF2B5EF4-FFF2-40B4-BE49-F238E27FC236}">
+                <a16:creationId xmlns:a16="http://schemas.microsoft.com/office/drawing/2014/main" id="{9DC2FDC0-2057-19BE-EE0E-EF59F0BF5F94}"/>
+              </a:ext>
+            </a:extLst>
+          </p:cNvPr>
+          <p:cNvSpPr>
+            <a:spLocks noGrp="1"/>
+          </p:cNvSpPr>
+          <p:nvPr>
+            <p:ph idx="1"/>
+          </p:nvPr>
+        </p:nvSpPr>
+        <p:spPr>
+          <a:xfrm>
+            <a:off x="4970835" y="3998019"/>
+            <a:ext cx="6382966" cy="2216512"/>
+          </a:xfrm>
+        </p:spPr>
+        <p:txBody>
+          <a:bodyPr>
+            <a:normAutofit fontScale="92500" lnSpcReduction="10000"/>
+          </a:bodyPr>
+          <a:lstStyle/>
+          <a:p>
+            <a:r>
+              <a:rPr lang="en-US" b="0" i="0" dirty="0">
+                <a:effectLst/>
+                <a:latin typeface="Söhne"/>
+              </a:rPr>
+              <a:t>To perform a SELECT query with a condition using </a:t>
+            </a:r>
+            <a:r>
+              <a:rPr lang="en-US" b="0" i="0" dirty="0" err="1">
+                <a:effectLst/>
+                <a:latin typeface="Söhne"/>
+              </a:rPr>
+              <a:t>Supabase</a:t>
+            </a:r>
+            <a:r>
+              <a:rPr lang="en-US" b="0" i="0" dirty="0">
+                <a:effectLst/>
+                <a:latin typeface="Söhne"/>
+              </a:rPr>
+              <a:t>, you can use the </a:t>
+            </a:r>
+            <a:r>
+              <a:rPr lang="en-US" dirty="0"/>
+              <a:t>.select()</a:t>
+            </a:r>
+            <a:r>
+              <a:rPr lang="en-US" b="0" i="0" dirty="0">
+                <a:effectLst/>
+                <a:latin typeface="Söhne"/>
+              </a:rPr>
+              <a:t> method and provide a filter or condition using the </a:t>
+            </a:r>
+            <a:r>
+              <a:rPr lang="en-US" dirty="0"/>
+              <a:t>.eq()</a:t>
+            </a:r>
+            <a:r>
+              <a:rPr lang="en-US" b="0" i="0" dirty="0">
+                <a:effectLst/>
+                <a:latin typeface="Söhne"/>
+              </a:rPr>
+              <a:t> method. Here's an example: https://</a:t>
+            </a:r>
+            <a:r>
+              <a:rPr lang="en-US" b="0" i="0" dirty="0" err="1">
+                <a:effectLst/>
+                <a:latin typeface="Söhne"/>
+              </a:rPr>
+              <a:t>supabase.com</a:t>
+            </a:r>
+            <a:r>
+              <a:rPr lang="en-US" b="0" i="0" dirty="0">
+                <a:effectLst/>
+                <a:latin typeface="Söhne"/>
+              </a:rPr>
+              <a:t>/docs/reference/</a:t>
+            </a:r>
+            <a:r>
+              <a:rPr lang="en-US" b="0" i="0" dirty="0" err="1">
+                <a:effectLst/>
+                <a:latin typeface="Söhne"/>
+              </a:rPr>
+              <a:t>javascript</a:t>
+            </a:r>
+            <a:r>
+              <a:rPr lang="en-US" b="0" i="0" dirty="0">
+                <a:effectLst/>
+                <a:latin typeface="Söhne"/>
+              </a:rPr>
+              <a:t>/using-filters</a:t>
+            </a:r>
+            <a:endParaRPr lang="en-IL" dirty="0"/>
+          </a:p>
+        </p:txBody>
+      </p:sp>
+    </p:spTree>
+    <p:extLst>
+      <p:ext uri="{BB962C8B-B14F-4D97-AF65-F5344CB8AC3E}">
+        <p14:creationId xmlns:p14="http://schemas.microsoft.com/office/powerpoint/2010/main" val="4139687536"/>
+      </p:ext>
+    </p:extLst>
+  </p:cSld>
+  <p:clrMapOvr>
+    <a:masterClrMapping/>
+  </p:clrMapOvr>
+</p:sld>
+</file>
+
+<file path=ppt/slides/slide39.xml><?xml version="1.0" encoding="utf-8"?>
+<p:sld xmlns:a="http://schemas.openxmlformats.org/drawingml/2006/main" xmlns:r="http://schemas.openxmlformats.org/officeDocument/2006/relationships" xmlns:p="http://schemas.openxmlformats.org/presentationml/2006/main">
+  <p:cSld>
+    <p:bg>
+      <p:bgPr>
+        <a:solidFill>
+          <a:schemeClr val="bg1"/>
+        </a:solidFill>
+        <a:effectLst/>
+      </p:bgPr>
+    </p:bg>
+    <p:spTree>
+      <p:nvGrpSpPr>
+        <p:cNvPr id="1" name=""/>
+        <p:cNvGrpSpPr/>
+        <p:nvPr/>
+      </p:nvGrpSpPr>
+      <p:grpSpPr>
+        <a:xfrm>
+          <a:off x="0" y="0"/>
+          <a:ext cx="0" cy="0"/>
+          <a:chOff x="0" y="0"/>
+          <a:chExt cx="0" cy="0"/>
+        </a:xfrm>
+      </p:grpSpPr>
+      <p:sp useBgFill="1">
+        <p:nvSpPr>
+          <p:cNvPr id="12" name="Rectangle 11">
+            <a:extLst>
+              <a:ext uri="{FF2B5EF4-FFF2-40B4-BE49-F238E27FC236}">
+                <a16:creationId xmlns:a16="http://schemas.microsoft.com/office/drawing/2014/main" id="{66E48AFA-8884-4F68-A44F-D2C1E8609C5A}"/>
+              </a:ext>
+              <a:ext uri="{C183D7F6-B498-43B3-948B-1728B52AA6E4}">
+                <adec:decorative xmlns:adec="http://schemas.microsoft.com/office/drawing/2017/decorative" val="1"/>
+              </a:ext>
+            </a:extLst>
+          </p:cNvPr>
+          <p:cNvSpPr>
+            <a:spLocks noGrp="1" noRot="1" noChangeAspect="1" noMove="1" noResize="1" noEditPoints="1" noAdjustHandles="1" noChangeArrowheads="1" noChangeShapeType="1" noTextEdit="1"/>
+          </p:cNvSpPr>
+          <p:nvPr>
+            <p:extLst>
+              <p:ext uri="{386F3935-93C4-4BCD-93E2-E3B085C9AB24}">
+                <p16:designElem xmlns:p16="http://schemas.microsoft.com/office/powerpoint/2015/main" val="1"/>
+              </p:ext>
+            </p:extLst>
+          </p:nvPr>
+        </p:nvSpPr>
+        <p:spPr bwMode="white">
+          <a:xfrm>
+            <a:off x="0" y="0"/>
+            <a:ext cx="12192000" cy="6858000"/>
+          </a:xfrm>
+          <a:prstGeom prst="rect">
+            <a:avLst/>
+          </a:prstGeom>
+          <a:ln>
+            <a:noFill/>
+          </a:ln>
+        </p:spPr>
+        <p:style>
+          <a:lnRef idx="2">
+            <a:schemeClr val="accent1">
+              <a:shade val="50000"/>
+            </a:schemeClr>
+          </a:lnRef>
+          <a:fillRef idx="1">
+            <a:schemeClr val="accent1"/>
+          </a:fillRef>
+          <a:effectRef idx="0">
+            <a:schemeClr val="accent1"/>
+          </a:effectRef>
+          <a:fontRef idx="minor">
+            <a:schemeClr val="lt1"/>
+          </a:fontRef>
+        </p:style>
+        <p:txBody>
+          <a:bodyPr rtlCol="0" anchor="ctr"/>
+          <a:lstStyle>
+            <a:defPPr>
+              <a:defRPr lang="en-US"/>
+            </a:defPPr>
+            <a:lvl1pPr marL="0" algn="l" defTabSz="914400" rtl="0" eaLnBrk="1" latinLnBrk="0" hangingPunct="1">
+              <a:defRPr sz="1800" kern="1200">
+                <a:solidFill>
+                  <a:schemeClr val="lt1"/>
+                </a:solidFill>
+                <a:latin typeface="+mn-lt"/>
+                <a:ea typeface="+mn-ea"/>
+                <a:cs typeface="+mn-cs"/>
+              </a:defRPr>
+            </a:lvl1pPr>
+            <a:lvl2pPr marL="457200" algn="l" defTabSz="914400" rtl="0" eaLnBrk="1" latinLnBrk="0" hangingPunct="1">
+              <a:defRPr sz="1800" kern="1200">
+                <a:solidFill>
+                  <a:schemeClr val="lt1"/>
+                </a:solidFill>
+                <a:latin typeface="+mn-lt"/>
+                <a:ea typeface="+mn-ea"/>
+                <a:cs typeface="+mn-cs"/>
+              </a:defRPr>
+            </a:lvl2pPr>
+            <a:lvl3pPr marL="914400" algn="l" defTabSz="914400" rtl="0" eaLnBrk="1" latinLnBrk="0" hangingPunct="1">
+              <a:defRPr sz="1800" kern="1200">
+                <a:solidFill>
+                  <a:schemeClr val="lt1"/>
+                </a:solidFill>
+                <a:latin typeface="+mn-lt"/>
+                <a:ea typeface="+mn-ea"/>
+                <a:cs typeface="+mn-cs"/>
+              </a:defRPr>
+            </a:lvl3pPr>
+            <a:lvl4pPr marL="1371600" algn="l" defTabSz="914400" rtl="0" eaLnBrk="1" latinLnBrk="0" hangingPunct="1">
+              <a:defRPr sz="1800" kern="1200">
+                <a:solidFill>
+                  <a:schemeClr val="lt1"/>
+                </a:solidFill>
+                <a:latin typeface="+mn-lt"/>
+                <a:ea typeface="+mn-ea"/>
+                <a:cs typeface="+mn-cs"/>
+              </a:defRPr>
+            </a:lvl4pPr>
+            <a:lvl5pPr marL="1828800" algn="l" defTabSz="914400" rtl="0" eaLnBrk="1" latinLnBrk="0" hangingPunct="1">
+              <a:defRPr sz="1800" kern="1200">
+                <a:solidFill>
+                  <a:schemeClr val="lt1"/>
+                </a:solidFill>
+                <a:latin typeface="+mn-lt"/>
+                <a:ea typeface="+mn-ea"/>
+                <a:cs typeface="+mn-cs"/>
+              </a:defRPr>
+            </a:lvl5pPr>
+            <a:lvl6pPr marL="2286000" algn="l" defTabSz="914400" rtl="0" eaLnBrk="1" latinLnBrk="0" hangingPunct="1">
+              <a:defRPr sz="1800" kern="1200">
+                <a:solidFill>
+                  <a:schemeClr val="lt1"/>
+                </a:solidFill>
+                <a:latin typeface="+mn-lt"/>
+                <a:ea typeface="+mn-ea"/>
+                <a:cs typeface="+mn-cs"/>
+              </a:defRPr>
+            </a:lvl6pPr>
+            <a:lvl7pPr marL="2743200" algn="l" defTabSz="914400" rtl="0" eaLnBrk="1" latinLnBrk="0" hangingPunct="1">
+              <a:defRPr sz="1800" kern="1200">
+                <a:solidFill>
+                  <a:schemeClr val="lt1"/>
+                </a:solidFill>
+                <a:latin typeface="+mn-lt"/>
+                <a:ea typeface="+mn-ea"/>
+                <a:cs typeface="+mn-cs"/>
+              </a:defRPr>
+            </a:lvl7pPr>
+            <a:lvl8pPr marL="3200400" algn="l" defTabSz="914400" rtl="0" eaLnBrk="1" latinLnBrk="0" hangingPunct="1">
+              <a:defRPr sz="1800" kern="1200">
+                <a:solidFill>
+                  <a:schemeClr val="lt1"/>
+                </a:solidFill>
+                <a:latin typeface="+mn-lt"/>
+                <a:ea typeface="+mn-ea"/>
+                <a:cs typeface="+mn-cs"/>
+              </a:defRPr>
+            </a:lvl8pPr>
+            <a:lvl9pPr marL="3657600" algn="l" defTabSz="914400" rtl="0" eaLnBrk="1" latinLnBrk="0" hangingPunct="1">
+              <a:defRPr sz="1800" kern="1200">
+                <a:solidFill>
+                  <a:schemeClr val="lt1"/>
+                </a:solidFill>
+                <a:latin typeface="+mn-lt"/>
+                <a:ea typeface="+mn-ea"/>
+                <a:cs typeface="+mn-cs"/>
+              </a:defRPr>
+            </a:lvl9pPr>
+          </a:lstStyle>
+          <a:p>
+            <a:pPr algn="ctr"/>
+            <a:endParaRPr lang="en-US"/>
+          </a:p>
+        </p:txBody>
+      </p:sp>
+      <p:sp>
+        <p:nvSpPr>
+          <p:cNvPr id="2" name="Title 1">
+            <a:extLst>
+              <a:ext uri="{FF2B5EF4-FFF2-40B4-BE49-F238E27FC236}">
+                <a16:creationId xmlns:a16="http://schemas.microsoft.com/office/drawing/2014/main" id="{B7A5C517-CD7A-82AC-2AB9-FF0F07AD4F1F}"/>
+              </a:ext>
+            </a:extLst>
+          </p:cNvPr>
+          <p:cNvSpPr>
+            <a:spLocks noGrp="1"/>
+          </p:cNvSpPr>
+          <p:nvPr>
+            <p:ph type="title"/>
+          </p:nvPr>
+        </p:nvSpPr>
+        <p:spPr>
+          <a:xfrm>
+            <a:off x="838201" y="3998018"/>
+            <a:ext cx="3981854" cy="2216513"/>
+          </a:xfrm>
+        </p:spPr>
+        <p:txBody>
+          <a:bodyPr>
+            <a:normAutofit/>
+          </a:bodyPr>
+          <a:lstStyle/>
+          <a:p>
+            <a:r>
+              <a:rPr lang="en-US" dirty="0"/>
+              <a:t>G</a:t>
+            </a:r>
+            <a:r>
+              <a:rPr lang="en-IL" dirty="0"/>
+              <a:t>et grater than</a:t>
+            </a:r>
+          </a:p>
+        </p:txBody>
+      </p:sp>
+      <p:sp>
+        <p:nvSpPr>
+          <p:cNvPr id="14" name="Arc 13">
+            <a:extLst>
+              <a:ext uri="{FF2B5EF4-FFF2-40B4-BE49-F238E27FC236}">
+                <a16:creationId xmlns:a16="http://schemas.microsoft.com/office/drawing/2014/main" id="{969D19A6-08CB-498C-93EC-3FFB021FC68A}"/>
+              </a:ext>
+              <a:ext uri="{C183D7F6-B498-43B3-948B-1728B52AA6E4}">
+                <adec:decorative xmlns:adec="http://schemas.microsoft.com/office/drawing/2017/decorative" val="1"/>
+              </a:ext>
+            </a:extLst>
+          </p:cNvPr>
+          <p:cNvSpPr>
+            <a:spLocks noGrp="1" noRot="1" noChangeAspect="1" noMove="1" noResize="1" noEditPoints="1" noAdjustHandles="1" noChangeArrowheads="1" noChangeShapeType="1" noTextEdit="1"/>
+          </p:cNvSpPr>
+          <p:nvPr>
+            <p:extLst>
+              <p:ext uri="{386F3935-93C4-4BCD-93E2-E3B085C9AB24}">
+                <p16:designElem xmlns:p16="http://schemas.microsoft.com/office/powerpoint/2015/main" val="1"/>
+              </p:ext>
+            </p:extLst>
+          </p:nvPr>
+        </p:nvSpPr>
+        <p:spPr>
+          <a:xfrm rot="6269068">
+            <a:off x="8717845" y="3339275"/>
+            <a:ext cx="2987899" cy="2987899"/>
+          </a:xfrm>
+          <a:prstGeom prst="arc">
+            <a:avLst>
+              <a:gd name="adj1" fmla="val 14441841"/>
+              <a:gd name="adj2" fmla="val 0"/>
+            </a:avLst>
+          </a:prstGeom>
+          <a:ln w="127000" cap="rnd">
+            <a:solidFill>
+              <a:schemeClr val="accent4"/>
+            </a:solidFill>
+            <a:prstDash val="dash"/>
+            <a:miter lim="800000"/>
+          </a:ln>
+        </p:spPr>
+        <p:style>
+          <a:lnRef idx="1">
+            <a:schemeClr val="accent1"/>
+          </a:lnRef>
+          <a:fillRef idx="0">
+            <a:schemeClr val="accent1"/>
+          </a:fillRef>
+          <a:effectRef idx="0">
+            <a:schemeClr val="accent1"/>
+          </a:effectRef>
+          <a:fontRef idx="minor">
+            <a:schemeClr val="tx1"/>
+          </a:fontRef>
+        </p:style>
+        <p:txBody>
+          <a:bodyPr rtlCol="0" anchor="ctr"/>
+          <a:lstStyle/>
+          <a:p>
+            <a:pPr marL="0" marR="0" lvl="0" indent="0" algn="ctr" defTabSz="914400" rtl="0" eaLnBrk="1" fontAlgn="auto" latinLnBrk="0" hangingPunct="1">
+              <a:lnSpc>
+                <a:spcPct val="100000"/>
+              </a:lnSpc>
+              <a:spcBef>
+                <a:spcPts val="0"/>
+              </a:spcBef>
+              <a:spcAft>
+                <a:spcPts val="0"/>
+              </a:spcAft>
+              <a:buClrTx/>
+              <a:buSzTx/>
+              <a:buFontTx/>
+              <a:buNone/>
+              <a:tabLst/>
+              <a:defRPr/>
+            </a:pPr>
+            <a:endParaRPr kumimoji="0" lang="en-US" sz="1800" b="0" i="0" u="none" strike="noStrike" kern="1200" cap="none" spc="0" normalizeH="0" baseline="0" noProof="0">
+              <a:ln>
+                <a:noFill/>
+              </a:ln>
+              <a:solidFill>
+                <a:srgbClr val="000000"/>
+              </a:solidFill>
+              <a:effectLst/>
+              <a:uLnTx/>
+              <a:uFillTx/>
+              <a:latin typeface="Calibri" panose="020F0502020204030204"/>
+              <a:ea typeface="+mn-ea"/>
+              <a:cs typeface="+mn-cs"/>
+            </a:endParaRPr>
+          </a:p>
+        </p:txBody>
+      </p:sp>
+      <p:pic>
+        <p:nvPicPr>
+          <p:cNvPr id="5" name="Content Placeholder 4" descr="A picture containing text, font, screenshot&#10;&#10;Description automatically generated">
+            <a:extLst>
+              <a:ext uri="{FF2B5EF4-FFF2-40B4-BE49-F238E27FC236}">
+                <a16:creationId xmlns:a16="http://schemas.microsoft.com/office/drawing/2014/main" id="{D1B6F801-3518-5DDA-323F-4A9452A443EA}"/>
+              </a:ext>
+            </a:extLst>
+          </p:cNvPr>
+          <p:cNvPicPr>
+            <a:picLocks noChangeAspect="1"/>
+          </p:cNvPicPr>
+          <p:nvPr/>
+        </p:nvPicPr>
+        <p:blipFill>
+          <a:blip r:embed="rId2"/>
+          <a:stretch>
+            <a:fillRect/>
+          </a:stretch>
+        </p:blipFill>
+        <p:spPr>
+          <a:xfrm>
+            <a:off x="710288" y="704504"/>
+            <a:ext cx="10771424" cy="2957472"/>
+          </a:xfrm>
+          <a:custGeom>
+            <a:avLst/>
+            <a:gdLst/>
+            <a:ahLst/>
+            <a:cxnLst/>
+            <a:rect l="l" t="t" r="r" b="b"/>
+            <a:pathLst>
+              <a:path w="10580201" h="2957472">
+                <a:moveTo>
+                  <a:pt x="88961" y="0"/>
+                </a:moveTo>
+                <a:lnTo>
+                  <a:pt x="10491240" y="0"/>
+                </a:lnTo>
+                <a:cubicBezTo>
+                  <a:pt x="10540372" y="0"/>
+                  <a:pt x="10580201" y="39829"/>
+                  <a:pt x="10580201" y="88961"/>
+                </a:cubicBezTo>
+                <a:lnTo>
+                  <a:pt x="10580201" y="2868511"/>
+                </a:lnTo>
+                <a:cubicBezTo>
+                  <a:pt x="10580201" y="2917643"/>
+                  <a:pt x="10540372" y="2957472"/>
+                  <a:pt x="10491240" y="2957472"/>
+                </a:cubicBezTo>
+                <a:lnTo>
+                  <a:pt x="88961" y="2957472"/>
+                </a:lnTo>
+                <a:cubicBezTo>
+                  <a:pt x="39829" y="2957472"/>
+                  <a:pt x="0" y="2917643"/>
+                  <a:pt x="0" y="2868511"/>
+                </a:cubicBezTo>
+                <a:lnTo>
+                  <a:pt x="0" y="88961"/>
+                </a:lnTo>
+                <a:cubicBezTo>
+                  <a:pt x="0" y="39829"/>
+                  <a:pt x="39829" y="0"/>
+                  <a:pt x="88961" y="0"/>
+                </a:cubicBezTo>
+                <a:close/>
+              </a:path>
+            </a:pathLst>
+          </a:custGeom>
+        </p:spPr>
+      </p:pic>
+      <p:sp>
+        <p:nvSpPr>
+          <p:cNvPr id="9" name="Content Placeholder 8">
+            <a:extLst>
+              <a:ext uri="{FF2B5EF4-FFF2-40B4-BE49-F238E27FC236}">
+                <a16:creationId xmlns:a16="http://schemas.microsoft.com/office/drawing/2014/main" id="{CC90C383-6A77-F77E-81E5-1B5C4132E93E}"/>
+              </a:ext>
+            </a:extLst>
+          </p:cNvPr>
+          <p:cNvSpPr>
+            <a:spLocks noGrp="1"/>
+          </p:cNvSpPr>
+          <p:nvPr>
+            <p:ph idx="1"/>
+          </p:nvPr>
+        </p:nvSpPr>
+        <p:spPr>
+          <a:xfrm>
+            <a:off x="4970835" y="3998019"/>
+            <a:ext cx="6382966" cy="2216512"/>
+          </a:xfrm>
+        </p:spPr>
+        <p:txBody>
+          <a:bodyPr>
+            <a:normAutofit/>
+          </a:bodyPr>
+          <a:lstStyle/>
+          <a:p>
+            <a:r>
+              <a:rPr lang="en-US" b="0" dirty="0">
+                <a:effectLst/>
+              </a:rPr>
+              <a:t>Match only rows where column is greater than value.</a:t>
+            </a:r>
+          </a:p>
+          <a:p>
+            <a:pPr algn="l"/>
+            <a:br>
+              <a:rPr lang="en-US" b="0" i="0" dirty="0">
+                <a:solidFill>
+                  <a:srgbClr val="FFFFFF"/>
+                </a:solidFill>
+                <a:effectLst/>
+                <a:latin typeface="Circular"/>
+              </a:rPr>
+            </a:br>
+            <a:endParaRPr lang="en-US" b="0" i="0" dirty="0">
+              <a:solidFill>
+                <a:srgbClr val="FFFFFF"/>
+              </a:solidFill>
+              <a:effectLst/>
+              <a:latin typeface="Circular"/>
+            </a:endParaRPr>
+          </a:p>
+          <a:p>
+            <a:endParaRPr lang="en-US" dirty="0"/>
+          </a:p>
+        </p:txBody>
+      </p:sp>
+    </p:spTree>
+    <p:extLst>
+      <p:ext uri="{BB962C8B-B14F-4D97-AF65-F5344CB8AC3E}">
+        <p14:creationId xmlns:p14="http://schemas.microsoft.com/office/powerpoint/2010/main" val="577376740"/>
       </p:ext>
     </p:extLst>
   </p:cSld>
@@ -9480,6 +10776,7676 @@
 </p:sld>
 </file>
 
+<file path=ppt/slides/slide40.xml><?xml version="1.0" encoding="utf-8"?>
+<p:sld xmlns:a="http://schemas.openxmlformats.org/drawingml/2006/main" xmlns:r="http://schemas.openxmlformats.org/officeDocument/2006/relationships" xmlns:p="http://schemas.openxmlformats.org/presentationml/2006/main">
+  <p:cSld>
+    <p:bg>
+      <p:bgPr>
+        <a:solidFill>
+          <a:schemeClr val="bg1"/>
+        </a:solidFill>
+        <a:effectLst/>
+      </p:bgPr>
+    </p:bg>
+    <p:spTree>
+      <p:nvGrpSpPr>
+        <p:cNvPr id="1" name=""/>
+        <p:cNvGrpSpPr/>
+        <p:nvPr/>
+      </p:nvGrpSpPr>
+      <p:grpSpPr>
+        <a:xfrm>
+          <a:off x="0" y="0"/>
+          <a:ext cx="0" cy="0"/>
+          <a:chOff x="0" y="0"/>
+          <a:chExt cx="0" cy="0"/>
+        </a:xfrm>
+      </p:grpSpPr>
+      <p:sp useBgFill="1">
+        <p:nvSpPr>
+          <p:cNvPr id="10" name="Rectangle 9">
+            <a:extLst>
+              <a:ext uri="{FF2B5EF4-FFF2-40B4-BE49-F238E27FC236}">
+                <a16:creationId xmlns:a16="http://schemas.microsoft.com/office/drawing/2014/main" id="{8B3A2D1A-45FC-4F95-B150-1C13EF2F6D09}"/>
+              </a:ext>
+              <a:ext uri="{C183D7F6-B498-43B3-948B-1728B52AA6E4}">
+                <adec:decorative xmlns:adec="http://schemas.microsoft.com/office/drawing/2017/decorative" val="1"/>
+              </a:ext>
+            </a:extLst>
+          </p:cNvPr>
+          <p:cNvSpPr>
+            <a:spLocks noGrp="1" noRot="1" noChangeAspect="1" noMove="1" noResize="1" noEditPoints="1" noAdjustHandles="1" noChangeArrowheads="1" noChangeShapeType="1" noTextEdit="1"/>
+          </p:cNvSpPr>
+          <p:nvPr>
+            <p:extLst>
+              <p:ext uri="{386F3935-93C4-4BCD-93E2-E3B085C9AB24}">
+                <p16:designElem xmlns:p16="http://schemas.microsoft.com/office/powerpoint/2015/main" val="1"/>
+              </p:ext>
+            </p:extLst>
+          </p:nvPr>
+        </p:nvSpPr>
+        <p:spPr>
+          <a:xfrm>
+            <a:off x="0" y="0"/>
+            <a:ext cx="12192000" cy="6858000"/>
+          </a:xfrm>
+          <a:prstGeom prst="rect">
+            <a:avLst/>
+          </a:prstGeom>
+          <a:ln w="12700" cap="flat" cmpd="sng" algn="ctr">
+            <a:noFill/>
+            <a:prstDash val="solid"/>
+            <a:miter lim="800000"/>
+          </a:ln>
+          <a:effectLst/>
+          <a:extLst>
+            <a:ext uri="{91240B29-F687-4F45-9708-019B960494DF}">
+              <a14:hiddenLine xmlns:a14="http://schemas.microsoft.com/office/drawing/2010/main" w="12700" cap="flat" cmpd="sng" algn="ctr">
+                <a:solidFill>
+                  <a:schemeClr val="accent1">
+                    <a:shade val="50000"/>
+                  </a:schemeClr>
+                </a:solidFill>
+                <a:prstDash val="solid"/>
+                <a:miter lim="800000"/>
+              </a14:hiddenLine>
+            </a:ext>
+          </a:extLst>
+        </p:spPr>
+        <p:style>
+          <a:lnRef idx="2">
+            <a:schemeClr val="accent1">
+              <a:shade val="50000"/>
+            </a:schemeClr>
+          </a:lnRef>
+          <a:fillRef idx="1">
+            <a:schemeClr val="accent1"/>
+          </a:fillRef>
+          <a:effectRef idx="0">
+            <a:schemeClr val="accent1"/>
+          </a:effectRef>
+          <a:fontRef idx="minor">
+            <a:schemeClr val="lt1"/>
+          </a:fontRef>
+        </p:style>
+        <p:txBody>
+          <a:bodyPr rtlCol="0" anchor="ctr"/>
+          <a:lstStyle/>
+          <a:p>
+            <a:pPr algn="ctr"/>
+            <a:endParaRPr lang="en-US"/>
+          </a:p>
+        </p:txBody>
+      </p:sp>
+      <p:sp>
+        <p:nvSpPr>
+          <p:cNvPr id="12" name="Freeform: Shape 11">
+            <a:extLst>
+              <a:ext uri="{FF2B5EF4-FFF2-40B4-BE49-F238E27FC236}">
+                <a16:creationId xmlns:a16="http://schemas.microsoft.com/office/drawing/2014/main" id="{39C3C864-C625-4883-B868-9A4C470F4DD5}"/>
+              </a:ext>
+              <a:ext uri="{C183D7F6-B498-43B3-948B-1728B52AA6E4}">
+                <adec:decorative xmlns:adec="http://schemas.microsoft.com/office/drawing/2017/decorative" val="1"/>
+              </a:ext>
+            </a:extLst>
+          </p:cNvPr>
+          <p:cNvSpPr>
+            <a:spLocks noGrp="1" noRot="1" noChangeAspect="1" noMove="1" noResize="1" noEditPoints="1" noAdjustHandles="1" noChangeArrowheads="1" noChangeShapeType="1" noTextEdit="1"/>
+          </p:cNvSpPr>
+          <p:nvPr>
+            <p:extLst>
+              <p:ext uri="{386F3935-93C4-4BCD-93E2-E3B085C9AB24}">
+                <p16:designElem xmlns:p16="http://schemas.microsoft.com/office/powerpoint/2015/main" val="1"/>
+              </p:ext>
+            </p:extLst>
+          </p:nvPr>
+        </p:nvSpPr>
+        <p:spPr>
+          <a:xfrm rot="10800000">
+            <a:off x="-3291" y="3296652"/>
+            <a:ext cx="12202113" cy="3561346"/>
+          </a:xfrm>
+          <a:custGeom>
+            <a:avLst/>
+            <a:gdLst>
+              <a:gd name="connsiteX0" fmla="*/ 0 w 12202113"/>
+              <a:gd name="connsiteY0" fmla="*/ 3188466 h 3188466"/>
+              <a:gd name="connsiteX1" fmla="*/ 10116 w 12202113"/>
+              <a:gd name="connsiteY1" fmla="*/ 2657641 h 3188466"/>
+              <a:gd name="connsiteX2" fmla="*/ 10116 w 12202113"/>
+              <a:gd name="connsiteY2" fmla="*/ 0 h 3188466"/>
+              <a:gd name="connsiteX3" fmla="*/ 12202113 w 12202113"/>
+              <a:gd name="connsiteY3" fmla="*/ 0 h 3188466"/>
+              <a:gd name="connsiteX4" fmla="*/ 12202113 w 12202113"/>
+              <a:gd name="connsiteY4" fmla="*/ 2879832 h 3188466"/>
+              <a:gd name="connsiteX5" fmla="*/ 12198167 w 12202113"/>
+              <a:gd name="connsiteY5" fmla="*/ 2880360 h 3188466"/>
+              <a:gd name="connsiteX6" fmla="*/ 12122128 w 12202113"/>
+              <a:gd name="connsiteY6" fmla="*/ 2887194 h 3188466"/>
+              <a:gd name="connsiteX7" fmla="*/ 12028868 w 12202113"/>
+              <a:gd name="connsiteY7" fmla="*/ 2911786 h 3188466"/>
+              <a:gd name="connsiteX8" fmla="*/ 11995238 w 12202113"/>
+              <a:gd name="connsiteY8" fmla="*/ 2914090 h 3188466"/>
+              <a:gd name="connsiteX9" fmla="*/ 11996460 w 12202113"/>
+              <a:gd name="connsiteY9" fmla="*/ 2918442 h 3188466"/>
+              <a:gd name="connsiteX10" fmla="*/ 11983968 w 12202113"/>
+              <a:gd name="connsiteY10" fmla="*/ 2918762 h 3188466"/>
+              <a:gd name="connsiteX11" fmla="*/ 11956084 w 12202113"/>
+              <a:gd name="connsiteY11" fmla="*/ 2918868 h 3188466"/>
+              <a:gd name="connsiteX12" fmla="*/ 11872586 w 12202113"/>
+              <a:gd name="connsiteY12" fmla="*/ 2920076 h 3188466"/>
+              <a:gd name="connsiteX13" fmla="*/ 11849804 w 12202113"/>
+              <a:gd name="connsiteY13" fmla="*/ 2928420 h 3188466"/>
+              <a:gd name="connsiteX14" fmla="*/ 11828254 w 12202113"/>
+              <a:gd name="connsiteY14" fmla="*/ 2928551 h 3188466"/>
+              <a:gd name="connsiteX15" fmla="*/ 11703277 w 12202113"/>
+              <a:gd name="connsiteY15" fmla="*/ 2939735 h 3188466"/>
+              <a:gd name="connsiteX16" fmla="*/ 11686094 w 12202113"/>
+              <a:gd name="connsiteY16" fmla="*/ 2940570 h 3188466"/>
+              <a:gd name="connsiteX17" fmla="*/ 11676788 w 12202113"/>
+              <a:gd name="connsiteY17" fmla="*/ 2944321 h 3188466"/>
+              <a:gd name="connsiteX18" fmla="*/ 11643464 w 12202113"/>
+              <a:gd name="connsiteY18" fmla="*/ 2945066 h 3188466"/>
+              <a:gd name="connsiteX19" fmla="*/ 11641922 w 12202113"/>
+              <a:gd name="connsiteY19" fmla="*/ 2947200 h 3188466"/>
+              <a:gd name="connsiteX20" fmla="*/ 11532386 w 12202113"/>
+              <a:gd name="connsiteY20" fmla="*/ 2965529 h 3188466"/>
+              <a:gd name="connsiteX21" fmla="*/ 11513619 w 12202113"/>
+              <a:gd name="connsiteY21" fmla="*/ 2968556 h 3188466"/>
+              <a:gd name="connsiteX22" fmla="*/ 11497404 w 12202113"/>
+              <a:gd name="connsiteY22" fmla="*/ 2967639 h 3188466"/>
+              <a:gd name="connsiteX23" fmla="*/ 11407630 w 12202113"/>
+              <a:gd name="connsiteY23" fmla="*/ 2970255 h 3188466"/>
+              <a:gd name="connsiteX24" fmla="*/ 11386276 w 12202113"/>
+              <a:gd name="connsiteY24" fmla="*/ 2968648 h 3188466"/>
+              <a:gd name="connsiteX25" fmla="*/ 11377296 w 12202113"/>
+              <a:gd name="connsiteY25" fmla="*/ 2965257 h 3188466"/>
+              <a:gd name="connsiteX26" fmla="*/ 11342536 w 12202113"/>
+              <a:gd name="connsiteY26" fmla="*/ 2971666 h 3188466"/>
+              <a:gd name="connsiteX27" fmla="*/ 11288902 w 12202113"/>
+              <a:gd name="connsiteY27" fmla="*/ 2976058 h 3188466"/>
+              <a:gd name="connsiteX28" fmla="*/ 11263411 w 12202113"/>
+              <a:gd name="connsiteY28" fmla="*/ 2979228 h 3188466"/>
+              <a:gd name="connsiteX29" fmla="*/ 11242843 w 12202113"/>
+              <a:gd name="connsiteY29" fmla="*/ 2977303 h 3188466"/>
+              <a:gd name="connsiteX30" fmla="*/ 11125798 w 12202113"/>
+              <a:gd name="connsiteY30" fmla="*/ 2976816 h 3188466"/>
+              <a:gd name="connsiteX31" fmla="*/ 11098884 w 12202113"/>
+              <a:gd name="connsiteY31" fmla="*/ 2973758 h 3188466"/>
+              <a:gd name="connsiteX32" fmla="*/ 11086128 w 12202113"/>
+              <a:gd name="connsiteY32" fmla="*/ 2967663 h 3188466"/>
+              <a:gd name="connsiteX33" fmla="*/ 11076132 w 12202113"/>
+              <a:gd name="connsiteY33" fmla="*/ 2969836 h 3188466"/>
+              <a:gd name="connsiteX34" fmla="*/ 11005337 w 12202113"/>
+              <a:gd name="connsiteY34" fmla="*/ 2970053 h 3188466"/>
+              <a:gd name="connsiteX35" fmla="*/ 10959154 w 12202113"/>
+              <a:gd name="connsiteY35" fmla="*/ 2970750 h 3188466"/>
+              <a:gd name="connsiteX36" fmla="*/ 10956347 w 12202113"/>
+              <a:gd name="connsiteY36" fmla="*/ 2979118 h 3188466"/>
+              <a:gd name="connsiteX37" fmla="*/ 10915223 w 12202113"/>
+              <a:gd name="connsiteY37" fmla="*/ 2982099 h 3188466"/>
+              <a:gd name="connsiteX38" fmla="*/ 10871398 w 12202113"/>
+              <a:gd name="connsiteY38" fmla="*/ 2976728 h 3188466"/>
+              <a:gd name="connsiteX39" fmla="*/ 10819743 w 12202113"/>
+              <a:gd name="connsiteY39" fmla="*/ 2977481 h 3188466"/>
+              <a:gd name="connsiteX40" fmla="*/ 10788834 w 12202113"/>
+              <a:gd name="connsiteY40" fmla="*/ 2977840 h 3188466"/>
+              <a:gd name="connsiteX41" fmla="*/ 10707711 w 12202113"/>
+              <a:gd name="connsiteY41" fmla="*/ 2985644 h 3188466"/>
+              <a:gd name="connsiteX42" fmla="*/ 10576086 w 12202113"/>
+              <a:gd name="connsiteY42" fmla="*/ 3015319 h 3188466"/>
+              <a:gd name="connsiteX43" fmla="*/ 10534761 w 12202113"/>
+              <a:gd name="connsiteY43" fmla="*/ 3019524 h 3188466"/>
+              <a:gd name="connsiteX44" fmla="*/ 10527537 w 12202113"/>
+              <a:gd name="connsiteY44" fmla="*/ 3017814 h 3188466"/>
+              <a:gd name="connsiteX45" fmla="*/ 10321799 w 12202113"/>
+              <a:gd name="connsiteY45" fmla="*/ 3035635 h 3188466"/>
+              <a:gd name="connsiteX46" fmla="*/ 10284989 w 12202113"/>
+              <a:gd name="connsiteY46" fmla="*/ 3036679 h 3188466"/>
+              <a:gd name="connsiteX47" fmla="*/ 10257423 w 12202113"/>
+              <a:gd name="connsiteY47" fmla="*/ 3036027 h 3188466"/>
+              <a:gd name="connsiteX48" fmla="*/ 10191450 w 12202113"/>
+              <a:gd name="connsiteY48" fmla="*/ 3041963 h 3188466"/>
+              <a:gd name="connsiteX49" fmla="*/ 10083845 w 12202113"/>
+              <a:gd name="connsiteY49" fmla="*/ 3054978 h 3188466"/>
+              <a:gd name="connsiteX50" fmla="*/ 10060611 w 12202113"/>
+              <a:gd name="connsiteY50" fmla="*/ 3057035 h 3188466"/>
+              <a:gd name="connsiteX51" fmla="*/ 10039363 w 12202113"/>
+              <a:gd name="connsiteY51" fmla="*/ 3055961 h 3188466"/>
+              <a:gd name="connsiteX52" fmla="*/ 10033322 w 12202113"/>
+              <a:gd name="connsiteY52" fmla="*/ 3053238 h 3188466"/>
+              <a:gd name="connsiteX53" fmla="*/ 10020337 w 12202113"/>
+              <a:gd name="connsiteY53" fmla="*/ 3053912 h 3188466"/>
+              <a:gd name="connsiteX54" fmla="*/ 10016616 w 12202113"/>
+              <a:gd name="connsiteY54" fmla="*/ 3053498 h 3188466"/>
+              <a:gd name="connsiteX55" fmla="*/ 9995549 w 12202113"/>
+              <a:gd name="connsiteY55" fmla="*/ 3051719 h 3188466"/>
+              <a:gd name="connsiteX56" fmla="*/ 9957212 w 12202113"/>
+              <a:gd name="connsiteY56" fmla="*/ 3062663 h 3188466"/>
+              <a:gd name="connsiteX57" fmla="*/ 9904584 w 12202113"/>
+              <a:gd name="connsiteY57" fmla="*/ 3063999 h 3188466"/>
+              <a:gd name="connsiteX58" fmla="*/ 9713857 w 12202113"/>
+              <a:gd name="connsiteY58" fmla="*/ 3087955 h 3188466"/>
+              <a:gd name="connsiteX59" fmla="*/ 9678879 w 12202113"/>
+              <a:gd name="connsiteY59" fmla="*/ 3079676 h 3188466"/>
+              <a:gd name="connsiteX60" fmla="*/ 9598760 w 12202113"/>
+              <a:gd name="connsiteY60" fmla="*/ 3085228 h 3188466"/>
+              <a:gd name="connsiteX61" fmla="*/ 9488796 w 12202113"/>
+              <a:gd name="connsiteY61" fmla="*/ 3115384 h 3188466"/>
+              <a:gd name="connsiteX62" fmla="*/ 9341972 w 12202113"/>
+              <a:gd name="connsiteY62" fmla="*/ 3126583 h 3188466"/>
+              <a:gd name="connsiteX63" fmla="*/ 9333795 w 12202113"/>
+              <a:gd name="connsiteY63" fmla="*/ 3132083 h 3188466"/>
+              <a:gd name="connsiteX64" fmla="*/ 9321736 w 12202113"/>
+              <a:gd name="connsiteY64" fmla="*/ 3135834 h 3188466"/>
+              <a:gd name="connsiteX65" fmla="*/ 9319405 w 12202113"/>
+              <a:gd name="connsiteY65" fmla="*/ 3135561 h 3188466"/>
+              <a:gd name="connsiteX66" fmla="*/ 9302847 w 12202113"/>
+              <a:gd name="connsiteY66" fmla="*/ 3137746 h 3188466"/>
+              <a:gd name="connsiteX67" fmla="*/ 9300930 w 12202113"/>
+              <a:gd name="connsiteY67" fmla="*/ 3139687 h 3188466"/>
+              <a:gd name="connsiteX68" fmla="*/ 9290106 w 12202113"/>
+              <a:gd name="connsiteY68" fmla="*/ 3141645 h 3188466"/>
+              <a:gd name="connsiteX69" fmla="*/ 9270220 w 12202113"/>
+              <a:gd name="connsiteY69" fmla="*/ 3146737 h 3188466"/>
+              <a:gd name="connsiteX70" fmla="*/ 9265150 w 12202113"/>
+              <a:gd name="connsiteY70" fmla="*/ 3146531 h 3188466"/>
+              <a:gd name="connsiteX71" fmla="*/ 9233057 w 12202113"/>
+              <a:gd name="connsiteY71" fmla="*/ 3152408 h 3188466"/>
+              <a:gd name="connsiteX72" fmla="*/ 9231974 w 12202113"/>
+              <a:gd name="connsiteY72" fmla="*/ 3151938 h 3188466"/>
+              <a:gd name="connsiteX73" fmla="*/ 9220130 w 12202113"/>
+              <a:gd name="connsiteY73" fmla="*/ 3151189 h 3188466"/>
+              <a:gd name="connsiteX74" fmla="*/ 9198955 w 12202113"/>
+              <a:gd name="connsiteY74" fmla="*/ 3151015 h 3188466"/>
+              <a:gd name="connsiteX75" fmla="*/ 9142196 w 12202113"/>
+              <a:gd name="connsiteY75" fmla="*/ 3143802 h 3188466"/>
+              <a:gd name="connsiteX76" fmla="*/ 9108665 w 12202113"/>
+              <a:gd name="connsiteY76" fmla="*/ 3149868 h 3188466"/>
+              <a:gd name="connsiteX77" fmla="*/ 9014086 w 12202113"/>
+              <a:gd name="connsiteY77" fmla="*/ 3150791 h 3188466"/>
+              <a:gd name="connsiteX78" fmla="*/ 8915037 w 12202113"/>
+              <a:gd name="connsiteY78" fmla="*/ 3140020 h 3188466"/>
+              <a:gd name="connsiteX79" fmla="*/ 8815667 w 12202113"/>
+              <a:gd name="connsiteY79" fmla="*/ 3138606 h 3188466"/>
+              <a:gd name="connsiteX80" fmla="*/ 8779688 w 12202113"/>
+              <a:gd name="connsiteY80" fmla="*/ 3138895 h 3188466"/>
+              <a:gd name="connsiteX81" fmla="*/ 8715556 w 12202113"/>
+              <a:gd name="connsiteY81" fmla="*/ 3135878 h 3188466"/>
+              <a:gd name="connsiteX82" fmla="*/ 8686183 w 12202113"/>
+              <a:gd name="connsiteY82" fmla="*/ 3132307 h 3188466"/>
+              <a:gd name="connsiteX83" fmla="*/ 8684895 w 12202113"/>
+              <a:gd name="connsiteY83" fmla="*/ 3132527 h 3188466"/>
+              <a:gd name="connsiteX84" fmla="*/ 8682270 w 12202113"/>
+              <a:gd name="connsiteY84" fmla="*/ 3130989 h 3188466"/>
+              <a:gd name="connsiteX85" fmla="*/ 8676836 w 12202113"/>
+              <a:gd name="connsiteY85" fmla="*/ 3130278 h 3188466"/>
+              <a:gd name="connsiteX86" fmla="*/ 8662002 w 12202113"/>
+              <a:gd name="connsiteY86" fmla="*/ 3130735 h 3188466"/>
+              <a:gd name="connsiteX87" fmla="*/ 8656423 w 12202113"/>
+              <a:gd name="connsiteY87" fmla="*/ 3131304 h 3188466"/>
+              <a:gd name="connsiteX88" fmla="*/ 8648261 w 12202113"/>
+              <a:gd name="connsiteY88" fmla="*/ 3131294 h 3188466"/>
+              <a:gd name="connsiteX89" fmla="*/ 8648057 w 12202113"/>
+              <a:gd name="connsiteY89" fmla="*/ 3131167 h 3188466"/>
+              <a:gd name="connsiteX90" fmla="*/ 8640412 w 12202113"/>
+              <a:gd name="connsiteY90" fmla="*/ 3131403 h 3188466"/>
+              <a:gd name="connsiteX91" fmla="*/ 8603003 w 12202113"/>
+              <a:gd name="connsiteY91" fmla="*/ 3134155 h 3188466"/>
+              <a:gd name="connsiteX92" fmla="*/ 8553571 w 12202113"/>
+              <a:gd name="connsiteY92" fmla="*/ 3122125 h 3188466"/>
+              <a:gd name="connsiteX93" fmla="*/ 8533128 w 12202113"/>
+              <a:gd name="connsiteY93" fmla="*/ 3120039 h 3188466"/>
+              <a:gd name="connsiteX94" fmla="*/ 8522209 w 12202113"/>
+              <a:gd name="connsiteY94" fmla="*/ 3118252 h 3188466"/>
+              <a:gd name="connsiteX95" fmla="*/ 8521532 w 12202113"/>
+              <a:gd name="connsiteY95" fmla="*/ 3117705 h 3188466"/>
+              <a:gd name="connsiteX96" fmla="*/ 8485667 w 12202113"/>
+              <a:gd name="connsiteY96" fmla="*/ 3120406 h 3188466"/>
+              <a:gd name="connsiteX97" fmla="*/ 8480905 w 12202113"/>
+              <a:gd name="connsiteY97" fmla="*/ 3119749 h 3188466"/>
+              <a:gd name="connsiteX98" fmla="*/ 8457530 w 12202113"/>
+              <a:gd name="connsiteY98" fmla="*/ 3122810 h 3188466"/>
+              <a:gd name="connsiteX99" fmla="*/ 8445451 w 12202113"/>
+              <a:gd name="connsiteY99" fmla="*/ 3123697 h 3188466"/>
+              <a:gd name="connsiteX100" fmla="*/ 8442039 w 12202113"/>
+              <a:gd name="connsiteY100" fmla="*/ 3125378 h 3188466"/>
+              <a:gd name="connsiteX101" fmla="*/ 8424215 w 12202113"/>
+              <a:gd name="connsiteY101" fmla="*/ 3125963 h 3188466"/>
+              <a:gd name="connsiteX102" fmla="*/ 8422165 w 12202113"/>
+              <a:gd name="connsiteY102" fmla="*/ 3125491 h 3188466"/>
+              <a:gd name="connsiteX103" fmla="*/ 8407465 w 12202113"/>
+              <a:gd name="connsiteY103" fmla="*/ 3127979 h 3188466"/>
+              <a:gd name="connsiteX104" fmla="*/ 8395146 w 12202113"/>
+              <a:gd name="connsiteY104" fmla="*/ 3132488 h 3188466"/>
+              <a:gd name="connsiteX105" fmla="*/ 8243538 w 12202113"/>
+              <a:gd name="connsiteY105" fmla="*/ 3129873 h 3188466"/>
+              <a:gd name="connsiteX106" fmla="*/ 8112685 w 12202113"/>
+              <a:gd name="connsiteY106" fmla="*/ 3148698 h 3188466"/>
+              <a:gd name="connsiteX107" fmla="*/ 8026741 w 12202113"/>
+              <a:gd name="connsiteY107" fmla="*/ 3154015 h 3188466"/>
+              <a:gd name="connsiteX108" fmla="*/ 8030400 w 12202113"/>
+              <a:gd name="connsiteY108" fmla="*/ 3146736 h 3188466"/>
+              <a:gd name="connsiteX109" fmla="*/ 8002987 w 12202113"/>
+              <a:gd name="connsiteY109" fmla="*/ 3135663 h 3188466"/>
+              <a:gd name="connsiteX110" fmla="*/ 7798568 w 12202113"/>
+              <a:gd name="connsiteY110" fmla="*/ 3141249 h 3188466"/>
+              <a:gd name="connsiteX111" fmla="*/ 7746353 w 12202113"/>
+              <a:gd name="connsiteY111" fmla="*/ 3137755 h 3188466"/>
+              <a:gd name="connsiteX112" fmla="*/ 7700395 w 12202113"/>
+              <a:gd name="connsiteY112" fmla="*/ 3144729 h 3188466"/>
+              <a:gd name="connsiteX113" fmla="*/ 7681335 w 12202113"/>
+              <a:gd name="connsiteY113" fmla="*/ 3141120 h 3188466"/>
+              <a:gd name="connsiteX114" fmla="*/ 7678044 w 12202113"/>
+              <a:gd name="connsiteY114" fmla="*/ 3140387 h 3188466"/>
+              <a:gd name="connsiteX115" fmla="*/ 7664890 w 12202113"/>
+              <a:gd name="connsiteY115" fmla="*/ 3139855 h 3188466"/>
+              <a:gd name="connsiteX116" fmla="*/ 7661183 w 12202113"/>
+              <a:gd name="connsiteY116" fmla="*/ 3136706 h 3188466"/>
+              <a:gd name="connsiteX117" fmla="*/ 7641383 w 12202113"/>
+              <a:gd name="connsiteY117" fmla="*/ 3133755 h 3188466"/>
+              <a:gd name="connsiteX118" fmla="*/ 7617169 w 12202113"/>
+              <a:gd name="connsiteY118" fmla="*/ 3133614 h 3188466"/>
+              <a:gd name="connsiteX119" fmla="*/ 7531143 w 12202113"/>
+              <a:gd name="connsiteY119" fmla="*/ 3132781 h 3188466"/>
+              <a:gd name="connsiteX120" fmla="*/ 7517113 w 12202113"/>
+              <a:gd name="connsiteY120" fmla="*/ 3134483 h 3188466"/>
+              <a:gd name="connsiteX121" fmla="*/ 7471320 w 12202113"/>
+              <a:gd name="connsiteY121" fmla="*/ 3131645 h 3188466"/>
+              <a:gd name="connsiteX122" fmla="*/ 7430512 w 12202113"/>
+              <a:gd name="connsiteY122" fmla="*/ 3131007 h 3188466"/>
+              <a:gd name="connsiteX123" fmla="*/ 7404071 w 12202113"/>
+              <a:gd name="connsiteY123" fmla="*/ 3132361 h 3188466"/>
+              <a:gd name="connsiteX124" fmla="*/ 7397140 w 12202113"/>
+              <a:gd name="connsiteY124" fmla="*/ 3131239 h 3188466"/>
+              <a:gd name="connsiteX125" fmla="*/ 7370514 w 12202113"/>
+              <a:gd name="connsiteY125" fmla="*/ 3130516 h 3188466"/>
+              <a:gd name="connsiteX126" fmla="*/ 7356953 w 12202113"/>
+              <a:gd name="connsiteY126" fmla="*/ 3132179 h 3188466"/>
+              <a:gd name="connsiteX127" fmla="*/ 7343567 w 12202113"/>
+              <a:gd name="connsiteY127" fmla="*/ 3128350 h 3188466"/>
+              <a:gd name="connsiteX128" fmla="*/ 7340295 w 12202113"/>
+              <a:gd name="connsiteY128" fmla="*/ 3125545 h 3188466"/>
+              <a:gd name="connsiteX129" fmla="*/ 7321348 w 12202113"/>
+              <a:gd name="connsiteY129" fmla="*/ 3126804 h 3188466"/>
+              <a:gd name="connsiteX130" fmla="*/ 7305815 w 12202113"/>
+              <a:gd name="connsiteY130" fmla="*/ 3124063 h 3188466"/>
+              <a:gd name="connsiteX131" fmla="*/ 7292274 w 12202113"/>
+              <a:gd name="connsiteY131" fmla="*/ 3125855 h 3188466"/>
+              <a:gd name="connsiteX132" fmla="*/ 7286654 w 12202113"/>
+              <a:gd name="connsiteY132" fmla="*/ 3125451 h 3188466"/>
+              <a:gd name="connsiteX133" fmla="*/ 7272685 w 12202113"/>
+              <a:gd name="connsiteY133" fmla="*/ 3124094 h 3188466"/>
+              <a:gd name="connsiteX134" fmla="*/ 7248584 w 12202113"/>
+              <a:gd name="connsiteY134" fmla="*/ 3121080 h 3188466"/>
+              <a:gd name="connsiteX135" fmla="*/ 7241065 w 12202113"/>
+              <a:gd name="connsiteY135" fmla="*/ 3120661 h 3188466"/>
+              <a:gd name="connsiteX136" fmla="*/ 7224696 w 12202113"/>
+              <a:gd name="connsiteY136" fmla="*/ 3116051 h 3188466"/>
+              <a:gd name="connsiteX137" fmla="*/ 7193009 w 12202113"/>
+              <a:gd name="connsiteY137" fmla="*/ 3112108 h 3188466"/>
+              <a:gd name="connsiteX138" fmla="*/ 7137220 w 12202113"/>
+              <a:gd name="connsiteY138" fmla="*/ 3098354 h 3188466"/>
+              <a:gd name="connsiteX139" fmla="*/ 7104427 w 12202113"/>
+              <a:gd name="connsiteY139" fmla="*/ 3091790 h 3188466"/>
+              <a:gd name="connsiteX140" fmla="*/ 7082240 w 12202113"/>
+              <a:gd name="connsiteY140" fmla="*/ 3085740 h 3188466"/>
+              <a:gd name="connsiteX141" fmla="*/ 7016754 w 12202113"/>
+              <a:gd name="connsiteY141" fmla="*/ 3077196 h 3188466"/>
+              <a:gd name="connsiteX142" fmla="*/ 6904436 w 12202113"/>
+              <a:gd name="connsiteY142" fmla="*/ 3065900 h 3188466"/>
+              <a:gd name="connsiteX143" fmla="*/ 6881434 w 12202113"/>
+              <a:gd name="connsiteY143" fmla="*/ 3062865 h 3188466"/>
+              <a:gd name="connsiteX144" fmla="*/ 6865273 w 12202113"/>
+              <a:gd name="connsiteY144" fmla="*/ 3057749 h 3188466"/>
+              <a:gd name="connsiteX145" fmla="*/ 6864671 w 12202113"/>
+              <a:gd name="connsiteY145" fmla="*/ 3054378 h 3188466"/>
+              <a:gd name="connsiteX146" fmla="*/ 6852599 w 12202113"/>
+              <a:gd name="connsiteY146" fmla="*/ 3052306 h 3188466"/>
+              <a:gd name="connsiteX147" fmla="*/ 6850143 w 12202113"/>
+              <a:gd name="connsiteY147" fmla="*/ 3051232 h 3188466"/>
+              <a:gd name="connsiteX148" fmla="*/ 6835301 w 12202113"/>
+              <a:gd name="connsiteY148" fmla="*/ 3045593 h 3188466"/>
+              <a:gd name="connsiteX149" fmla="*/ 6784871 w 12202113"/>
+              <a:gd name="connsiteY149" fmla="*/ 3046562 h 3188466"/>
+              <a:gd name="connsiteX150" fmla="*/ 6738245 w 12202113"/>
+              <a:gd name="connsiteY150" fmla="*/ 3037055 h 3188466"/>
+              <a:gd name="connsiteX151" fmla="*/ 6537703 w 12202113"/>
+              <a:gd name="connsiteY151" fmla="*/ 3017736 h 3188466"/>
+              <a:gd name="connsiteX152" fmla="*/ 6521858 w 12202113"/>
+              <a:gd name="connsiteY152" fmla="*/ 3004158 h 3188466"/>
+              <a:gd name="connsiteX153" fmla="*/ 6445069 w 12202113"/>
+              <a:gd name="connsiteY153" fmla="*/ 2992470 h 3188466"/>
+              <a:gd name="connsiteX154" fmla="*/ 6302447 w 12202113"/>
+              <a:gd name="connsiteY154" fmla="*/ 2994274 h 3188466"/>
+              <a:gd name="connsiteX155" fmla="*/ 6160029 w 12202113"/>
+              <a:gd name="connsiteY155" fmla="*/ 2973666 h 3188466"/>
+              <a:gd name="connsiteX156" fmla="*/ 6144046 w 12202113"/>
+              <a:gd name="connsiteY156" fmla="*/ 2976380 h 3188466"/>
+              <a:gd name="connsiteX157" fmla="*/ 6127670 w 12202113"/>
+              <a:gd name="connsiteY157" fmla="*/ 2976929 h 3188466"/>
+              <a:gd name="connsiteX158" fmla="*/ 6126155 w 12202113"/>
+              <a:gd name="connsiteY158" fmla="*/ 2976245 h 3188466"/>
+              <a:gd name="connsiteX159" fmla="*/ 6108575 w 12202113"/>
+              <a:gd name="connsiteY159" fmla="*/ 2974651 h 3188466"/>
+              <a:gd name="connsiteX160" fmla="*/ 6103746 w 12202113"/>
+              <a:gd name="connsiteY160" fmla="*/ 2975803 h 3188466"/>
+              <a:gd name="connsiteX161" fmla="*/ 6091377 w 12202113"/>
+              <a:gd name="connsiteY161" fmla="*/ 2975180 h 3188466"/>
+              <a:gd name="connsiteX162" fmla="*/ 6066183 w 12202113"/>
+              <a:gd name="connsiteY162" fmla="*/ 2975222 h 3188466"/>
+              <a:gd name="connsiteX163" fmla="*/ 6063287 w 12202113"/>
+              <a:gd name="connsiteY163" fmla="*/ 2974353 h 3188466"/>
+              <a:gd name="connsiteX164" fmla="*/ 6054813 w 12202113"/>
+              <a:gd name="connsiteY164" fmla="*/ 2974911 h 3188466"/>
+              <a:gd name="connsiteX165" fmla="*/ 6050809 w 12202113"/>
+              <a:gd name="connsiteY165" fmla="*/ 2973985 h 3188466"/>
+              <a:gd name="connsiteX166" fmla="*/ 6013979 w 12202113"/>
+              <a:gd name="connsiteY166" fmla="*/ 2974553 h 3188466"/>
+              <a:gd name="connsiteX167" fmla="*/ 6013800 w 12202113"/>
+              <a:gd name="connsiteY167" fmla="*/ 2973973 h 3188466"/>
+              <a:gd name="connsiteX168" fmla="*/ 6004866 w 12202113"/>
+              <a:gd name="connsiteY168" fmla="*/ 2971570 h 3188466"/>
+              <a:gd name="connsiteX169" fmla="*/ 5987036 w 12202113"/>
+              <a:gd name="connsiteY169" fmla="*/ 2968315 h 3188466"/>
+              <a:gd name="connsiteX170" fmla="*/ 5950027 w 12202113"/>
+              <a:gd name="connsiteY170" fmla="*/ 2953546 h 3188466"/>
+              <a:gd name="connsiteX171" fmla="*/ 5911668 w 12202113"/>
+              <a:gd name="connsiteY171" fmla="*/ 2954074 h 3188466"/>
+              <a:gd name="connsiteX172" fmla="*/ 5904110 w 12202113"/>
+              <a:gd name="connsiteY172" fmla="*/ 2953861 h 3188466"/>
+              <a:gd name="connsiteX173" fmla="*/ 5904026 w 12202113"/>
+              <a:gd name="connsiteY173" fmla="*/ 2953724 h 3188466"/>
+              <a:gd name="connsiteX174" fmla="*/ 5896189 w 12202113"/>
+              <a:gd name="connsiteY174" fmla="*/ 2953236 h 3188466"/>
+              <a:gd name="connsiteX175" fmla="*/ 5890331 w 12202113"/>
+              <a:gd name="connsiteY175" fmla="*/ 2953471 h 3188466"/>
+              <a:gd name="connsiteX176" fmla="*/ 5875672 w 12202113"/>
+              <a:gd name="connsiteY176" fmla="*/ 2953056 h 3188466"/>
+              <a:gd name="connsiteX177" fmla="*/ 5871070 w 12202113"/>
+              <a:gd name="connsiteY177" fmla="*/ 2952035 h 3188466"/>
+              <a:gd name="connsiteX178" fmla="*/ 5869888 w 12202113"/>
+              <a:gd name="connsiteY178" fmla="*/ 2950364 h 3188466"/>
+              <a:gd name="connsiteX179" fmla="*/ 5868461 w 12202113"/>
+              <a:gd name="connsiteY179" fmla="*/ 2950506 h 3188466"/>
+              <a:gd name="connsiteX180" fmla="*/ 5843343 w 12202113"/>
+              <a:gd name="connsiteY180" fmla="*/ 2945262 h 3188466"/>
+              <a:gd name="connsiteX181" fmla="*/ 5784331 w 12202113"/>
+              <a:gd name="connsiteY181" fmla="*/ 2938531 h 3188466"/>
+              <a:gd name="connsiteX182" fmla="*/ 5749498 w 12202113"/>
+              <a:gd name="connsiteY182" fmla="*/ 2936713 h 3188466"/>
+              <a:gd name="connsiteX183" fmla="*/ 5655214 w 12202113"/>
+              <a:gd name="connsiteY183" fmla="*/ 2929503 h 3188466"/>
+              <a:gd name="connsiteX184" fmla="*/ 5561446 w 12202113"/>
+              <a:gd name="connsiteY184" fmla="*/ 2920575 h 3188466"/>
+              <a:gd name="connsiteX185" fmla="*/ 5519456 w 12202113"/>
+              <a:gd name="connsiteY185" fmla="*/ 2906631 h 3188466"/>
+              <a:gd name="connsiteX186" fmla="*/ 5514099 w 12202113"/>
+              <a:gd name="connsiteY186" fmla="*/ 2906097 h 3188466"/>
+              <a:gd name="connsiteX187" fmla="*/ 5499273 w 12202113"/>
+              <a:gd name="connsiteY187" fmla="*/ 2907057 h 3188466"/>
+              <a:gd name="connsiteX188" fmla="*/ 5493664 w 12202113"/>
+              <a:gd name="connsiteY188" fmla="*/ 2907817 h 3188466"/>
+              <a:gd name="connsiteX189" fmla="*/ 5485530 w 12202113"/>
+              <a:gd name="connsiteY189" fmla="*/ 2908080 h 3188466"/>
+              <a:gd name="connsiteX190" fmla="*/ 5485337 w 12202113"/>
+              <a:gd name="connsiteY190" fmla="*/ 2907959 h 3188466"/>
+              <a:gd name="connsiteX191" fmla="*/ 5477696 w 12202113"/>
+              <a:gd name="connsiteY191" fmla="*/ 2908455 h 3188466"/>
+              <a:gd name="connsiteX192" fmla="*/ 5440170 w 12202113"/>
+              <a:gd name="connsiteY192" fmla="*/ 2912482 h 3188466"/>
+              <a:gd name="connsiteX193" fmla="*/ 5391911 w 12202113"/>
+              <a:gd name="connsiteY193" fmla="*/ 2902040 h 3188466"/>
+              <a:gd name="connsiteX194" fmla="*/ 5371708 w 12202113"/>
+              <a:gd name="connsiteY194" fmla="*/ 2900629 h 3188466"/>
+              <a:gd name="connsiteX195" fmla="*/ 5360976 w 12202113"/>
+              <a:gd name="connsiteY195" fmla="*/ 2899197 h 3188466"/>
+              <a:gd name="connsiteX196" fmla="*/ 5360345 w 12202113"/>
+              <a:gd name="connsiteY196" fmla="*/ 2898671 h 3188466"/>
+              <a:gd name="connsiteX197" fmla="*/ 5324367 w 12202113"/>
+              <a:gd name="connsiteY197" fmla="*/ 2902593 h 3188466"/>
+              <a:gd name="connsiteX198" fmla="*/ 5319673 w 12202113"/>
+              <a:gd name="connsiteY198" fmla="*/ 2902094 h 3188466"/>
+              <a:gd name="connsiteX199" fmla="*/ 5296114 w 12202113"/>
+              <a:gd name="connsiteY199" fmla="*/ 2905958 h 3188466"/>
+              <a:gd name="connsiteX200" fmla="*/ 5283999 w 12202113"/>
+              <a:gd name="connsiteY200" fmla="*/ 2907258 h 3188466"/>
+              <a:gd name="connsiteX201" fmla="*/ 5280460 w 12202113"/>
+              <a:gd name="connsiteY201" fmla="*/ 2909063 h 3188466"/>
+              <a:gd name="connsiteX202" fmla="*/ 5262637 w 12202113"/>
+              <a:gd name="connsiteY202" fmla="*/ 2910250 h 3188466"/>
+              <a:gd name="connsiteX203" fmla="*/ 5260635 w 12202113"/>
+              <a:gd name="connsiteY203" fmla="*/ 2909845 h 3188466"/>
+              <a:gd name="connsiteX204" fmla="*/ 5245770 w 12202113"/>
+              <a:gd name="connsiteY204" fmla="*/ 2912842 h 3188466"/>
+              <a:gd name="connsiteX205" fmla="*/ 5233108 w 12202113"/>
+              <a:gd name="connsiteY205" fmla="*/ 2917794 h 3188466"/>
+              <a:gd name="connsiteX206" fmla="*/ 5082201 w 12202113"/>
+              <a:gd name="connsiteY206" fmla="*/ 2920260 h 3188466"/>
+              <a:gd name="connsiteX207" fmla="*/ 4939211 w 12202113"/>
+              <a:gd name="connsiteY207" fmla="*/ 2931760 h 3188466"/>
+              <a:gd name="connsiteX208" fmla="*/ 4794309 w 12202113"/>
+              <a:gd name="connsiteY208" fmla="*/ 2937227 h 3188466"/>
+              <a:gd name="connsiteX209" fmla="*/ 4637676 w 12202113"/>
+              <a:gd name="connsiteY209" fmla="*/ 2946666 h 3188466"/>
+              <a:gd name="connsiteX210" fmla="*/ 4585922 w 12202113"/>
+              <a:gd name="connsiteY210" fmla="*/ 2944906 h 3188466"/>
+              <a:gd name="connsiteX211" fmla="*/ 4539516 w 12202113"/>
+              <a:gd name="connsiteY211" fmla="*/ 2953466 h 3188466"/>
+              <a:gd name="connsiteX212" fmla="*/ 4520819 w 12202113"/>
+              <a:gd name="connsiteY212" fmla="*/ 2950477 h 3188466"/>
+              <a:gd name="connsiteX213" fmla="*/ 4517604 w 12202113"/>
+              <a:gd name="connsiteY213" fmla="*/ 2949852 h 3188466"/>
+              <a:gd name="connsiteX214" fmla="*/ 4504537 w 12202113"/>
+              <a:gd name="connsiteY214" fmla="*/ 2949759 h 3188466"/>
+              <a:gd name="connsiteX215" fmla="*/ 4501104 w 12202113"/>
+              <a:gd name="connsiteY215" fmla="*/ 2946715 h 3188466"/>
+              <a:gd name="connsiteX216" fmla="*/ 4342695 w 12202113"/>
+              <a:gd name="connsiteY216" fmla="*/ 2951638 h 3188466"/>
+              <a:gd name="connsiteX217" fmla="*/ 4274096 w 12202113"/>
+              <a:gd name="connsiteY217" fmla="*/ 2953640 h 3188466"/>
+              <a:gd name="connsiteX218" fmla="*/ 4248170 w 12202113"/>
+              <a:gd name="connsiteY218" fmla="*/ 2951384 h 3188466"/>
+              <a:gd name="connsiteX219" fmla="*/ 4147924 w 12202113"/>
+              <a:gd name="connsiteY219" fmla="*/ 2945945 h 3188466"/>
+              <a:gd name="connsiteX220" fmla="*/ 4061825 w 12202113"/>
+              <a:gd name="connsiteY220" fmla="*/ 2944206 h 3188466"/>
+              <a:gd name="connsiteX221" fmla="*/ 3998557 w 12202113"/>
+              <a:gd name="connsiteY221" fmla="*/ 2955821 h 3188466"/>
+              <a:gd name="connsiteX222" fmla="*/ 3993107 w 12202113"/>
+              <a:gd name="connsiteY222" fmla="*/ 2953708 h 3188466"/>
+              <a:gd name="connsiteX223" fmla="*/ 3949713 w 12202113"/>
+              <a:gd name="connsiteY223" fmla="*/ 2955441 h 3188466"/>
+              <a:gd name="connsiteX224" fmla="*/ 3797284 w 12202113"/>
+              <a:gd name="connsiteY224" fmla="*/ 2977037 h 3188466"/>
+              <a:gd name="connsiteX225" fmla="*/ 3712498 w 12202113"/>
+              <a:gd name="connsiteY225" fmla="*/ 2979996 h 3188466"/>
+              <a:gd name="connsiteX226" fmla="*/ 3682471 w 12202113"/>
+              <a:gd name="connsiteY226" fmla="*/ 2978543 h 3188466"/>
+              <a:gd name="connsiteX227" fmla="*/ 3632163 w 12202113"/>
+              <a:gd name="connsiteY227" fmla="*/ 2976264 h 3188466"/>
+              <a:gd name="connsiteX228" fmla="*/ 3594728 w 12202113"/>
+              <a:gd name="connsiteY228" fmla="*/ 2968398 h 3188466"/>
+              <a:gd name="connsiteX229" fmla="*/ 3552594 w 12202113"/>
+              <a:gd name="connsiteY229" fmla="*/ 2968934 h 3188466"/>
+              <a:gd name="connsiteX230" fmla="*/ 3542589 w 12202113"/>
+              <a:gd name="connsiteY230" fmla="*/ 2977031 h 3188466"/>
+              <a:gd name="connsiteX231" fmla="*/ 3497591 w 12202113"/>
+              <a:gd name="connsiteY231" fmla="*/ 2975018 h 3188466"/>
+              <a:gd name="connsiteX232" fmla="*/ 3429352 w 12202113"/>
+              <a:gd name="connsiteY232" fmla="*/ 2971090 h 3188466"/>
+              <a:gd name="connsiteX233" fmla="*/ 3389938 w 12202113"/>
+              <a:gd name="connsiteY233" fmla="*/ 2970884 h 3188466"/>
+              <a:gd name="connsiteX234" fmla="*/ 3282344 w 12202113"/>
+              <a:gd name="connsiteY234" fmla="*/ 2968084 h 3188466"/>
+              <a:gd name="connsiteX235" fmla="*/ 3174624 w 12202113"/>
+              <a:gd name="connsiteY235" fmla="*/ 2963576 h 3188466"/>
+              <a:gd name="connsiteX236" fmla="*/ 3111077 w 12202113"/>
+              <a:gd name="connsiteY236" fmla="*/ 2951285 h 3188466"/>
+              <a:gd name="connsiteX237" fmla="*/ 3022501 w 12202113"/>
+              <a:gd name="connsiteY237" fmla="*/ 2948619 h 3188466"/>
+              <a:gd name="connsiteX238" fmla="*/ 3007714 w 12202113"/>
+              <a:gd name="connsiteY238" fmla="*/ 2946762 h 3188466"/>
+              <a:gd name="connsiteX239" fmla="*/ 2903098 w 12202113"/>
+              <a:gd name="connsiteY239" fmla="*/ 2940576 h 3188466"/>
+              <a:gd name="connsiteX240" fmla="*/ 2781591 w 12202113"/>
+              <a:gd name="connsiteY240" fmla="*/ 2946394 h 3188466"/>
+              <a:gd name="connsiteX241" fmla="*/ 2627942 w 12202113"/>
+              <a:gd name="connsiteY241" fmla="*/ 2919996 h 3188466"/>
+              <a:gd name="connsiteX242" fmla="*/ 2354959 w 12202113"/>
+              <a:gd name="connsiteY242" fmla="*/ 2882080 h 3188466"/>
+              <a:gd name="connsiteX243" fmla="*/ 2063184 w 12202113"/>
+              <a:gd name="connsiteY243" fmla="*/ 2879109 h 3188466"/>
+              <a:gd name="connsiteX244" fmla="*/ 1986946 w 12202113"/>
+              <a:gd name="connsiteY244" fmla="*/ 2887619 h 3188466"/>
+              <a:gd name="connsiteX245" fmla="*/ 1763479 w 12202113"/>
+              <a:gd name="connsiteY245" fmla="*/ 2909077 h 3188466"/>
+              <a:gd name="connsiteX246" fmla="*/ 1537980 w 12202113"/>
+              <a:gd name="connsiteY246" fmla="*/ 2960398 h 3188466"/>
+              <a:gd name="connsiteX247" fmla="*/ 1395229 w 12202113"/>
+              <a:gd name="connsiteY247" fmla="*/ 2975625 h 3188466"/>
+              <a:gd name="connsiteX248" fmla="*/ 1327834 w 12202113"/>
+              <a:gd name="connsiteY248" fmla="*/ 2989485 h 3188466"/>
+              <a:gd name="connsiteX249" fmla="*/ 1280757 w 12202113"/>
+              <a:gd name="connsiteY249" fmla="*/ 2992959 h 3188466"/>
+              <a:gd name="connsiteX250" fmla="*/ 1252582 w 12202113"/>
+              <a:gd name="connsiteY250" fmla="*/ 2995877 h 3188466"/>
+              <a:gd name="connsiteX251" fmla="*/ 1204670 w 12202113"/>
+              <a:gd name="connsiteY251" fmla="*/ 3014826 h 3188466"/>
+              <a:gd name="connsiteX252" fmla="*/ 1020457 w 12202113"/>
+              <a:gd name="connsiteY252" fmla="*/ 3031603 h 3188466"/>
+              <a:gd name="connsiteX253" fmla="*/ 843248 w 12202113"/>
+              <a:gd name="connsiteY253" fmla="*/ 3026954 h 3188466"/>
+              <a:gd name="connsiteX254" fmla="*/ 583517 w 12202113"/>
+              <a:gd name="connsiteY254" fmla="*/ 3089095 h 3188466"/>
+              <a:gd name="connsiteX255" fmla="*/ 556836 w 12202113"/>
+              <a:gd name="connsiteY255" fmla="*/ 3094374 h 3188466"/>
+              <a:gd name="connsiteX256" fmla="*/ 412089 w 12202113"/>
+              <a:gd name="connsiteY256" fmla="*/ 3121334 h 3188466"/>
+              <a:gd name="connsiteX257" fmla="*/ 83929 w 12202113"/>
+              <a:gd name="connsiteY257" fmla="*/ 3150566 h 3188466"/>
+            </a:gdLst>
+            <a:ahLst/>
+            <a:cxnLst>
+              <a:cxn ang="0">
+                <a:pos x="connsiteX0" y="connsiteY0"/>
+              </a:cxn>
+              <a:cxn ang="0">
+                <a:pos x="connsiteX1" y="connsiteY1"/>
+              </a:cxn>
+              <a:cxn ang="0">
+                <a:pos x="connsiteX2" y="connsiteY2"/>
+              </a:cxn>
+              <a:cxn ang="0">
+                <a:pos x="connsiteX3" y="connsiteY3"/>
+              </a:cxn>
+              <a:cxn ang="0">
+                <a:pos x="connsiteX4" y="connsiteY4"/>
+              </a:cxn>
+              <a:cxn ang="0">
+                <a:pos x="connsiteX5" y="connsiteY5"/>
+              </a:cxn>
+              <a:cxn ang="0">
+                <a:pos x="connsiteX6" y="connsiteY6"/>
+              </a:cxn>
+              <a:cxn ang="0">
+                <a:pos x="connsiteX7" y="connsiteY7"/>
+              </a:cxn>
+              <a:cxn ang="0">
+                <a:pos x="connsiteX8" y="connsiteY8"/>
+              </a:cxn>
+              <a:cxn ang="0">
+                <a:pos x="connsiteX9" y="connsiteY9"/>
+              </a:cxn>
+              <a:cxn ang="0">
+                <a:pos x="connsiteX10" y="connsiteY10"/>
+              </a:cxn>
+              <a:cxn ang="0">
+                <a:pos x="connsiteX11" y="connsiteY11"/>
+              </a:cxn>
+              <a:cxn ang="0">
+                <a:pos x="connsiteX12" y="connsiteY12"/>
+              </a:cxn>
+              <a:cxn ang="0">
+                <a:pos x="connsiteX13" y="connsiteY13"/>
+              </a:cxn>
+              <a:cxn ang="0">
+                <a:pos x="connsiteX14" y="connsiteY14"/>
+              </a:cxn>
+              <a:cxn ang="0">
+                <a:pos x="connsiteX15" y="connsiteY15"/>
+              </a:cxn>
+              <a:cxn ang="0">
+                <a:pos x="connsiteX16" y="connsiteY16"/>
+              </a:cxn>
+              <a:cxn ang="0">
+                <a:pos x="connsiteX17" y="connsiteY17"/>
+              </a:cxn>
+              <a:cxn ang="0">
+                <a:pos x="connsiteX18" y="connsiteY18"/>
+              </a:cxn>
+              <a:cxn ang="0">
+                <a:pos x="connsiteX19" y="connsiteY19"/>
+              </a:cxn>
+              <a:cxn ang="0">
+                <a:pos x="connsiteX20" y="connsiteY20"/>
+              </a:cxn>
+              <a:cxn ang="0">
+                <a:pos x="connsiteX21" y="connsiteY21"/>
+              </a:cxn>
+              <a:cxn ang="0">
+                <a:pos x="connsiteX22" y="connsiteY22"/>
+              </a:cxn>
+              <a:cxn ang="0">
+                <a:pos x="connsiteX23" y="connsiteY23"/>
+              </a:cxn>
+              <a:cxn ang="0">
+                <a:pos x="connsiteX24" y="connsiteY24"/>
+              </a:cxn>
+              <a:cxn ang="0">
+                <a:pos x="connsiteX25" y="connsiteY25"/>
+              </a:cxn>
+              <a:cxn ang="0">
+                <a:pos x="connsiteX26" y="connsiteY26"/>
+              </a:cxn>
+              <a:cxn ang="0">
+                <a:pos x="connsiteX27" y="connsiteY27"/>
+              </a:cxn>
+              <a:cxn ang="0">
+                <a:pos x="connsiteX28" y="connsiteY28"/>
+              </a:cxn>
+              <a:cxn ang="0">
+                <a:pos x="connsiteX29" y="connsiteY29"/>
+              </a:cxn>
+              <a:cxn ang="0">
+                <a:pos x="connsiteX30" y="connsiteY30"/>
+              </a:cxn>
+              <a:cxn ang="0">
+                <a:pos x="connsiteX31" y="connsiteY31"/>
+              </a:cxn>
+              <a:cxn ang="0">
+                <a:pos x="connsiteX32" y="connsiteY32"/>
+              </a:cxn>
+              <a:cxn ang="0">
+                <a:pos x="connsiteX33" y="connsiteY33"/>
+              </a:cxn>
+              <a:cxn ang="0">
+                <a:pos x="connsiteX34" y="connsiteY34"/>
+              </a:cxn>
+              <a:cxn ang="0">
+                <a:pos x="connsiteX35" y="connsiteY35"/>
+              </a:cxn>
+              <a:cxn ang="0">
+                <a:pos x="connsiteX36" y="connsiteY36"/>
+              </a:cxn>
+              <a:cxn ang="0">
+                <a:pos x="connsiteX37" y="connsiteY37"/>
+              </a:cxn>
+              <a:cxn ang="0">
+                <a:pos x="connsiteX38" y="connsiteY38"/>
+              </a:cxn>
+              <a:cxn ang="0">
+                <a:pos x="connsiteX39" y="connsiteY39"/>
+              </a:cxn>
+              <a:cxn ang="0">
+                <a:pos x="connsiteX40" y="connsiteY40"/>
+              </a:cxn>
+              <a:cxn ang="0">
+                <a:pos x="connsiteX41" y="connsiteY41"/>
+              </a:cxn>
+              <a:cxn ang="0">
+                <a:pos x="connsiteX42" y="connsiteY42"/>
+              </a:cxn>
+              <a:cxn ang="0">
+                <a:pos x="connsiteX43" y="connsiteY43"/>
+              </a:cxn>
+              <a:cxn ang="0">
+                <a:pos x="connsiteX44" y="connsiteY44"/>
+              </a:cxn>
+              <a:cxn ang="0">
+                <a:pos x="connsiteX45" y="connsiteY45"/>
+              </a:cxn>
+              <a:cxn ang="0">
+                <a:pos x="connsiteX46" y="connsiteY46"/>
+              </a:cxn>
+              <a:cxn ang="0">
+                <a:pos x="connsiteX47" y="connsiteY47"/>
+              </a:cxn>
+              <a:cxn ang="0">
+                <a:pos x="connsiteX48" y="connsiteY48"/>
+              </a:cxn>
+              <a:cxn ang="0">
+                <a:pos x="connsiteX49" y="connsiteY49"/>
+              </a:cxn>
+              <a:cxn ang="0">
+                <a:pos x="connsiteX50" y="connsiteY50"/>
+              </a:cxn>
+              <a:cxn ang="0">
+                <a:pos x="connsiteX51" y="connsiteY51"/>
+              </a:cxn>
+              <a:cxn ang="0">
+                <a:pos x="connsiteX52" y="connsiteY52"/>
+              </a:cxn>
+              <a:cxn ang="0">
+                <a:pos x="connsiteX53" y="connsiteY53"/>
+              </a:cxn>
+              <a:cxn ang="0">
+                <a:pos x="connsiteX54" y="connsiteY54"/>
+              </a:cxn>
+              <a:cxn ang="0">
+                <a:pos x="connsiteX55" y="connsiteY55"/>
+              </a:cxn>
+              <a:cxn ang="0">
+                <a:pos x="connsiteX56" y="connsiteY56"/>
+              </a:cxn>
+              <a:cxn ang="0">
+                <a:pos x="connsiteX57" y="connsiteY57"/>
+              </a:cxn>
+              <a:cxn ang="0">
+                <a:pos x="connsiteX58" y="connsiteY58"/>
+              </a:cxn>
+              <a:cxn ang="0">
+                <a:pos x="connsiteX59" y="connsiteY59"/>
+              </a:cxn>
+              <a:cxn ang="0">
+                <a:pos x="connsiteX60" y="connsiteY60"/>
+              </a:cxn>
+              <a:cxn ang="0">
+                <a:pos x="connsiteX61" y="connsiteY61"/>
+              </a:cxn>
+              <a:cxn ang="0">
+                <a:pos x="connsiteX62" y="connsiteY62"/>
+              </a:cxn>
+              <a:cxn ang="0">
+                <a:pos x="connsiteX63" y="connsiteY63"/>
+              </a:cxn>
+              <a:cxn ang="0">
+                <a:pos x="connsiteX64" y="connsiteY64"/>
+              </a:cxn>
+              <a:cxn ang="0">
+                <a:pos x="connsiteX65" y="connsiteY65"/>
+              </a:cxn>
+              <a:cxn ang="0">
+                <a:pos x="connsiteX66" y="connsiteY66"/>
+              </a:cxn>
+              <a:cxn ang="0">
+                <a:pos x="connsiteX67" y="connsiteY67"/>
+              </a:cxn>
+              <a:cxn ang="0">
+                <a:pos x="connsiteX68" y="connsiteY68"/>
+              </a:cxn>
+              <a:cxn ang="0">
+                <a:pos x="connsiteX69" y="connsiteY69"/>
+              </a:cxn>
+              <a:cxn ang="0">
+                <a:pos x="connsiteX70" y="connsiteY70"/>
+              </a:cxn>
+              <a:cxn ang="0">
+                <a:pos x="connsiteX71" y="connsiteY71"/>
+              </a:cxn>
+              <a:cxn ang="0">
+                <a:pos x="connsiteX72" y="connsiteY72"/>
+              </a:cxn>
+              <a:cxn ang="0">
+                <a:pos x="connsiteX73" y="connsiteY73"/>
+              </a:cxn>
+              <a:cxn ang="0">
+                <a:pos x="connsiteX74" y="connsiteY74"/>
+              </a:cxn>
+              <a:cxn ang="0">
+                <a:pos x="connsiteX75" y="connsiteY75"/>
+              </a:cxn>
+              <a:cxn ang="0">
+                <a:pos x="connsiteX76" y="connsiteY76"/>
+              </a:cxn>
+              <a:cxn ang="0">
+                <a:pos x="connsiteX77" y="connsiteY77"/>
+              </a:cxn>
+              <a:cxn ang="0">
+                <a:pos x="connsiteX78" y="connsiteY78"/>
+              </a:cxn>
+              <a:cxn ang="0">
+                <a:pos x="connsiteX79" y="connsiteY79"/>
+              </a:cxn>
+              <a:cxn ang="0">
+                <a:pos x="connsiteX80" y="connsiteY80"/>
+              </a:cxn>
+              <a:cxn ang="0">
+                <a:pos x="connsiteX81" y="connsiteY81"/>
+              </a:cxn>
+              <a:cxn ang="0">
+                <a:pos x="connsiteX82" y="connsiteY82"/>
+              </a:cxn>
+              <a:cxn ang="0">
+                <a:pos x="connsiteX83" y="connsiteY83"/>
+              </a:cxn>
+              <a:cxn ang="0">
+                <a:pos x="connsiteX84" y="connsiteY84"/>
+              </a:cxn>
+              <a:cxn ang="0">
+                <a:pos x="connsiteX85" y="connsiteY85"/>
+              </a:cxn>
+              <a:cxn ang="0">
+                <a:pos x="connsiteX86" y="connsiteY86"/>
+              </a:cxn>
+              <a:cxn ang="0">
+                <a:pos x="connsiteX87" y="connsiteY87"/>
+              </a:cxn>
+              <a:cxn ang="0">
+                <a:pos x="connsiteX88" y="connsiteY88"/>
+              </a:cxn>
+              <a:cxn ang="0">
+                <a:pos x="connsiteX89" y="connsiteY89"/>
+              </a:cxn>
+              <a:cxn ang="0">
+                <a:pos x="connsiteX90" y="connsiteY90"/>
+              </a:cxn>
+              <a:cxn ang="0">
+                <a:pos x="connsiteX91" y="connsiteY91"/>
+              </a:cxn>
+              <a:cxn ang="0">
+                <a:pos x="connsiteX92" y="connsiteY92"/>
+              </a:cxn>
+              <a:cxn ang="0">
+                <a:pos x="connsiteX93" y="connsiteY93"/>
+              </a:cxn>
+              <a:cxn ang="0">
+                <a:pos x="connsiteX94" y="connsiteY94"/>
+              </a:cxn>
+              <a:cxn ang="0">
+                <a:pos x="connsiteX95" y="connsiteY95"/>
+              </a:cxn>
+              <a:cxn ang="0">
+                <a:pos x="connsiteX96" y="connsiteY96"/>
+              </a:cxn>
+              <a:cxn ang="0">
+                <a:pos x="connsiteX97" y="connsiteY97"/>
+              </a:cxn>
+              <a:cxn ang="0">
+                <a:pos x="connsiteX98" y="connsiteY98"/>
+              </a:cxn>
+              <a:cxn ang="0">
+                <a:pos x="connsiteX99" y="connsiteY99"/>
+              </a:cxn>
+              <a:cxn ang="0">
+                <a:pos x="connsiteX100" y="connsiteY100"/>
+              </a:cxn>
+              <a:cxn ang="0">
+                <a:pos x="connsiteX101" y="connsiteY101"/>
+              </a:cxn>
+              <a:cxn ang="0">
+                <a:pos x="connsiteX102" y="connsiteY102"/>
+              </a:cxn>
+              <a:cxn ang="0">
+                <a:pos x="connsiteX103" y="connsiteY103"/>
+              </a:cxn>
+              <a:cxn ang="0">
+                <a:pos x="connsiteX104" y="connsiteY104"/>
+              </a:cxn>
+              <a:cxn ang="0">
+                <a:pos x="connsiteX105" y="connsiteY105"/>
+              </a:cxn>
+              <a:cxn ang="0">
+                <a:pos x="connsiteX106" y="connsiteY106"/>
+              </a:cxn>
+              <a:cxn ang="0">
+                <a:pos x="connsiteX107" y="connsiteY107"/>
+              </a:cxn>
+              <a:cxn ang="0">
+                <a:pos x="connsiteX108" y="connsiteY108"/>
+              </a:cxn>
+              <a:cxn ang="0">
+                <a:pos x="connsiteX109" y="connsiteY109"/>
+              </a:cxn>
+              <a:cxn ang="0">
+                <a:pos x="connsiteX110" y="connsiteY110"/>
+              </a:cxn>
+              <a:cxn ang="0">
+                <a:pos x="connsiteX111" y="connsiteY111"/>
+              </a:cxn>
+              <a:cxn ang="0">
+                <a:pos x="connsiteX112" y="connsiteY112"/>
+              </a:cxn>
+              <a:cxn ang="0">
+                <a:pos x="connsiteX113" y="connsiteY113"/>
+              </a:cxn>
+              <a:cxn ang="0">
+                <a:pos x="connsiteX114" y="connsiteY114"/>
+              </a:cxn>
+              <a:cxn ang="0">
+                <a:pos x="connsiteX115" y="connsiteY115"/>
+              </a:cxn>
+              <a:cxn ang="0">
+                <a:pos x="connsiteX116" y="connsiteY116"/>
+              </a:cxn>
+              <a:cxn ang="0">
+                <a:pos x="connsiteX117" y="connsiteY117"/>
+              </a:cxn>
+              <a:cxn ang="0">
+                <a:pos x="connsiteX118" y="connsiteY118"/>
+              </a:cxn>
+              <a:cxn ang="0">
+                <a:pos x="connsiteX119" y="connsiteY119"/>
+              </a:cxn>
+              <a:cxn ang="0">
+                <a:pos x="connsiteX120" y="connsiteY120"/>
+              </a:cxn>
+              <a:cxn ang="0">
+                <a:pos x="connsiteX121" y="connsiteY121"/>
+              </a:cxn>
+              <a:cxn ang="0">
+                <a:pos x="connsiteX122" y="connsiteY122"/>
+              </a:cxn>
+              <a:cxn ang="0">
+                <a:pos x="connsiteX123" y="connsiteY123"/>
+              </a:cxn>
+              <a:cxn ang="0">
+                <a:pos x="connsiteX124" y="connsiteY124"/>
+              </a:cxn>
+              <a:cxn ang="0">
+                <a:pos x="connsiteX125" y="connsiteY125"/>
+              </a:cxn>
+              <a:cxn ang="0">
+                <a:pos x="connsiteX126" y="connsiteY126"/>
+              </a:cxn>
+              <a:cxn ang="0">
+                <a:pos x="connsiteX127" y="connsiteY127"/>
+              </a:cxn>
+              <a:cxn ang="0">
+                <a:pos x="connsiteX128" y="connsiteY128"/>
+              </a:cxn>
+              <a:cxn ang="0">
+                <a:pos x="connsiteX129" y="connsiteY129"/>
+              </a:cxn>
+              <a:cxn ang="0">
+                <a:pos x="connsiteX130" y="connsiteY130"/>
+              </a:cxn>
+              <a:cxn ang="0">
+                <a:pos x="connsiteX131" y="connsiteY131"/>
+              </a:cxn>
+              <a:cxn ang="0">
+                <a:pos x="connsiteX132" y="connsiteY132"/>
+              </a:cxn>
+              <a:cxn ang="0">
+                <a:pos x="connsiteX133" y="connsiteY133"/>
+              </a:cxn>
+              <a:cxn ang="0">
+                <a:pos x="connsiteX134" y="connsiteY134"/>
+              </a:cxn>
+              <a:cxn ang="0">
+                <a:pos x="connsiteX135" y="connsiteY135"/>
+              </a:cxn>
+              <a:cxn ang="0">
+                <a:pos x="connsiteX136" y="connsiteY136"/>
+              </a:cxn>
+              <a:cxn ang="0">
+                <a:pos x="connsiteX137" y="connsiteY137"/>
+              </a:cxn>
+              <a:cxn ang="0">
+                <a:pos x="connsiteX138" y="connsiteY138"/>
+              </a:cxn>
+              <a:cxn ang="0">
+                <a:pos x="connsiteX139" y="connsiteY139"/>
+              </a:cxn>
+              <a:cxn ang="0">
+                <a:pos x="connsiteX140" y="connsiteY140"/>
+              </a:cxn>
+              <a:cxn ang="0">
+                <a:pos x="connsiteX141" y="connsiteY141"/>
+              </a:cxn>
+              <a:cxn ang="0">
+                <a:pos x="connsiteX142" y="connsiteY142"/>
+              </a:cxn>
+              <a:cxn ang="0">
+                <a:pos x="connsiteX143" y="connsiteY143"/>
+              </a:cxn>
+              <a:cxn ang="0">
+                <a:pos x="connsiteX144" y="connsiteY144"/>
+              </a:cxn>
+              <a:cxn ang="0">
+                <a:pos x="connsiteX145" y="connsiteY145"/>
+              </a:cxn>
+              <a:cxn ang="0">
+                <a:pos x="connsiteX146" y="connsiteY146"/>
+              </a:cxn>
+              <a:cxn ang="0">
+                <a:pos x="connsiteX147" y="connsiteY147"/>
+              </a:cxn>
+              <a:cxn ang="0">
+                <a:pos x="connsiteX148" y="connsiteY148"/>
+              </a:cxn>
+              <a:cxn ang="0">
+                <a:pos x="connsiteX149" y="connsiteY149"/>
+              </a:cxn>
+              <a:cxn ang="0">
+                <a:pos x="connsiteX150" y="connsiteY150"/>
+              </a:cxn>
+              <a:cxn ang="0">
+                <a:pos x="connsiteX151" y="connsiteY151"/>
+              </a:cxn>
+              <a:cxn ang="0">
+                <a:pos x="connsiteX152" y="connsiteY152"/>
+              </a:cxn>
+              <a:cxn ang="0">
+                <a:pos x="connsiteX153" y="connsiteY153"/>
+              </a:cxn>
+              <a:cxn ang="0">
+                <a:pos x="connsiteX154" y="connsiteY154"/>
+              </a:cxn>
+              <a:cxn ang="0">
+                <a:pos x="connsiteX155" y="connsiteY155"/>
+              </a:cxn>
+              <a:cxn ang="0">
+                <a:pos x="connsiteX156" y="connsiteY156"/>
+              </a:cxn>
+              <a:cxn ang="0">
+                <a:pos x="connsiteX157" y="connsiteY157"/>
+              </a:cxn>
+              <a:cxn ang="0">
+                <a:pos x="connsiteX158" y="connsiteY158"/>
+              </a:cxn>
+              <a:cxn ang="0">
+                <a:pos x="connsiteX159" y="connsiteY159"/>
+              </a:cxn>
+              <a:cxn ang="0">
+                <a:pos x="connsiteX160" y="connsiteY160"/>
+              </a:cxn>
+              <a:cxn ang="0">
+                <a:pos x="connsiteX161" y="connsiteY161"/>
+              </a:cxn>
+              <a:cxn ang="0">
+                <a:pos x="connsiteX162" y="connsiteY162"/>
+              </a:cxn>
+              <a:cxn ang="0">
+                <a:pos x="connsiteX163" y="connsiteY163"/>
+              </a:cxn>
+              <a:cxn ang="0">
+                <a:pos x="connsiteX164" y="connsiteY164"/>
+              </a:cxn>
+              <a:cxn ang="0">
+                <a:pos x="connsiteX165" y="connsiteY165"/>
+              </a:cxn>
+              <a:cxn ang="0">
+                <a:pos x="connsiteX166" y="connsiteY166"/>
+              </a:cxn>
+              <a:cxn ang="0">
+                <a:pos x="connsiteX167" y="connsiteY167"/>
+              </a:cxn>
+              <a:cxn ang="0">
+                <a:pos x="connsiteX168" y="connsiteY168"/>
+              </a:cxn>
+              <a:cxn ang="0">
+                <a:pos x="connsiteX169" y="connsiteY169"/>
+              </a:cxn>
+              <a:cxn ang="0">
+                <a:pos x="connsiteX170" y="connsiteY170"/>
+              </a:cxn>
+              <a:cxn ang="0">
+                <a:pos x="connsiteX171" y="connsiteY171"/>
+              </a:cxn>
+              <a:cxn ang="0">
+                <a:pos x="connsiteX172" y="connsiteY172"/>
+              </a:cxn>
+              <a:cxn ang="0">
+                <a:pos x="connsiteX173" y="connsiteY173"/>
+              </a:cxn>
+              <a:cxn ang="0">
+                <a:pos x="connsiteX174" y="connsiteY174"/>
+              </a:cxn>
+              <a:cxn ang="0">
+                <a:pos x="connsiteX175" y="connsiteY175"/>
+              </a:cxn>
+              <a:cxn ang="0">
+                <a:pos x="connsiteX176" y="connsiteY176"/>
+              </a:cxn>
+              <a:cxn ang="0">
+                <a:pos x="connsiteX177" y="connsiteY177"/>
+              </a:cxn>
+              <a:cxn ang="0">
+                <a:pos x="connsiteX178" y="connsiteY178"/>
+              </a:cxn>
+              <a:cxn ang="0">
+                <a:pos x="connsiteX179" y="connsiteY179"/>
+              </a:cxn>
+              <a:cxn ang="0">
+                <a:pos x="connsiteX180" y="connsiteY180"/>
+              </a:cxn>
+              <a:cxn ang="0">
+                <a:pos x="connsiteX181" y="connsiteY181"/>
+              </a:cxn>
+              <a:cxn ang="0">
+                <a:pos x="connsiteX182" y="connsiteY182"/>
+              </a:cxn>
+              <a:cxn ang="0">
+                <a:pos x="connsiteX183" y="connsiteY183"/>
+              </a:cxn>
+              <a:cxn ang="0">
+                <a:pos x="connsiteX184" y="connsiteY184"/>
+              </a:cxn>
+              <a:cxn ang="0">
+                <a:pos x="connsiteX185" y="connsiteY185"/>
+              </a:cxn>
+              <a:cxn ang="0">
+                <a:pos x="connsiteX186" y="connsiteY186"/>
+              </a:cxn>
+              <a:cxn ang="0">
+                <a:pos x="connsiteX187" y="connsiteY187"/>
+              </a:cxn>
+              <a:cxn ang="0">
+                <a:pos x="connsiteX188" y="connsiteY188"/>
+              </a:cxn>
+              <a:cxn ang="0">
+                <a:pos x="connsiteX189" y="connsiteY189"/>
+              </a:cxn>
+              <a:cxn ang="0">
+                <a:pos x="connsiteX190" y="connsiteY190"/>
+              </a:cxn>
+              <a:cxn ang="0">
+                <a:pos x="connsiteX191" y="connsiteY191"/>
+              </a:cxn>
+              <a:cxn ang="0">
+                <a:pos x="connsiteX192" y="connsiteY192"/>
+              </a:cxn>
+              <a:cxn ang="0">
+                <a:pos x="connsiteX193" y="connsiteY193"/>
+              </a:cxn>
+              <a:cxn ang="0">
+                <a:pos x="connsiteX194" y="connsiteY194"/>
+              </a:cxn>
+              <a:cxn ang="0">
+                <a:pos x="connsiteX195" y="connsiteY195"/>
+              </a:cxn>
+              <a:cxn ang="0">
+                <a:pos x="connsiteX196" y="connsiteY196"/>
+              </a:cxn>
+              <a:cxn ang="0">
+                <a:pos x="connsiteX197" y="connsiteY197"/>
+              </a:cxn>
+              <a:cxn ang="0">
+                <a:pos x="connsiteX198" y="connsiteY198"/>
+              </a:cxn>
+              <a:cxn ang="0">
+                <a:pos x="connsiteX199" y="connsiteY199"/>
+              </a:cxn>
+              <a:cxn ang="0">
+                <a:pos x="connsiteX200" y="connsiteY200"/>
+              </a:cxn>
+              <a:cxn ang="0">
+                <a:pos x="connsiteX201" y="connsiteY201"/>
+              </a:cxn>
+              <a:cxn ang="0">
+                <a:pos x="connsiteX202" y="connsiteY202"/>
+              </a:cxn>
+              <a:cxn ang="0">
+                <a:pos x="connsiteX203" y="connsiteY203"/>
+              </a:cxn>
+              <a:cxn ang="0">
+                <a:pos x="connsiteX204" y="connsiteY204"/>
+              </a:cxn>
+              <a:cxn ang="0">
+                <a:pos x="connsiteX205" y="connsiteY205"/>
+              </a:cxn>
+              <a:cxn ang="0">
+                <a:pos x="connsiteX206" y="connsiteY206"/>
+              </a:cxn>
+              <a:cxn ang="0">
+                <a:pos x="connsiteX207" y="connsiteY207"/>
+              </a:cxn>
+              <a:cxn ang="0">
+                <a:pos x="connsiteX208" y="connsiteY208"/>
+              </a:cxn>
+              <a:cxn ang="0">
+                <a:pos x="connsiteX209" y="connsiteY209"/>
+              </a:cxn>
+              <a:cxn ang="0">
+                <a:pos x="connsiteX210" y="connsiteY210"/>
+              </a:cxn>
+              <a:cxn ang="0">
+                <a:pos x="connsiteX211" y="connsiteY211"/>
+              </a:cxn>
+              <a:cxn ang="0">
+                <a:pos x="connsiteX212" y="connsiteY212"/>
+              </a:cxn>
+              <a:cxn ang="0">
+                <a:pos x="connsiteX213" y="connsiteY213"/>
+              </a:cxn>
+              <a:cxn ang="0">
+                <a:pos x="connsiteX214" y="connsiteY214"/>
+              </a:cxn>
+              <a:cxn ang="0">
+                <a:pos x="connsiteX215" y="connsiteY215"/>
+              </a:cxn>
+              <a:cxn ang="0">
+                <a:pos x="connsiteX216" y="connsiteY216"/>
+              </a:cxn>
+              <a:cxn ang="0">
+                <a:pos x="connsiteX217" y="connsiteY217"/>
+              </a:cxn>
+              <a:cxn ang="0">
+                <a:pos x="connsiteX218" y="connsiteY218"/>
+              </a:cxn>
+              <a:cxn ang="0">
+                <a:pos x="connsiteX219" y="connsiteY219"/>
+              </a:cxn>
+              <a:cxn ang="0">
+                <a:pos x="connsiteX220" y="connsiteY220"/>
+              </a:cxn>
+              <a:cxn ang="0">
+                <a:pos x="connsiteX221" y="connsiteY221"/>
+              </a:cxn>
+              <a:cxn ang="0">
+                <a:pos x="connsiteX222" y="connsiteY222"/>
+              </a:cxn>
+              <a:cxn ang="0">
+                <a:pos x="connsiteX223" y="connsiteY223"/>
+              </a:cxn>
+              <a:cxn ang="0">
+                <a:pos x="connsiteX224" y="connsiteY224"/>
+              </a:cxn>
+              <a:cxn ang="0">
+                <a:pos x="connsiteX225" y="connsiteY225"/>
+              </a:cxn>
+              <a:cxn ang="0">
+                <a:pos x="connsiteX226" y="connsiteY226"/>
+              </a:cxn>
+              <a:cxn ang="0">
+                <a:pos x="connsiteX227" y="connsiteY227"/>
+              </a:cxn>
+              <a:cxn ang="0">
+                <a:pos x="connsiteX228" y="connsiteY228"/>
+              </a:cxn>
+              <a:cxn ang="0">
+                <a:pos x="connsiteX229" y="connsiteY229"/>
+              </a:cxn>
+              <a:cxn ang="0">
+                <a:pos x="connsiteX230" y="connsiteY230"/>
+              </a:cxn>
+              <a:cxn ang="0">
+                <a:pos x="connsiteX231" y="connsiteY231"/>
+              </a:cxn>
+              <a:cxn ang="0">
+                <a:pos x="connsiteX232" y="connsiteY232"/>
+              </a:cxn>
+              <a:cxn ang="0">
+                <a:pos x="connsiteX233" y="connsiteY233"/>
+              </a:cxn>
+              <a:cxn ang="0">
+                <a:pos x="connsiteX234" y="connsiteY234"/>
+              </a:cxn>
+              <a:cxn ang="0">
+                <a:pos x="connsiteX235" y="connsiteY235"/>
+              </a:cxn>
+              <a:cxn ang="0">
+                <a:pos x="connsiteX236" y="connsiteY236"/>
+              </a:cxn>
+              <a:cxn ang="0">
+                <a:pos x="connsiteX237" y="connsiteY237"/>
+              </a:cxn>
+              <a:cxn ang="0">
+                <a:pos x="connsiteX238" y="connsiteY238"/>
+              </a:cxn>
+              <a:cxn ang="0">
+                <a:pos x="connsiteX239" y="connsiteY239"/>
+              </a:cxn>
+              <a:cxn ang="0">
+                <a:pos x="connsiteX240" y="connsiteY240"/>
+              </a:cxn>
+              <a:cxn ang="0">
+                <a:pos x="connsiteX241" y="connsiteY241"/>
+              </a:cxn>
+              <a:cxn ang="0">
+                <a:pos x="connsiteX242" y="connsiteY242"/>
+              </a:cxn>
+              <a:cxn ang="0">
+                <a:pos x="connsiteX243" y="connsiteY243"/>
+              </a:cxn>
+              <a:cxn ang="0">
+                <a:pos x="connsiteX244" y="connsiteY244"/>
+              </a:cxn>
+              <a:cxn ang="0">
+                <a:pos x="connsiteX245" y="connsiteY245"/>
+              </a:cxn>
+              <a:cxn ang="0">
+                <a:pos x="connsiteX246" y="connsiteY246"/>
+              </a:cxn>
+              <a:cxn ang="0">
+                <a:pos x="connsiteX247" y="connsiteY247"/>
+              </a:cxn>
+              <a:cxn ang="0">
+                <a:pos x="connsiteX248" y="connsiteY248"/>
+              </a:cxn>
+              <a:cxn ang="0">
+                <a:pos x="connsiteX249" y="connsiteY249"/>
+              </a:cxn>
+              <a:cxn ang="0">
+                <a:pos x="connsiteX250" y="connsiteY250"/>
+              </a:cxn>
+              <a:cxn ang="0">
+                <a:pos x="connsiteX251" y="connsiteY251"/>
+              </a:cxn>
+              <a:cxn ang="0">
+                <a:pos x="connsiteX252" y="connsiteY252"/>
+              </a:cxn>
+              <a:cxn ang="0">
+                <a:pos x="connsiteX253" y="connsiteY253"/>
+              </a:cxn>
+              <a:cxn ang="0">
+                <a:pos x="connsiteX254" y="connsiteY254"/>
+              </a:cxn>
+              <a:cxn ang="0">
+                <a:pos x="connsiteX255" y="connsiteY255"/>
+              </a:cxn>
+              <a:cxn ang="0">
+                <a:pos x="connsiteX256" y="connsiteY256"/>
+              </a:cxn>
+              <a:cxn ang="0">
+                <a:pos x="connsiteX257" y="connsiteY257"/>
+              </a:cxn>
+            </a:cxnLst>
+            <a:rect l="l" t="t" r="r" b="b"/>
+            <a:pathLst>
+              <a:path w="12202113" h="3188466">
+                <a:moveTo>
+                  <a:pt x="0" y="3188466"/>
+                </a:moveTo>
+                <a:lnTo>
+                  <a:pt x="10116" y="2657641"/>
+                </a:lnTo>
+                <a:lnTo>
+                  <a:pt x="10116" y="0"/>
+                </a:lnTo>
+                <a:lnTo>
+                  <a:pt x="12202113" y="0"/>
+                </a:lnTo>
+                <a:lnTo>
+                  <a:pt x="12202113" y="2879832"/>
+                </a:lnTo>
+                <a:lnTo>
+                  <a:pt x="12198167" y="2880360"/>
+                </a:lnTo>
+                <a:cubicBezTo>
+                  <a:pt x="12163116" y="2884349"/>
+                  <a:pt x="12143771" y="2884544"/>
+                  <a:pt x="12122128" y="2887194"/>
+                </a:cubicBezTo>
+                <a:cubicBezTo>
+                  <a:pt x="12087086" y="2893347"/>
+                  <a:pt x="12050015" y="2907304"/>
+                  <a:pt x="12028868" y="2911786"/>
+                </a:cubicBezTo>
+                <a:lnTo>
+                  <a:pt x="11995238" y="2914090"/>
+                </a:lnTo>
+                <a:lnTo>
+                  <a:pt x="11996460" y="2918442"/>
+                </a:lnTo>
+                <a:lnTo>
+                  <a:pt x="11983968" y="2918762"/>
+                </a:lnTo>
+                <a:lnTo>
+                  <a:pt x="11956084" y="2918868"/>
+                </a:lnTo>
+                <a:cubicBezTo>
+                  <a:pt x="11938684" y="2919526"/>
+                  <a:pt x="11890300" y="2918483"/>
+                  <a:pt x="11872586" y="2920076"/>
+                </a:cubicBezTo>
+                <a:cubicBezTo>
+                  <a:pt x="11867476" y="2924717"/>
+                  <a:pt x="11859589" y="2927247"/>
+                  <a:pt x="11849804" y="2928420"/>
+                </a:cubicBezTo>
+                <a:lnTo>
+                  <a:pt x="11828254" y="2928551"/>
+                </a:lnTo>
+                <a:lnTo>
+                  <a:pt x="11703277" y="2939735"/>
+                </a:lnTo>
+                <a:lnTo>
+                  <a:pt x="11686094" y="2940570"/>
+                </a:lnTo>
+                <a:lnTo>
+                  <a:pt x="11676788" y="2944321"/>
+                </a:lnTo>
+                <a:cubicBezTo>
+                  <a:pt x="11669684" y="2945069"/>
+                  <a:pt x="11649276" y="2944585"/>
+                  <a:pt x="11643464" y="2945066"/>
+                </a:cubicBezTo>
+                <a:lnTo>
+                  <a:pt x="11641922" y="2947200"/>
+                </a:lnTo>
+                <a:cubicBezTo>
+                  <a:pt x="11623408" y="2950611"/>
+                  <a:pt x="11553770" y="2961969"/>
+                  <a:pt x="11532386" y="2965529"/>
+                </a:cubicBezTo>
+                <a:cubicBezTo>
+                  <a:pt x="11528114" y="2962248"/>
+                  <a:pt x="11518548" y="2967430"/>
+                  <a:pt x="11513619" y="2968556"/>
+                </a:cubicBezTo>
+                <a:cubicBezTo>
+                  <a:pt x="11512856" y="2966346"/>
+                  <a:pt x="11500924" y="2965672"/>
+                  <a:pt x="11497404" y="2967639"/>
+                </a:cubicBezTo>
+                <a:cubicBezTo>
+                  <a:pt x="11413522" y="2978420"/>
+                  <a:pt x="11455510" y="2956141"/>
+                  <a:pt x="11407630" y="2970255"/>
+                </a:cubicBezTo>
+                <a:cubicBezTo>
+                  <a:pt x="11399160" y="2971190"/>
+                  <a:pt x="11392296" y="2970299"/>
+                  <a:pt x="11386276" y="2968648"/>
+                </a:cubicBezTo>
+                <a:lnTo>
+                  <a:pt x="11377296" y="2965257"/>
+                </a:lnTo>
+                <a:lnTo>
+                  <a:pt x="11342536" y="2971666"/>
+                </a:lnTo>
+                <a:cubicBezTo>
+                  <a:pt x="11325414" y="2973900"/>
+                  <a:pt x="11307393" y="2975381"/>
+                  <a:pt x="11288902" y="2976058"/>
+                </a:cubicBezTo>
+                <a:cubicBezTo>
+                  <a:pt x="11284753" y="2971542"/>
+                  <a:pt x="11270239" y="2977957"/>
+                  <a:pt x="11263411" y="2979228"/>
+                </a:cubicBezTo>
+                <a:cubicBezTo>
+                  <a:pt x="11263340" y="2976278"/>
+                  <a:pt x="11248212" y="2974865"/>
+                  <a:pt x="11242843" y="2977303"/>
+                </a:cubicBezTo>
+                <a:cubicBezTo>
+                  <a:pt x="11130019" y="2987845"/>
+                  <a:pt x="11193504" y="2960297"/>
+                  <a:pt x="11125798" y="2976816"/>
+                </a:cubicBezTo>
+                <a:cubicBezTo>
+                  <a:pt x="11114472" y="2977677"/>
+                  <a:pt x="11105974" y="2976199"/>
+                  <a:pt x="11098884" y="2973758"/>
+                </a:cubicBezTo>
+                <a:lnTo>
+                  <a:pt x="11086128" y="2967663"/>
+                </a:lnTo>
+                <a:lnTo>
+                  <a:pt x="11076132" y="2969836"/>
+                </a:lnTo>
+                <a:cubicBezTo>
+                  <a:pt x="11038408" y="2970007"/>
+                  <a:pt x="11027285" y="2963760"/>
+                  <a:pt x="11005337" y="2970053"/>
+                </a:cubicBezTo>
+                <a:cubicBezTo>
+                  <a:pt x="10972902" y="2956973"/>
+                  <a:pt x="10983824" y="2968749"/>
+                  <a:pt x="10959154" y="2970750"/>
+                </a:cubicBezTo>
+                <a:cubicBezTo>
+                  <a:pt x="10939692" y="2973358"/>
+                  <a:pt x="10975422" y="2978377"/>
+                  <a:pt x="10956347" y="2979118"/>
+                </a:cubicBezTo>
+                <a:cubicBezTo>
+                  <a:pt x="10935712" y="2975741"/>
+                  <a:pt x="10936682" y="2986229"/>
+                  <a:pt x="10915223" y="2982099"/>
+                </a:cubicBezTo>
+                <a:cubicBezTo>
+                  <a:pt x="10920436" y="2974198"/>
+                  <a:pt x="10872877" y="2983630"/>
+                  <a:pt x="10871398" y="2976728"/>
+                </a:cubicBezTo>
+                <a:cubicBezTo>
+                  <a:pt x="10853171" y="2986599"/>
+                  <a:pt x="10844013" y="2974439"/>
+                  <a:pt x="10819743" y="2977481"/>
+                </a:cubicBezTo>
+                <a:cubicBezTo>
+                  <a:pt x="10808314" y="2981215"/>
+                  <a:pt x="10800068" y="2981856"/>
+                  <a:pt x="10788834" y="2977840"/>
+                </a:cubicBezTo>
+                <a:cubicBezTo>
+                  <a:pt x="10736185" y="2996020"/>
+                  <a:pt x="10756982" y="2978653"/>
+                  <a:pt x="10707711" y="2985644"/>
+                </a:cubicBezTo>
+                <a:cubicBezTo>
+                  <a:pt x="10665262" y="2992997"/>
+                  <a:pt x="10617142" y="2997767"/>
+                  <a:pt x="10576086" y="3015319"/>
+                </a:cubicBezTo>
+                <a:cubicBezTo>
+                  <a:pt x="10568550" y="3020292"/>
+                  <a:pt x="10550046" y="3022174"/>
+                  <a:pt x="10534761" y="3019524"/>
+                </a:cubicBezTo>
+                <a:cubicBezTo>
+                  <a:pt x="10532134" y="3019067"/>
+                  <a:pt x="10529698" y="3018490"/>
+                  <a:pt x="10527537" y="3017814"/>
+                </a:cubicBezTo>
+                <a:cubicBezTo>
+                  <a:pt x="10492044" y="3020498"/>
+                  <a:pt x="10362224" y="3032491"/>
+                  <a:pt x="10321799" y="3035635"/>
+                </a:cubicBezTo>
+                <a:cubicBezTo>
+                  <a:pt x="10318526" y="3029246"/>
+                  <a:pt x="10298084" y="3040774"/>
+                  <a:pt x="10284989" y="3036679"/>
+                </a:cubicBezTo>
+                <a:cubicBezTo>
+                  <a:pt x="10275610" y="3033085"/>
+                  <a:pt x="10267220" y="3035744"/>
+                  <a:pt x="10257423" y="3036027"/>
+                </a:cubicBezTo>
+                <a:cubicBezTo>
+                  <a:pt x="10244517" y="3033202"/>
+                  <a:pt x="10202424" y="3038304"/>
+                  <a:pt x="10191450" y="3041963"/>
+                </a:cubicBezTo>
+                <a:cubicBezTo>
+                  <a:pt x="10165225" y="3054679"/>
+                  <a:pt x="10105634" y="3045236"/>
+                  <a:pt x="10083845" y="3054978"/>
+                </a:cubicBezTo>
+                <a:cubicBezTo>
+                  <a:pt x="10075939" y="3056408"/>
+                  <a:pt x="10068203" y="3056986"/>
+                  <a:pt x="10060611" y="3057035"/>
+                </a:cubicBezTo>
+                <a:lnTo>
+                  <a:pt x="10039363" y="3055961"/>
+                </a:lnTo>
+                <a:lnTo>
+                  <a:pt x="10033322" y="3053238"/>
+                </a:lnTo>
+                <a:lnTo>
+                  <a:pt x="10020337" y="3053912"/>
+                </a:lnTo>
+                <a:lnTo>
+                  <a:pt x="10016616" y="3053498"/>
+                </a:lnTo>
+                <a:cubicBezTo>
+                  <a:pt x="10009508" y="3052695"/>
+                  <a:pt x="10002492" y="3051995"/>
+                  <a:pt x="9995549" y="3051719"/>
+                </a:cubicBezTo>
+                <a:cubicBezTo>
+                  <a:pt x="10004680" y="3065377"/>
+                  <a:pt x="9937988" y="3051618"/>
+                  <a:pt x="9957212" y="3062663"/>
+                </a:cubicBezTo>
+                <a:cubicBezTo>
+                  <a:pt x="9920646" y="3063519"/>
+                  <a:pt x="9948538" y="3073806"/>
+                  <a:pt x="9904584" y="3063999"/>
+                </a:cubicBezTo>
+                <a:cubicBezTo>
+                  <a:pt x="9847813" y="3075166"/>
+                  <a:pt x="9758323" y="3071010"/>
+                  <a:pt x="9713857" y="3087955"/>
+                </a:cubicBezTo>
+                <a:cubicBezTo>
+                  <a:pt x="9719380" y="3081485"/>
+                  <a:pt x="9695453" y="3076466"/>
+                  <a:pt x="9678879" y="3079676"/>
+                </a:cubicBezTo>
+                <a:cubicBezTo>
+                  <a:pt x="9698255" y="3054291"/>
+                  <a:pt x="9613348" y="3102551"/>
+                  <a:pt x="9598760" y="3085228"/>
+                </a:cubicBezTo>
+                <a:cubicBezTo>
+                  <a:pt x="9598041" y="3101310"/>
+                  <a:pt x="9523758" y="3128579"/>
+                  <a:pt x="9488796" y="3115384"/>
+                </a:cubicBezTo>
+                <a:cubicBezTo>
+                  <a:pt x="9435532" y="3118605"/>
+                  <a:pt x="9397815" y="3131898"/>
+                  <a:pt x="9341972" y="3126583"/>
+                </a:cubicBezTo>
+                <a:cubicBezTo>
+                  <a:pt x="9340239" y="3128735"/>
+                  <a:pt x="9337399" y="3130536"/>
+                  <a:pt x="9333795" y="3132083"/>
+                </a:cubicBezTo>
+                <a:lnTo>
+                  <a:pt x="9321736" y="3135834"/>
+                </a:lnTo>
+                <a:lnTo>
+                  <a:pt x="9319405" y="3135561"/>
+                </a:lnTo>
+                <a:cubicBezTo>
+                  <a:pt x="9310247" y="3135512"/>
+                  <a:pt x="9305558" y="3136419"/>
+                  <a:pt x="9302847" y="3137746"/>
+                </a:cubicBezTo>
+                <a:lnTo>
+                  <a:pt x="9300930" y="3139687"/>
+                </a:lnTo>
+                <a:lnTo>
+                  <a:pt x="9290106" y="3141645"/>
+                </a:lnTo>
+                <a:lnTo>
+                  <a:pt x="9270220" y="3146737"/>
+                </a:lnTo>
+                <a:lnTo>
+                  <a:pt x="9265150" y="3146531"/>
+                </a:lnTo>
+                <a:lnTo>
+                  <a:pt x="9233057" y="3152408"/>
+                </a:lnTo>
+                <a:lnTo>
+                  <a:pt x="9231974" y="3151938"/>
+                </a:lnTo>
+                <a:cubicBezTo>
+                  <a:pt x="9228816" y="3151020"/>
+                  <a:pt x="9225099" y="3150595"/>
+                  <a:pt x="9220130" y="3151189"/>
+                </a:cubicBezTo>
+                <a:cubicBezTo>
+                  <a:pt x="9218372" y="3142213"/>
+                  <a:pt x="9213458" y="3148467"/>
+                  <a:pt x="9198955" y="3151015"/>
+                </a:cubicBezTo>
+                <a:cubicBezTo>
+                  <a:pt x="9192986" y="3137641"/>
+                  <a:pt x="9157451" y="3149750"/>
+                  <a:pt x="9142196" y="3143802"/>
+                </a:cubicBezTo>
+                <a:cubicBezTo>
+                  <a:pt x="9131673" y="3145976"/>
+                  <a:pt x="9120437" y="3148030"/>
+                  <a:pt x="9108665" y="3149868"/>
+                </a:cubicBezTo>
+                <a:lnTo>
+                  <a:pt x="9014086" y="3150791"/>
+                </a:lnTo>
+                <a:lnTo>
+                  <a:pt x="8915037" y="3140020"/>
+                </a:lnTo>
+                <a:cubicBezTo>
+                  <a:pt x="8878400" y="3139785"/>
+                  <a:pt x="8846675" y="3135786"/>
+                  <a:pt x="8815667" y="3138606"/>
+                </a:cubicBezTo>
+                <a:cubicBezTo>
+                  <a:pt x="8803071" y="3135495"/>
+                  <a:pt x="8791199" y="3134238"/>
+                  <a:pt x="8779688" y="3138895"/>
+                </a:cubicBezTo>
+                <a:cubicBezTo>
+                  <a:pt x="8745498" y="3137342"/>
+                  <a:pt x="8737221" y="3130691"/>
+                  <a:pt x="8715556" y="3135878"/>
+                </a:cubicBezTo>
+                <a:cubicBezTo>
+                  <a:pt x="8696347" y="3125121"/>
+                  <a:pt x="8695210" y="3129227"/>
+                  <a:pt x="8686183" y="3132307"/>
+                </a:cubicBezTo>
+                <a:lnTo>
+                  <a:pt x="8684895" y="3132527"/>
+                </a:lnTo>
+                <a:lnTo>
+                  <a:pt x="8682270" y="3130989"/>
+                </a:lnTo>
+                <a:lnTo>
+                  <a:pt x="8676836" y="3130278"/>
+                </a:lnTo>
+                <a:lnTo>
+                  <a:pt x="8662002" y="3130735"/>
+                </a:lnTo>
+                <a:lnTo>
+                  <a:pt x="8656423" y="3131304"/>
+                </a:lnTo>
+                <a:cubicBezTo>
+                  <a:pt x="8652581" y="3131550"/>
+                  <a:pt x="8650028" y="3131521"/>
+                  <a:pt x="8648261" y="3131294"/>
+                </a:cubicBezTo>
+                <a:lnTo>
+                  <a:pt x="8648057" y="3131167"/>
+                </a:lnTo>
+                <a:lnTo>
+                  <a:pt x="8640412" y="3131403"/>
+                </a:lnTo>
+                <a:cubicBezTo>
+                  <a:pt x="8627510" y="3132092"/>
+                  <a:pt x="8614954" y="3133035"/>
+                  <a:pt x="8603003" y="3134155"/>
+                </a:cubicBezTo>
+                <a:cubicBezTo>
+                  <a:pt x="8592897" y="3127095"/>
+                  <a:pt x="8548738" y="3135435"/>
+                  <a:pt x="8553571" y="3122125"/>
+                </a:cubicBezTo>
+                <a:cubicBezTo>
+                  <a:pt x="8537450" y="3123243"/>
+                  <a:pt x="8527699" y="3128769"/>
+                  <a:pt x="8533128" y="3120039"/>
+                </a:cubicBezTo>
+                <a:cubicBezTo>
+                  <a:pt x="8527821" y="3120156"/>
+                  <a:pt x="8524551" y="3119414"/>
+                  <a:pt x="8522209" y="3118252"/>
+                </a:cubicBezTo>
+                <a:lnTo>
+                  <a:pt x="8521532" y="3117705"/>
+                </a:lnTo>
+                <a:lnTo>
+                  <a:pt x="8485667" y="3120406"/>
+                </a:lnTo>
+                <a:lnTo>
+                  <a:pt x="8480905" y="3119749"/>
+                </a:lnTo>
+                <a:lnTo>
+                  <a:pt x="8457530" y="3122810"/>
+                </a:lnTo>
+                <a:lnTo>
+                  <a:pt x="8445451" y="3123697"/>
+                </a:lnTo>
+                <a:lnTo>
+                  <a:pt x="8442039" y="3125378"/>
+                </a:lnTo>
+                <a:cubicBezTo>
+                  <a:pt x="8438355" y="3126399"/>
+                  <a:pt x="8433075" y="3126839"/>
+                  <a:pt x="8424215" y="3125963"/>
+                </a:cubicBezTo>
+                <a:lnTo>
+                  <a:pt x="8422165" y="3125491"/>
+                </a:lnTo>
+                <a:lnTo>
+                  <a:pt x="8407465" y="3127979"/>
+                </a:lnTo>
+                <a:cubicBezTo>
+                  <a:pt x="8402731" y="3129129"/>
+                  <a:pt x="8398540" y="3130592"/>
+                  <a:pt x="8395146" y="3132488"/>
+                </a:cubicBezTo>
+                <a:cubicBezTo>
+                  <a:pt x="8345093" y="3122354"/>
+                  <a:pt x="8297866" y="3131626"/>
+                  <a:pt x="8243538" y="3129873"/>
+                </a:cubicBezTo>
+                <a:cubicBezTo>
+                  <a:pt x="8220052" y="3114107"/>
+                  <a:pt x="8126172" y="3133411"/>
+                  <a:pt x="8112685" y="3148698"/>
+                </a:cubicBezTo>
+                <a:cubicBezTo>
+                  <a:pt x="8112380" y="3135302"/>
+                  <a:pt x="8044302" y="3153542"/>
+                  <a:pt x="8026741" y="3154015"/>
+                </a:cubicBezTo>
+                <a:cubicBezTo>
+                  <a:pt x="8020887" y="3154173"/>
+                  <a:pt x="8020646" y="3152357"/>
+                  <a:pt x="8030400" y="3146736"/>
+                </a:cubicBezTo>
+                <a:cubicBezTo>
+                  <a:pt x="8011739" y="3148301"/>
+                  <a:pt x="7992477" y="3141339"/>
+                  <a:pt x="8002987" y="3135663"/>
+                </a:cubicBezTo>
+                <a:cubicBezTo>
+                  <a:pt x="7946297" y="3147811"/>
+                  <a:pt x="7862627" y="3135732"/>
+                  <a:pt x="7798568" y="3141249"/>
+                </a:cubicBezTo>
+                <a:cubicBezTo>
+                  <a:pt x="7763645" y="3127901"/>
+                  <a:pt x="7782577" y="3140251"/>
+                  <a:pt x="7746353" y="3137755"/>
+                </a:cubicBezTo>
+                <a:cubicBezTo>
+                  <a:pt x="7756261" y="3150042"/>
+                  <a:pt x="7702377" y="3130861"/>
+                  <a:pt x="7700395" y="3144729"/>
+                </a:cubicBezTo>
+                <a:cubicBezTo>
+                  <a:pt x="7693866" y="3143835"/>
+                  <a:pt x="7687603" y="3142532"/>
+                  <a:pt x="7681335" y="3141120"/>
+                </a:cubicBezTo>
+                <a:lnTo>
+                  <a:pt x="7678044" y="3140387"/>
+                </a:lnTo>
+                <a:lnTo>
+                  <a:pt x="7664890" y="3139855"/>
+                </a:lnTo>
+                <a:lnTo>
+                  <a:pt x="7661183" y="3136706"/>
+                </a:lnTo>
+                <a:lnTo>
+                  <a:pt x="7641383" y="3133755"/>
+                </a:lnTo>
+                <a:cubicBezTo>
+                  <a:pt x="7633967" y="3133115"/>
+                  <a:pt x="7625987" y="3132967"/>
+                  <a:pt x="7617169" y="3133614"/>
+                </a:cubicBezTo>
+                <a:cubicBezTo>
+                  <a:pt x="7595475" y="3139109"/>
+                  <a:pt x="7561695" y="3132374"/>
+                  <a:pt x="7531143" y="3132781"/>
+                </a:cubicBezTo>
+                <a:lnTo>
+                  <a:pt x="7517113" y="3134483"/>
+                </a:lnTo>
+                <a:lnTo>
+                  <a:pt x="7471320" y="3131645"/>
+                </a:lnTo>
+                <a:cubicBezTo>
+                  <a:pt x="7458285" y="3131095"/>
+                  <a:pt x="7444756" y="3130805"/>
+                  <a:pt x="7430512" y="3131007"/>
+                </a:cubicBezTo>
+                <a:lnTo>
+                  <a:pt x="7404071" y="3132361"/>
+                </a:lnTo>
+                <a:lnTo>
+                  <a:pt x="7397140" y="3131239"/>
+                </a:lnTo>
+                <a:cubicBezTo>
+                  <a:pt x="7385068" y="3131364"/>
+                  <a:pt x="7369091" y="3135313"/>
+                  <a:pt x="7370514" y="3130516"/>
+                </a:cubicBezTo>
+                <a:lnTo>
+                  <a:pt x="7356953" y="3132179"/>
+                </a:lnTo>
+                <a:lnTo>
+                  <a:pt x="7343567" y="3128350"/>
+                </a:lnTo>
+                <a:cubicBezTo>
+                  <a:pt x="7342101" y="3127461"/>
+                  <a:pt x="7340998" y="3126514"/>
+                  <a:pt x="7340295" y="3125545"/>
+                </a:cubicBezTo>
+                <a:lnTo>
+                  <a:pt x="7321348" y="3126804"/>
+                </a:lnTo>
+                <a:lnTo>
+                  <a:pt x="7305815" y="3124063"/>
+                </a:lnTo>
+                <a:lnTo>
+                  <a:pt x="7292274" y="3125855"/>
+                </a:lnTo>
+                <a:lnTo>
+                  <a:pt x="7286654" y="3125451"/>
+                </a:lnTo>
+                <a:lnTo>
+                  <a:pt x="7272685" y="3124094"/>
+                </a:lnTo>
+                <a:cubicBezTo>
+                  <a:pt x="7265523" y="3123143"/>
+                  <a:pt x="7257508" y="3121997"/>
+                  <a:pt x="7248584" y="3121080"/>
+                </a:cubicBezTo>
+                <a:lnTo>
+                  <a:pt x="7241065" y="3120661"/>
+                </a:lnTo>
+                <a:lnTo>
+                  <a:pt x="7224696" y="3116051"/>
+                </a:lnTo>
+                <a:cubicBezTo>
+                  <a:pt x="7212786" y="3112566"/>
+                  <a:pt x="7203412" y="3110217"/>
+                  <a:pt x="7193009" y="3112108"/>
+                </a:cubicBezTo>
+                <a:cubicBezTo>
+                  <a:pt x="7175276" y="3107606"/>
+                  <a:pt x="7162888" y="3094987"/>
+                  <a:pt x="7137220" y="3098354"/>
+                </a:cubicBezTo>
+                <a:cubicBezTo>
+                  <a:pt x="7145010" y="3092637"/>
+                  <a:pt x="7108715" y="3097662"/>
+                  <a:pt x="7104427" y="3091790"/>
+                </a:cubicBezTo>
+                <a:cubicBezTo>
+                  <a:pt x="7102447" y="3087061"/>
+                  <a:pt x="7090976" y="3087484"/>
+                  <a:pt x="7082240" y="3085740"/>
+                </a:cubicBezTo>
+                <a:cubicBezTo>
+                  <a:pt x="7076014" y="3080911"/>
+                  <a:pt x="7032058" y="3076501"/>
+                  <a:pt x="7016754" y="3077196"/>
+                </a:cubicBezTo>
+                <a:cubicBezTo>
+                  <a:pt x="6973620" y="3082001"/>
+                  <a:pt x="6938923" y="3062558"/>
+                  <a:pt x="6904436" y="3065900"/>
+                </a:cubicBezTo>
+                <a:cubicBezTo>
+                  <a:pt x="6895406" y="3065445"/>
+                  <a:pt x="6887919" y="3064350"/>
+                  <a:pt x="6881434" y="3062865"/>
+                </a:cubicBezTo>
+                <a:lnTo>
+                  <a:pt x="6865273" y="3057749"/>
+                </a:lnTo>
+                <a:cubicBezTo>
+                  <a:pt x="6865072" y="3056626"/>
+                  <a:pt x="6864871" y="3055502"/>
+                  <a:pt x="6864671" y="3054378"/>
+                </a:cubicBezTo>
+                <a:lnTo>
+                  <a:pt x="6852599" y="3052306"/>
+                </a:lnTo>
+                <a:lnTo>
+                  <a:pt x="6850143" y="3051232"/>
+                </a:lnTo>
+                <a:cubicBezTo>
+                  <a:pt x="6845470" y="3049168"/>
+                  <a:pt x="6840704" y="3047206"/>
+                  <a:pt x="6835301" y="3045593"/>
+                </a:cubicBezTo>
+                <a:cubicBezTo>
+                  <a:pt x="6820447" y="3058242"/>
+                  <a:pt x="6786888" y="3033956"/>
+                  <a:pt x="6784871" y="3046562"/>
+                </a:cubicBezTo>
+                <a:cubicBezTo>
+                  <a:pt x="6752593" y="3039899"/>
+                  <a:pt x="6759140" y="3053646"/>
+                  <a:pt x="6738245" y="3037055"/>
+                </a:cubicBezTo>
+                <a:cubicBezTo>
+                  <a:pt x="6671880" y="3034501"/>
+                  <a:pt x="6603220" y="3013245"/>
+                  <a:pt x="6537703" y="3017736"/>
+                </a:cubicBezTo>
+                <a:cubicBezTo>
+                  <a:pt x="6553051" y="3013722"/>
+                  <a:pt x="6541149" y="3004943"/>
+                  <a:pt x="6521858" y="3004158"/>
+                </a:cubicBezTo>
+                <a:cubicBezTo>
+                  <a:pt x="6580141" y="2987944"/>
+                  <a:pt x="6428765" y="3009117"/>
+                  <a:pt x="6445069" y="2992470"/>
+                </a:cubicBezTo>
+                <a:cubicBezTo>
+                  <a:pt x="6417897" y="3005060"/>
+                  <a:pt x="6310156" y="3011743"/>
+                  <a:pt x="6302447" y="2994274"/>
+                </a:cubicBezTo>
+                <a:cubicBezTo>
+                  <a:pt x="6252173" y="2986131"/>
+                  <a:pt x="6198382" y="2989085"/>
+                  <a:pt x="6160029" y="2973666"/>
+                </a:cubicBezTo>
+                <a:cubicBezTo>
+                  <a:pt x="6155014" y="2975022"/>
+                  <a:pt x="6149642" y="2975878"/>
+                  <a:pt x="6144046" y="2976380"/>
+                </a:cubicBezTo>
+                <a:lnTo>
+                  <a:pt x="6127670" y="2976929"/>
+                </a:lnTo>
+                <a:lnTo>
+                  <a:pt x="6126155" y="2976245"/>
+                </a:lnTo>
+                <a:cubicBezTo>
+                  <a:pt x="6118509" y="2974369"/>
+                  <a:pt x="6113052" y="2974144"/>
+                  <a:pt x="6108575" y="2974651"/>
+                </a:cubicBezTo>
+                <a:lnTo>
+                  <a:pt x="6103746" y="2975803"/>
+                </a:lnTo>
+                <a:lnTo>
+                  <a:pt x="6091377" y="2975180"/>
+                </a:lnTo>
+                <a:lnTo>
+                  <a:pt x="6066183" y="2975222"/>
+                </a:lnTo>
+                <a:lnTo>
+                  <a:pt x="6063287" y="2974353"/>
+                </a:lnTo>
+                <a:lnTo>
+                  <a:pt x="6054813" y="2974911"/>
+                </a:lnTo>
+                <a:lnTo>
+                  <a:pt x="6050809" y="2973985"/>
+                </a:lnTo>
+                <a:lnTo>
+                  <a:pt x="6013979" y="2974553"/>
+                </a:lnTo>
+                <a:cubicBezTo>
+                  <a:pt x="6013918" y="2974361"/>
+                  <a:pt x="6013860" y="2974167"/>
+                  <a:pt x="6013800" y="2973973"/>
+                </a:cubicBezTo>
+                <a:cubicBezTo>
+                  <a:pt x="6012565" y="2972689"/>
+                  <a:pt x="6010070" y="2971765"/>
+                  <a:pt x="6004866" y="2971570"/>
+                </a:cubicBezTo>
+                <a:cubicBezTo>
+                  <a:pt x="6017706" y="2963268"/>
+                  <a:pt x="6003515" y="2968156"/>
+                  <a:pt x="5987036" y="2968315"/>
+                </a:cubicBezTo>
+                <a:cubicBezTo>
+                  <a:pt x="6003302" y="2955458"/>
+                  <a:pt x="5953573" y="2961108"/>
+                  <a:pt x="5950027" y="2953546"/>
+                </a:cubicBezTo>
+                <a:cubicBezTo>
+                  <a:pt x="5937559" y="2953953"/>
+                  <a:pt x="5924668" y="2954151"/>
+                  <a:pt x="5911668" y="2954074"/>
+                </a:cubicBezTo>
+                <a:lnTo>
+                  <a:pt x="5904110" y="2953861"/>
+                </a:lnTo>
+                <a:cubicBezTo>
+                  <a:pt x="5904082" y="2953815"/>
+                  <a:pt x="5904053" y="2953769"/>
+                  <a:pt x="5904026" y="2953724"/>
+                </a:cubicBezTo>
+                <a:cubicBezTo>
+                  <a:pt x="5902528" y="2953395"/>
+                  <a:pt x="5900097" y="2953219"/>
+                  <a:pt x="5896189" y="2953236"/>
+                </a:cubicBezTo>
+                <a:lnTo>
+                  <a:pt x="5890331" y="2953471"/>
+                </a:lnTo>
+                <a:lnTo>
+                  <a:pt x="5875672" y="2953056"/>
+                </a:lnTo>
+                <a:lnTo>
+                  <a:pt x="5871070" y="2952035"/>
+                </a:lnTo>
+                <a:lnTo>
+                  <a:pt x="5869888" y="2950364"/>
+                </a:lnTo>
+                <a:lnTo>
+                  <a:pt x="5868461" y="2950506"/>
+                </a:lnTo>
+                <a:cubicBezTo>
+                  <a:pt x="5857092" y="2953019"/>
+                  <a:pt x="5852416" y="2957005"/>
+                  <a:pt x="5843343" y="2945262"/>
+                </a:cubicBezTo>
+                <a:cubicBezTo>
+                  <a:pt x="5817989" y="2949116"/>
+                  <a:pt x="5815840" y="2942065"/>
+                  <a:pt x="5784331" y="2938531"/>
+                </a:cubicBezTo>
+                <a:cubicBezTo>
+                  <a:pt x="5769202" y="2942455"/>
+                  <a:pt x="5758885" y="2940521"/>
+                  <a:pt x="5749498" y="2936713"/>
+                </a:cubicBezTo>
+                <a:cubicBezTo>
+                  <a:pt x="5717228" y="2937683"/>
+                  <a:pt x="5690227" y="2931877"/>
+                  <a:pt x="5655214" y="2929503"/>
+                </a:cubicBezTo>
+                <a:cubicBezTo>
+                  <a:pt x="5614827" y="2933899"/>
+                  <a:pt x="5598877" y="2923069"/>
+                  <a:pt x="5561446" y="2920575"/>
+                </a:cubicBezTo>
+                <a:cubicBezTo>
+                  <a:pt x="5525084" y="2929276"/>
+                  <a:pt x="5537471" y="2911136"/>
+                  <a:pt x="5519456" y="2906631"/>
+                </a:cubicBezTo>
+                <a:lnTo>
+                  <a:pt x="5514099" y="2906097"/>
+                </a:lnTo>
+                <a:lnTo>
+                  <a:pt x="5499273" y="2907057"/>
+                </a:lnTo>
+                <a:lnTo>
+                  <a:pt x="5493664" y="2907817"/>
+                </a:lnTo>
+                <a:cubicBezTo>
+                  <a:pt x="5489815" y="2908191"/>
+                  <a:pt x="5487270" y="2908250"/>
+                  <a:pt x="5485530" y="2908080"/>
+                </a:cubicBezTo>
+                <a:lnTo>
+                  <a:pt x="5485337" y="2907959"/>
+                </a:lnTo>
+                <a:lnTo>
+                  <a:pt x="5477696" y="2908455"/>
+                </a:lnTo>
+                <a:cubicBezTo>
+                  <a:pt x="5464775" y="2909581"/>
+                  <a:pt x="5452182" y="2910951"/>
+                  <a:pt x="5440170" y="2912482"/>
+                </a:cubicBezTo>
+                <a:cubicBezTo>
+                  <a:pt x="5430698" y="2905718"/>
+                  <a:pt x="5385970" y="2915593"/>
+                  <a:pt x="5391911" y="2902040"/>
+                </a:cubicBezTo>
+                <a:cubicBezTo>
+                  <a:pt x="5375744" y="2903707"/>
+                  <a:pt x="5365560" y="2909594"/>
+                  <a:pt x="5371708" y="2900629"/>
+                </a:cubicBezTo>
+                <a:cubicBezTo>
+                  <a:pt x="5366408" y="2900926"/>
+                  <a:pt x="5363213" y="2900288"/>
+                  <a:pt x="5360976" y="2899197"/>
+                </a:cubicBezTo>
+                <a:lnTo>
+                  <a:pt x="5360345" y="2898671"/>
+                </a:lnTo>
+                <a:lnTo>
+                  <a:pt x="5324367" y="2902593"/>
+                </a:lnTo>
+                <a:lnTo>
+                  <a:pt x="5319673" y="2902094"/>
+                </a:lnTo>
+                <a:lnTo>
+                  <a:pt x="5296114" y="2905958"/>
+                </a:lnTo>
+                <a:lnTo>
+                  <a:pt x="5283999" y="2907258"/>
+                </a:lnTo>
+                <a:lnTo>
+                  <a:pt x="5280460" y="2909063"/>
+                </a:lnTo>
+                <a:cubicBezTo>
+                  <a:pt x="5276699" y="2910214"/>
+                  <a:pt x="5271395" y="2910834"/>
+                  <a:pt x="5262637" y="2910250"/>
+                </a:cubicBezTo>
+                <a:lnTo>
+                  <a:pt x="5260635" y="2909845"/>
+                </a:lnTo>
+                <a:lnTo>
+                  <a:pt x="5245770" y="2912842"/>
+                </a:lnTo>
+                <a:cubicBezTo>
+                  <a:pt x="5240955" y="2914159"/>
+                  <a:pt x="5236652" y="2915770"/>
+                  <a:pt x="5233108" y="2917794"/>
+                </a:cubicBezTo>
+                <a:cubicBezTo>
+                  <a:pt x="5184071" y="2909280"/>
+                  <a:pt x="5136210" y="2920197"/>
+                  <a:pt x="5082201" y="2920260"/>
+                </a:cubicBezTo>
+                <a:lnTo>
+                  <a:pt x="4939211" y="2931760"/>
+                </a:lnTo>
+                <a:cubicBezTo>
+                  <a:pt x="4920477" y="2933960"/>
+                  <a:pt x="4783353" y="2943291"/>
+                  <a:pt x="4794309" y="2937227"/>
+                </a:cubicBezTo>
+                <a:cubicBezTo>
+                  <a:pt x="4736776" y="2951353"/>
+                  <a:pt x="4701995" y="2938961"/>
+                  <a:pt x="4637676" y="2946666"/>
+                </a:cubicBezTo>
+                <a:cubicBezTo>
+                  <a:pt x="4603987" y="2934412"/>
+                  <a:pt x="4621816" y="2946201"/>
+                  <a:pt x="4585922" y="2944906"/>
+                </a:cubicBezTo>
+                <a:cubicBezTo>
+                  <a:pt x="4594760" y="2956935"/>
+                  <a:pt x="4542663" y="2939450"/>
+                  <a:pt x="4539516" y="2953466"/>
+                </a:cubicBezTo>
+                <a:cubicBezTo>
+                  <a:pt x="4533082" y="2952789"/>
+                  <a:pt x="4526953" y="2951687"/>
+                  <a:pt x="4520819" y="2950477"/>
+                </a:cubicBezTo>
+                <a:lnTo>
+                  <a:pt x="4517604" y="2949852"/>
+                </a:lnTo>
+                <a:lnTo>
+                  <a:pt x="4504537" y="2949759"/>
+                </a:lnTo>
+                <a:lnTo>
+                  <a:pt x="4501104" y="2946715"/>
+                </a:lnTo>
+                <a:lnTo>
+                  <a:pt x="4342695" y="2951638"/>
+                </a:lnTo>
+                <a:cubicBezTo>
+                  <a:pt x="4328954" y="2954609"/>
+                  <a:pt x="4284038" y="2957184"/>
+                  <a:pt x="4274096" y="2953640"/>
+                </a:cubicBezTo>
+                <a:cubicBezTo>
+                  <a:pt x="4264434" y="2953346"/>
+                  <a:pt x="4254047" y="2955481"/>
+                  <a:pt x="4248170" y="2951384"/>
+                </a:cubicBezTo>
+                <a:lnTo>
+                  <a:pt x="4147924" y="2945945"/>
+                </a:lnTo>
+                <a:cubicBezTo>
+                  <a:pt x="4131656" y="2952619"/>
+                  <a:pt x="4104816" y="2942907"/>
+                  <a:pt x="4061825" y="2944206"/>
+                </a:cubicBezTo>
+                <a:cubicBezTo>
+                  <a:pt x="4044045" y="2951860"/>
+                  <a:pt x="4032845" y="2944993"/>
+                  <a:pt x="3998557" y="2955821"/>
+                </a:cubicBezTo>
+                <a:cubicBezTo>
+                  <a:pt x="3997072" y="2955023"/>
+                  <a:pt x="3995237" y="2954313"/>
+                  <a:pt x="3993107" y="2953708"/>
+                </a:cubicBezTo>
+                <a:cubicBezTo>
+                  <a:pt x="3980729" y="2950196"/>
+                  <a:pt x="3961302" y="2950972"/>
+                  <a:pt x="3949713" y="2955441"/>
+                </a:cubicBezTo>
+                <a:cubicBezTo>
+                  <a:pt x="3894925" y="2970367"/>
+                  <a:pt x="3844508" y="2972262"/>
+                  <a:pt x="3797284" y="2977037"/>
+                </a:cubicBezTo>
+                <a:cubicBezTo>
+                  <a:pt x="3743822" y="2981057"/>
+                  <a:pt x="3778974" y="2965129"/>
+                  <a:pt x="3712498" y="2979996"/>
+                </a:cubicBezTo>
+                <a:cubicBezTo>
+                  <a:pt x="3705202" y="2975373"/>
+                  <a:pt x="3696720" y="2975524"/>
+                  <a:pt x="3682471" y="2978543"/>
+                </a:cubicBezTo>
+                <a:cubicBezTo>
+                  <a:pt x="3656488" y="2980127"/>
+                  <a:pt x="3658300" y="2967587"/>
+                  <a:pt x="3632163" y="2976264"/>
+                </a:cubicBezTo>
+                <a:cubicBezTo>
+                  <a:pt x="3636766" y="2969363"/>
+                  <a:pt x="3582819" y="2975892"/>
+                  <a:pt x="3594728" y="2968398"/>
+                </a:cubicBezTo>
+                <a:cubicBezTo>
+                  <a:pt x="3577705" y="2963064"/>
+                  <a:pt x="3569481" y="2973476"/>
+                  <a:pt x="3552594" y="2968934"/>
+                </a:cubicBezTo>
+                <a:cubicBezTo>
+                  <a:pt x="3533613" y="2968552"/>
+                  <a:pt x="3563577" y="2975594"/>
+                  <a:pt x="3542589" y="2977031"/>
+                </a:cubicBezTo>
+                <a:cubicBezTo>
+                  <a:pt x="3517131" y="2977564"/>
+                  <a:pt x="3517346" y="2989828"/>
+                  <a:pt x="3497591" y="2975018"/>
+                </a:cubicBezTo>
+                <a:lnTo>
+                  <a:pt x="3429352" y="2971090"/>
+                </a:lnTo>
+                <a:cubicBezTo>
+                  <a:pt x="3414141" y="2975624"/>
+                  <a:pt x="3401904" y="2974195"/>
+                  <a:pt x="3389938" y="2970884"/>
+                </a:cubicBezTo>
+                <a:cubicBezTo>
+                  <a:pt x="3354504" y="2973297"/>
+                  <a:pt x="3322178" y="2968827"/>
+                  <a:pt x="3282344" y="2968084"/>
+                </a:cubicBezTo>
+                <a:cubicBezTo>
+                  <a:pt x="3239277" y="2974224"/>
+                  <a:pt x="3217192" y="2964327"/>
+                  <a:pt x="3174624" y="2963576"/>
+                </a:cubicBezTo>
+                <a:cubicBezTo>
+                  <a:pt x="3132504" y="2975210"/>
+                  <a:pt x="3146911" y="2949576"/>
+                  <a:pt x="3111077" y="2951285"/>
+                </a:cubicBezTo>
+                <a:cubicBezTo>
+                  <a:pt x="3052732" y="2962418"/>
+                  <a:pt x="3112543" y="2942881"/>
+                  <a:pt x="3022501" y="2948619"/>
+                </a:cubicBezTo>
+                <a:cubicBezTo>
+                  <a:pt x="3017399" y="2950352"/>
+                  <a:pt x="3006521" y="2948989"/>
+                  <a:pt x="3007714" y="2946762"/>
+                </a:cubicBezTo>
+                <a:cubicBezTo>
+                  <a:pt x="2987987" y="2948105"/>
+                  <a:pt x="2931270" y="2937206"/>
+                  <a:pt x="2903098" y="2940576"/>
+                </a:cubicBezTo>
+                <a:cubicBezTo>
+                  <a:pt x="2848155" y="2935894"/>
+                  <a:pt x="2821430" y="2947095"/>
+                  <a:pt x="2781591" y="2946394"/>
+                </a:cubicBezTo>
+                <a:cubicBezTo>
+                  <a:pt x="2735559" y="2940279"/>
+                  <a:pt x="2708563" y="2934146"/>
+                  <a:pt x="2627942" y="2919996"/>
+                </a:cubicBezTo>
+                <a:lnTo>
+                  <a:pt x="2354959" y="2882080"/>
+                </a:lnTo>
+                <a:cubicBezTo>
+                  <a:pt x="2252426" y="2847776"/>
+                  <a:pt x="2124519" y="2878188"/>
+                  <a:pt x="2063184" y="2879109"/>
+                </a:cubicBezTo>
+                <a:cubicBezTo>
+                  <a:pt x="2038620" y="2892844"/>
+                  <a:pt x="2017217" y="2880735"/>
+                  <a:pt x="1986946" y="2887619"/>
+                </a:cubicBezTo>
+                <a:cubicBezTo>
+                  <a:pt x="1919067" y="2894646"/>
+                  <a:pt x="1852404" y="2912737"/>
+                  <a:pt x="1763479" y="2909077"/>
+                </a:cubicBezTo>
+                <a:cubicBezTo>
+                  <a:pt x="1726097" y="2949538"/>
+                  <a:pt x="1621108" y="2933327"/>
+                  <a:pt x="1537980" y="2960398"/>
+                </a:cubicBezTo>
+                <a:cubicBezTo>
+                  <a:pt x="1489205" y="2967965"/>
+                  <a:pt x="1410921" y="2954082"/>
+                  <a:pt x="1395229" y="2975625"/>
+                </a:cubicBezTo>
+                <a:cubicBezTo>
+                  <a:pt x="1371975" y="2964548"/>
+                  <a:pt x="1352259" y="2986116"/>
+                  <a:pt x="1327834" y="2989485"/>
+                </a:cubicBezTo>
+                <a:cubicBezTo>
+                  <a:pt x="1307734" y="2982782"/>
+                  <a:pt x="1298456" y="2990289"/>
+                  <a:pt x="1280757" y="2992959"/>
+                </a:cubicBezTo>
+                <a:cubicBezTo>
+                  <a:pt x="1272383" y="2988567"/>
+                  <a:pt x="1257337" y="2989790"/>
+                  <a:pt x="1252582" y="2995877"/>
+                </a:cubicBezTo>
+                <a:cubicBezTo>
+                  <a:pt x="1260705" y="3008688"/>
+                  <a:pt x="1207969" y="3005420"/>
+                  <a:pt x="1204670" y="3014826"/>
+                </a:cubicBezTo>
+                <a:cubicBezTo>
+                  <a:pt x="1174431" y="3018683"/>
+                  <a:pt x="1041848" y="3015513"/>
+                  <a:pt x="1020457" y="3031603"/>
+                </a:cubicBezTo>
+                <a:cubicBezTo>
+                  <a:pt x="959520" y="3042500"/>
+                  <a:pt x="869308" y="3024872"/>
+                  <a:pt x="843248" y="3026954"/>
+                </a:cubicBezTo>
+                <a:cubicBezTo>
+                  <a:pt x="815646" y="3001836"/>
+                  <a:pt x="694189" y="3080490"/>
+                  <a:pt x="583517" y="3089095"/>
+                </a:cubicBezTo>
+                <a:cubicBezTo>
+                  <a:pt x="568425" y="3087467"/>
+                  <a:pt x="560448" y="3088013"/>
+                  <a:pt x="556836" y="3094374"/>
+                </a:cubicBezTo>
+                <a:cubicBezTo>
+                  <a:pt x="528264" y="3099747"/>
+                  <a:pt x="471823" y="3109156"/>
+                  <a:pt x="412089" y="3121334"/>
+                </a:cubicBezTo>
+                <a:cubicBezTo>
+                  <a:pt x="367235" y="3131096"/>
+                  <a:pt x="143790" y="3139436"/>
+                  <a:pt x="83929" y="3150566"/>
+                </a:cubicBezTo>
+                <a:close/>
+              </a:path>
+            </a:pathLst>
+          </a:custGeom>
+          <a:solidFill>
+            <a:srgbClr val="82766A">
+              <a:alpha val="15000"/>
+            </a:srgbClr>
+          </a:solidFill>
+          <a:ln>
+            <a:noFill/>
+          </a:ln>
+        </p:spPr>
+        <p:style>
+          <a:lnRef idx="2">
+            <a:schemeClr val="accent1">
+              <a:shade val="50000"/>
+            </a:schemeClr>
+          </a:lnRef>
+          <a:fillRef idx="1">
+            <a:schemeClr val="accent1"/>
+          </a:fillRef>
+          <a:effectRef idx="0">
+            <a:schemeClr val="accent1"/>
+          </a:effectRef>
+          <a:fontRef idx="minor">
+            <a:schemeClr val="lt1"/>
+          </a:fontRef>
+        </p:style>
+        <p:txBody>
+          <a:bodyPr wrap="square" rtlCol="0" anchor="ctr">
+            <a:noAutofit/>
+          </a:bodyPr>
+          <a:lstStyle/>
+          <a:p>
+            <a:pPr algn="ctr"/>
+            <a:endParaRPr lang="en-US"/>
+          </a:p>
+        </p:txBody>
+      </p:sp>
+      <p:sp>
+        <p:nvSpPr>
+          <p:cNvPr id="2" name="Title 1">
+            <a:extLst>
+              <a:ext uri="{FF2B5EF4-FFF2-40B4-BE49-F238E27FC236}">
+                <a16:creationId xmlns:a16="http://schemas.microsoft.com/office/drawing/2014/main" id="{B7A5C517-CD7A-82AC-2AB9-FF0F07AD4F1F}"/>
+              </a:ext>
+            </a:extLst>
+          </p:cNvPr>
+          <p:cNvSpPr>
+            <a:spLocks noGrp="1"/>
+          </p:cNvSpPr>
+          <p:nvPr>
+            <p:ph type="title"/>
+          </p:nvPr>
+        </p:nvSpPr>
+        <p:spPr>
+          <a:xfrm>
+            <a:off x="838200" y="3905833"/>
+            <a:ext cx="4215063" cy="2398713"/>
+          </a:xfrm>
+        </p:spPr>
+        <p:txBody>
+          <a:bodyPr>
+            <a:normAutofit/>
+          </a:bodyPr>
+          <a:lstStyle/>
+          <a:p>
+            <a:r>
+              <a:rPr lang="en-US" dirty="0"/>
+              <a:t>I</a:t>
+            </a:r>
+            <a:r>
+              <a:rPr lang="en-IL" dirty="0"/>
+              <a:t>nsert – post </a:t>
+            </a:r>
+          </a:p>
+        </p:txBody>
+      </p:sp>
+      <p:pic>
+        <p:nvPicPr>
+          <p:cNvPr id="5" name="Picture 4" descr="A picture containing text, font, screenshot, graphics&#10;&#10;Description automatically generated">
+            <a:extLst>
+              <a:ext uri="{FF2B5EF4-FFF2-40B4-BE49-F238E27FC236}">
+                <a16:creationId xmlns:a16="http://schemas.microsoft.com/office/drawing/2014/main" id="{DB789318-CFB3-7C06-ED7A-8C4228149CE4}"/>
+              </a:ext>
+            </a:extLst>
+          </p:cNvPr>
+          <p:cNvPicPr>
+            <a:picLocks noChangeAspect="1"/>
+          </p:cNvPicPr>
+          <p:nvPr/>
+        </p:nvPicPr>
+        <p:blipFill>
+          <a:blip r:embed="rId2"/>
+          <a:stretch>
+            <a:fillRect/>
+          </a:stretch>
+        </p:blipFill>
+        <p:spPr>
+          <a:xfrm>
+            <a:off x="1555855" y="553454"/>
+            <a:ext cx="9081459" cy="2469279"/>
+          </a:xfrm>
+          <a:prstGeom prst="rect">
+            <a:avLst/>
+          </a:prstGeom>
+        </p:spPr>
+      </p:pic>
+      <p:sp>
+        <p:nvSpPr>
+          <p:cNvPr id="3" name="Content Placeholder 2">
+            <a:extLst>
+              <a:ext uri="{FF2B5EF4-FFF2-40B4-BE49-F238E27FC236}">
+                <a16:creationId xmlns:a16="http://schemas.microsoft.com/office/drawing/2014/main" id="{9DC2FDC0-2057-19BE-EE0E-EF59F0BF5F94}"/>
+              </a:ext>
+            </a:extLst>
+          </p:cNvPr>
+          <p:cNvSpPr>
+            <a:spLocks noGrp="1"/>
+          </p:cNvSpPr>
+          <p:nvPr>
+            <p:ph idx="1"/>
+          </p:nvPr>
+        </p:nvSpPr>
+        <p:spPr>
+          <a:xfrm>
+            <a:off x="5630779" y="3884452"/>
+            <a:ext cx="5723021" cy="2398713"/>
+          </a:xfrm>
+        </p:spPr>
+        <p:txBody>
+          <a:bodyPr anchor="ctr">
+            <a:normAutofit/>
+          </a:bodyPr>
+          <a:lstStyle/>
+          <a:p>
+            <a:r>
+              <a:rPr lang="en-US" sz="2000" b="0">
+                <a:effectLst/>
+              </a:rPr>
+              <a:t>Perform an INSERT into the table or view.</a:t>
+            </a:r>
+          </a:p>
+          <a:p>
+            <a:br>
+              <a:rPr lang="en-US" sz="2000" b="0" i="0">
+                <a:effectLst/>
+                <a:latin typeface="Circular"/>
+              </a:rPr>
+            </a:br>
+            <a:endParaRPr lang="en-US" sz="2000" b="0" i="0">
+              <a:effectLst/>
+              <a:latin typeface="Circular"/>
+            </a:endParaRPr>
+          </a:p>
+          <a:p>
+            <a:endParaRPr lang="en-IL" sz="2000"/>
+          </a:p>
+        </p:txBody>
+      </p:sp>
+    </p:spTree>
+    <p:extLst>
+      <p:ext uri="{BB962C8B-B14F-4D97-AF65-F5344CB8AC3E}">
+        <p14:creationId xmlns:p14="http://schemas.microsoft.com/office/powerpoint/2010/main" val="3548334605"/>
+      </p:ext>
+    </p:extLst>
+  </p:cSld>
+  <p:clrMapOvr>
+    <a:masterClrMapping/>
+  </p:clrMapOvr>
+</p:sld>
+</file>
+
+<file path=ppt/slides/slide41.xml><?xml version="1.0" encoding="utf-8"?>
+<p:sld xmlns:a="http://schemas.openxmlformats.org/drawingml/2006/main" xmlns:r="http://schemas.openxmlformats.org/officeDocument/2006/relationships" xmlns:p="http://schemas.openxmlformats.org/presentationml/2006/main">
+  <p:cSld>
+    <p:bg>
+      <p:bgPr>
+        <a:solidFill>
+          <a:schemeClr val="bg1"/>
+        </a:solidFill>
+        <a:effectLst/>
+      </p:bgPr>
+    </p:bg>
+    <p:spTree>
+      <p:nvGrpSpPr>
+        <p:cNvPr id="1" name=""/>
+        <p:cNvGrpSpPr/>
+        <p:nvPr/>
+      </p:nvGrpSpPr>
+      <p:grpSpPr>
+        <a:xfrm>
+          <a:off x="0" y="0"/>
+          <a:ext cx="0" cy="0"/>
+          <a:chOff x="0" y="0"/>
+          <a:chExt cx="0" cy="0"/>
+        </a:xfrm>
+      </p:grpSpPr>
+      <p:sp useBgFill="1">
+        <p:nvSpPr>
+          <p:cNvPr id="10" name="Rectangle 9">
+            <a:extLst>
+              <a:ext uri="{FF2B5EF4-FFF2-40B4-BE49-F238E27FC236}">
+                <a16:creationId xmlns:a16="http://schemas.microsoft.com/office/drawing/2014/main" id="{1E020063-2385-44AC-BD67-258E1F0B9FCE}"/>
+              </a:ext>
+              <a:ext uri="{C183D7F6-B498-43B3-948B-1728B52AA6E4}">
+                <adec:decorative xmlns:adec="http://schemas.microsoft.com/office/drawing/2017/decorative" val="1"/>
+              </a:ext>
+            </a:extLst>
+          </p:cNvPr>
+          <p:cNvSpPr>
+            <a:spLocks noGrp="1" noRot="1" noChangeAspect="1" noMove="1" noResize="1" noEditPoints="1" noAdjustHandles="1" noChangeArrowheads="1" noChangeShapeType="1" noTextEdit="1"/>
+          </p:cNvSpPr>
+          <p:nvPr>
+            <p:extLst>
+              <p:ext uri="{386F3935-93C4-4BCD-93E2-E3B085C9AB24}">
+                <p16:designElem xmlns:p16="http://schemas.microsoft.com/office/powerpoint/2015/main" val="1"/>
+              </p:ext>
+            </p:extLst>
+          </p:nvPr>
+        </p:nvSpPr>
+        <p:spPr>
+          <a:xfrm>
+            <a:off x="0" y="0"/>
+            <a:ext cx="12191695" cy="6858000"/>
+          </a:xfrm>
+          <a:prstGeom prst="rect">
+            <a:avLst/>
+          </a:prstGeom>
+          <a:ln>
+            <a:noFill/>
+          </a:ln>
+        </p:spPr>
+        <p:style>
+          <a:lnRef idx="2">
+            <a:schemeClr val="accent1">
+              <a:shade val="50000"/>
+            </a:schemeClr>
+          </a:lnRef>
+          <a:fillRef idx="1">
+            <a:schemeClr val="accent1"/>
+          </a:fillRef>
+          <a:effectRef idx="0">
+            <a:schemeClr val="accent1"/>
+          </a:effectRef>
+          <a:fontRef idx="minor">
+            <a:schemeClr val="lt1"/>
+          </a:fontRef>
+        </p:style>
+        <p:txBody>
+          <a:bodyPr rtlCol="0" anchor="ctr"/>
+          <a:lstStyle/>
+          <a:p>
+            <a:pPr algn="ctr"/>
+            <a:endParaRPr lang="en-US"/>
+          </a:p>
+        </p:txBody>
+      </p:sp>
+      <p:sp>
+        <p:nvSpPr>
+          <p:cNvPr id="12" name="Rectangle 11">
+            <a:extLst>
+              <a:ext uri="{FF2B5EF4-FFF2-40B4-BE49-F238E27FC236}">
+                <a16:creationId xmlns:a16="http://schemas.microsoft.com/office/drawing/2014/main" id="{7E014A0B-5338-4077-AFE9-A90D04D4492B}"/>
+              </a:ext>
+              <a:ext uri="{C183D7F6-B498-43B3-948B-1728B52AA6E4}">
+                <adec:decorative xmlns:adec="http://schemas.microsoft.com/office/drawing/2017/decorative" val="1"/>
+              </a:ext>
+            </a:extLst>
+          </p:cNvPr>
+          <p:cNvSpPr>
+            <a:spLocks noGrp="1" noRot="1" noChangeAspect="1" noMove="1" noResize="1" noEditPoints="1" noAdjustHandles="1" noChangeArrowheads="1" noChangeShapeType="1" noTextEdit="1"/>
+          </p:cNvSpPr>
+          <p:nvPr>
+            <p:extLst>
+              <p:ext uri="{386F3935-93C4-4BCD-93E2-E3B085C9AB24}">
+                <p16:designElem xmlns:p16="http://schemas.microsoft.com/office/powerpoint/2015/main" val="1"/>
+              </p:ext>
+            </p:extLst>
+          </p:nvPr>
+        </p:nvSpPr>
+        <p:spPr>
+          <a:xfrm>
+            <a:off x="305" y="0"/>
+            <a:ext cx="12191695" cy="6858000"/>
+          </a:xfrm>
+          <a:prstGeom prst="rect">
+            <a:avLst/>
+          </a:prstGeom>
+          <a:solidFill>
+            <a:schemeClr val="bg1"/>
+          </a:solidFill>
+          <a:ln>
+            <a:noFill/>
+          </a:ln>
+        </p:spPr>
+        <p:style>
+          <a:lnRef idx="2">
+            <a:schemeClr val="accent1">
+              <a:shade val="50000"/>
+            </a:schemeClr>
+          </a:lnRef>
+          <a:fillRef idx="1">
+            <a:schemeClr val="accent1"/>
+          </a:fillRef>
+          <a:effectRef idx="0">
+            <a:schemeClr val="accent1"/>
+          </a:effectRef>
+          <a:fontRef idx="minor">
+            <a:schemeClr val="lt1"/>
+          </a:fontRef>
+        </p:style>
+        <p:txBody>
+          <a:bodyPr rtlCol="0" anchor="ctr"/>
+          <a:lstStyle/>
+          <a:p>
+            <a:pPr algn="ctr"/>
+            <a:endParaRPr lang="en-US"/>
+          </a:p>
+        </p:txBody>
+      </p:sp>
+      <p:sp>
+        <p:nvSpPr>
+          <p:cNvPr id="2" name="Title 1">
+            <a:extLst>
+              <a:ext uri="{FF2B5EF4-FFF2-40B4-BE49-F238E27FC236}">
+                <a16:creationId xmlns:a16="http://schemas.microsoft.com/office/drawing/2014/main" id="{B7A5C517-CD7A-82AC-2AB9-FF0F07AD4F1F}"/>
+              </a:ext>
+            </a:extLst>
+          </p:cNvPr>
+          <p:cNvSpPr>
+            <a:spLocks noGrp="1"/>
+          </p:cNvSpPr>
+          <p:nvPr>
+            <p:ph type="title"/>
+          </p:nvPr>
+        </p:nvSpPr>
+        <p:spPr>
+          <a:xfrm>
+            <a:off x="1179576" y="1261423"/>
+            <a:ext cx="9829800" cy="1325880"/>
+          </a:xfrm>
+        </p:spPr>
+        <p:txBody>
+          <a:bodyPr anchor="b">
+            <a:normAutofit/>
+          </a:bodyPr>
+          <a:lstStyle/>
+          <a:p>
+            <a:pPr algn="ctr"/>
+            <a:r>
+              <a:rPr lang="en-US" sz="3600">
+                <a:solidFill>
+                  <a:schemeClr val="tx2"/>
+                </a:solidFill>
+              </a:rPr>
+              <a:t>U</a:t>
+            </a:r>
+            <a:r>
+              <a:rPr lang="en-IL" sz="3600">
+                <a:solidFill>
+                  <a:schemeClr val="tx2"/>
+                </a:solidFill>
+              </a:rPr>
+              <a:t>pdate - put</a:t>
+            </a:r>
+          </a:p>
+        </p:txBody>
+      </p:sp>
+      <p:grpSp>
+        <p:nvGrpSpPr>
+          <p:cNvPr id="14" name="Group 13">
+            <a:extLst>
+              <a:ext uri="{FF2B5EF4-FFF2-40B4-BE49-F238E27FC236}">
+                <a16:creationId xmlns:a16="http://schemas.microsoft.com/office/drawing/2014/main" id="{78127680-150F-4A90-9950-F66392578116}"/>
+              </a:ext>
+              <a:ext uri="{C183D7F6-B498-43B3-948B-1728B52AA6E4}">
+                <adec:decorative xmlns:adec="http://schemas.microsoft.com/office/drawing/2017/decorative" val="1"/>
+              </a:ext>
+            </a:extLst>
+          </p:cNvPr>
+          <p:cNvGrpSpPr>
+            <a:grpSpLocks noGrp="1" noUngrp="1" noRot="1" noChangeAspect="1" noMove="1" noResize="1"/>
+          </p:cNvGrpSpPr>
+          <p:nvPr>
+            <p:extLst>
+              <p:ext uri="{386F3935-93C4-4BCD-93E2-E3B085C9AB24}">
+                <p16:designElem xmlns:p16="http://schemas.microsoft.com/office/powerpoint/2015/main" val="1"/>
+              </p:ext>
+            </p:extLst>
+          </p:nvPr>
+        </p:nvGrpSpPr>
+        <p:grpSpPr>
+          <a:xfrm>
+            <a:off x="-305" y="-1"/>
+            <a:ext cx="3362070" cy="2522849"/>
+            <a:chOff x="-305" y="-1"/>
+            <a:chExt cx="3832880" cy="2876136"/>
+          </a:xfrm>
+        </p:grpSpPr>
+        <p:sp>
+          <p:nvSpPr>
+            <p:cNvPr id="15" name="Freeform: Shape 14">
+              <a:extLst>
+                <a:ext uri="{FF2B5EF4-FFF2-40B4-BE49-F238E27FC236}">
+                  <a16:creationId xmlns:a16="http://schemas.microsoft.com/office/drawing/2014/main" id="{5088F97A-8362-4967-B664-D748B846EC53}"/>
+                </a:ext>
+                <a:ext uri="{C183D7F6-B498-43B3-948B-1728B52AA6E4}">
+                  <adec:decorative xmlns:adec="http://schemas.microsoft.com/office/drawing/2017/decorative" val="1"/>
+                </a:ext>
+              </a:extLst>
+            </p:cNvPr>
+            <p:cNvSpPr/>
+            <p:nvPr>
+              <p:extLst>
+                <p:ext uri="{386F3935-93C4-4BCD-93E2-E3B085C9AB24}">
+                  <p16:designElem xmlns:p16="http://schemas.microsoft.com/office/powerpoint/2015/main" val="1"/>
+                </p:ext>
+              </p:extLst>
+            </p:nvPr>
+          </p:nvSpPr>
+          <p:spPr>
+            <a:xfrm>
+              <a:off x="305" y="1"/>
+              <a:ext cx="3815424" cy="2653659"/>
+            </a:xfrm>
+            <a:custGeom>
+              <a:avLst/>
+              <a:gdLst>
+                <a:gd name="connsiteX0" fmla="*/ 3203055 w 3815424"/>
+                <a:gd name="connsiteY0" fmla="*/ 0 h 2653659"/>
+                <a:gd name="connsiteX1" fmla="*/ 3815424 w 3815424"/>
+                <a:gd name="connsiteY1" fmla="*/ 0 h 2653659"/>
+                <a:gd name="connsiteX2" fmla="*/ 3801025 w 3815424"/>
+                <a:gd name="connsiteY2" fmla="*/ 214243 h 2653659"/>
+                <a:gd name="connsiteX3" fmla="*/ 587142 w 3815424"/>
+                <a:gd name="connsiteY3" fmla="*/ 2653659 h 2653659"/>
+                <a:gd name="connsiteX4" fmla="*/ 53389 w 3815424"/>
+                <a:gd name="connsiteY4" fmla="*/ 2605041 h 2653659"/>
+                <a:gd name="connsiteX5" fmla="*/ 0 w 3815424"/>
+                <a:gd name="connsiteY5" fmla="*/ 2593136 h 2653659"/>
+                <a:gd name="connsiteX6" fmla="*/ 0 w 3815424"/>
+                <a:gd name="connsiteY6" fmla="*/ 1994836 h 2653659"/>
+                <a:gd name="connsiteX7" fmla="*/ 159710 w 3815424"/>
+                <a:gd name="connsiteY7" fmla="*/ 2035054 h 2653659"/>
+                <a:gd name="connsiteX8" fmla="*/ 587142 w 3815424"/>
+                <a:gd name="connsiteY8" fmla="*/ 2075152 h 2653659"/>
+                <a:gd name="connsiteX9" fmla="*/ 1549283 w 3815424"/>
+                <a:gd name="connsiteY9" fmla="*/ 1900153 h 2653659"/>
+                <a:gd name="connsiteX10" fmla="*/ 2406698 w 3815424"/>
+                <a:gd name="connsiteY10" fmla="*/ 1418450 h 2653659"/>
+                <a:gd name="connsiteX11" fmla="*/ 2996069 w 3815424"/>
+                <a:gd name="connsiteY11" fmla="*/ 728678 h 2653659"/>
+                <a:gd name="connsiteX12" fmla="*/ 3193967 w 3815424"/>
+                <a:gd name="connsiteY12" fmla="*/ 137719 h 2653659"/>
+              </a:gdLst>
+              <a:ahLst/>
+              <a:cxnLst>
+                <a:cxn ang="0">
+                  <a:pos x="connsiteX0" y="connsiteY0"/>
+                </a:cxn>
+                <a:cxn ang="0">
+                  <a:pos x="connsiteX1" y="connsiteY1"/>
+                </a:cxn>
+                <a:cxn ang="0">
+                  <a:pos x="connsiteX2" y="connsiteY2"/>
+                </a:cxn>
+                <a:cxn ang="0">
+                  <a:pos x="connsiteX3" y="connsiteY3"/>
+                </a:cxn>
+                <a:cxn ang="0">
+                  <a:pos x="connsiteX4" y="connsiteY4"/>
+                </a:cxn>
+                <a:cxn ang="0">
+                  <a:pos x="connsiteX5" y="connsiteY5"/>
+                </a:cxn>
+                <a:cxn ang="0">
+                  <a:pos x="connsiteX6" y="connsiteY6"/>
+                </a:cxn>
+                <a:cxn ang="0">
+                  <a:pos x="connsiteX7" y="connsiteY7"/>
+                </a:cxn>
+                <a:cxn ang="0">
+                  <a:pos x="connsiteX8" y="connsiteY8"/>
+                </a:cxn>
+                <a:cxn ang="0">
+                  <a:pos x="connsiteX9" y="connsiteY9"/>
+                </a:cxn>
+                <a:cxn ang="0">
+                  <a:pos x="connsiteX10" y="connsiteY10"/>
+                </a:cxn>
+                <a:cxn ang="0">
+                  <a:pos x="connsiteX11" y="connsiteY11"/>
+                </a:cxn>
+                <a:cxn ang="0">
+                  <a:pos x="connsiteX12" y="connsiteY12"/>
+                </a:cxn>
+              </a:cxnLst>
+              <a:rect l="l" t="t" r="r" b="b"/>
+              <a:pathLst>
+                <a:path w="3815424" h="2653659">
+                  <a:moveTo>
+                    <a:pt x="3203055" y="0"/>
+                  </a:moveTo>
+                  <a:lnTo>
+                    <a:pt x="3815424" y="0"/>
+                  </a:lnTo>
+                  <a:lnTo>
+                    <a:pt x="3801025" y="214243"/>
+                  </a:lnTo>
+                  <a:cubicBezTo>
+                    <a:pt x="3616317" y="1584467"/>
+                    <a:pt x="2091637" y="2653659"/>
+                    <a:pt x="587142" y="2653659"/>
+                  </a:cubicBezTo>
+                  <a:cubicBezTo>
+                    <a:pt x="400192" y="2653659"/>
+                    <a:pt x="222112" y="2636953"/>
+                    <a:pt x="53389" y="2605041"/>
+                  </a:cubicBezTo>
+                  <a:lnTo>
+                    <a:pt x="0" y="2593136"/>
+                  </a:lnTo>
+                  <a:lnTo>
+                    <a:pt x="0" y="1994836"/>
+                  </a:lnTo>
+                  <a:lnTo>
+                    <a:pt x="159710" y="2035054"/>
+                  </a:lnTo>
+                  <a:cubicBezTo>
+                    <a:pt x="295467" y="2061726"/>
+                    <a:pt x="438268" y="2075152"/>
+                    <a:pt x="587142" y="2075152"/>
+                  </a:cubicBezTo>
+                  <a:cubicBezTo>
+                    <a:pt x="901731" y="2075152"/>
+                    <a:pt x="1234490" y="2014697"/>
+                    <a:pt x="1549283" y="1900153"/>
+                  </a:cubicBezTo>
+                  <a:cubicBezTo>
+                    <a:pt x="1860709" y="1786959"/>
+                    <a:pt x="2157231" y="1620350"/>
+                    <a:pt x="2406698" y="1418450"/>
+                  </a:cubicBezTo>
+                  <a:cubicBezTo>
+                    <a:pt x="2655859" y="1216840"/>
+                    <a:pt x="2859596" y="978302"/>
+                    <a:pt x="2996069" y="728678"/>
+                  </a:cubicBezTo>
+                  <a:cubicBezTo>
+                    <a:pt x="3101178" y="536396"/>
+                    <a:pt x="3167417" y="338366"/>
+                    <a:pt x="3193967" y="137719"/>
+                  </a:cubicBezTo>
+                  <a:close/>
+                </a:path>
+              </a:pathLst>
+            </a:custGeom>
+            <a:gradFill>
+              <a:gsLst>
+                <a:gs pos="2000">
+                  <a:schemeClr val="bg1">
+                    <a:alpha val="10000"/>
+                  </a:schemeClr>
+                </a:gs>
+                <a:gs pos="16000">
+                  <a:schemeClr val="accent6">
+                    <a:alpha val="10000"/>
+                  </a:schemeClr>
+                </a:gs>
+                <a:gs pos="100000">
+                  <a:schemeClr val="bg1">
+                    <a:alpha val="10000"/>
+                  </a:schemeClr>
+                </a:gs>
+                <a:gs pos="85000">
+                  <a:schemeClr val="accent1">
+                    <a:alpha val="10000"/>
+                  </a:schemeClr>
+                </a:gs>
+              </a:gsLst>
+              <a:lin ang="12000000" scaled="0"/>
+            </a:gradFill>
+            <a:ln>
+              <a:noFill/>
+            </a:ln>
+          </p:spPr>
+          <p:style>
+            <a:lnRef idx="2">
+              <a:schemeClr val="accent1">
+                <a:shade val="50000"/>
+              </a:schemeClr>
+            </a:lnRef>
+            <a:fillRef idx="1">
+              <a:schemeClr val="accent1"/>
+            </a:fillRef>
+            <a:effectRef idx="0">
+              <a:schemeClr val="accent1"/>
+            </a:effectRef>
+            <a:fontRef idx="minor">
+              <a:schemeClr val="lt1"/>
+            </a:fontRef>
+          </p:style>
+          <p:txBody>
+            <a:bodyPr rtlCol="0" anchor="ctr"/>
+            <a:lstStyle/>
+            <a:p>
+              <a:pPr algn="ctr"/>
+              <a:endParaRPr lang="en-US"/>
+            </a:p>
+          </p:txBody>
+        </p:sp>
+        <p:sp>
+          <p:nvSpPr>
+            <p:cNvPr id="16" name="Freeform: Shape 15">
+              <a:extLst>
+                <a:ext uri="{FF2B5EF4-FFF2-40B4-BE49-F238E27FC236}">
+                  <a16:creationId xmlns:a16="http://schemas.microsoft.com/office/drawing/2014/main" id="{30F9DEDE-4318-412A-81C5-C8C90F68976C}"/>
+                </a:ext>
+                <a:ext uri="{C183D7F6-B498-43B3-948B-1728B52AA6E4}">
+                  <adec:decorative xmlns:adec="http://schemas.microsoft.com/office/drawing/2017/decorative" val="1"/>
+                </a:ext>
+              </a:extLst>
+            </p:cNvPr>
+            <p:cNvSpPr/>
+            <p:nvPr>
+              <p:extLst>
+                <p:ext uri="{386F3935-93C4-4BCD-93E2-E3B085C9AB24}">
+                  <p16:designElem xmlns:p16="http://schemas.microsoft.com/office/powerpoint/2015/main" val="1"/>
+                </p:ext>
+              </p:extLst>
+            </p:nvPr>
+          </p:nvSpPr>
+          <p:spPr>
+            <a:xfrm>
+              <a:off x="305" y="-1"/>
+              <a:ext cx="3815424" cy="2653660"/>
+            </a:xfrm>
+            <a:custGeom>
+              <a:avLst/>
+              <a:gdLst>
+                <a:gd name="connsiteX0" fmla="*/ 3305038 w 3815424"/>
+                <a:gd name="connsiteY0" fmla="*/ 0 h 2653660"/>
+                <a:gd name="connsiteX1" fmla="*/ 3815424 w 3815424"/>
+                <a:gd name="connsiteY1" fmla="*/ 0 h 2653660"/>
+                <a:gd name="connsiteX2" fmla="*/ 3801025 w 3815424"/>
+                <a:gd name="connsiteY2" fmla="*/ 214244 h 2653660"/>
+                <a:gd name="connsiteX3" fmla="*/ 587142 w 3815424"/>
+                <a:gd name="connsiteY3" fmla="*/ 2653660 h 2653660"/>
+                <a:gd name="connsiteX4" fmla="*/ 53389 w 3815424"/>
+                <a:gd name="connsiteY4" fmla="*/ 2605042 h 2653660"/>
+                <a:gd name="connsiteX5" fmla="*/ 0 w 3815424"/>
+                <a:gd name="connsiteY5" fmla="*/ 2593137 h 2653660"/>
+                <a:gd name="connsiteX6" fmla="*/ 0 w 3815424"/>
+                <a:gd name="connsiteY6" fmla="*/ 2094444 h 2653660"/>
+                <a:gd name="connsiteX7" fmla="*/ 137675 w 3815424"/>
+                <a:gd name="connsiteY7" fmla="*/ 2129195 h 2653660"/>
+                <a:gd name="connsiteX8" fmla="*/ 587142 w 3815424"/>
+                <a:gd name="connsiteY8" fmla="*/ 2171571 h 2653660"/>
+                <a:gd name="connsiteX9" fmla="*/ 1585826 w 3815424"/>
+                <a:gd name="connsiteY9" fmla="*/ 1990112 h 2653660"/>
+                <a:gd name="connsiteX10" fmla="*/ 2473046 w 3815424"/>
+                <a:gd name="connsiteY10" fmla="*/ 1491633 h 2653660"/>
+                <a:gd name="connsiteX11" fmla="*/ 3086710 w 3815424"/>
+                <a:gd name="connsiteY11" fmla="*/ 772838 h 2653660"/>
+                <a:gd name="connsiteX12" fmla="*/ 3295217 w 3815424"/>
+                <a:gd name="connsiteY12" fmla="*/ 149229 h 2653660"/>
+              </a:gdLst>
+              <a:ahLst/>
+              <a:cxnLst>
+                <a:cxn ang="0">
+                  <a:pos x="connsiteX0" y="connsiteY0"/>
+                </a:cxn>
+                <a:cxn ang="0">
+                  <a:pos x="connsiteX1" y="connsiteY1"/>
+                </a:cxn>
+                <a:cxn ang="0">
+                  <a:pos x="connsiteX2" y="connsiteY2"/>
+                </a:cxn>
+                <a:cxn ang="0">
+                  <a:pos x="connsiteX3" y="connsiteY3"/>
+                </a:cxn>
+                <a:cxn ang="0">
+                  <a:pos x="connsiteX4" y="connsiteY4"/>
+                </a:cxn>
+                <a:cxn ang="0">
+                  <a:pos x="connsiteX5" y="connsiteY5"/>
+                </a:cxn>
+                <a:cxn ang="0">
+                  <a:pos x="connsiteX6" y="connsiteY6"/>
+                </a:cxn>
+                <a:cxn ang="0">
+                  <a:pos x="connsiteX7" y="connsiteY7"/>
+                </a:cxn>
+                <a:cxn ang="0">
+                  <a:pos x="connsiteX8" y="connsiteY8"/>
+                </a:cxn>
+                <a:cxn ang="0">
+                  <a:pos x="connsiteX9" y="connsiteY9"/>
+                </a:cxn>
+                <a:cxn ang="0">
+                  <a:pos x="connsiteX10" y="connsiteY10"/>
+                </a:cxn>
+                <a:cxn ang="0">
+                  <a:pos x="connsiteX11" y="connsiteY11"/>
+                </a:cxn>
+                <a:cxn ang="0">
+                  <a:pos x="connsiteX12" y="connsiteY12"/>
+                </a:cxn>
+              </a:cxnLst>
+              <a:rect l="l" t="t" r="r" b="b"/>
+              <a:pathLst>
+                <a:path w="3815424" h="2653660">
+                  <a:moveTo>
+                    <a:pt x="3305038" y="0"/>
+                  </a:moveTo>
+                  <a:lnTo>
+                    <a:pt x="3815424" y="0"/>
+                  </a:lnTo>
+                  <a:lnTo>
+                    <a:pt x="3801025" y="214244"/>
+                  </a:lnTo>
+                  <a:cubicBezTo>
+                    <a:pt x="3616317" y="1584467"/>
+                    <a:pt x="2091637" y="2653660"/>
+                    <a:pt x="587142" y="2653660"/>
+                  </a:cubicBezTo>
+                  <a:cubicBezTo>
+                    <a:pt x="400192" y="2653660"/>
+                    <a:pt x="222112" y="2636954"/>
+                    <a:pt x="53389" y="2605042"/>
+                  </a:cubicBezTo>
+                  <a:lnTo>
+                    <a:pt x="0" y="2593137"/>
+                  </a:lnTo>
+                  <a:lnTo>
+                    <a:pt x="0" y="2094444"/>
+                  </a:lnTo>
+                  <a:lnTo>
+                    <a:pt x="137675" y="2129195"/>
+                  </a:lnTo>
+                  <a:cubicBezTo>
+                    <a:pt x="280616" y="2157374"/>
+                    <a:pt x="430766" y="2171571"/>
+                    <a:pt x="587142" y="2171571"/>
+                  </a:cubicBezTo>
+                  <a:cubicBezTo>
+                    <a:pt x="918879" y="2171571"/>
+                    <a:pt x="1254904" y="2110634"/>
+                    <a:pt x="1585826" y="1990112"/>
+                  </a:cubicBezTo>
+                  <a:cubicBezTo>
+                    <a:pt x="1908071" y="1873061"/>
+                    <a:pt x="2214800" y="1700666"/>
+                    <a:pt x="2473046" y="1491633"/>
+                  </a:cubicBezTo>
+                  <a:cubicBezTo>
+                    <a:pt x="2735782" y="1279031"/>
+                    <a:pt x="2942276" y="1037118"/>
+                    <a:pt x="3086710" y="772838"/>
+                  </a:cubicBezTo>
+                  <a:cubicBezTo>
+                    <a:pt x="3197408" y="570216"/>
+                    <a:pt x="3267226" y="361248"/>
+                    <a:pt x="3295217" y="149229"/>
+                  </a:cubicBezTo>
+                  <a:close/>
+                </a:path>
+              </a:pathLst>
+            </a:custGeom>
+            <a:gradFill>
+              <a:gsLst>
+                <a:gs pos="2000">
+                  <a:schemeClr val="bg1">
+                    <a:alpha val="10000"/>
+                  </a:schemeClr>
+                </a:gs>
+                <a:gs pos="16000">
+                  <a:schemeClr val="accent6">
+                    <a:alpha val="10000"/>
+                  </a:schemeClr>
+                </a:gs>
+                <a:gs pos="100000">
+                  <a:schemeClr val="bg1">
+                    <a:alpha val="10000"/>
+                  </a:schemeClr>
+                </a:gs>
+                <a:gs pos="85000">
+                  <a:schemeClr val="accent1">
+                    <a:alpha val="10000"/>
+                  </a:schemeClr>
+                </a:gs>
+              </a:gsLst>
+              <a:lin ang="12000000" scaled="0"/>
+            </a:gradFill>
+            <a:ln>
+              <a:noFill/>
+            </a:ln>
+          </p:spPr>
+          <p:style>
+            <a:lnRef idx="2">
+              <a:schemeClr val="accent1">
+                <a:shade val="50000"/>
+              </a:schemeClr>
+            </a:lnRef>
+            <a:fillRef idx="1">
+              <a:schemeClr val="accent1"/>
+            </a:fillRef>
+            <a:effectRef idx="0">
+              <a:schemeClr val="accent1"/>
+            </a:effectRef>
+            <a:fontRef idx="minor">
+              <a:schemeClr val="lt1"/>
+            </a:fontRef>
+          </p:style>
+          <p:txBody>
+            <a:bodyPr rtlCol="0" anchor="ctr"/>
+            <a:lstStyle/>
+            <a:p>
+              <a:pPr algn="ctr"/>
+              <a:endParaRPr lang="en-US" dirty="0"/>
+            </a:p>
+          </p:txBody>
+        </p:sp>
+        <p:sp>
+          <p:nvSpPr>
+            <p:cNvPr id="17" name="Freeform: Shape 16">
+              <a:extLst>
+                <a:ext uri="{FF2B5EF4-FFF2-40B4-BE49-F238E27FC236}">
+                  <a16:creationId xmlns:a16="http://schemas.microsoft.com/office/drawing/2014/main" id="{09E97DE9-7844-4707-8928-1CD88ADB7222}"/>
+                </a:ext>
+                <a:ext uri="{C183D7F6-B498-43B3-948B-1728B52AA6E4}">
+                  <adec:decorative xmlns:adec="http://schemas.microsoft.com/office/drawing/2017/decorative" val="1"/>
+                </a:ext>
+              </a:extLst>
+            </p:cNvPr>
+            <p:cNvSpPr/>
+            <p:nvPr>
+              <p:extLst>
+                <p:ext uri="{386F3935-93C4-4BCD-93E2-E3B085C9AB24}">
+                  <p16:designElem xmlns:p16="http://schemas.microsoft.com/office/powerpoint/2015/main" val="1"/>
+                </p:ext>
+              </p:extLst>
+            </p:nvPr>
+          </p:nvSpPr>
+          <p:spPr>
+            <a:xfrm>
+              <a:off x="-305" y="1"/>
+              <a:ext cx="3815986" cy="2675935"/>
+            </a:xfrm>
+            <a:custGeom>
+              <a:avLst/>
+              <a:gdLst>
+                <a:gd name="connsiteX0" fmla="*/ 3648768 w 3815986"/>
+                <a:gd name="connsiteY0" fmla="*/ 0 h 2675935"/>
+                <a:gd name="connsiteX1" fmla="*/ 3815986 w 3815986"/>
+                <a:gd name="connsiteY1" fmla="*/ 0 h 2675935"/>
+                <a:gd name="connsiteX2" fmla="*/ 3804695 w 3815986"/>
+                <a:gd name="connsiteY2" fmla="*/ 200084 h 2675935"/>
+                <a:gd name="connsiteX3" fmla="*/ 3762590 w 3815986"/>
+                <a:gd name="connsiteY3" fmla="*/ 455543 h 2675935"/>
+                <a:gd name="connsiteX4" fmla="*/ 3592332 w 3815986"/>
+                <a:gd name="connsiteY4" fmla="*/ 947274 h 2675935"/>
+                <a:gd name="connsiteX5" fmla="*/ 2953967 w 3815986"/>
+                <a:gd name="connsiteY5" fmla="*/ 1782349 h 2675935"/>
+                <a:gd name="connsiteX6" fmla="*/ 2530669 w 3815986"/>
+                <a:gd name="connsiteY6" fmla="*/ 2109494 h 2675935"/>
+                <a:gd name="connsiteX7" fmla="*/ 2057561 w 3815986"/>
+                <a:gd name="connsiteY7" fmla="*/ 2369245 h 2675935"/>
+                <a:gd name="connsiteX8" fmla="*/ 1007330 w 3815986"/>
+                <a:gd name="connsiteY8" fmla="*/ 2655701 h 2675935"/>
+                <a:gd name="connsiteX9" fmla="*/ 732765 w 3815986"/>
+                <a:gd name="connsiteY9" fmla="*/ 2674696 h 2675935"/>
+                <a:gd name="connsiteX10" fmla="*/ 457666 w 3815986"/>
+                <a:gd name="connsiteY10" fmla="*/ 2670839 h 2675935"/>
+                <a:gd name="connsiteX11" fmla="*/ 183574 w 3815986"/>
+                <a:gd name="connsiteY11" fmla="*/ 2643312 h 2675935"/>
+                <a:gd name="connsiteX12" fmla="*/ 0 w 3815986"/>
+                <a:gd name="connsiteY12" fmla="*/ 2607798 h 2675935"/>
+                <a:gd name="connsiteX13" fmla="*/ 0 w 3815986"/>
+                <a:gd name="connsiteY13" fmla="*/ 2356652 h 2675935"/>
+                <a:gd name="connsiteX14" fmla="*/ 222195 w 3815986"/>
+                <a:gd name="connsiteY14" fmla="*/ 2396940 h 2675935"/>
+                <a:gd name="connsiteX15" fmla="*/ 472364 w 3815986"/>
+                <a:gd name="connsiteY15" fmla="*/ 2419092 h 2675935"/>
+                <a:gd name="connsiteX16" fmla="*/ 974972 w 3815986"/>
+                <a:gd name="connsiteY16" fmla="*/ 2402122 h 2675935"/>
+                <a:gd name="connsiteX17" fmla="*/ 1468292 w 3815986"/>
+                <a:gd name="connsiteY17" fmla="*/ 2304162 h 2675935"/>
+                <a:gd name="connsiteX18" fmla="*/ 1940176 w 3815986"/>
+                <a:gd name="connsiteY18" fmla="*/ 2133695 h 2675935"/>
+                <a:gd name="connsiteX19" fmla="*/ 2783403 w 3815986"/>
+                <a:gd name="connsiteY19" fmla="*/ 1609954 h 2675935"/>
+                <a:gd name="connsiteX20" fmla="*/ 3128104 w 3815986"/>
+                <a:gd name="connsiteY20" fmla="*/ 1260439 h 2675935"/>
+                <a:gd name="connsiteX21" fmla="*/ 3400639 w 3815986"/>
+                <a:gd name="connsiteY21" fmla="*/ 859052 h 2675935"/>
+                <a:gd name="connsiteX22" fmla="*/ 3585595 w 3815986"/>
+                <a:gd name="connsiteY22" fmla="*/ 415336 h 2675935"/>
+                <a:gd name="connsiteX23" fmla="*/ 3635918 w 3815986"/>
+                <a:gd name="connsiteY23" fmla="*/ 181137 h 2675935"/>
+              </a:gdLst>
+              <a:ahLst/>
+              <a:cxnLst>
+                <a:cxn ang="0">
+                  <a:pos x="connsiteX0" y="connsiteY0"/>
+                </a:cxn>
+                <a:cxn ang="0">
+                  <a:pos x="connsiteX1" y="connsiteY1"/>
+                </a:cxn>
+                <a:cxn ang="0">
+                  <a:pos x="connsiteX2" y="connsiteY2"/>
+                </a:cxn>
+                <a:cxn ang="0">
+                  <a:pos x="connsiteX3" y="connsiteY3"/>
+                </a:cxn>
+                <a:cxn ang="0">
+                  <a:pos x="connsiteX4" y="connsiteY4"/>
+                </a:cxn>
+                <a:cxn ang="0">
+                  <a:pos x="connsiteX5" y="connsiteY5"/>
+                </a:cxn>
+                <a:cxn ang="0">
+                  <a:pos x="connsiteX6" y="connsiteY6"/>
+                </a:cxn>
+                <a:cxn ang="0">
+                  <a:pos x="connsiteX7" y="connsiteY7"/>
+                </a:cxn>
+                <a:cxn ang="0">
+                  <a:pos x="connsiteX8" y="connsiteY8"/>
+                </a:cxn>
+                <a:cxn ang="0">
+                  <a:pos x="connsiteX9" y="connsiteY9"/>
+                </a:cxn>
+                <a:cxn ang="0">
+                  <a:pos x="connsiteX10" y="connsiteY10"/>
+                </a:cxn>
+                <a:cxn ang="0">
+                  <a:pos x="connsiteX11" y="connsiteY11"/>
+                </a:cxn>
+                <a:cxn ang="0">
+                  <a:pos x="connsiteX12" y="connsiteY12"/>
+                </a:cxn>
+                <a:cxn ang="0">
+                  <a:pos x="connsiteX13" y="connsiteY13"/>
+                </a:cxn>
+                <a:cxn ang="0">
+                  <a:pos x="connsiteX14" y="connsiteY14"/>
+                </a:cxn>
+                <a:cxn ang="0">
+                  <a:pos x="connsiteX15" y="connsiteY15"/>
+                </a:cxn>
+                <a:cxn ang="0">
+                  <a:pos x="connsiteX16" y="connsiteY16"/>
+                </a:cxn>
+                <a:cxn ang="0">
+                  <a:pos x="connsiteX17" y="connsiteY17"/>
+                </a:cxn>
+                <a:cxn ang="0">
+                  <a:pos x="connsiteX18" y="connsiteY18"/>
+                </a:cxn>
+                <a:cxn ang="0">
+                  <a:pos x="connsiteX19" y="connsiteY19"/>
+                </a:cxn>
+                <a:cxn ang="0">
+                  <a:pos x="connsiteX20" y="connsiteY20"/>
+                </a:cxn>
+                <a:cxn ang="0">
+                  <a:pos x="connsiteX21" y="connsiteY21"/>
+                </a:cxn>
+                <a:cxn ang="0">
+                  <a:pos x="connsiteX22" y="connsiteY22"/>
+                </a:cxn>
+                <a:cxn ang="0">
+                  <a:pos x="connsiteX23" y="connsiteY23"/>
+                </a:cxn>
+              </a:cxnLst>
+              <a:rect l="l" t="t" r="r" b="b"/>
+              <a:pathLst>
+                <a:path w="3815986" h="2675935">
+                  <a:moveTo>
+                    <a:pt x="3648768" y="0"/>
+                  </a:moveTo>
+                  <a:lnTo>
+                    <a:pt x="3815986" y="0"/>
+                  </a:lnTo>
+                  <a:lnTo>
+                    <a:pt x="3804695" y="200084"/>
+                  </a:lnTo>
+                  <a:cubicBezTo>
+                    <a:pt x="3795228" y="285751"/>
+                    <a:pt x="3781167" y="371032"/>
+                    <a:pt x="3762590" y="455543"/>
+                  </a:cubicBezTo>
+                  <a:cubicBezTo>
+                    <a:pt x="3725537" y="624467"/>
+                    <a:pt x="3668784" y="790112"/>
+                    <a:pt x="3592332" y="947274"/>
+                  </a:cubicBezTo>
+                  <a:cubicBezTo>
+                    <a:pt x="3438712" y="1261596"/>
+                    <a:pt x="3216091" y="1542847"/>
+                    <a:pt x="2953967" y="1782349"/>
+                  </a:cubicBezTo>
+                  <a:cubicBezTo>
+                    <a:pt x="2822599" y="1902099"/>
+                    <a:pt x="2680615" y="2011341"/>
+                    <a:pt x="2530669" y="2109494"/>
+                  </a:cubicBezTo>
+                  <a:cubicBezTo>
+                    <a:pt x="2380520" y="2207551"/>
+                    <a:pt x="2222510" y="2294906"/>
+                    <a:pt x="2057561" y="2369245"/>
+                  </a:cubicBezTo>
+                  <a:cubicBezTo>
+                    <a:pt x="1727252" y="2516859"/>
+                    <a:pt x="1371629" y="2614434"/>
+                    <a:pt x="1007330" y="2655701"/>
+                  </a:cubicBezTo>
+                  <a:cubicBezTo>
+                    <a:pt x="916281" y="2665873"/>
+                    <a:pt x="824568" y="2672188"/>
+                    <a:pt x="732765" y="2674696"/>
+                  </a:cubicBezTo>
+                  <a:cubicBezTo>
+                    <a:pt x="640963" y="2677203"/>
+                    <a:pt x="549072" y="2675901"/>
+                    <a:pt x="457666" y="2670839"/>
+                  </a:cubicBezTo>
+                  <a:cubicBezTo>
+                    <a:pt x="366106" y="2665584"/>
+                    <a:pt x="274572" y="2656521"/>
+                    <a:pt x="183574" y="2643312"/>
+                  </a:cubicBezTo>
+                  <a:lnTo>
+                    <a:pt x="0" y="2607798"/>
+                  </a:lnTo>
+                  <a:lnTo>
+                    <a:pt x="0" y="2356652"/>
+                  </a:lnTo>
+                  <a:lnTo>
+                    <a:pt x="222195" y="2396940"/>
+                  </a:lnTo>
+                  <a:cubicBezTo>
+                    <a:pt x="304990" y="2407980"/>
+                    <a:pt x="388511" y="2415283"/>
+                    <a:pt x="472364" y="2419092"/>
+                  </a:cubicBezTo>
+                  <a:cubicBezTo>
+                    <a:pt x="640376" y="2427095"/>
+                    <a:pt x="808184" y="2421791"/>
+                    <a:pt x="974972" y="2402122"/>
+                  </a:cubicBezTo>
+                  <a:cubicBezTo>
+                    <a:pt x="1141658" y="2382358"/>
+                    <a:pt x="1306812" y="2349286"/>
+                    <a:pt x="1468292" y="2304162"/>
+                  </a:cubicBezTo>
+                  <a:cubicBezTo>
+                    <a:pt x="1629874" y="2259231"/>
+                    <a:pt x="1787475" y="2201091"/>
+                    <a:pt x="1940176" y="2133695"/>
+                  </a:cubicBezTo>
+                  <a:cubicBezTo>
+                    <a:pt x="2246498" y="2000349"/>
+                    <a:pt x="2532507" y="1823520"/>
+                    <a:pt x="2783403" y="1609954"/>
+                  </a:cubicBezTo>
+                  <a:cubicBezTo>
+                    <a:pt x="2908442" y="1502833"/>
+                    <a:pt x="3024295" y="1385975"/>
+                    <a:pt x="3128104" y="1260439"/>
+                  </a:cubicBezTo>
+                  <a:cubicBezTo>
+                    <a:pt x="3232116" y="1135096"/>
+                    <a:pt x="3323881" y="1000689"/>
+                    <a:pt x="3400639" y="859052"/>
+                  </a:cubicBezTo>
+                  <a:cubicBezTo>
+                    <a:pt x="3477399" y="717510"/>
+                    <a:pt x="3541296" y="569316"/>
+                    <a:pt x="3585595" y="415336"/>
+                  </a:cubicBezTo>
+                  <a:cubicBezTo>
+                    <a:pt x="3607796" y="338540"/>
+                    <a:pt x="3624638" y="260224"/>
+                    <a:pt x="3635918" y="181137"/>
+                  </a:cubicBezTo>
+                  <a:close/>
+                </a:path>
+              </a:pathLst>
+            </a:custGeom>
+            <a:gradFill>
+              <a:gsLst>
+                <a:gs pos="2000">
+                  <a:schemeClr val="bg1">
+                    <a:alpha val="10000"/>
+                  </a:schemeClr>
+                </a:gs>
+                <a:gs pos="16000">
+                  <a:schemeClr val="accent6">
+                    <a:alpha val="10000"/>
+                  </a:schemeClr>
+                </a:gs>
+                <a:gs pos="100000">
+                  <a:schemeClr val="bg1">
+                    <a:alpha val="10000"/>
+                  </a:schemeClr>
+                </a:gs>
+                <a:gs pos="85000">
+                  <a:schemeClr val="accent1">
+                    <a:alpha val="10000"/>
+                  </a:schemeClr>
+                </a:gs>
+              </a:gsLst>
+              <a:lin ang="12000000" scaled="0"/>
+            </a:gradFill>
+            <a:ln>
+              <a:noFill/>
+            </a:ln>
+          </p:spPr>
+          <p:style>
+            <a:lnRef idx="2">
+              <a:schemeClr val="accent1">
+                <a:shade val="50000"/>
+              </a:schemeClr>
+            </a:lnRef>
+            <a:fillRef idx="1">
+              <a:schemeClr val="accent1"/>
+            </a:fillRef>
+            <a:effectRef idx="0">
+              <a:schemeClr val="accent1"/>
+            </a:effectRef>
+            <a:fontRef idx="minor">
+              <a:schemeClr val="lt1"/>
+            </a:fontRef>
+          </p:style>
+          <p:txBody>
+            <a:bodyPr rtlCol="0" anchor="ctr"/>
+            <a:lstStyle/>
+            <a:p>
+              <a:pPr algn="ctr"/>
+              <a:endParaRPr lang="en-US" dirty="0"/>
+            </a:p>
+          </p:txBody>
+        </p:sp>
+        <p:sp>
+          <p:nvSpPr>
+            <p:cNvPr id="18" name="Freeform: Shape 17">
+              <a:extLst>
+                <a:ext uri="{FF2B5EF4-FFF2-40B4-BE49-F238E27FC236}">
+                  <a16:creationId xmlns:a16="http://schemas.microsoft.com/office/drawing/2014/main" id="{EC58954E-44A5-4A0D-97A9-8A2BB43D6836}"/>
+                </a:ext>
+                <a:ext uri="{C183D7F6-B498-43B3-948B-1728B52AA6E4}">
+                  <adec:decorative xmlns:adec="http://schemas.microsoft.com/office/drawing/2017/decorative" val="1"/>
+                </a:ext>
+              </a:extLst>
+            </p:cNvPr>
+            <p:cNvSpPr/>
+            <p:nvPr>
+              <p:extLst>
+                <p:ext uri="{386F3935-93C4-4BCD-93E2-E3B085C9AB24}">
+                  <p16:designElem xmlns:p16="http://schemas.microsoft.com/office/powerpoint/2015/main" val="1"/>
+                </p:ext>
+              </p:extLst>
+            </p:nvPr>
+          </p:nvSpPr>
+          <p:spPr>
+            <a:xfrm>
+              <a:off x="305" y="-1"/>
+              <a:ext cx="3832270" cy="2876136"/>
+            </a:xfrm>
+            <a:custGeom>
+              <a:avLst/>
+              <a:gdLst>
+                <a:gd name="connsiteX0" fmla="*/ 3800718 w 3832270"/>
+                <a:gd name="connsiteY0" fmla="*/ 0 h 2876136"/>
+                <a:gd name="connsiteX1" fmla="*/ 3832270 w 3832270"/>
+                <a:gd name="connsiteY1" fmla="*/ 0 h 2876136"/>
+                <a:gd name="connsiteX2" fmla="*/ 3824562 w 3832270"/>
+                <a:gd name="connsiteY2" fmla="*/ 143769 h 2876136"/>
+                <a:gd name="connsiteX3" fmla="*/ 3628155 w 3832270"/>
+                <a:gd name="connsiteY3" fmla="*/ 922055 h 2876136"/>
+                <a:gd name="connsiteX4" fmla="*/ 3514853 w 3832270"/>
+                <a:gd name="connsiteY4" fmla="*/ 1169078 h 2876136"/>
+                <a:gd name="connsiteX5" fmla="*/ 3379198 w 3832270"/>
+                <a:gd name="connsiteY5" fmla="*/ 1407037 h 2876136"/>
+                <a:gd name="connsiteX6" fmla="*/ 3043787 w 3832270"/>
+                <a:gd name="connsiteY6" fmla="*/ 1848342 h 2876136"/>
+                <a:gd name="connsiteX7" fmla="*/ 2845661 w 3832270"/>
+                <a:gd name="connsiteY7" fmla="*/ 2047444 h 2876136"/>
+                <a:gd name="connsiteX8" fmla="*/ 2793197 w 3832270"/>
+                <a:gd name="connsiteY8" fmla="*/ 2094689 h 2876136"/>
+                <a:gd name="connsiteX9" fmla="*/ 2739710 w 3832270"/>
+                <a:gd name="connsiteY9" fmla="*/ 2140969 h 2876136"/>
+                <a:gd name="connsiteX10" fmla="*/ 2629166 w 3832270"/>
+                <a:gd name="connsiteY10" fmla="*/ 2229867 h 2876136"/>
+                <a:gd name="connsiteX11" fmla="*/ 2145952 w 3832270"/>
+                <a:gd name="connsiteY11" fmla="*/ 2535994 h 2876136"/>
+                <a:gd name="connsiteX12" fmla="*/ 1034987 w 3832270"/>
+                <a:gd name="connsiteY12" fmla="*/ 2863910 h 2876136"/>
+                <a:gd name="connsiteX13" fmla="*/ 741909 w 3832270"/>
+                <a:gd name="connsiteY13" fmla="*/ 2875939 h 2876136"/>
+                <a:gd name="connsiteX14" fmla="*/ 450208 w 3832270"/>
+                <a:gd name="connsiteY14" fmla="*/ 2857451 h 2876136"/>
+                <a:gd name="connsiteX15" fmla="*/ 22215 w 3832270"/>
+                <a:gd name="connsiteY15" fmla="*/ 2775923 h 2876136"/>
+                <a:gd name="connsiteX16" fmla="*/ 0 w 3832270"/>
+                <a:gd name="connsiteY16" fmla="*/ 2769256 h 2876136"/>
+                <a:gd name="connsiteX17" fmla="*/ 0 w 3832270"/>
+                <a:gd name="connsiteY17" fmla="*/ 2590612 h 2876136"/>
+                <a:gd name="connsiteX18" fmla="*/ 199046 w 3832270"/>
+                <a:gd name="connsiteY18" fmla="*/ 2627410 h 2876136"/>
+                <a:gd name="connsiteX19" fmla="*/ 468174 w 3832270"/>
+                <a:gd name="connsiteY19" fmla="*/ 2649670 h 2876136"/>
+                <a:gd name="connsiteX20" fmla="*/ 1003650 w 3832270"/>
+                <a:gd name="connsiteY20" fmla="*/ 2622480 h 2876136"/>
+                <a:gd name="connsiteX21" fmla="*/ 1266489 w 3832270"/>
+                <a:gd name="connsiteY21" fmla="*/ 2573982 h 2876136"/>
+                <a:gd name="connsiteX22" fmla="*/ 1524223 w 3832270"/>
+                <a:gd name="connsiteY22" fmla="*/ 2504657 h 2876136"/>
+                <a:gd name="connsiteX23" fmla="*/ 1775731 w 3832270"/>
+                <a:gd name="connsiteY23" fmla="*/ 2416243 h 2876136"/>
+                <a:gd name="connsiteX24" fmla="*/ 2019789 w 3832270"/>
+                <a:gd name="connsiteY24" fmla="*/ 2309412 h 2876136"/>
+                <a:gd name="connsiteX25" fmla="*/ 2482486 w 3832270"/>
+                <a:gd name="connsiteY25" fmla="*/ 2046962 h 2876136"/>
+                <a:gd name="connsiteX26" fmla="*/ 2591908 w 3832270"/>
+                <a:gd name="connsiteY26" fmla="*/ 1971371 h 2876136"/>
+                <a:gd name="connsiteX27" fmla="*/ 2645702 w 3832270"/>
+                <a:gd name="connsiteY27" fmla="*/ 1932321 h 2876136"/>
+                <a:gd name="connsiteX28" fmla="*/ 2698779 w 3832270"/>
+                <a:gd name="connsiteY28" fmla="*/ 1892309 h 2876136"/>
+                <a:gd name="connsiteX29" fmla="*/ 2903537 w 3832270"/>
+                <a:gd name="connsiteY29" fmla="*/ 1722516 h 2876136"/>
+                <a:gd name="connsiteX30" fmla="*/ 3269061 w 3832270"/>
+                <a:gd name="connsiteY30" fmla="*/ 1337327 h 2876136"/>
+                <a:gd name="connsiteX31" fmla="*/ 3424928 w 3832270"/>
+                <a:gd name="connsiteY31" fmla="*/ 1122508 h 2876136"/>
+                <a:gd name="connsiteX32" fmla="*/ 3557622 w 3832270"/>
+                <a:gd name="connsiteY32" fmla="*/ 893226 h 2876136"/>
+                <a:gd name="connsiteX33" fmla="*/ 3587019 w 3832270"/>
+                <a:gd name="connsiteY33" fmla="*/ 833929 h 2876136"/>
+                <a:gd name="connsiteX34" fmla="*/ 3601310 w 3832270"/>
+                <a:gd name="connsiteY34" fmla="*/ 804040 h 2876136"/>
+                <a:gd name="connsiteX35" fmla="*/ 3614885 w 3832270"/>
+                <a:gd name="connsiteY35" fmla="*/ 773861 h 2876136"/>
+                <a:gd name="connsiteX36" fmla="*/ 3640812 w 3832270"/>
+                <a:gd name="connsiteY36" fmla="*/ 713022 h 2876136"/>
+                <a:gd name="connsiteX37" fmla="*/ 3665105 w 3832270"/>
+                <a:gd name="connsiteY37" fmla="*/ 651506 h 2876136"/>
+                <a:gd name="connsiteX38" fmla="*/ 3744110 w 3832270"/>
+                <a:gd name="connsiteY38" fmla="*/ 399567 h 2876136"/>
+                <a:gd name="connsiteX39" fmla="*/ 3792123 w 3832270"/>
+                <a:gd name="connsiteY39" fmla="*/ 140444 h 2876136"/>
+              </a:gdLst>
+              <a:ahLst/>
+              <a:cxnLst>
+                <a:cxn ang="0">
+                  <a:pos x="connsiteX0" y="connsiteY0"/>
+                </a:cxn>
+                <a:cxn ang="0">
+                  <a:pos x="connsiteX1" y="connsiteY1"/>
+                </a:cxn>
+                <a:cxn ang="0">
+                  <a:pos x="connsiteX2" y="connsiteY2"/>
+                </a:cxn>
+                <a:cxn ang="0">
+                  <a:pos x="connsiteX3" y="connsiteY3"/>
+                </a:cxn>
+                <a:cxn ang="0">
+                  <a:pos x="connsiteX4" y="connsiteY4"/>
+                </a:cxn>
+                <a:cxn ang="0">
+                  <a:pos x="connsiteX5" y="connsiteY5"/>
+                </a:cxn>
+                <a:cxn ang="0">
+                  <a:pos x="connsiteX6" y="connsiteY6"/>
+                </a:cxn>
+                <a:cxn ang="0">
+                  <a:pos x="connsiteX7" y="connsiteY7"/>
+                </a:cxn>
+                <a:cxn ang="0">
+                  <a:pos x="connsiteX8" y="connsiteY8"/>
+                </a:cxn>
+                <a:cxn ang="0">
+                  <a:pos x="connsiteX9" y="connsiteY9"/>
+                </a:cxn>
+                <a:cxn ang="0">
+                  <a:pos x="connsiteX10" y="connsiteY10"/>
+                </a:cxn>
+                <a:cxn ang="0">
+                  <a:pos x="connsiteX11" y="connsiteY11"/>
+                </a:cxn>
+                <a:cxn ang="0">
+                  <a:pos x="connsiteX12" y="connsiteY12"/>
+                </a:cxn>
+                <a:cxn ang="0">
+                  <a:pos x="connsiteX13" y="connsiteY13"/>
+                </a:cxn>
+                <a:cxn ang="0">
+                  <a:pos x="connsiteX14" y="connsiteY14"/>
+                </a:cxn>
+                <a:cxn ang="0">
+                  <a:pos x="connsiteX15" y="connsiteY15"/>
+                </a:cxn>
+                <a:cxn ang="0">
+                  <a:pos x="connsiteX16" y="connsiteY16"/>
+                </a:cxn>
+                <a:cxn ang="0">
+                  <a:pos x="connsiteX17" y="connsiteY17"/>
+                </a:cxn>
+                <a:cxn ang="0">
+                  <a:pos x="connsiteX18" y="connsiteY18"/>
+                </a:cxn>
+                <a:cxn ang="0">
+                  <a:pos x="connsiteX19" y="connsiteY19"/>
+                </a:cxn>
+                <a:cxn ang="0">
+                  <a:pos x="connsiteX20" y="connsiteY20"/>
+                </a:cxn>
+                <a:cxn ang="0">
+                  <a:pos x="connsiteX21" y="connsiteY21"/>
+                </a:cxn>
+                <a:cxn ang="0">
+                  <a:pos x="connsiteX22" y="connsiteY22"/>
+                </a:cxn>
+                <a:cxn ang="0">
+                  <a:pos x="connsiteX23" y="connsiteY23"/>
+                </a:cxn>
+                <a:cxn ang="0">
+                  <a:pos x="connsiteX24" y="connsiteY24"/>
+                </a:cxn>
+                <a:cxn ang="0">
+                  <a:pos x="connsiteX25" y="connsiteY25"/>
+                </a:cxn>
+                <a:cxn ang="0">
+                  <a:pos x="connsiteX26" y="connsiteY26"/>
+                </a:cxn>
+                <a:cxn ang="0">
+                  <a:pos x="connsiteX27" y="connsiteY27"/>
+                </a:cxn>
+                <a:cxn ang="0">
+                  <a:pos x="connsiteX28" y="connsiteY28"/>
+                </a:cxn>
+                <a:cxn ang="0">
+                  <a:pos x="connsiteX29" y="connsiteY29"/>
+                </a:cxn>
+                <a:cxn ang="0">
+                  <a:pos x="connsiteX30" y="connsiteY30"/>
+                </a:cxn>
+                <a:cxn ang="0">
+                  <a:pos x="connsiteX31" y="connsiteY31"/>
+                </a:cxn>
+                <a:cxn ang="0">
+                  <a:pos x="connsiteX32" y="connsiteY32"/>
+                </a:cxn>
+                <a:cxn ang="0">
+                  <a:pos x="connsiteX33" y="connsiteY33"/>
+                </a:cxn>
+                <a:cxn ang="0">
+                  <a:pos x="connsiteX34" y="connsiteY34"/>
+                </a:cxn>
+                <a:cxn ang="0">
+                  <a:pos x="connsiteX35" y="connsiteY35"/>
+                </a:cxn>
+                <a:cxn ang="0">
+                  <a:pos x="connsiteX36" y="connsiteY36"/>
+                </a:cxn>
+                <a:cxn ang="0">
+                  <a:pos x="connsiteX37" y="connsiteY37"/>
+                </a:cxn>
+                <a:cxn ang="0">
+                  <a:pos x="connsiteX38" y="connsiteY38"/>
+                </a:cxn>
+                <a:cxn ang="0">
+                  <a:pos x="connsiteX39" y="connsiteY39"/>
+                </a:cxn>
+              </a:cxnLst>
+              <a:rect l="l" t="t" r="r" b="b"/>
+              <a:pathLst>
+                <a:path w="3832270" h="2876136">
+                  <a:moveTo>
+                    <a:pt x="3800718" y="0"/>
+                  </a:moveTo>
+                  <a:lnTo>
+                    <a:pt x="3832270" y="0"/>
+                  </a:lnTo>
+                  <a:lnTo>
+                    <a:pt x="3824562" y="143769"/>
+                  </a:lnTo>
+                  <a:cubicBezTo>
+                    <a:pt x="3797131" y="409191"/>
+                    <a:pt x="3730585" y="671345"/>
+                    <a:pt x="3628155" y="922055"/>
+                  </a:cubicBezTo>
+                  <a:cubicBezTo>
+                    <a:pt x="3593858" y="1005553"/>
+                    <a:pt x="3556704" y="1088280"/>
+                    <a:pt x="3514853" y="1169078"/>
+                  </a:cubicBezTo>
+                  <a:cubicBezTo>
+                    <a:pt x="3473616" y="1250166"/>
+                    <a:pt x="3428194" y="1329517"/>
+                    <a:pt x="3379198" y="1407037"/>
+                  </a:cubicBezTo>
+                  <a:cubicBezTo>
+                    <a:pt x="3281106" y="1561980"/>
+                    <a:pt x="3169132" y="1710174"/>
+                    <a:pt x="3043787" y="1848342"/>
+                  </a:cubicBezTo>
+                  <a:cubicBezTo>
+                    <a:pt x="2980806" y="1917184"/>
+                    <a:pt x="2915071" y="1984001"/>
+                    <a:pt x="2845661" y="2047444"/>
+                  </a:cubicBezTo>
+                  <a:cubicBezTo>
+                    <a:pt x="2828411" y="2063450"/>
+                    <a:pt x="2811060" y="2079263"/>
+                    <a:pt x="2793197" y="2094689"/>
+                  </a:cubicBezTo>
+                  <a:cubicBezTo>
+                    <a:pt x="2775436" y="2110213"/>
+                    <a:pt x="2757982" y="2126025"/>
+                    <a:pt x="2739710" y="2140969"/>
+                  </a:cubicBezTo>
+                  <a:cubicBezTo>
+                    <a:pt x="2703576" y="2171341"/>
+                    <a:pt x="2666524" y="2200749"/>
+                    <a:pt x="2629166" y="2229867"/>
+                  </a:cubicBezTo>
+                  <a:cubicBezTo>
+                    <a:pt x="2479015" y="2345569"/>
+                    <a:pt x="2316821" y="2448061"/>
+                    <a:pt x="2145952" y="2535994"/>
+                  </a:cubicBezTo>
+                  <a:cubicBezTo>
+                    <a:pt x="1804312" y="2711957"/>
+                    <a:pt x="1424600" y="2826982"/>
+                    <a:pt x="1034987" y="2863910"/>
+                  </a:cubicBezTo>
+                  <a:cubicBezTo>
+                    <a:pt x="937762" y="2873167"/>
+                    <a:pt x="839720" y="2877096"/>
+                    <a:pt x="741909" y="2875939"/>
+                  </a:cubicBezTo>
+                  <a:cubicBezTo>
+                    <a:pt x="644097" y="2874782"/>
+                    <a:pt x="546515" y="2868539"/>
+                    <a:pt x="450208" y="2857451"/>
+                  </a:cubicBezTo>
+                  <a:cubicBezTo>
+                    <a:pt x="305520" y="2840674"/>
+                    <a:pt x="162095" y="2813810"/>
+                    <a:pt x="22215" y="2775923"/>
+                  </a:cubicBezTo>
+                  <a:lnTo>
+                    <a:pt x="0" y="2769256"/>
+                  </a:lnTo>
+                  <a:lnTo>
+                    <a:pt x="0" y="2590612"/>
+                  </a:lnTo>
+                  <a:lnTo>
+                    <a:pt x="199046" y="2627410"/>
+                  </a:lnTo>
+                  <a:cubicBezTo>
+                    <a:pt x="288321" y="2639209"/>
+                    <a:pt x="378197" y="2646537"/>
+                    <a:pt x="468174" y="2649670"/>
+                  </a:cubicBezTo>
+                  <a:cubicBezTo>
+                    <a:pt x="648333" y="2656805"/>
+                    <a:pt x="826655" y="2647163"/>
+                    <a:pt x="1003650" y="2622480"/>
+                  </a:cubicBezTo>
+                  <a:cubicBezTo>
+                    <a:pt x="1091943" y="2609658"/>
+                    <a:pt x="1179725" y="2593747"/>
+                    <a:pt x="1266489" y="2573982"/>
+                  </a:cubicBezTo>
+                  <a:cubicBezTo>
+                    <a:pt x="1353250" y="2553927"/>
+                    <a:pt x="1439298" y="2531076"/>
+                    <a:pt x="1524223" y="2504657"/>
+                  </a:cubicBezTo>
+                  <a:cubicBezTo>
+                    <a:pt x="1609149" y="2478336"/>
+                    <a:pt x="1693052" y="2448833"/>
+                    <a:pt x="1775731" y="2416243"/>
+                  </a:cubicBezTo>
+                  <a:cubicBezTo>
+                    <a:pt x="1858309" y="2383557"/>
+                    <a:pt x="1939764" y="2347882"/>
+                    <a:pt x="2019789" y="2309412"/>
+                  </a:cubicBezTo>
+                  <a:cubicBezTo>
+                    <a:pt x="2179839" y="2232567"/>
+                    <a:pt x="2334583" y="2144923"/>
+                    <a:pt x="2482486" y="2046962"/>
+                  </a:cubicBezTo>
+                  <a:cubicBezTo>
+                    <a:pt x="2519334" y="2022376"/>
+                    <a:pt x="2556081" y="1997403"/>
+                    <a:pt x="2591908" y="1971371"/>
+                  </a:cubicBezTo>
+                  <a:cubicBezTo>
+                    <a:pt x="2610077" y="1958644"/>
+                    <a:pt x="2627838" y="1945434"/>
+                    <a:pt x="2645702" y="1932321"/>
+                  </a:cubicBezTo>
+                  <a:cubicBezTo>
+                    <a:pt x="2663666" y="1919305"/>
+                    <a:pt x="2681325" y="1905903"/>
+                    <a:pt x="2698779" y="1892309"/>
+                  </a:cubicBezTo>
+                  <a:cubicBezTo>
+                    <a:pt x="2768903" y="1838025"/>
+                    <a:pt x="2837496" y="1781717"/>
+                    <a:pt x="2903537" y="1722516"/>
+                  </a:cubicBezTo>
+                  <a:cubicBezTo>
+                    <a:pt x="3035926" y="1604501"/>
+                    <a:pt x="3158720" y="1475784"/>
+                    <a:pt x="3269061" y="1337327"/>
+                  </a:cubicBezTo>
+                  <a:cubicBezTo>
+                    <a:pt x="3324182" y="1268099"/>
+                    <a:pt x="3376341" y="1196461"/>
+                    <a:pt x="3424928" y="1122508"/>
+                  </a:cubicBezTo>
+                  <a:cubicBezTo>
+                    <a:pt x="3472697" y="1048170"/>
+                    <a:pt x="3517814" y="972000"/>
+                    <a:pt x="3557622" y="893226"/>
+                  </a:cubicBezTo>
+                  <a:cubicBezTo>
+                    <a:pt x="3567931" y="873654"/>
+                    <a:pt x="3577526" y="853791"/>
+                    <a:pt x="3587019" y="833929"/>
+                  </a:cubicBezTo>
+                  <a:lnTo>
+                    <a:pt x="3601310" y="804040"/>
+                  </a:lnTo>
+                  <a:lnTo>
+                    <a:pt x="3614885" y="773861"/>
+                  </a:lnTo>
+                  <a:cubicBezTo>
+                    <a:pt x="3623766" y="753709"/>
+                    <a:pt x="3632748" y="733559"/>
+                    <a:pt x="3640812" y="713022"/>
+                  </a:cubicBezTo>
+                  <a:cubicBezTo>
+                    <a:pt x="3648876" y="692485"/>
+                    <a:pt x="3657756" y="672236"/>
+                    <a:pt x="3665105" y="651506"/>
+                  </a:cubicBezTo>
+                  <a:cubicBezTo>
+                    <a:pt x="3696544" y="569166"/>
+                    <a:pt x="3723185" y="485089"/>
+                    <a:pt x="3744110" y="399567"/>
+                  </a:cubicBezTo>
+                  <a:cubicBezTo>
+                    <a:pt x="3765341" y="314238"/>
+                    <a:pt x="3781392" y="227654"/>
+                    <a:pt x="3792123" y="140444"/>
+                  </a:cubicBezTo>
+                  <a:close/>
+                </a:path>
+              </a:pathLst>
+            </a:custGeom>
+            <a:gradFill>
+              <a:gsLst>
+                <a:gs pos="2000">
+                  <a:schemeClr val="bg1">
+                    <a:alpha val="10000"/>
+                  </a:schemeClr>
+                </a:gs>
+                <a:gs pos="16000">
+                  <a:schemeClr val="accent6">
+                    <a:alpha val="10000"/>
+                  </a:schemeClr>
+                </a:gs>
+                <a:gs pos="100000">
+                  <a:schemeClr val="bg1">
+                    <a:alpha val="10000"/>
+                  </a:schemeClr>
+                </a:gs>
+                <a:gs pos="85000">
+                  <a:schemeClr val="accent1">
+                    <a:alpha val="10000"/>
+                  </a:schemeClr>
+                </a:gs>
+              </a:gsLst>
+              <a:lin ang="12000000" scaled="0"/>
+            </a:gradFill>
+            <a:ln>
+              <a:noFill/>
+            </a:ln>
+          </p:spPr>
+          <p:style>
+            <a:lnRef idx="2">
+              <a:schemeClr val="accent1">
+                <a:shade val="50000"/>
+              </a:schemeClr>
+            </a:lnRef>
+            <a:fillRef idx="1">
+              <a:schemeClr val="accent1"/>
+            </a:fillRef>
+            <a:effectRef idx="0">
+              <a:schemeClr val="accent1"/>
+            </a:effectRef>
+            <a:fontRef idx="minor">
+              <a:schemeClr val="lt1"/>
+            </a:fontRef>
+          </p:style>
+          <p:txBody>
+            <a:bodyPr rtlCol="0" anchor="ctr"/>
+            <a:lstStyle/>
+            <a:p>
+              <a:pPr algn="ctr"/>
+              <a:endParaRPr lang="en-US"/>
+            </a:p>
+          </p:txBody>
+        </p:sp>
+      </p:grpSp>
+      <p:sp>
+        <p:nvSpPr>
+          <p:cNvPr id="3" name="Content Placeholder 2">
+            <a:extLst>
+              <a:ext uri="{FF2B5EF4-FFF2-40B4-BE49-F238E27FC236}">
+                <a16:creationId xmlns:a16="http://schemas.microsoft.com/office/drawing/2014/main" id="{9DC2FDC0-2057-19BE-EE0E-EF59F0BF5F94}"/>
+              </a:ext>
+            </a:extLst>
+          </p:cNvPr>
+          <p:cNvSpPr>
+            <a:spLocks noGrp="1"/>
+          </p:cNvSpPr>
+          <p:nvPr>
+            <p:ph idx="1"/>
+          </p:nvPr>
+        </p:nvSpPr>
+        <p:spPr>
+          <a:xfrm>
+            <a:off x="804672" y="2827419"/>
+            <a:ext cx="5126896" cy="3227626"/>
+          </a:xfrm>
+        </p:spPr>
+        <p:txBody>
+          <a:bodyPr anchor="ctr">
+            <a:normAutofit/>
+          </a:bodyPr>
+          <a:lstStyle/>
+          <a:p>
+            <a:r>
+              <a:rPr lang="en-US" sz="1800" b="0" i="0">
+                <a:solidFill>
+                  <a:schemeClr val="tx2"/>
+                </a:solidFill>
+                <a:effectLst/>
+                <a:latin typeface="Söhne"/>
+              </a:rPr>
+              <a:t>A PUT request is a type of HTTP request method used to update or replace an existing resource on the server. It is commonly used to modify the state or properties of a resource with the data provided in the request payload.</a:t>
+            </a:r>
+            <a:endParaRPr lang="en-IL" sz="1800">
+              <a:solidFill>
+                <a:schemeClr val="tx2"/>
+              </a:solidFill>
+            </a:endParaRPr>
+          </a:p>
+        </p:txBody>
+      </p:sp>
+      <p:grpSp>
+        <p:nvGrpSpPr>
+          <p:cNvPr id="20" name="Group 19">
+            <a:extLst>
+              <a:ext uri="{FF2B5EF4-FFF2-40B4-BE49-F238E27FC236}">
+                <a16:creationId xmlns:a16="http://schemas.microsoft.com/office/drawing/2014/main" id="{466920E5-8640-4C24-A775-8647637094A7}"/>
+              </a:ext>
+              <a:ext uri="{C183D7F6-B498-43B3-948B-1728B52AA6E4}">
+                <adec:decorative xmlns:adec="http://schemas.microsoft.com/office/drawing/2017/decorative" val="1"/>
+              </a:ext>
+            </a:extLst>
+          </p:cNvPr>
+          <p:cNvGrpSpPr>
+            <a:grpSpLocks noGrp="1" noUngrp="1" noRot="1" noChangeAspect="1" noMove="1" noResize="1"/>
+          </p:cNvGrpSpPr>
+          <p:nvPr>
+            <p:extLst>
+              <p:ext uri="{386F3935-93C4-4BCD-93E2-E3B085C9AB24}">
+                <p16:designElem xmlns:p16="http://schemas.microsoft.com/office/powerpoint/2015/main" val="1"/>
+              </p:ext>
+            </p:extLst>
+          </p:nvPr>
+        </p:nvGrpSpPr>
+        <p:grpSpPr>
+          <a:xfrm rot="5400000" flipH="1">
+            <a:off x="10185732" y="4852038"/>
+            <a:ext cx="2151670" cy="1860256"/>
+            <a:chOff x="-305" y="-4155"/>
+            <a:chExt cx="2514948" cy="2174333"/>
+          </a:xfrm>
+        </p:grpSpPr>
+        <p:sp>
+          <p:nvSpPr>
+            <p:cNvPr id="21" name="Freeform: Shape 20">
+              <a:extLst>
+                <a:ext uri="{FF2B5EF4-FFF2-40B4-BE49-F238E27FC236}">
+                  <a16:creationId xmlns:a16="http://schemas.microsoft.com/office/drawing/2014/main" id="{2CBA3142-5A82-43CE-87A2-EB14B17A511C}"/>
+                </a:ext>
+                <a:ext uri="{C183D7F6-B498-43B3-948B-1728B52AA6E4}">
+                  <adec:decorative xmlns:adec="http://schemas.microsoft.com/office/drawing/2017/decorative" val="1"/>
+                </a:ext>
+              </a:extLst>
+            </p:cNvPr>
+            <p:cNvSpPr/>
+            <p:nvPr>
+              <p:extLst>
+                <p:ext uri="{386F3935-93C4-4BCD-93E2-E3B085C9AB24}">
+                  <p16:designElem xmlns:p16="http://schemas.microsoft.com/office/powerpoint/2015/main" val="1"/>
+                </p:ext>
+              </p:extLst>
+            </p:nvPr>
+          </p:nvSpPr>
+          <p:spPr>
+            <a:xfrm>
+              <a:off x="-305" y="0"/>
+              <a:ext cx="2514948" cy="2170178"/>
+            </a:xfrm>
+            <a:custGeom>
+              <a:avLst/>
+              <a:gdLst>
+                <a:gd name="connsiteX0" fmla="*/ 2466091 w 2514948"/>
+                <a:gd name="connsiteY0" fmla="*/ 0 h 2170178"/>
+                <a:gd name="connsiteX1" fmla="*/ 2514948 w 2514948"/>
+                <a:gd name="connsiteY1" fmla="*/ 0 h 2170178"/>
+                <a:gd name="connsiteX2" fmla="*/ 2512286 w 2514948"/>
+                <a:gd name="connsiteY2" fmla="*/ 12375 h 2170178"/>
+                <a:gd name="connsiteX3" fmla="*/ 2394961 w 2514948"/>
+                <a:gd name="connsiteY3" fmla="*/ 368660 h 2170178"/>
+                <a:gd name="connsiteX4" fmla="*/ 2289734 w 2514948"/>
+                <a:gd name="connsiteY4" fmla="*/ 598078 h 2170178"/>
+                <a:gd name="connsiteX5" fmla="*/ 2163747 w 2514948"/>
+                <a:gd name="connsiteY5" fmla="*/ 819078 h 2170178"/>
+                <a:gd name="connsiteX6" fmla="*/ 1852241 w 2514948"/>
+                <a:gd name="connsiteY6" fmla="*/ 1228932 h 2170178"/>
+                <a:gd name="connsiteX7" fmla="*/ 1668235 w 2514948"/>
+                <a:gd name="connsiteY7" fmla="*/ 1413844 h 2170178"/>
+                <a:gd name="connsiteX8" fmla="*/ 1619510 w 2514948"/>
+                <a:gd name="connsiteY8" fmla="*/ 1457722 h 2170178"/>
+                <a:gd name="connsiteX9" fmla="*/ 1569835 w 2514948"/>
+                <a:gd name="connsiteY9" fmla="*/ 1500704 h 2170178"/>
+                <a:gd name="connsiteX10" fmla="*/ 1467169 w 2514948"/>
+                <a:gd name="connsiteY10" fmla="*/ 1583266 h 2170178"/>
+                <a:gd name="connsiteX11" fmla="*/ 1018393 w 2514948"/>
+                <a:gd name="connsiteY11" fmla="*/ 1867576 h 2170178"/>
+                <a:gd name="connsiteX12" fmla="*/ 255857 w 2514948"/>
+                <a:gd name="connsiteY12" fmla="*/ 2133049 h 2170178"/>
+                <a:gd name="connsiteX13" fmla="*/ 0 w 2514948"/>
+                <a:gd name="connsiteY13" fmla="*/ 2170178 h 2170178"/>
+                <a:gd name="connsiteX14" fmla="*/ 0 w 2514948"/>
+                <a:gd name="connsiteY14" fmla="*/ 1940056 h 2170178"/>
+                <a:gd name="connsiteX15" fmla="*/ 201609 w 2514948"/>
+                <a:gd name="connsiteY15" fmla="*/ 1902856 h 2170178"/>
+                <a:gd name="connsiteX16" fmla="*/ 440974 w 2514948"/>
+                <a:gd name="connsiteY16" fmla="*/ 1838472 h 2170178"/>
+                <a:gd name="connsiteX17" fmla="*/ 674558 w 2514948"/>
+                <a:gd name="connsiteY17" fmla="*/ 1756359 h 2170178"/>
+                <a:gd name="connsiteX18" fmla="*/ 901222 w 2514948"/>
+                <a:gd name="connsiteY18" fmla="*/ 1657142 h 2170178"/>
+                <a:gd name="connsiteX19" fmla="*/ 1330943 w 2514948"/>
+                <a:gd name="connsiteY19" fmla="*/ 1413396 h 2170178"/>
+                <a:gd name="connsiteX20" fmla="*/ 1432566 w 2514948"/>
+                <a:gd name="connsiteY20" fmla="*/ 1343193 h 2170178"/>
+                <a:gd name="connsiteX21" fmla="*/ 1482527 w 2514948"/>
+                <a:gd name="connsiteY21" fmla="*/ 1306926 h 2170178"/>
+                <a:gd name="connsiteX22" fmla="*/ 1531821 w 2514948"/>
+                <a:gd name="connsiteY22" fmla="*/ 1269765 h 2170178"/>
+                <a:gd name="connsiteX23" fmla="*/ 1721986 w 2514948"/>
+                <a:gd name="connsiteY23" fmla="*/ 1112073 h 2170178"/>
+                <a:gd name="connsiteX24" fmla="*/ 2061460 w 2514948"/>
+                <a:gd name="connsiteY24" fmla="*/ 754336 h 2170178"/>
+                <a:gd name="connsiteX25" fmla="*/ 2206218 w 2514948"/>
+                <a:gd name="connsiteY25" fmla="*/ 554827 h 2170178"/>
+                <a:gd name="connsiteX26" fmla="*/ 2329455 w 2514948"/>
+                <a:gd name="connsiteY26" fmla="*/ 341886 h 2170178"/>
+                <a:gd name="connsiteX27" fmla="*/ 2356757 w 2514948"/>
+                <a:gd name="connsiteY27" fmla="*/ 286815 h 2170178"/>
+                <a:gd name="connsiteX28" fmla="*/ 2370030 w 2514948"/>
+                <a:gd name="connsiteY28" fmla="*/ 259056 h 2170178"/>
+                <a:gd name="connsiteX29" fmla="*/ 2382637 w 2514948"/>
+                <a:gd name="connsiteY29" fmla="*/ 231028 h 2170178"/>
+                <a:gd name="connsiteX30" fmla="*/ 2406716 w 2514948"/>
+                <a:gd name="connsiteY30" fmla="*/ 174525 h 2170178"/>
+                <a:gd name="connsiteX31" fmla="*/ 2429278 w 2514948"/>
+                <a:gd name="connsiteY31" fmla="*/ 117393 h 2170178"/>
+              </a:gdLst>
+              <a:ahLst/>
+              <a:cxnLst>
+                <a:cxn ang="0">
+                  <a:pos x="connsiteX0" y="connsiteY0"/>
+                </a:cxn>
+                <a:cxn ang="0">
+                  <a:pos x="connsiteX1" y="connsiteY1"/>
+                </a:cxn>
+                <a:cxn ang="0">
+                  <a:pos x="connsiteX2" y="connsiteY2"/>
+                </a:cxn>
+                <a:cxn ang="0">
+                  <a:pos x="connsiteX3" y="connsiteY3"/>
+                </a:cxn>
+                <a:cxn ang="0">
+                  <a:pos x="connsiteX4" y="connsiteY4"/>
+                </a:cxn>
+                <a:cxn ang="0">
+                  <a:pos x="connsiteX5" y="connsiteY5"/>
+                </a:cxn>
+                <a:cxn ang="0">
+                  <a:pos x="connsiteX6" y="connsiteY6"/>
+                </a:cxn>
+                <a:cxn ang="0">
+                  <a:pos x="connsiteX7" y="connsiteY7"/>
+                </a:cxn>
+                <a:cxn ang="0">
+                  <a:pos x="connsiteX8" y="connsiteY8"/>
+                </a:cxn>
+                <a:cxn ang="0">
+                  <a:pos x="connsiteX9" y="connsiteY9"/>
+                </a:cxn>
+                <a:cxn ang="0">
+                  <a:pos x="connsiteX10" y="connsiteY10"/>
+                </a:cxn>
+                <a:cxn ang="0">
+                  <a:pos x="connsiteX11" y="connsiteY11"/>
+                </a:cxn>
+                <a:cxn ang="0">
+                  <a:pos x="connsiteX12" y="connsiteY12"/>
+                </a:cxn>
+                <a:cxn ang="0">
+                  <a:pos x="connsiteX13" y="connsiteY13"/>
+                </a:cxn>
+                <a:cxn ang="0">
+                  <a:pos x="connsiteX14" y="connsiteY14"/>
+                </a:cxn>
+                <a:cxn ang="0">
+                  <a:pos x="connsiteX15" y="connsiteY15"/>
+                </a:cxn>
+                <a:cxn ang="0">
+                  <a:pos x="connsiteX16" y="connsiteY16"/>
+                </a:cxn>
+                <a:cxn ang="0">
+                  <a:pos x="connsiteX17" y="connsiteY17"/>
+                </a:cxn>
+                <a:cxn ang="0">
+                  <a:pos x="connsiteX18" y="connsiteY18"/>
+                </a:cxn>
+                <a:cxn ang="0">
+                  <a:pos x="connsiteX19" y="connsiteY19"/>
+                </a:cxn>
+                <a:cxn ang="0">
+                  <a:pos x="connsiteX20" y="connsiteY20"/>
+                </a:cxn>
+                <a:cxn ang="0">
+                  <a:pos x="connsiteX21" y="connsiteY21"/>
+                </a:cxn>
+                <a:cxn ang="0">
+                  <a:pos x="connsiteX22" y="connsiteY22"/>
+                </a:cxn>
+                <a:cxn ang="0">
+                  <a:pos x="connsiteX23" y="connsiteY23"/>
+                </a:cxn>
+                <a:cxn ang="0">
+                  <a:pos x="connsiteX24" y="connsiteY24"/>
+                </a:cxn>
+                <a:cxn ang="0">
+                  <a:pos x="connsiteX25" y="connsiteY25"/>
+                </a:cxn>
+                <a:cxn ang="0">
+                  <a:pos x="connsiteX26" y="connsiteY26"/>
+                </a:cxn>
+                <a:cxn ang="0">
+                  <a:pos x="connsiteX27" y="connsiteY27"/>
+                </a:cxn>
+                <a:cxn ang="0">
+                  <a:pos x="connsiteX28" y="connsiteY28"/>
+                </a:cxn>
+                <a:cxn ang="0">
+                  <a:pos x="connsiteX29" y="connsiteY29"/>
+                </a:cxn>
+                <a:cxn ang="0">
+                  <a:pos x="connsiteX30" y="connsiteY30"/>
+                </a:cxn>
+                <a:cxn ang="0">
+                  <a:pos x="connsiteX31" y="connsiteY31"/>
+                </a:cxn>
+              </a:cxnLst>
+              <a:rect l="l" t="t" r="r" b="b"/>
+              <a:pathLst>
+                <a:path w="2514948" h="2170178">
+                  <a:moveTo>
+                    <a:pt x="2466091" y="0"/>
+                  </a:moveTo>
+                  <a:lnTo>
+                    <a:pt x="2514948" y="0"/>
+                  </a:lnTo>
+                  <a:lnTo>
+                    <a:pt x="2512286" y="12375"/>
+                  </a:lnTo>
+                  <a:cubicBezTo>
+                    <a:pt x="2481760" y="133161"/>
+                    <a:pt x="2442526" y="252239"/>
+                    <a:pt x="2394961" y="368660"/>
+                  </a:cubicBezTo>
+                  <a:cubicBezTo>
+                    <a:pt x="2363109" y="446208"/>
+                    <a:pt x="2328603" y="523039"/>
+                    <a:pt x="2289734" y="598078"/>
+                  </a:cubicBezTo>
+                  <a:cubicBezTo>
+                    <a:pt x="2251436" y="673387"/>
+                    <a:pt x="2209251" y="747083"/>
+                    <a:pt x="2163747" y="819078"/>
+                  </a:cubicBezTo>
+                  <a:cubicBezTo>
+                    <a:pt x="2072646" y="962979"/>
+                    <a:pt x="1968652" y="1100611"/>
+                    <a:pt x="1852241" y="1228932"/>
+                  </a:cubicBezTo>
+                  <a:cubicBezTo>
+                    <a:pt x="1793748" y="1292868"/>
+                    <a:pt x="1732698" y="1354923"/>
+                    <a:pt x="1668235" y="1413844"/>
+                  </a:cubicBezTo>
+                  <a:cubicBezTo>
+                    <a:pt x="1652214" y="1428709"/>
+                    <a:pt x="1636100" y="1443395"/>
+                    <a:pt x="1619510" y="1457722"/>
+                  </a:cubicBezTo>
+                  <a:cubicBezTo>
+                    <a:pt x="1603015" y="1472140"/>
+                    <a:pt x="1586805" y="1486825"/>
+                    <a:pt x="1569835" y="1500704"/>
+                  </a:cubicBezTo>
+                  <a:cubicBezTo>
+                    <a:pt x="1536276" y="1528911"/>
+                    <a:pt x="1501865" y="1556223"/>
+                    <a:pt x="1467169" y="1583266"/>
+                  </a:cubicBezTo>
+                  <a:cubicBezTo>
+                    <a:pt x="1327719" y="1690722"/>
+                    <a:pt x="1177085" y="1785910"/>
+                    <a:pt x="1018393" y="1867576"/>
+                  </a:cubicBezTo>
+                  <a:cubicBezTo>
+                    <a:pt x="780425" y="1990142"/>
+                    <a:pt x="522567" y="2080875"/>
+                    <a:pt x="255857" y="2133049"/>
+                  </a:cubicBezTo>
+                  <a:lnTo>
+                    <a:pt x="0" y="2170178"/>
+                  </a:lnTo>
+                  <a:lnTo>
+                    <a:pt x="0" y="1940056"/>
+                  </a:lnTo>
+                  <a:lnTo>
+                    <a:pt x="201609" y="1902856"/>
+                  </a:lnTo>
+                  <a:cubicBezTo>
+                    <a:pt x="282186" y="1884231"/>
+                    <a:pt x="362102" y="1863008"/>
+                    <a:pt x="440974" y="1838472"/>
+                  </a:cubicBezTo>
+                  <a:cubicBezTo>
+                    <a:pt x="519848" y="1814027"/>
+                    <a:pt x="597771" y="1786627"/>
+                    <a:pt x="674558" y="1756359"/>
+                  </a:cubicBezTo>
+                  <a:cubicBezTo>
+                    <a:pt x="751250" y="1726003"/>
+                    <a:pt x="826900" y="1692870"/>
+                    <a:pt x="901222" y="1657142"/>
+                  </a:cubicBezTo>
+                  <a:cubicBezTo>
+                    <a:pt x="1049865" y="1585774"/>
+                    <a:pt x="1193581" y="1504376"/>
+                    <a:pt x="1330943" y="1413396"/>
+                  </a:cubicBezTo>
+                  <a:cubicBezTo>
+                    <a:pt x="1365165" y="1390563"/>
+                    <a:pt x="1399293" y="1367370"/>
+                    <a:pt x="1432566" y="1343193"/>
+                  </a:cubicBezTo>
+                  <a:cubicBezTo>
+                    <a:pt x="1449441" y="1331373"/>
+                    <a:pt x="1465936" y="1319104"/>
+                    <a:pt x="1482527" y="1306926"/>
+                  </a:cubicBezTo>
+                  <a:cubicBezTo>
+                    <a:pt x="1499210" y="1294837"/>
+                    <a:pt x="1515611" y="1282391"/>
+                    <a:pt x="1531821" y="1269765"/>
+                  </a:cubicBezTo>
+                  <a:cubicBezTo>
+                    <a:pt x="1596947" y="1219350"/>
+                    <a:pt x="1660652" y="1167055"/>
+                    <a:pt x="1721986" y="1112073"/>
+                  </a:cubicBezTo>
+                  <a:cubicBezTo>
+                    <a:pt x="1844940" y="1002469"/>
+                    <a:pt x="1958983" y="882926"/>
+                    <a:pt x="2061460" y="754336"/>
+                  </a:cubicBezTo>
+                  <a:cubicBezTo>
+                    <a:pt x="2112652" y="690042"/>
+                    <a:pt x="2161094" y="623510"/>
+                    <a:pt x="2206218" y="554827"/>
+                  </a:cubicBezTo>
+                  <a:cubicBezTo>
+                    <a:pt x="2250583" y="485787"/>
+                    <a:pt x="2292484" y="415046"/>
+                    <a:pt x="2329455" y="341886"/>
+                  </a:cubicBezTo>
+                  <a:cubicBezTo>
+                    <a:pt x="2339030" y="323709"/>
+                    <a:pt x="2347941" y="305261"/>
+                    <a:pt x="2356757" y="286815"/>
+                  </a:cubicBezTo>
+                  <a:lnTo>
+                    <a:pt x="2370030" y="259056"/>
+                  </a:lnTo>
+                  <a:lnTo>
+                    <a:pt x="2382637" y="231028"/>
+                  </a:lnTo>
+                  <a:cubicBezTo>
+                    <a:pt x="2390885" y="212312"/>
+                    <a:pt x="2399227" y="193598"/>
+                    <a:pt x="2406716" y="174525"/>
+                  </a:cubicBezTo>
+                  <a:cubicBezTo>
+                    <a:pt x="2414206" y="155452"/>
+                    <a:pt x="2422453" y="136646"/>
+                    <a:pt x="2429278" y="117393"/>
+                  </a:cubicBezTo>
+                  <a:close/>
+                </a:path>
+              </a:pathLst>
+            </a:custGeom>
+            <a:gradFill>
+              <a:gsLst>
+                <a:gs pos="2000">
+                  <a:schemeClr val="bg1">
+                    <a:alpha val="10000"/>
+                  </a:schemeClr>
+                </a:gs>
+                <a:gs pos="16000">
+                  <a:schemeClr val="accent6">
+                    <a:alpha val="10000"/>
+                  </a:schemeClr>
+                </a:gs>
+                <a:gs pos="100000">
+                  <a:schemeClr val="bg1">
+                    <a:alpha val="10000"/>
+                  </a:schemeClr>
+                </a:gs>
+                <a:gs pos="85000">
+                  <a:schemeClr val="accent1">
+                    <a:alpha val="10000"/>
+                  </a:schemeClr>
+                </a:gs>
+              </a:gsLst>
+              <a:lin ang="12000000" scaled="0"/>
+            </a:gradFill>
+            <a:ln>
+              <a:noFill/>
+            </a:ln>
+          </p:spPr>
+          <p:style>
+            <a:lnRef idx="2">
+              <a:schemeClr val="accent1">
+                <a:shade val="50000"/>
+              </a:schemeClr>
+            </a:lnRef>
+            <a:fillRef idx="1">
+              <a:schemeClr val="accent1"/>
+            </a:fillRef>
+            <a:effectRef idx="0">
+              <a:schemeClr val="accent1"/>
+            </a:effectRef>
+            <a:fontRef idx="minor">
+              <a:schemeClr val="lt1"/>
+            </a:fontRef>
+          </p:style>
+          <p:txBody>
+            <a:bodyPr rtlCol="0" anchor="ctr"/>
+            <a:lstStyle/>
+            <a:p>
+              <a:pPr algn="ctr"/>
+              <a:endParaRPr lang="en-US"/>
+            </a:p>
+          </p:txBody>
+        </p:sp>
+        <p:sp>
+          <p:nvSpPr>
+            <p:cNvPr id="22" name="Freeform: Shape 21">
+              <a:extLst>
+                <a:ext uri="{FF2B5EF4-FFF2-40B4-BE49-F238E27FC236}">
+                  <a16:creationId xmlns:a16="http://schemas.microsoft.com/office/drawing/2014/main" id="{AEF5A1C7-9938-4A33-A5A4-2B05353B311A}"/>
+                </a:ext>
+                <a:ext uri="{C183D7F6-B498-43B3-948B-1728B52AA6E4}">
+                  <adec:decorative xmlns:adec="http://schemas.microsoft.com/office/drawing/2017/decorative" val="1"/>
+                </a:ext>
+              </a:extLst>
+            </p:cNvPr>
+            <p:cNvSpPr/>
+            <p:nvPr>
+              <p:extLst>
+                <p:ext uri="{386F3935-93C4-4BCD-93E2-E3B085C9AB24}">
+                  <p16:designElem xmlns:p16="http://schemas.microsoft.com/office/powerpoint/2015/main" val="1"/>
+                </p:ext>
+              </p:extLst>
+            </p:nvPr>
+          </p:nvSpPr>
+          <p:spPr>
+            <a:xfrm>
+              <a:off x="-305" y="-4155"/>
+              <a:ext cx="2493062" cy="1947896"/>
+            </a:xfrm>
+            <a:custGeom>
+              <a:avLst/>
+              <a:gdLst>
+                <a:gd name="connsiteX0" fmla="*/ 1896911 w 2493062"/>
+                <a:gd name="connsiteY0" fmla="*/ 0 h 1947896"/>
+                <a:gd name="connsiteX1" fmla="*/ 2493062 w 2493062"/>
+                <a:gd name="connsiteY1" fmla="*/ 0 h 1947896"/>
+                <a:gd name="connsiteX2" fmla="*/ 2435315 w 2493062"/>
+                <a:gd name="connsiteY2" fmla="*/ 178165 h 1947896"/>
+                <a:gd name="connsiteX3" fmla="*/ 93066 w 2493062"/>
+                <a:gd name="connsiteY3" fmla="*/ 1935859 h 1947896"/>
+                <a:gd name="connsiteX4" fmla="*/ 0 w 2493062"/>
+                <a:gd name="connsiteY4" fmla="*/ 1947896 h 1947896"/>
+                <a:gd name="connsiteX5" fmla="*/ 0 w 2493062"/>
+                <a:gd name="connsiteY5" fmla="*/ 1404756 h 1947896"/>
+                <a:gd name="connsiteX6" fmla="*/ 17392 w 2493062"/>
+                <a:gd name="connsiteY6" fmla="*/ 1402364 h 1947896"/>
+                <a:gd name="connsiteX7" fmla="*/ 464249 w 2493062"/>
+                <a:gd name="connsiteY7" fmla="*/ 1281208 h 1947896"/>
+                <a:gd name="connsiteX8" fmla="*/ 1260556 w 2493062"/>
+                <a:gd name="connsiteY8" fmla="*/ 833835 h 1947896"/>
+                <a:gd name="connsiteX9" fmla="*/ 1807924 w 2493062"/>
+                <a:gd name="connsiteY9" fmla="*/ 193222 h 1947896"/>
+                <a:gd name="connsiteX10" fmla="*/ 1874357 w 2493062"/>
+                <a:gd name="connsiteY10" fmla="*/ 58333 h 1947896"/>
+              </a:gdLst>
+              <a:ahLst/>
+              <a:cxnLst>
+                <a:cxn ang="0">
+                  <a:pos x="connsiteX0" y="connsiteY0"/>
+                </a:cxn>
+                <a:cxn ang="0">
+                  <a:pos x="connsiteX1" y="connsiteY1"/>
+                </a:cxn>
+                <a:cxn ang="0">
+                  <a:pos x="connsiteX2" y="connsiteY2"/>
+                </a:cxn>
+                <a:cxn ang="0">
+                  <a:pos x="connsiteX3" y="connsiteY3"/>
+                </a:cxn>
+                <a:cxn ang="0">
+                  <a:pos x="connsiteX4" y="connsiteY4"/>
+                </a:cxn>
+                <a:cxn ang="0">
+                  <a:pos x="connsiteX5" y="connsiteY5"/>
+                </a:cxn>
+                <a:cxn ang="0">
+                  <a:pos x="connsiteX6" y="connsiteY6"/>
+                </a:cxn>
+                <a:cxn ang="0">
+                  <a:pos x="connsiteX7" y="connsiteY7"/>
+                </a:cxn>
+                <a:cxn ang="0">
+                  <a:pos x="connsiteX8" y="connsiteY8"/>
+                </a:cxn>
+                <a:cxn ang="0">
+                  <a:pos x="connsiteX9" y="connsiteY9"/>
+                </a:cxn>
+                <a:cxn ang="0">
+                  <a:pos x="connsiteX10" y="connsiteY10"/>
+                </a:cxn>
+              </a:cxnLst>
+              <a:rect l="l" t="t" r="r" b="b"/>
+              <a:pathLst>
+                <a:path w="2493062" h="1947896">
+                  <a:moveTo>
+                    <a:pt x="1896911" y="0"/>
+                  </a:moveTo>
+                  <a:lnTo>
+                    <a:pt x="2493062" y="0"/>
+                  </a:lnTo>
+                  <a:lnTo>
+                    <a:pt x="2435315" y="178165"/>
+                  </a:lnTo>
+                  <a:cubicBezTo>
+                    <a:pt x="2088122" y="1071812"/>
+                    <a:pt x="1129732" y="1758033"/>
+                    <a:pt x="93066" y="1935859"/>
+                  </a:cubicBezTo>
+                  <a:lnTo>
+                    <a:pt x="0" y="1947896"/>
+                  </a:lnTo>
+                  <a:lnTo>
+                    <a:pt x="0" y="1404756"/>
+                  </a:lnTo>
+                  <a:lnTo>
+                    <a:pt x="17392" y="1402364"/>
+                  </a:lnTo>
+                  <a:cubicBezTo>
+                    <a:pt x="167719" y="1375030"/>
+                    <a:pt x="318070" y="1334398"/>
+                    <a:pt x="464249" y="1281208"/>
+                  </a:cubicBezTo>
+                  <a:cubicBezTo>
+                    <a:pt x="753480" y="1176081"/>
+                    <a:pt x="1028869" y="1021346"/>
+                    <a:pt x="1260556" y="833835"/>
+                  </a:cubicBezTo>
+                  <a:cubicBezTo>
+                    <a:pt x="1491960" y="646594"/>
+                    <a:pt x="1681177" y="425056"/>
+                    <a:pt x="1807924" y="193222"/>
+                  </a:cubicBezTo>
+                  <a:cubicBezTo>
+                    <a:pt x="1832328" y="148578"/>
+                    <a:pt x="1854477" y="103599"/>
+                    <a:pt x="1874357" y="58333"/>
+                  </a:cubicBezTo>
+                  <a:close/>
+                </a:path>
+              </a:pathLst>
+            </a:custGeom>
+            <a:gradFill>
+              <a:gsLst>
+                <a:gs pos="2000">
+                  <a:schemeClr val="bg1">
+                    <a:alpha val="10000"/>
+                  </a:schemeClr>
+                </a:gs>
+                <a:gs pos="16000">
+                  <a:schemeClr val="accent6">
+                    <a:alpha val="10000"/>
+                  </a:schemeClr>
+                </a:gs>
+                <a:gs pos="100000">
+                  <a:schemeClr val="bg1">
+                    <a:alpha val="10000"/>
+                  </a:schemeClr>
+                </a:gs>
+                <a:gs pos="85000">
+                  <a:schemeClr val="accent1">
+                    <a:alpha val="10000"/>
+                  </a:schemeClr>
+                </a:gs>
+              </a:gsLst>
+              <a:lin ang="12000000" scaled="0"/>
+            </a:gradFill>
+            <a:ln>
+              <a:noFill/>
+            </a:ln>
+          </p:spPr>
+          <p:style>
+            <a:lnRef idx="2">
+              <a:schemeClr val="accent1">
+                <a:shade val="50000"/>
+              </a:schemeClr>
+            </a:lnRef>
+            <a:fillRef idx="1">
+              <a:schemeClr val="accent1"/>
+            </a:fillRef>
+            <a:effectRef idx="0">
+              <a:schemeClr val="accent1"/>
+            </a:effectRef>
+            <a:fontRef idx="minor">
+              <a:schemeClr val="lt1"/>
+            </a:fontRef>
+          </p:style>
+          <p:txBody>
+            <a:bodyPr rtlCol="0" anchor="ctr"/>
+            <a:lstStyle/>
+            <a:p>
+              <a:pPr algn="ctr"/>
+              <a:endParaRPr lang="en-US"/>
+            </a:p>
+          </p:txBody>
+        </p:sp>
+        <p:sp>
+          <p:nvSpPr>
+            <p:cNvPr id="23" name="Freeform: Shape 22">
+              <a:extLst>
+                <a:ext uri="{FF2B5EF4-FFF2-40B4-BE49-F238E27FC236}">
+                  <a16:creationId xmlns:a16="http://schemas.microsoft.com/office/drawing/2014/main" id="{262A936D-E9F6-4A68-82C2-1D1CC7772267}"/>
+                </a:ext>
+                <a:ext uri="{C183D7F6-B498-43B3-948B-1728B52AA6E4}">
+                  <adec:decorative xmlns:adec="http://schemas.microsoft.com/office/drawing/2017/decorative" val="1"/>
+                </a:ext>
+              </a:extLst>
+            </p:cNvPr>
+            <p:cNvSpPr/>
+            <p:nvPr>
+              <p:extLst>
+                <p:ext uri="{386F3935-93C4-4BCD-93E2-E3B085C9AB24}">
+                  <p16:designElem xmlns:p16="http://schemas.microsoft.com/office/powerpoint/2015/main" val="1"/>
+                </p:ext>
+              </p:extLst>
+            </p:nvPr>
+          </p:nvSpPr>
+          <p:spPr>
+            <a:xfrm>
+              <a:off x="-305" y="0"/>
+              <a:ext cx="2501089" cy="1972702"/>
+            </a:xfrm>
+            <a:custGeom>
+              <a:avLst/>
+              <a:gdLst>
+                <a:gd name="connsiteX0" fmla="*/ 2318728 w 2501089"/>
+                <a:gd name="connsiteY0" fmla="*/ 0 h 1972702"/>
+                <a:gd name="connsiteX1" fmla="*/ 2501089 w 2501089"/>
+                <a:gd name="connsiteY1" fmla="*/ 0 h 1972702"/>
+                <a:gd name="connsiteX2" fmla="*/ 2453909 w 2501089"/>
+                <a:gd name="connsiteY2" fmla="*/ 167837 h 1972702"/>
+                <a:gd name="connsiteX3" fmla="*/ 2361125 w 2501089"/>
+                <a:gd name="connsiteY3" fmla="*/ 392084 h 1972702"/>
+                <a:gd name="connsiteX4" fmla="*/ 1768255 w 2501089"/>
+                <a:gd name="connsiteY4" fmla="*/ 1167644 h 1972702"/>
+                <a:gd name="connsiteX5" fmla="*/ 1375125 w 2501089"/>
+                <a:gd name="connsiteY5" fmla="*/ 1471474 h 1972702"/>
+                <a:gd name="connsiteX6" fmla="*/ 935735 w 2501089"/>
+                <a:gd name="connsiteY6" fmla="*/ 1712713 h 1972702"/>
+                <a:gd name="connsiteX7" fmla="*/ 212353 w 2501089"/>
+                <a:gd name="connsiteY7" fmla="*/ 1940294 h 1972702"/>
+                <a:gd name="connsiteX8" fmla="*/ 0 w 2501089"/>
+                <a:gd name="connsiteY8" fmla="*/ 1972702 h 1972702"/>
+                <a:gd name="connsiteX9" fmla="*/ 0 w 2501089"/>
+                <a:gd name="connsiteY9" fmla="*/ 1732181 h 1972702"/>
+                <a:gd name="connsiteX10" fmla="*/ 161195 w 2501089"/>
+                <a:gd name="connsiteY10" fmla="*/ 1706590 h 1972702"/>
+                <a:gd name="connsiteX11" fmla="*/ 388463 w 2501089"/>
+                <a:gd name="connsiteY11" fmla="*/ 1652268 h 1972702"/>
+                <a:gd name="connsiteX12" fmla="*/ 826716 w 2501089"/>
+                <a:gd name="connsiteY12" fmla="*/ 1493950 h 1972702"/>
+                <a:gd name="connsiteX13" fmla="*/ 1609847 w 2501089"/>
+                <a:gd name="connsiteY13" fmla="*/ 1007535 h 1972702"/>
+                <a:gd name="connsiteX14" fmla="*/ 1929982 w 2501089"/>
+                <a:gd name="connsiteY14" fmla="*/ 682930 h 1972702"/>
+                <a:gd name="connsiteX15" fmla="*/ 2183093 w 2501089"/>
+                <a:gd name="connsiteY15" fmla="*/ 310149 h 1972702"/>
+                <a:gd name="connsiteX16" fmla="*/ 2280286 w 2501089"/>
+                <a:gd name="connsiteY16" fmla="*/ 108435 h 1972702"/>
+              </a:gdLst>
+              <a:ahLst/>
+              <a:cxnLst>
+                <a:cxn ang="0">
+                  <a:pos x="connsiteX0" y="connsiteY0"/>
+                </a:cxn>
+                <a:cxn ang="0">
+                  <a:pos x="connsiteX1" y="connsiteY1"/>
+                </a:cxn>
+                <a:cxn ang="0">
+                  <a:pos x="connsiteX2" y="connsiteY2"/>
+                </a:cxn>
+                <a:cxn ang="0">
+                  <a:pos x="connsiteX3" y="connsiteY3"/>
+                </a:cxn>
+                <a:cxn ang="0">
+                  <a:pos x="connsiteX4" y="connsiteY4"/>
+                </a:cxn>
+                <a:cxn ang="0">
+                  <a:pos x="connsiteX5" y="connsiteY5"/>
+                </a:cxn>
+                <a:cxn ang="0">
+                  <a:pos x="connsiteX6" y="connsiteY6"/>
+                </a:cxn>
+                <a:cxn ang="0">
+                  <a:pos x="connsiteX7" y="connsiteY7"/>
+                </a:cxn>
+                <a:cxn ang="0">
+                  <a:pos x="connsiteX8" y="connsiteY8"/>
+                </a:cxn>
+                <a:cxn ang="0">
+                  <a:pos x="connsiteX9" y="connsiteY9"/>
+                </a:cxn>
+                <a:cxn ang="0">
+                  <a:pos x="connsiteX10" y="connsiteY10"/>
+                </a:cxn>
+                <a:cxn ang="0">
+                  <a:pos x="connsiteX11" y="connsiteY11"/>
+                </a:cxn>
+                <a:cxn ang="0">
+                  <a:pos x="connsiteX12" y="connsiteY12"/>
+                </a:cxn>
+                <a:cxn ang="0">
+                  <a:pos x="connsiteX13" y="connsiteY13"/>
+                </a:cxn>
+                <a:cxn ang="0">
+                  <a:pos x="connsiteX14" y="connsiteY14"/>
+                </a:cxn>
+                <a:cxn ang="0">
+                  <a:pos x="connsiteX15" y="connsiteY15"/>
+                </a:cxn>
+                <a:cxn ang="0">
+                  <a:pos x="connsiteX16" y="connsiteY16"/>
+                </a:cxn>
+              </a:cxnLst>
+              <a:rect l="l" t="t" r="r" b="b"/>
+              <a:pathLst>
+                <a:path w="2501089" h="1972702">
+                  <a:moveTo>
+                    <a:pt x="2318728" y="0"/>
+                  </a:moveTo>
+                  <a:lnTo>
+                    <a:pt x="2501089" y="0"/>
+                  </a:lnTo>
+                  <a:lnTo>
+                    <a:pt x="2453909" y="167837"/>
+                  </a:lnTo>
+                  <a:cubicBezTo>
+                    <a:pt x="2427555" y="244153"/>
+                    <a:pt x="2396627" y="319103"/>
+                    <a:pt x="2361125" y="392084"/>
+                  </a:cubicBezTo>
+                  <a:cubicBezTo>
+                    <a:pt x="2218453" y="684005"/>
+                    <a:pt x="2011698" y="945211"/>
+                    <a:pt x="1768255" y="1167644"/>
+                  </a:cubicBezTo>
+                  <a:cubicBezTo>
+                    <a:pt x="1646250" y="1278860"/>
+                    <a:pt x="1514385" y="1380316"/>
+                    <a:pt x="1375125" y="1471474"/>
+                  </a:cubicBezTo>
+                  <a:cubicBezTo>
+                    <a:pt x="1235677" y="1562542"/>
+                    <a:pt x="1088928" y="1643672"/>
+                    <a:pt x="935735" y="1712713"/>
+                  </a:cubicBezTo>
+                  <a:cubicBezTo>
+                    <a:pt x="705659" y="1815533"/>
+                    <a:pt x="462359" y="1892212"/>
+                    <a:pt x="212353" y="1940294"/>
+                  </a:cubicBezTo>
+                  <a:lnTo>
+                    <a:pt x="0" y="1972702"/>
+                  </a:lnTo>
+                  <a:lnTo>
+                    <a:pt x="0" y="1732181"/>
+                  </a:lnTo>
+                  <a:lnTo>
+                    <a:pt x="161195" y="1706590"/>
+                  </a:lnTo>
+                  <a:cubicBezTo>
+                    <a:pt x="237638" y="1691378"/>
+                    <a:pt x="313477" y="1673222"/>
+                    <a:pt x="388463" y="1652268"/>
+                  </a:cubicBezTo>
+                  <a:cubicBezTo>
+                    <a:pt x="538529" y="1610539"/>
+                    <a:pt x="684898" y="1556543"/>
+                    <a:pt x="826716" y="1493950"/>
+                  </a:cubicBezTo>
+                  <a:cubicBezTo>
+                    <a:pt x="1111207" y="1370107"/>
+                    <a:pt x="1376832" y="1205881"/>
+                    <a:pt x="1609847" y="1007535"/>
+                  </a:cubicBezTo>
+                  <a:cubicBezTo>
+                    <a:pt x="1725975" y="908049"/>
+                    <a:pt x="1833571" y="799519"/>
+                    <a:pt x="1929982" y="682930"/>
+                  </a:cubicBezTo>
+                  <a:cubicBezTo>
+                    <a:pt x="2026581" y="566520"/>
+                    <a:pt x="2111806" y="441692"/>
+                    <a:pt x="2183093" y="310149"/>
+                  </a:cubicBezTo>
+                  <a:cubicBezTo>
+                    <a:pt x="2218738" y="244422"/>
+                    <a:pt x="2251396" y="177150"/>
+                    <a:pt x="2280286" y="108435"/>
+                  </a:cubicBezTo>
+                  <a:close/>
+                </a:path>
+              </a:pathLst>
+            </a:custGeom>
+            <a:gradFill>
+              <a:gsLst>
+                <a:gs pos="2000">
+                  <a:schemeClr val="bg1">
+                    <a:alpha val="10000"/>
+                  </a:schemeClr>
+                </a:gs>
+                <a:gs pos="16000">
+                  <a:schemeClr val="accent6">
+                    <a:alpha val="10000"/>
+                  </a:schemeClr>
+                </a:gs>
+                <a:gs pos="100000">
+                  <a:schemeClr val="bg1">
+                    <a:alpha val="10000"/>
+                  </a:schemeClr>
+                </a:gs>
+                <a:gs pos="85000">
+                  <a:schemeClr val="accent1">
+                    <a:alpha val="10000"/>
+                  </a:schemeClr>
+                </a:gs>
+              </a:gsLst>
+              <a:lin ang="12000000" scaled="0"/>
+            </a:gradFill>
+            <a:ln>
+              <a:noFill/>
+            </a:ln>
+          </p:spPr>
+          <p:style>
+            <a:lnRef idx="2">
+              <a:schemeClr val="accent1">
+                <a:shade val="50000"/>
+              </a:schemeClr>
+            </a:lnRef>
+            <a:fillRef idx="1">
+              <a:schemeClr val="accent1"/>
+            </a:fillRef>
+            <a:effectRef idx="0">
+              <a:schemeClr val="accent1"/>
+            </a:effectRef>
+            <a:fontRef idx="minor">
+              <a:schemeClr val="lt1"/>
+            </a:fontRef>
+          </p:style>
+          <p:txBody>
+            <a:bodyPr wrap="square" rtlCol="0" anchor="ctr">
+              <a:noAutofit/>
+            </a:bodyPr>
+            <a:lstStyle/>
+            <a:p>
+              <a:pPr algn="ctr"/>
+              <a:endParaRPr lang="en-US" sz="800"/>
+            </a:p>
+          </p:txBody>
+        </p:sp>
+        <p:sp>
+          <p:nvSpPr>
+            <p:cNvPr id="24" name="Freeform: Shape 23">
+              <a:extLst>
+                <a:ext uri="{FF2B5EF4-FFF2-40B4-BE49-F238E27FC236}">
+                  <a16:creationId xmlns:a16="http://schemas.microsoft.com/office/drawing/2014/main" id="{C68A9229-BBBE-4934-9700-BA72A1BB03A1}"/>
+                </a:ext>
+                <a:ext uri="{C183D7F6-B498-43B3-948B-1728B52AA6E4}">
+                  <adec:decorative xmlns:adec="http://schemas.microsoft.com/office/drawing/2017/decorative" val="1"/>
+                </a:ext>
+              </a:extLst>
+            </p:cNvPr>
+            <p:cNvSpPr/>
+            <p:nvPr>
+              <p:extLst>
+                <p:ext uri="{386F3935-93C4-4BCD-93E2-E3B085C9AB24}">
+                  <p16:designElem xmlns:p16="http://schemas.microsoft.com/office/powerpoint/2015/main" val="1"/>
+                </p:ext>
+              </p:extLst>
+            </p:nvPr>
+          </p:nvSpPr>
+          <p:spPr>
+            <a:xfrm>
+              <a:off x="305" y="1"/>
+              <a:ext cx="2491105" cy="1943661"/>
+            </a:xfrm>
+            <a:custGeom>
+              <a:avLst/>
+              <a:gdLst>
+                <a:gd name="connsiteX0" fmla="*/ 1995408 w 2491105"/>
+                <a:gd name="connsiteY0" fmla="*/ 0 h 1943661"/>
+                <a:gd name="connsiteX1" fmla="*/ 2491105 w 2491105"/>
+                <a:gd name="connsiteY1" fmla="*/ 0 h 1943661"/>
+                <a:gd name="connsiteX2" fmla="*/ 2434705 w 2491105"/>
+                <a:gd name="connsiteY2" fmla="*/ 174009 h 1943661"/>
+                <a:gd name="connsiteX3" fmla="*/ 92457 w 2491105"/>
+                <a:gd name="connsiteY3" fmla="*/ 1931703 h 1943661"/>
+                <a:gd name="connsiteX4" fmla="*/ 0 w 2491105"/>
+                <a:gd name="connsiteY4" fmla="*/ 1943661 h 1943661"/>
+                <a:gd name="connsiteX5" fmla="*/ 0 w 2491105"/>
+                <a:gd name="connsiteY5" fmla="*/ 1491489 h 1943661"/>
+                <a:gd name="connsiteX6" fmla="*/ 34107 w 2491105"/>
+                <a:gd name="connsiteY6" fmla="*/ 1486836 h 1943661"/>
+                <a:gd name="connsiteX7" fmla="*/ 497577 w 2491105"/>
+                <a:gd name="connsiteY7" fmla="*/ 1360598 h 1943661"/>
+                <a:gd name="connsiteX8" fmla="*/ 1321566 w 2491105"/>
+                <a:gd name="connsiteY8" fmla="*/ 897645 h 1943661"/>
+                <a:gd name="connsiteX9" fmla="*/ 1891495 w 2491105"/>
+                <a:gd name="connsiteY9" fmla="*/ 230078 h 1943661"/>
+                <a:gd name="connsiteX10" fmla="*/ 1961469 w 2491105"/>
+                <a:gd name="connsiteY10" fmla="*/ 87885 h 1943661"/>
+              </a:gdLst>
+              <a:ahLst/>
+              <a:cxnLst>
+                <a:cxn ang="0">
+                  <a:pos x="connsiteX0" y="connsiteY0"/>
+                </a:cxn>
+                <a:cxn ang="0">
+                  <a:pos x="connsiteX1" y="connsiteY1"/>
+                </a:cxn>
+                <a:cxn ang="0">
+                  <a:pos x="connsiteX2" y="connsiteY2"/>
+                </a:cxn>
+                <a:cxn ang="0">
+                  <a:pos x="connsiteX3" y="connsiteY3"/>
+                </a:cxn>
+                <a:cxn ang="0">
+                  <a:pos x="connsiteX4" y="connsiteY4"/>
+                </a:cxn>
+                <a:cxn ang="0">
+                  <a:pos x="connsiteX5" y="connsiteY5"/>
+                </a:cxn>
+                <a:cxn ang="0">
+                  <a:pos x="connsiteX6" y="connsiteY6"/>
+                </a:cxn>
+                <a:cxn ang="0">
+                  <a:pos x="connsiteX7" y="connsiteY7"/>
+                </a:cxn>
+                <a:cxn ang="0">
+                  <a:pos x="connsiteX8" y="connsiteY8"/>
+                </a:cxn>
+                <a:cxn ang="0">
+                  <a:pos x="connsiteX9" y="connsiteY9"/>
+                </a:cxn>
+                <a:cxn ang="0">
+                  <a:pos x="connsiteX10" y="connsiteY10"/>
+                </a:cxn>
+              </a:cxnLst>
+              <a:rect l="l" t="t" r="r" b="b"/>
+              <a:pathLst>
+                <a:path w="2491105" h="1943661">
+                  <a:moveTo>
+                    <a:pt x="1995408" y="0"/>
+                  </a:moveTo>
+                  <a:lnTo>
+                    <a:pt x="2491105" y="0"/>
+                  </a:lnTo>
+                  <a:lnTo>
+                    <a:pt x="2434705" y="174009"/>
+                  </a:lnTo>
+                  <a:cubicBezTo>
+                    <a:pt x="2087512" y="1067655"/>
+                    <a:pt x="1129122" y="1753877"/>
+                    <a:pt x="92457" y="1931703"/>
+                  </a:cubicBezTo>
+                  <a:lnTo>
+                    <a:pt x="0" y="1943661"/>
+                  </a:lnTo>
+                  <a:lnTo>
+                    <a:pt x="0" y="1491489"/>
+                  </a:lnTo>
+                  <a:lnTo>
+                    <a:pt x="34107" y="1486836"/>
+                  </a:lnTo>
+                  <a:cubicBezTo>
+                    <a:pt x="189055" y="1458696"/>
+                    <a:pt x="343908" y="1416565"/>
+                    <a:pt x="497577" y="1360598"/>
+                  </a:cubicBezTo>
+                  <a:cubicBezTo>
+                    <a:pt x="796856" y="1251889"/>
+                    <a:pt x="1081725" y="1091781"/>
+                    <a:pt x="1321566" y="897645"/>
+                  </a:cubicBezTo>
+                  <a:cubicBezTo>
+                    <a:pt x="1565577" y="700195"/>
+                    <a:pt x="1757355" y="475523"/>
+                    <a:pt x="1891495" y="230078"/>
+                  </a:cubicBezTo>
+                  <a:cubicBezTo>
+                    <a:pt x="1917197" y="183033"/>
+                    <a:pt x="1940526" y="135619"/>
+                    <a:pt x="1961469" y="87885"/>
+                  </a:cubicBezTo>
+                  <a:close/>
+                </a:path>
+              </a:pathLst>
+            </a:custGeom>
+            <a:gradFill>
+              <a:gsLst>
+                <a:gs pos="2000">
+                  <a:schemeClr val="bg1">
+                    <a:alpha val="10000"/>
+                  </a:schemeClr>
+                </a:gs>
+                <a:gs pos="16000">
+                  <a:schemeClr val="accent6">
+                    <a:alpha val="10000"/>
+                  </a:schemeClr>
+                </a:gs>
+                <a:gs pos="100000">
+                  <a:schemeClr val="bg1">
+                    <a:alpha val="10000"/>
+                  </a:schemeClr>
+                </a:gs>
+                <a:gs pos="85000">
+                  <a:schemeClr val="accent1">
+                    <a:alpha val="10000"/>
+                  </a:schemeClr>
+                </a:gs>
+              </a:gsLst>
+              <a:lin ang="12000000" scaled="0"/>
+            </a:gradFill>
+            <a:ln>
+              <a:noFill/>
+            </a:ln>
+          </p:spPr>
+          <p:style>
+            <a:lnRef idx="2">
+              <a:schemeClr val="accent1">
+                <a:shade val="50000"/>
+              </a:schemeClr>
+            </a:lnRef>
+            <a:fillRef idx="1">
+              <a:schemeClr val="accent1"/>
+            </a:fillRef>
+            <a:effectRef idx="0">
+              <a:schemeClr val="accent1"/>
+            </a:effectRef>
+            <a:fontRef idx="minor">
+              <a:schemeClr val="lt1"/>
+            </a:fontRef>
+          </p:style>
+          <p:txBody>
+            <a:bodyPr rtlCol="0" anchor="ctr"/>
+            <a:lstStyle/>
+            <a:p>
+              <a:pPr algn="ctr"/>
+              <a:endParaRPr lang="en-US" dirty="0"/>
+            </a:p>
+          </p:txBody>
+        </p:sp>
+      </p:grpSp>
+      <p:pic>
+        <p:nvPicPr>
+          <p:cNvPr id="5" name="Picture 4" descr="A picture containing text, font, screenshot, design&#10;&#10;Description automatically generated">
+            <a:extLst>
+              <a:ext uri="{FF2B5EF4-FFF2-40B4-BE49-F238E27FC236}">
+                <a16:creationId xmlns:a16="http://schemas.microsoft.com/office/drawing/2014/main" id="{2E030279-3390-5B13-50EC-8B6E7993404C}"/>
+              </a:ext>
+            </a:extLst>
+          </p:cNvPr>
+          <p:cNvPicPr>
+            <a:picLocks noChangeAspect="1"/>
+          </p:cNvPicPr>
+          <p:nvPr/>
+        </p:nvPicPr>
+        <p:blipFill>
+          <a:blip r:embed="rId2"/>
+          <a:stretch>
+            <a:fillRect/>
+          </a:stretch>
+        </p:blipFill>
+        <p:spPr>
+          <a:xfrm>
+            <a:off x="6429378" y="3498153"/>
+            <a:ext cx="4954693" cy="1896451"/>
+          </a:xfrm>
+          <a:prstGeom prst="rect">
+            <a:avLst/>
+          </a:prstGeom>
+        </p:spPr>
+      </p:pic>
+    </p:spTree>
+    <p:extLst>
+      <p:ext uri="{BB962C8B-B14F-4D97-AF65-F5344CB8AC3E}">
+        <p14:creationId xmlns:p14="http://schemas.microsoft.com/office/powerpoint/2010/main" val="2161614160"/>
+      </p:ext>
+    </p:extLst>
+  </p:cSld>
+  <p:clrMapOvr>
+    <a:masterClrMapping/>
+  </p:clrMapOvr>
+</p:sld>
+</file>
+
+<file path=ppt/slides/slide42.xml><?xml version="1.0" encoding="utf-8"?>
+<p:sld xmlns:a="http://schemas.openxmlformats.org/drawingml/2006/main" xmlns:r="http://schemas.openxmlformats.org/officeDocument/2006/relationships" xmlns:p="http://schemas.openxmlformats.org/presentationml/2006/main">
+  <p:cSld>
+    <p:spTree>
+      <p:nvGrpSpPr>
+        <p:cNvPr id="1" name=""/>
+        <p:cNvGrpSpPr/>
+        <p:nvPr/>
+      </p:nvGrpSpPr>
+      <p:grpSpPr>
+        <a:xfrm>
+          <a:off x="0" y="0"/>
+          <a:ext cx="0" cy="0"/>
+          <a:chOff x="0" y="0"/>
+          <a:chExt cx="0" cy="0"/>
+        </a:xfrm>
+      </p:grpSpPr>
+      <p:sp>
+        <p:nvSpPr>
+          <p:cNvPr id="2" name="Title 1">
+            <a:extLst>
+              <a:ext uri="{FF2B5EF4-FFF2-40B4-BE49-F238E27FC236}">
+                <a16:creationId xmlns:a16="http://schemas.microsoft.com/office/drawing/2014/main" id="{B7A5C517-CD7A-82AC-2AB9-FF0F07AD4F1F}"/>
+              </a:ext>
+            </a:extLst>
+          </p:cNvPr>
+          <p:cNvSpPr>
+            <a:spLocks noGrp="1"/>
+          </p:cNvSpPr>
+          <p:nvPr>
+            <p:ph type="title"/>
+          </p:nvPr>
+        </p:nvSpPr>
+        <p:spPr/>
+        <p:txBody>
+          <a:bodyPr/>
+          <a:lstStyle/>
+          <a:p>
+            <a:r>
+              <a:rPr lang="en-US" dirty="0"/>
+              <a:t>D</a:t>
+            </a:r>
+            <a:r>
+              <a:rPr lang="en-IL" dirty="0"/>
+              <a:t>elete </a:t>
+            </a:r>
+          </a:p>
+        </p:txBody>
+      </p:sp>
+      <p:sp>
+        <p:nvSpPr>
+          <p:cNvPr id="3" name="Content Placeholder 2">
+            <a:extLst>
+              <a:ext uri="{FF2B5EF4-FFF2-40B4-BE49-F238E27FC236}">
+                <a16:creationId xmlns:a16="http://schemas.microsoft.com/office/drawing/2014/main" id="{9DC2FDC0-2057-19BE-EE0E-EF59F0BF5F94}"/>
+              </a:ext>
+            </a:extLst>
+          </p:cNvPr>
+          <p:cNvSpPr>
+            <a:spLocks noGrp="1"/>
+          </p:cNvSpPr>
+          <p:nvPr>
+            <p:ph idx="1"/>
+          </p:nvPr>
+        </p:nvSpPr>
+        <p:spPr/>
+        <p:txBody>
+          <a:bodyPr>
+            <a:normAutofit fontScale="62500" lnSpcReduction="20000"/>
+          </a:bodyPr>
+          <a:lstStyle/>
+          <a:p>
+            <a:pPr algn="l"/>
+            <a:r>
+              <a:rPr lang="en-US" b="0" i="0" dirty="0">
+                <a:solidFill>
+                  <a:srgbClr val="374151"/>
+                </a:solidFill>
+                <a:effectLst/>
+                <a:latin typeface="Söhne"/>
+              </a:rPr>
+              <a:t>A DELETE request is a type of HTTP request method used to delete a specified resource on the server. It is commonly used to remove data or resources from a server or database.</a:t>
+            </a:r>
+          </a:p>
+          <a:p>
+            <a:pPr algn="l"/>
+            <a:r>
+              <a:rPr lang="en-US" b="0" i="0" dirty="0">
+                <a:solidFill>
+                  <a:srgbClr val="374151"/>
+                </a:solidFill>
+                <a:effectLst/>
+                <a:latin typeface="Söhne"/>
+              </a:rPr>
+              <a:t>Here are some key characteristics of DELETE requests:</a:t>
+            </a:r>
+          </a:p>
+          <a:p>
+            <a:pPr algn="l">
+              <a:buFont typeface="+mj-lt"/>
+              <a:buAutoNum type="arabicPeriod"/>
+            </a:pPr>
+            <a:r>
+              <a:rPr lang="en-US" b="0" i="0" dirty="0">
+                <a:solidFill>
+                  <a:srgbClr val="374151"/>
+                </a:solidFill>
+                <a:effectLst/>
+                <a:latin typeface="Söhne"/>
+              </a:rPr>
+              <a:t>Resource Deletion: The primary purpose of a DELETE request is to delete a specific resource identified by a URL or URI. When the server receives a DELETE request, it performs the appropriate action to remove the resource from its storage.</a:t>
+            </a:r>
+          </a:p>
+          <a:p>
+            <a:pPr algn="l">
+              <a:buFont typeface="+mj-lt"/>
+              <a:buAutoNum type="arabicPeriod"/>
+            </a:pPr>
+            <a:r>
+              <a:rPr lang="en-US" b="0" i="0" dirty="0">
+                <a:solidFill>
+                  <a:srgbClr val="374151"/>
+                </a:solidFill>
+                <a:effectLst/>
+                <a:latin typeface="Söhne"/>
+              </a:rPr>
+              <a:t>Idempotence: DELETE requests are considered idempotent, which means that multiple identical DELETE requests have the same effect as a single request. If a resource is deleted successfully, subsequent DELETE requests for the same resource will have no effect.</a:t>
+            </a:r>
+          </a:p>
+          <a:p>
+            <a:pPr algn="l">
+              <a:buFont typeface="+mj-lt"/>
+              <a:buAutoNum type="arabicPeriod"/>
+            </a:pPr>
+            <a:r>
+              <a:rPr lang="en-US" b="0" i="0" dirty="0">
+                <a:solidFill>
+                  <a:srgbClr val="374151"/>
+                </a:solidFill>
+                <a:effectLst/>
+                <a:latin typeface="Söhne"/>
+              </a:rPr>
+              <a:t>No Request Body: Unlike PUT or POST requests, DELETE requests typically do not include a request payload or body. The URL or URI itself is used to identify the resource to be deleted.</a:t>
+            </a:r>
+          </a:p>
+          <a:p>
+            <a:pPr algn="l">
+              <a:buFont typeface="+mj-lt"/>
+              <a:buAutoNum type="arabicPeriod"/>
+            </a:pPr>
+            <a:r>
+              <a:rPr lang="en-US" b="0" i="0" dirty="0">
+                <a:solidFill>
+                  <a:srgbClr val="374151"/>
+                </a:solidFill>
+                <a:effectLst/>
+                <a:latin typeface="Söhne"/>
+              </a:rPr>
+              <a:t>Confirmation: After a successful DELETE operation, the server usually responds with a status code indicating the success of the deletion. However, the response may not contain the actual deleted resource. Some APIs may include additional information in the response payload to confirm the deletion.</a:t>
+            </a:r>
+          </a:p>
+          <a:p>
+            <a:br>
+              <a:rPr lang="en-US" dirty="0"/>
+            </a:br>
+            <a:endParaRPr lang="en-IL" dirty="0"/>
+          </a:p>
+        </p:txBody>
+      </p:sp>
+    </p:spTree>
+    <p:extLst>
+      <p:ext uri="{BB962C8B-B14F-4D97-AF65-F5344CB8AC3E}">
+        <p14:creationId xmlns:p14="http://schemas.microsoft.com/office/powerpoint/2010/main" val="3267096713"/>
+      </p:ext>
+    </p:extLst>
+  </p:cSld>
+  <p:clrMapOvr>
+    <a:masterClrMapping/>
+  </p:clrMapOvr>
+</p:sld>
+</file>
+
+<file path=ppt/slides/slide43.xml><?xml version="1.0" encoding="utf-8"?>
+<p:sld xmlns:a="http://schemas.openxmlformats.org/drawingml/2006/main" xmlns:r="http://schemas.openxmlformats.org/officeDocument/2006/relationships" xmlns:p="http://schemas.openxmlformats.org/presentationml/2006/main">
+  <p:cSld>
+    <p:bg>
+      <p:bgPr>
+        <a:solidFill>
+          <a:schemeClr val="bg1"/>
+        </a:solidFill>
+        <a:effectLst/>
+      </p:bgPr>
+    </p:bg>
+    <p:spTree>
+      <p:nvGrpSpPr>
+        <p:cNvPr id="1" name=""/>
+        <p:cNvGrpSpPr/>
+        <p:nvPr/>
+      </p:nvGrpSpPr>
+      <p:grpSpPr>
+        <a:xfrm>
+          <a:off x="0" y="0"/>
+          <a:ext cx="0" cy="0"/>
+          <a:chOff x="0" y="0"/>
+          <a:chExt cx="0" cy="0"/>
+        </a:xfrm>
+      </p:grpSpPr>
+      <p:sp useBgFill="1">
+        <p:nvSpPr>
+          <p:cNvPr id="10" name="Rectangle 9">
+            <a:extLst>
+              <a:ext uri="{FF2B5EF4-FFF2-40B4-BE49-F238E27FC236}">
+                <a16:creationId xmlns:a16="http://schemas.microsoft.com/office/drawing/2014/main" id="{9D25F302-27C5-414F-97F8-6EA0A6C028BA}"/>
+              </a:ext>
+              <a:ext uri="{C183D7F6-B498-43B3-948B-1728B52AA6E4}">
+                <adec:decorative xmlns:adec="http://schemas.microsoft.com/office/drawing/2017/decorative" val="1"/>
+              </a:ext>
+            </a:extLst>
+          </p:cNvPr>
+          <p:cNvSpPr>
+            <a:spLocks noGrp="1" noRot="1" noChangeAspect="1" noMove="1" noResize="1" noEditPoints="1" noAdjustHandles="1" noChangeArrowheads="1" noChangeShapeType="1" noTextEdit="1"/>
+          </p:cNvSpPr>
+          <p:nvPr>
+            <p:extLst>
+              <p:ext uri="{386F3935-93C4-4BCD-93E2-E3B085C9AB24}">
+                <p16:designElem xmlns:p16="http://schemas.microsoft.com/office/powerpoint/2015/main" val="1"/>
+              </p:ext>
+            </p:extLst>
+          </p:nvPr>
+        </p:nvSpPr>
+        <p:spPr>
+          <a:xfrm>
+            <a:off x="0" y="0"/>
+            <a:ext cx="12192000" cy="6858000"/>
+          </a:xfrm>
+          <a:prstGeom prst="rect">
+            <a:avLst/>
+          </a:prstGeom>
+          <a:ln>
+            <a:noFill/>
+          </a:ln>
+        </p:spPr>
+        <p:style>
+          <a:lnRef idx="2">
+            <a:schemeClr val="accent1">
+              <a:shade val="50000"/>
+            </a:schemeClr>
+          </a:lnRef>
+          <a:fillRef idx="1">
+            <a:schemeClr val="accent1"/>
+          </a:fillRef>
+          <a:effectRef idx="0">
+            <a:schemeClr val="accent1"/>
+          </a:effectRef>
+          <a:fontRef idx="minor">
+            <a:schemeClr val="lt1"/>
+          </a:fontRef>
+        </p:style>
+        <p:txBody>
+          <a:bodyPr rtlCol="0" anchor="ctr"/>
+          <a:lstStyle/>
+          <a:p>
+            <a:pPr algn="ctr"/>
+            <a:endParaRPr lang="en-US"/>
+          </a:p>
+        </p:txBody>
+      </p:sp>
+      <p:sp>
+        <p:nvSpPr>
+          <p:cNvPr id="12" name="Right Triangle 11">
+            <a:extLst>
+              <a:ext uri="{FF2B5EF4-FFF2-40B4-BE49-F238E27FC236}">
+                <a16:creationId xmlns:a16="http://schemas.microsoft.com/office/drawing/2014/main" id="{830A36F8-48C2-4842-A87B-8CE8DF4E7FD2}"/>
+              </a:ext>
+              <a:ext uri="{C183D7F6-B498-43B3-948B-1728B52AA6E4}">
+                <adec:decorative xmlns:adec="http://schemas.microsoft.com/office/drawing/2017/decorative" val="1"/>
+              </a:ext>
+            </a:extLst>
+          </p:cNvPr>
+          <p:cNvSpPr>
+            <a:spLocks noGrp="1" noRot="1" noChangeAspect="1" noMove="1" noResize="1" noEditPoints="1" noAdjustHandles="1" noChangeArrowheads="1" noChangeShapeType="1" noTextEdit="1"/>
+          </p:cNvSpPr>
+          <p:nvPr>
+            <p:extLst>
+              <p:ext uri="{386F3935-93C4-4BCD-93E2-E3B085C9AB24}">
+                <p16:designElem xmlns:p16="http://schemas.microsoft.com/office/powerpoint/2015/main" val="1"/>
+              </p:ext>
+            </p:extLst>
+          </p:nvPr>
+        </p:nvSpPr>
+        <p:spPr>
+          <a:xfrm flipH="1">
+            <a:off x="8576720" y="3335867"/>
+            <a:ext cx="3291840" cy="3200400"/>
+          </a:xfrm>
+          <a:prstGeom prst="rtTriangle">
+            <a:avLst/>
+          </a:prstGeom>
+          <a:solidFill>
+            <a:schemeClr val="accent4"/>
+          </a:solidFill>
+          <a:ln>
+            <a:noFill/>
+          </a:ln>
+        </p:spPr>
+        <p:style>
+          <a:lnRef idx="2">
+            <a:schemeClr val="accent1">
+              <a:shade val="50000"/>
+            </a:schemeClr>
+          </a:lnRef>
+          <a:fillRef idx="1">
+            <a:schemeClr val="accent1"/>
+          </a:fillRef>
+          <a:effectRef idx="0">
+            <a:schemeClr val="accent1"/>
+          </a:effectRef>
+          <a:fontRef idx="minor">
+            <a:schemeClr val="lt1"/>
+          </a:fontRef>
+        </p:style>
+        <p:txBody>
+          <a:bodyPr rtlCol="0" anchor="ctr"/>
+          <a:lstStyle/>
+          <a:p>
+            <a:pPr algn="ctr"/>
+            <a:endParaRPr lang="en-US" dirty="0"/>
+          </a:p>
+        </p:txBody>
+      </p:sp>
+      <p:sp>
+        <p:nvSpPr>
+          <p:cNvPr id="14" name="Rectangle 13">
+            <a:extLst>
+              <a:ext uri="{FF2B5EF4-FFF2-40B4-BE49-F238E27FC236}">
+                <a16:creationId xmlns:a16="http://schemas.microsoft.com/office/drawing/2014/main" id="{8F451A30-466B-4996-9BA5-CD6ABCC6D558}"/>
+              </a:ext>
+              <a:ext uri="{C183D7F6-B498-43B3-948B-1728B52AA6E4}">
+                <adec:decorative xmlns:adec="http://schemas.microsoft.com/office/drawing/2017/decorative" val="1"/>
+              </a:ext>
+            </a:extLst>
+          </p:cNvPr>
+          <p:cNvSpPr>
+            <a:spLocks noGrp="1" noRot="1" noChangeAspect="1" noMove="1" noResize="1" noEditPoints="1" noAdjustHandles="1" noChangeArrowheads="1" noChangeShapeType="1" noTextEdit="1"/>
+          </p:cNvSpPr>
+          <p:nvPr>
+            <p:extLst>
+              <p:ext uri="{386F3935-93C4-4BCD-93E2-E3B085C9AB24}">
+                <p16:designElem xmlns:p16="http://schemas.microsoft.com/office/powerpoint/2015/main" val="1"/>
+              </p:ext>
+            </p:extLst>
+          </p:nvPr>
+        </p:nvSpPr>
+        <p:spPr>
+          <a:xfrm>
+            <a:off x="641774" y="623275"/>
+            <a:ext cx="10905053" cy="5607882"/>
+          </a:xfrm>
+          <a:prstGeom prst="rect">
+            <a:avLst/>
+          </a:prstGeom>
+          <a:noFill/>
+          <a:ln w="19050">
+            <a:solidFill>
+              <a:schemeClr val="tx1">
+                <a:lumMod val="75000"/>
+                <a:lumOff val="25000"/>
+              </a:schemeClr>
+            </a:solidFill>
+          </a:ln>
+        </p:spPr>
+        <p:style>
+          <a:lnRef idx="2">
+            <a:schemeClr val="accent1">
+              <a:shade val="50000"/>
+            </a:schemeClr>
+          </a:lnRef>
+          <a:fillRef idx="1">
+            <a:schemeClr val="accent1"/>
+          </a:fillRef>
+          <a:effectRef idx="0">
+            <a:schemeClr val="accent1"/>
+          </a:effectRef>
+          <a:fontRef idx="minor">
+            <a:schemeClr val="lt1"/>
+          </a:fontRef>
+        </p:style>
+        <p:txBody>
+          <a:bodyPr rtlCol="0" anchor="ctr"/>
+          <a:lstStyle/>
+          <a:p>
+            <a:pPr algn="ctr"/>
+            <a:endParaRPr lang="en-US"/>
+          </a:p>
+        </p:txBody>
+      </p:sp>
+      <p:sp>
+        <p:nvSpPr>
+          <p:cNvPr id="2" name="Title 1">
+            <a:extLst>
+              <a:ext uri="{FF2B5EF4-FFF2-40B4-BE49-F238E27FC236}">
+                <a16:creationId xmlns:a16="http://schemas.microsoft.com/office/drawing/2014/main" id="{B7A5C517-CD7A-82AC-2AB9-FF0F07AD4F1F}"/>
+              </a:ext>
+            </a:extLst>
+          </p:cNvPr>
+          <p:cNvSpPr>
+            <a:spLocks noGrp="1"/>
+          </p:cNvSpPr>
+          <p:nvPr>
+            <p:ph type="title"/>
+          </p:nvPr>
+        </p:nvSpPr>
+        <p:spPr>
+          <a:xfrm>
+            <a:off x="1289305" y="3415754"/>
+            <a:ext cx="9471956" cy="1137111"/>
+          </a:xfrm>
+        </p:spPr>
+        <p:txBody>
+          <a:bodyPr>
+            <a:normAutofit/>
+          </a:bodyPr>
+          <a:lstStyle/>
+          <a:p>
+            <a:r>
+              <a:rPr lang="en-US" sz="5400"/>
+              <a:t>D</a:t>
+            </a:r>
+            <a:r>
+              <a:rPr lang="en-IL" sz="5400"/>
+              <a:t>elete supabase</a:t>
+            </a:r>
+          </a:p>
+        </p:txBody>
+      </p:sp>
+      <p:pic>
+        <p:nvPicPr>
+          <p:cNvPr id="5" name="Picture 4" descr="A picture containing text, font, screenshot, design&#10;&#10;Description automatically generated">
+            <a:extLst>
+              <a:ext uri="{FF2B5EF4-FFF2-40B4-BE49-F238E27FC236}">
+                <a16:creationId xmlns:a16="http://schemas.microsoft.com/office/drawing/2014/main" id="{C02BB58E-B257-3B95-59B0-D9A67BA22914}"/>
+              </a:ext>
+            </a:extLst>
+          </p:cNvPr>
+          <p:cNvPicPr>
+            <a:picLocks noChangeAspect="1"/>
+          </p:cNvPicPr>
+          <p:nvPr/>
+        </p:nvPicPr>
+        <p:blipFill>
+          <a:blip r:embed="rId2"/>
+          <a:stretch>
+            <a:fillRect/>
+          </a:stretch>
+        </p:blipFill>
+        <p:spPr>
+          <a:xfrm>
+            <a:off x="1289304" y="1173707"/>
+            <a:ext cx="5984987" cy="2065992"/>
+          </a:xfrm>
+          <a:prstGeom prst="rect">
+            <a:avLst/>
+          </a:prstGeom>
+        </p:spPr>
+      </p:pic>
+      <p:sp>
+        <p:nvSpPr>
+          <p:cNvPr id="3" name="Content Placeholder 2">
+            <a:extLst>
+              <a:ext uri="{FF2B5EF4-FFF2-40B4-BE49-F238E27FC236}">
+                <a16:creationId xmlns:a16="http://schemas.microsoft.com/office/drawing/2014/main" id="{9DC2FDC0-2057-19BE-EE0E-EF59F0BF5F94}"/>
+              </a:ext>
+            </a:extLst>
+          </p:cNvPr>
+          <p:cNvSpPr>
+            <a:spLocks noGrp="1"/>
+          </p:cNvSpPr>
+          <p:nvPr>
+            <p:ph idx="1"/>
+          </p:nvPr>
+        </p:nvSpPr>
+        <p:spPr>
+          <a:xfrm>
+            <a:off x="1289304" y="4612943"/>
+            <a:ext cx="7745969" cy="1408222"/>
+          </a:xfrm>
+        </p:spPr>
+        <p:txBody>
+          <a:bodyPr anchor="t">
+            <a:normAutofit/>
+          </a:bodyPr>
+          <a:lstStyle/>
+          <a:p>
+            <a:r>
+              <a:rPr lang="en-US" sz="1100" b="0">
+                <a:effectLst/>
+              </a:rPr>
+              <a:t>Perform a DELETE on the table or view.</a:t>
+            </a:r>
+          </a:p>
+          <a:p>
+            <a:pPr>
+              <a:buFont typeface="Arial" panose="020B0604020202020204" pitchFamily="34" charset="0"/>
+              <a:buChar char="•"/>
+            </a:pPr>
+            <a:r>
+              <a:rPr lang="en-US" sz="1100" b="0" i="0">
+                <a:effectLst/>
+                <a:latin typeface="Circular"/>
+              </a:rPr>
+              <a:t>delete() should always be combined with </a:t>
+            </a:r>
+            <a:r>
+              <a:rPr lang="en-US" sz="1100" b="0" i="0">
+                <a:effectLst/>
+                <a:latin typeface="Circular"/>
+                <a:hlinkClick r:id="rId3"/>
+              </a:rPr>
+              <a:t>filters</a:t>
+            </a:r>
+            <a:r>
+              <a:rPr lang="en-US" sz="1100" b="0" i="0">
+                <a:effectLst/>
+                <a:latin typeface="Circular"/>
+              </a:rPr>
+              <a:t> to target the item(s) you wish to delete.</a:t>
+            </a:r>
+          </a:p>
+          <a:p>
+            <a:pPr>
+              <a:buFont typeface="Arial" panose="020B0604020202020204" pitchFamily="34" charset="0"/>
+              <a:buChar char="•"/>
+            </a:pPr>
+            <a:r>
+              <a:rPr lang="en-US" sz="1100" b="0" i="0">
+                <a:effectLst/>
+                <a:latin typeface="Circular"/>
+              </a:rPr>
+              <a:t>If you use delete() with filters and you have </a:t>
+            </a:r>
+            <a:r>
+              <a:rPr lang="en-US" sz="1100" b="0" i="0">
+                <a:effectLst/>
+                <a:latin typeface="Circular"/>
+                <a:hlinkClick r:id="rId4"/>
+              </a:rPr>
+              <a:t>RLS</a:t>
+            </a:r>
+            <a:r>
+              <a:rPr lang="en-US" sz="1100" b="0" i="0">
+                <a:effectLst/>
+                <a:latin typeface="Circular"/>
+              </a:rPr>
+              <a:t> enabled, only rows visible through SELECT policies are deleted. Note that by default no rows are visible, so you need at least one SELECT/ALL policy that makes the rows visible.</a:t>
+            </a:r>
+          </a:p>
+          <a:p>
+            <a:br>
+              <a:rPr lang="en-US" sz="1100" b="0" i="0">
+                <a:effectLst/>
+                <a:latin typeface="Circular"/>
+              </a:rPr>
+            </a:br>
+            <a:endParaRPr lang="en-US" sz="1100" b="0" i="0">
+              <a:effectLst/>
+              <a:latin typeface="Circular"/>
+            </a:endParaRPr>
+          </a:p>
+          <a:p>
+            <a:endParaRPr lang="en-IL" sz="1100"/>
+          </a:p>
+        </p:txBody>
+      </p:sp>
+    </p:spTree>
+    <p:extLst>
+      <p:ext uri="{BB962C8B-B14F-4D97-AF65-F5344CB8AC3E}">
+        <p14:creationId xmlns:p14="http://schemas.microsoft.com/office/powerpoint/2010/main" val="2697662697"/>
+      </p:ext>
+    </p:extLst>
+  </p:cSld>
+  <p:clrMapOvr>
+    <a:masterClrMapping/>
+  </p:clrMapOvr>
+</p:sld>
+</file>
+
+<file path=ppt/slides/slide44.xml><?xml version="1.0" encoding="utf-8"?>
+<p:sld xmlns:a="http://schemas.openxmlformats.org/drawingml/2006/main" xmlns:r="http://schemas.openxmlformats.org/officeDocument/2006/relationships" xmlns:p="http://schemas.openxmlformats.org/presentationml/2006/main">
+  <p:cSld>
+    <p:bg>
+      <p:bgPr>
+        <a:solidFill>
+          <a:schemeClr val="bg1"/>
+        </a:solidFill>
+        <a:effectLst/>
+      </p:bgPr>
+    </p:bg>
+    <p:spTree>
+      <p:nvGrpSpPr>
+        <p:cNvPr id="1" name=""/>
+        <p:cNvGrpSpPr/>
+        <p:nvPr/>
+      </p:nvGrpSpPr>
+      <p:grpSpPr>
+        <a:xfrm>
+          <a:off x="0" y="0"/>
+          <a:ext cx="0" cy="0"/>
+          <a:chOff x="0" y="0"/>
+          <a:chExt cx="0" cy="0"/>
+        </a:xfrm>
+      </p:grpSpPr>
+      <p:sp useBgFill="1">
+        <p:nvSpPr>
+          <p:cNvPr id="10" name="Rectangle 9">
+            <a:extLst>
+              <a:ext uri="{FF2B5EF4-FFF2-40B4-BE49-F238E27FC236}">
+                <a16:creationId xmlns:a16="http://schemas.microsoft.com/office/drawing/2014/main" id="{9D25F302-27C5-414F-97F8-6EA0A6C028BA}"/>
+              </a:ext>
+              <a:ext uri="{C183D7F6-B498-43B3-948B-1728B52AA6E4}">
+                <adec:decorative xmlns:adec="http://schemas.microsoft.com/office/drawing/2017/decorative" val="1"/>
+              </a:ext>
+            </a:extLst>
+          </p:cNvPr>
+          <p:cNvSpPr>
+            <a:spLocks noGrp="1" noRot="1" noChangeAspect="1" noMove="1" noResize="1" noEditPoints="1" noAdjustHandles="1" noChangeArrowheads="1" noChangeShapeType="1" noTextEdit="1"/>
+          </p:cNvSpPr>
+          <p:nvPr>
+            <p:extLst>
+              <p:ext uri="{386F3935-93C4-4BCD-93E2-E3B085C9AB24}">
+                <p16:designElem xmlns:p16="http://schemas.microsoft.com/office/powerpoint/2015/main" val="1"/>
+              </p:ext>
+            </p:extLst>
+          </p:nvPr>
+        </p:nvSpPr>
+        <p:spPr>
+          <a:xfrm>
+            <a:off x="0" y="0"/>
+            <a:ext cx="12192000" cy="6858000"/>
+          </a:xfrm>
+          <a:prstGeom prst="rect">
+            <a:avLst/>
+          </a:prstGeom>
+          <a:ln>
+            <a:noFill/>
+          </a:ln>
+        </p:spPr>
+        <p:style>
+          <a:lnRef idx="2">
+            <a:schemeClr val="accent1">
+              <a:shade val="50000"/>
+            </a:schemeClr>
+          </a:lnRef>
+          <a:fillRef idx="1">
+            <a:schemeClr val="accent1"/>
+          </a:fillRef>
+          <a:effectRef idx="0">
+            <a:schemeClr val="accent1"/>
+          </a:effectRef>
+          <a:fontRef idx="minor">
+            <a:schemeClr val="lt1"/>
+          </a:fontRef>
+        </p:style>
+        <p:txBody>
+          <a:bodyPr rtlCol="0" anchor="ctr"/>
+          <a:lstStyle/>
+          <a:p>
+            <a:pPr algn="ctr"/>
+            <a:endParaRPr lang="en-US"/>
+          </a:p>
+        </p:txBody>
+      </p:sp>
+      <p:sp>
+        <p:nvSpPr>
+          <p:cNvPr id="12" name="Right Triangle 11">
+            <a:extLst>
+              <a:ext uri="{FF2B5EF4-FFF2-40B4-BE49-F238E27FC236}">
+                <a16:creationId xmlns:a16="http://schemas.microsoft.com/office/drawing/2014/main" id="{830A36F8-48C2-4842-A87B-8CE8DF4E7FD2}"/>
+              </a:ext>
+              <a:ext uri="{C183D7F6-B498-43B3-948B-1728B52AA6E4}">
+                <adec:decorative xmlns:adec="http://schemas.microsoft.com/office/drawing/2017/decorative" val="1"/>
+              </a:ext>
+            </a:extLst>
+          </p:cNvPr>
+          <p:cNvSpPr>
+            <a:spLocks noGrp="1" noRot="1" noChangeAspect="1" noMove="1" noResize="1" noEditPoints="1" noAdjustHandles="1" noChangeArrowheads="1" noChangeShapeType="1" noTextEdit="1"/>
+          </p:cNvSpPr>
+          <p:nvPr>
+            <p:extLst>
+              <p:ext uri="{386F3935-93C4-4BCD-93E2-E3B085C9AB24}">
+                <p16:designElem xmlns:p16="http://schemas.microsoft.com/office/powerpoint/2015/main" val="1"/>
+              </p:ext>
+            </p:extLst>
+          </p:nvPr>
+        </p:nvSpPr>
+        <p:spPr>
+          <a:xfrm flipH="1">
+            <a:off x="8576720" y="3335867"/>
+            <a:ext cx="3291840" cy="3200400"/>
+          </a:xfrm>
+          <a:prstGeom prst="rtTriangle">
+            <a:avLst/>
+          </a:prstGeom>
+          <a:solidFill>
+            <a:schemeClr val="accent4"/>
+          </a:solidFill>
+          <a:ln>
+            <a:noFill/>
+          </a:ln>
+        </p:spPr>
+        <p:style>
+          <a:lnRef idx="2">
+            <a:schemeClr val="accent1">
+              <a:shade val="50000"/>
+            </a:schemeClr>
+          </a:lnRef>
+          <a:fillRef idx="1">
+            <a:schemeClr val="accent1"/>
+          </a:fillRef>
+          <a:effectRef idx="0">
+            <a:schemeClr val="accent1"/>
+          </a:effectRef>
+          <a:fontRef idx="minor">
+            <a:schemeClr val="lt1"/>
+          </a:fontRef>
+        </p:style>
+        <p:txBody>
+          <a:bodyPr rtlCol="0" anchor="ctr"/>
+          <a:lstStyle/>
+          <a:p>
+            <a:pPr algn="ctr"/>
+            <a:endParaRPr lang="en-US" dirty="0"/>
+          </a:p>
+        </p:txBody>
+      </p:sp>
+      <p:sp>
+        <p:nvSpPr>
+          <p:cNvPr id="14" name="Rectangle 13">
+            <a:extLst>
+              <a:ext uri="{FF2B5EF4-FFF2-40B4-BE49-F238E27FC236}">
+                <a16:creationId xmlns:a16="http://schemas.microsoft.com/office/drawing/2014/main" id="{8F451A30-466B-4996-9BA5-CD6ABCC6D558}"/>
+              </a:ext>
+              <a:ext uri="{C183D7F6-B498-43B3-948B-1728B52AA6E4}">
+                <adec:decorative xmlns:adec="http://schemas.microsoft.com/office/drawing/2017/decorative" val="1"/>
+              </a:ext>
+            </a:extLst>
+          </p:cNvPr>
+          <p:cNvSpPr>
+            <a:spLocks noGrp="1" noRot="1" noChangeAspect="1" noMove="1" noResize="1" noEditPoints="1" noAdjustHandles="1" noChangeArrowheads="1" noChangeShapeType="1" noTextEdit="1"/>
+          </p:cNvSpPr>
+          <p:nvPr>
+            <p:extLst>
+              <p:ext uri="{386F3935-93C4-4BCD-93E2-E3B085C9AB24}">
+                <p16:designElem xmlns:p16="http://schemas.microsoft.com/office/powerpoint/2015/main" val="1"/>
+              </p:ext>
+            </p:extLst>
+          </p:nvPr>
+        </p:nvSpPr>
+        <p:spPr>
+          <a:xfrm>
+            <a:off x="641774" y="623275"/>
+            <a:ext cx="10905053" cy="5607882"/>
+          </a:xfrm>
+          <a:prstGeom prst="rect">
+            <a:avLst/>
+          </a:prstGeom>
+          <a:noFill/>
+          <a:ln w="19050">
+            <a:solidFill>
+              <a:schemeClr val="tx1">
+                <a:lumMod val="75000"/>
+                <a:lumOff val="25000"/>
+              </a:schemeClr>
+            </a:solidFill>
+          </a:ln>
+        </p:spPr>
+        <p:style>
+          <a:lnRef idx="2">
+            <a:schemeClr val="accent1">
+              <a:shade val="50000"/>
+            </a:schemeClr>
+          </a:lnRef>
+          <a:fillRef idx="1">
+            <a:schemeClr val="accent1"/>
+          </a:fillRef>
+          <a:effectRef idx="0">
+            <a:schemeClr val="accent1"/>
+          </a:effectRef>
+          <a:fontRef idx="minor">
+            <a:schemeClr val="lt1"/>
+          </a:fontRef>
+        </p:style>
+        <p:txBody>
+          <a:bodyPr rtlCol="0" anchor="ctr"/>
+          <a:lstStyle/>
+          <a:p>
+            <a:pPr algn="ctr"/>
+            <a:endParaRPr lang="en-US"/>
+          </a:p>
+        </p:txBody>
+      </p:sp>
+      <p:sp>
+        <p:nvSpPr>
+          <p:cNvPr id="2" name="Title 1">
+            <a:extLst>
+              <a:ext uri="{FF2B5EF4-FFF2-40B4-BE49-F238E27FC236}">
+                <a16:creationId xmlns:a16="http://schemas.microsoft.com/office/drawing/2014/main" id="{1EC0CF9B-39E3-EF67-806C-8534B94F555F}"/>
+              </a:ext>
+            </a:extLst>
+          </p:cNvPr>
+          <p:cNvSpPr>
+            <a:spLocks noGrp="1"/>
+          </p:cNvSpPr>
+          <p:nvPr>
+            <p:ph type="title"/>
+          </p:nvPr>
+        </p:nvSpPr>
+        <p:spPr>
+          <a:xfrm>
+            <a:off x="1289305" y="3415754"/>
+            <a:ext cx="9471956" cy="1137111"/>
+          </a:xfrm>
+        </p:spPr>
+        <p:txBody>
+          <a:bodyPr>
+            <a:normAutofit/>
+          </a:bodyPr>
+          <a:lstStyle/>
+          <a:p>
+            <a:r>
+              <a:rPr lang="en-US" sz="5400"/>
+              <a:t>O</a:t>
+            </a:r>
+            <a:r>
+              <a:rPr lang="en-IL" sz="5400"/>
+              <a:t>rder by - supabase</a:t>
+            </a:r>
+          </a:p>
+        </p:txBody>
+      </p:sp>
+      <p:pic>
+        <p:nvPicPr>
+          <p:cNvPr id="5" name="Picture 4" descr="A picture containing text, font, screenshot&#10;&#10;Description automatically generated">
+            <a:extLst>
+              <a:ext uri="{FF2B5EF4-FFF2-40B4-BE49-F238E27FC236}">
+                <a16:creationId xmlns:a16="http://schemas.microsoft.com/office/drawing/2014/main" id="{6A02F4C1-D409-9C2D-1A96-ED27D33F6B16}"/>
+              </a:ext>
+            </a:extLst>
+          </p:cNvPr>
+          <p:cNvPicPr>
+            <a:picLocks noChangeAspect="1"/>
+          </p:cNvPicPr>
+          <p:nvPr/>
+        </p:nvPicPr>
+        <p:blipFill>
+          <a:blip r:embed="rId2"/>
+          <a:stretch>
+            <a:fillRect/>
+          </a:stretch>
+        </p:blipFill>
+        <p:spPr>
+          <a:xfrm>
+            <a:off x="1289304" y="1173707"/>
+            <a:ext cx="7049931" cy="2065992"/>
+          </a:xfrm>
+          <a:prstGeom prst="rect">
+            <a:avLst/>
+          </a:prstGeom>
+        </p:spPr>
+      </p:pic>
+      <p:sp>
+        <p:nvSpPr>
+          <p:cNvPr id="3" name="Content Placeholder 2">
+            <a:extLst>
+              <a:ext uri="{FF2B5EF4-FFF2-40B4-BE49-F238E27FC236}">
+                <a16:creationId xmlns:a16="http://schemas.microsoft.com/office/drawing/2014/main" id="{9AF58CA6-22A6-B4CA-E6E2-DE9BA58686B0}"/>
+              </a:ext>
+            </a:extLst>
+          </p:cNvPr>
+          <p:cNvSpPr>
+            <a:spLocks noGrp="1"/>
+          </p:cNvSpPr>
+          <p:nvPr>
+            <p:ph idx="1"/>
+          </p:nvPr>
+        </p:nvSpPr>
+        <p:spPr>
+          <a:xfrm>
+            <a:off x="1289304" y="4612943"/>
+            <a:ext cx="7745969" cy="1408222"/>
+          </a:xfrm>
+        </p:spPr>
+        <p:txBody>
+          <a:bodyPr anchor="t">
+            <a:normAutofit/>
+          </a:bodyPr>
+          <a:lstStyle/>
+          <a:p>
+            <a:r>
+              <a:rPr lang="en-US" sz="2000" b="0">
+                <a:effectLst/>
+              </a:rPr>
+              <a:t>Order the query result by column.</a:t>
+            </a:r>
+          </a:p>
+          <a:p>
+            <a:br>
+              <a:rPr lang="en-US" sz="2000" b="0" i="0">
+                <a:effectLst/>
+                <a:latin typeface="Circular"/>
+              </a:rPr>
+            </a:br>
+            <a:endParaRPr lang="en-US" sz="2000" b="0" i="0">
+              <a:effectLst/>
+              <a:latin typeface="Circular"/>
+            </a:endParaRPr>
+          </a:p>
+          <a:p>
+            <a:endParaRPr lang="en-IL" sz="2000"/>
+          </a:p>
+        </p:txBody>
+      </p:sp>
+    </p:spTree>
+    <p:extLst>
+      <p:ext uri="{BB962C8B-B14F-4D97-AF65-F5344CB8AC3E}">
+        <p14:creationId xmlns:p14="http://schemas.microsoft.com/office/powerpoint/2010/main" val="1134755329"/>
+      </p:ext>
+    </p:extLst>
+  </p:cSld>
+  <p:clrMapOvr>
+    <a:masterClrMapping/>
+  </p:clrMapOvr>
+</p:sld>
+</file>
+
+<file path=ppt/slides/slide45.xml><?xml version="1.0" encoding="utf-8"?>
+<p:sld xmlns:a="http://schemas.openxmlformats.org/drawingml/2006/main" xmlns:r="http://schemas.openxmlformats.org/officeDocument/2006/relationships" xmlns:p="http://schemas.openxmlformats.org/presentationml/2006/main">
+  <p:cSld>
+    <p:bg>
+      <p:bgPr>
+        <a:solidFill>
+          <a:schemeClr val="bg1"/>
+        </a:solidFill>
+        <a:effectLst/>
+      </p:bgPr>
+    </p:bg>
+    <p:spTree>
+      <p:nvGrpSpPr>
+        <p:cNvPr id="1" name=""/>
+        <p:cNvGrpSpPr/>
+        <p:nvPr/>
+      </p:nvGrpSpPr>
+      <p:grpSpPr>
+        <a:xfrm>
+          <a:off x="0" y="0"/>
+          <a:ext cx="0" cy="0"/>
+          <a:chOff x="0" y="0"/>
+          <a:chExt cx="0" cy="0"/>
+        </a:xfrm>
+      </p:grpSpPr>
+      <p:sp useBgFill="1">
+        <p:nvSpPr>
+          <p:cNvPr id="12" name="Rectangle 11">
+            <a:extLst>
+              <a:ext uri="{FF2B5EF4-FFF2-40B4-BE49-F238E27FC236}">
+                <a16:creationId xmlns:a16="http://schemas.microsoft.com/office/drawing/2014/main" id="{9D25F302-27C5-414F-97F8-6EA0A6C028BA}"/>
+              </a:ext>
+              <a:ext uri="{C183D7F6-B498-43B3-948B-1728B52AA6E4}">
+                <adec:decorative xmlns:adec="http://schemas.microsoft.com/office/drawing/2017/decorative" val="1"/>
+              </a:ext>
+            </a:extLst>
+          </p:cNvPr>
+          <p:cNvSpPr>
+            <a:spLocks noGrp="1" noRot="1" noChangeAspect="1" noMove="1" noResize="1" noEditPoints="1" noAdjustHandles="1" noChangeArrowheads="1" noChangeShapeType="1" noTextEdit="1"/>
+          </p:cNvSpPr>
+          <p:nvPr>
+            <p:extLst>
+              <p:ext uri="{386F3935-93C4-4BCD-93E2-E3B085C9AB24}">
+                <p16:designElem xmlns:p16="http://schemas.microsoft.com/office/powerpoint/2015/main" val="1"/>
+              </p:ext>
+            </p:extLst>
+          </p:nvPr>
+        </p:nvSpPr>
+        <p:spPr>
+          <a:xfrm>
+            <a:off x="0" y="0"/>
+            <a:ext cx="12192000" cy="6858000"/>
+          </a:xfrm>
+          <a:prstGeom prst="rect">
+            <a:avLst/>
+          </a:prstGeom>
+          <a:ln>
+            <a:noFill/>
+          </a:ln>
+        </p:spPr>
+        <p:style>
+          <a:lnRef idx="2">
+            <a:schemeClr val="accent1">
+              <a:shade val="50000"/>
+            </a:schemeClr>
+          </a:lnRef>
+          <a:fillRef idx="1">
+            <a:schemeClr val="accent1"/>
+          </a:fillRef>
+          <a:effectRef idx="0">
+            <a:schemeClr val="accent1"/>
+          </a:effectRef>
+          <a:fontRef idx="minor">
+            <a:schemeClr val="lt1"/>
+          </a:fontRef>
+        </p:style>
+        <p:txBody>
+          <a:bodyPr rtlCol="0" anchor="ctr"/>
+          <a:lstStyle/>
+          <a:p>
+            <a:pPr algn="ctr"/>
+            <a:endParaRPr lang="en-US"/>
+          </a:p>
+        </p:txBody>
+      </p:sp>
+      <p:sp>
+        <p:nvSpPr>
+          <p:cNvPr id="14" name="Right Triangle 13">
+            <a:extLst>
+              <a:ext uri="{FF2B5EF4-FFF2-40B4-BE49-F238E27FC236}">
+                <a16:creationId xmlns:a16="http://schemas.microsoft.com/office/drawing/2014/main" id="{830A36F8-48C2-4842-A87B-8CE8DF4E7FD2}"/>
+              </a:ext>
+              <a:ext uri="{C183D7F6-B498-43B3-948B-1728B52AA6E4}">
+                <adec:decorative xmlns:adec="http://schemas.microsoft.com/office/drawing/2017/decorative" val="1"/>
+              </a:ext>
+            </a:extLst>
+          </p:cNvPr>
+          <p:cNvSpPr>
+            <a:spLocks noGrp="1" noRot="1" noChangeAspect="1" noMove="1" noResize="1" noEditPoints="1" noAdjustHandles="1" noChangeArrowheads="1" noChangeShapeType="1" noTextEdit="1"/>
+          </p:cNvSpPr>
+          <p:nvPr>
+            <p:extLst>
+              <p:ext uri="{386F3935-93C4-4BCD-93E2-E3B085C9AB24}">
+                <p16:designElem xmlns:p16="http://schemas.microsoft.com/office/powerpoint/2015/main" val="1"/>
+              </p:ext>
+            </p:extLst>
+          </p:nvPr>
+        </p:nvSpPr>
+        <p:spPr>
+          <a:xfrm flipH="1">
+            <a:off x="8576720" y="3335867"/>
+            <a:ext cx="3291840" cy="3200400"/>
+          </a:xfrm>
+          <a:prstGeom prst="rtTriangle">
+            <a:avLst/>
+          </a:prstGeom>
+          <a:solidFill>
+            <a:schemeClr val="accent4"/>
+          </a:solidFill>
+          <a:ln>
+            <a:noFill/>
+          </a:ln>
+        </p:spPr>
+        <p:style>
+          <a:lnRef idx="2">
+            <a:schemeClr val="accent1">
+              <a:shade val="50000"/>
+            </a:schemeClr>
+          </a:lnRef>
+          <a:fillRef idx="1">
+            <a:schemeClr val="accent1"/>
+          </a:fillRef>
+          <a:effectRef idx="0">
+            <a:schemeClr val="accent1"/>
+          </a:effectRef>
+          <a:fontRef idx="minor">
+            <a:schemeClr val="lt1"/>
+          </a:fontRef>
+        </p:style>
+        <p:txBody>
+          <a:bodyPr rtlCol="0" anchor="ctr"/>
+          <a:lstStyle/>
+          <a:p>
+            <a:pPr algn="ctr"/>
+            <a:endParaRPr lang="en-US" dirty="0"/>
+          </a:p>
+        </p:txBody>
+      </p:sp>
+      <p:sp>
+        <p:nvSpPr>
+          <p:cNvPr id="16" name="Rectangle 15">
+            <a:extLst>
+              <a:ext uri="{FF2B5EF4-FFF2-40B4-BE49-F238E27FC236}">
+                <a16:creationId xmlns:a16="http://schemas.microsoft.com/office/drawing/2014/main" id="{8F451A30-466B-4996-9BA5-CD6ABCC6D558}"/>
+              </a:ext>
+              <a:ext uri="{C183D7F6-B498-43B3-948B-1728B52AA6E4}">
+                <adec:decorative xmlns:adec="http://schemas.microsoft.com/office/drawing/2017/decorative" val="1"/>
+              </a:ext>
+            </a:extLst>
+          </p:cNvPr>
+          <p:cNvSpPr>
+            <a:spLocks noGrp="1" noRot="1" noChangeAspect="1" noMove="1" noResize="1" noEditPoints="1" noAdjustHandles="1" noChangeArrowheads="1" noChangeShapeType="1" noTextEdit="1"/>
+          </p:cNvSpPr>
+          <p:nvPr>
+            <p:extLst>
+              <p:ext uri="{386F3935-93C4-4BCD-93E2-E3B085C9AB24}">
+                <p16:designElem xmlns:p16="http://schemas.microsoft.com/office/powerpoint/2015/main" val="1"/>
+              </p:ext>
+            </p:extLst>
+          </p:nvPr>
+        </p:nvSpPr>
+        <p:spPr>
+          <a:xfrm>
+            <a:off x="641774" y="623275"/>
+            <a:ext cx="10905053" cy="5607882"/>
+          </a:xfrm>
+          <a:prstGeom prst="rect">
+            <a:avLst/>
+          </a:prstGeom>
+          <a:noFill/>
+          <a:ln w="19050">
+            <a:solidFill>
+              <a:schemeClr val="tx1">
+                <a:lumMod val="75000"/>
+                <a:lumOff val="25000"/>
+              </a:schemeClr>
+            </a:solidFill>
+          </a:ln>
+        </p:spPr>
+        <p:style>
+          <a:lnRef idx="2">
+            <a:schemeClr val="accent1">
+              <a:shade val="50000"/>
+            </a:schemeClr>
+          </a:lnRef>
+          <a:fillRef idx="1">
+            <a:schemeClr val="accent1"/>
+          </a:fillRef>
+          <a:effectRef idx="0">
+            <a:schemeClr val="accent1"/>
+          </a:effectRef>
+          <a:fontRef idx="minor">
+            <a:schemeClr val="lt1"/>
+          </a:fontRef>
+        </p:style>
+        <p:txBody>
+          <a:bodyPr rtlCol="0" anchor="ctr"/>
+          <a:lstStyle/>
+          <a:p>
+            <a:pPr algn="ctr"/>
+            <a:endParaRPr lang="en-US"/>
+          </a:p>
+        </p:txBody>
+      </p:sp>
+      <p:sp>
+        <p:nvSpPr>
+          <p:cNvPr id="2" name="Title 1">
+            <a:extLst>
+              <a:ext uri="{FF2B5EF4-FFF2-40B4-BE49-F238E27FC236}">
+                <a16:creationId xmlns:a16="http://schemas.microsoft.com/office/drawing/2014/main" id="{1EC0CF9B-39E3-EF67-806C-8534B94F555F}"/>
+              </a:ext>
+            </a:extLst>
+          </p:cNvPr>
+          <p:cNvSpPr>
+            <a:spLocks noGrp="1"/>
+          </p:cNvSpPr>
+          <p:nvPr>
+            <p:ph type="title"/>
+          </p:nvPr>
+        </p:nvSpPr>
+        <p:spPr>
+          <a:xfrm>
+            <a:off x="1289305" y="3415754"/>
+            <a:ext cx="9471956" cy="1137111"/>
+          </a:xfrm>
+        </p:spPr>
+        <p:txBody>
+          <a:bodyPr>
+            <a:normAutofit/>
+          </a:bodyPr>
+          <a:lstStyle/>
+          <a:p>
+            <a:r>
+              <a:rPr lang="en-IL" sz="5400"/>
+              <a:t>limit</a:t>
+            </a:r>
+          </a:p>
+        </p:txBody>
+      </p:sp>
+      <p:pic>
+        <p:nvPicPr>
+          <p:cNvPr id="5" name="Content Placeholder 4" descr="A picture containing text, font, screenshot&#10;&#10;Description automatically generated">
+            <a:extLst>
+              <a:ext uri="{FF2B5EF4-FFF2-40B4-BE49-F238E27FC236}">
+                <a16:creationId xmlns:a16="http://schemas.microsoft.com/office/drawing/2014/main" id="{FD7BA923-B0EA-C594-701A-583D2D4172FE}"/>
+              </a:ext>
+            </a:extLst>
+          </p:cNvPr>
+          <p:cNvPicPr>
+            <a:picLocks noChangeAspect="1"/>
+          </p:cNvPicPr>
+          <p:nvPr/>
+        </p:nvPicPr>
+        <p:blipFill>
+          <a:blip r:embed="rId2"/>
+          <a:stretch>
+            <a:fillRect/>
+          </a:stretch>
+        </p:blipFill>
+        <p:spPr>
+          <a:xfrm>
+            <a:off x="1289304" y="1173707"/>
+            <a:ext cx="6525261" cy="2065992"/>
+          </a:xfrm>
+          <a:prstGeom prst="rect">
+            <a:avLst/>
+          </a:prstGeom>
+        </p:spPr>
+      </p:pic>
+      <p:sp>
+        <p:nvSpPr>
+          <p:cNvPr id="9" name="Content Placeholder 8">
+            <a:extLst>
+              <a:ext uri="{FF2B5EF4-FFF2-40B4-BE49-F238E27FC236}">
+                <a16:creationId xmlns:a16="http://schemas.microsoft.com/office/drawing/2014/main" id="{BF881A3D-65CC-C90F-F54A-85B9EFDC8C7A}"/>
+              </a:ext>
+            </a:extLst>
+          </p:cNvPr>
+          <p:cNvSpPr>
+            <a:spLocks noGrp="1"/>
+          </p:cNvSpPr>
+          <p:nvPr>
+            <p:ph idx="1"/>
+          </p:nvPr>
+        </p:nvSpPr>
+        <p:spPr>
+          <a:xfrm>
+            <a:off x="1289304" y="4612943"/>
+            <a:ext cx="7745969" cy="1408222"/>
+          </a:xfrm>
+        </p:spPr>
+        <p:txBody>
+          <a:bodyPr anchor="t">
+            <a:normAutofit/>
+          </a:bodyPr>
+          <a:lstStyle/>
+          <a:p>
+            <a:r>
+              <a:rPr lang="en-US" sz="4000" b="0" dirty="0">
+                <a:effectLst/>
+              </a:rPr>
+              <a:t>Limit the query result by count.</a:t>
+            </a:r>
+          </a:p>
+          <a:p>
+            <a:pPr algn="l"/>
+            <a:br>
+              <a:rPr lang="en-US" sz="1400" b="0" i="0" dirty="0">
+                <a:solidFill>
+                  <a:srgbClr val="FFFFFF"/>
+                </a:solidFill>
+                <a:effectLst/>
+                <a:latin typeface="Circular"/>
+              </a:rPr>
+            </a:br>
+            <a:endParaRPr lang="en-US" sz="1400" b="0" i="0" dirty="0">
+              <a:solidFill>
+                <a:srgbClr val="FFFFFF"/>
+              </a:solidFill>
+              <a:effectLst/>
+              <a:latin typeface="Circular"/>
+            </a:endParaRPr>
+          </a:p>
+          <a:p>
+            <a:endParaRPr lang="en-US" sz="2000" dirty="0"/>
+          </a:p>
+        </p:txBody>
+      </p:sp>
+    </p:spTree>
+    <p:extLst>
+      <p:ext uri="{BB962C8B-B14F-4D97-AF65-F5344CB8AC3E}">
+        <p14:creationId xmlns:p14="http://schemas.microsoft.com/office/powerpoint/2010/main" val="2879649777"/>
+      </p:ext>
+    </p:extLst>
+  </p:cSld>
+  <p:clrMapOvr>
+    <a:masterClrMapping/>
+  </p:clrMapOvr>
+</p:sld>
+</file>
+
+<file path=ppt/slides/slide46.xml><?xml version="1.0" encoding="utf-8"?>
+<p:sld xmlns:a="http://schemas.openxmlformats.org/drawingml/2006/main" xmlns:r="http://schemas.openxmlformats.org/officeDocument/2006/relationships" xmlns:p="http://schemas.openxmlformats.org/presentationml/2006/main">
+  <p:cSld>
+    <p:bg>
+      <p:bgPr>
+        <a:solidFill>
+          <a:schemeClr val="bg1"/>
+        </a:solidFill>
+        <a:effectLst/>
+      </p:bgPr>
+    </p:bg>
+    <p:spTree>
+      <p:nvGrpSpPr>
+        <p:cNvPr id="1" name=""/>
+        <p:cNvGrpSpPr/>
+        <p:nvPr/>
+      </p:nvGrpSpPr>
+      <p:grpSpPr>
+        <a:xfrm>
+          <a:off x="0" y="0"/>
+          <a:ext cx="0" cy="0"/>
+          <a:chOff x="0" y="0"/>
+          <a:chExt cx="0" cy="0"/>
+        </a:xfrm>
+      </p:grpSpPr>
+      <p:sp useBgFill="1">
+        <p:nvSpPr>
+          <p:cNvPr id="10" name="Rectangle 9">
+            <a:extLst>
+              <a:ext uri="{FF2B5EF4-FFF2-40B4-BE49-F238E27FC236}">
+                <a16:creationId xmlns:a16="http://schemas.microsoft.com/office/drawing/2014/main" id="{BCED4D40-4B67-4331-AC48-79B82B4A47D8}"/>
+              </a:ext>
+              <a:ext uri="{C183D7F6-B498-43B3-948B-1728B52AA6E4}">
+                <adec:decorative xmlns:adec="http://schemas.microsoft.com/office/drawing/2017/decorative" val="1"/>
+              </a:ext>
+            </a:extLst>
+          </p:cNvPr>
+          <p:cNvSpPr>
+            <a:spLocks noGrp="1" noRot="1" noChangeAspect="1" noMove="1" noResize="1" noEditPoints="1" noAdjustHandles="1" noChangeArrowheads="1" noChangeShapeType="1" noTextEdit="1"/>
+          </p:cNvSpPr>
+          <p:nvPr>
+            <p:extLst>
+              <p:ext uri="{386F3935-93C4-4BCD-93E2-E3B085C9AB24}">
+                <p16:designElem xmlns:p16="http://schemas.microsoft.com/office/powerpoint/2015/main" val="1"/>
+              </p:ext>
+            </p:extLst>
+          </p:nvPr>
+        </p:nvSpPr>
+        <p:spPr>
+          <a:xfrm>
+            <a:off x="0" y="0"/>
+            <a:ext cx="12192000" cy="6858000"/>
+          </a:xfrm>
+          <a:prstGeom prst="rect">
+            <a:avLst/>
+          </a:prstGeom>
+          <a:ln>
+            <a:noFill/>
+          </a:ln>
+        </p:spPr>
+        <p:style>
+          <a:lnRef idx="2">
+            <a:schemeClr val="accent1">
+              <a:shade val="50000"/>
+            </a:schemeClr>
+          </a:lnRef>
+          <a:fillRef idx="1">
+            <a:schemeClr val="accent1"/>
+          </a:fillRef>
+          <a:effectRef idx="0">
+            <a:schemeClr val="accent1"/>
+          </a:effectRef>
+          <a:fontRef idx="minor">
+            <a:schemeClr val="lt1"/>
+          </a:fontRef>
+        </p:style>
+        <p:txBody>
+          <a:bodyPr rtlCol="0" anchor="ctr"/>
+          <a:lstStyle/>
+          <a:p>
+            <a:pPr algn="ctr"/>
+            <a:endParaRPr lang="en-US"/>
+          </a:p>
+        </p:txBody>
+      </p:sp>
+      <p:sp>
+        <p:nvSpPr>
+          <p:cNvPr id="2" name="Title 1">
+            <a:extLst>
+              <a:ext uri="{FF2B5EF4-FFF2-40B4-BE49-F238E27FC236}">
+                <a16:creationId xmlns:a16="http://schemas.microsoft.com/office/drawing/2014/main" id="{1EC0CF9B-39E3-EF67-806C-8534B94F555F}"/>
+              </a:ext>
+            </a:extLst>
+          </p:cNvPr>
+          <p:cNvSpPr>
+            <a:spLocks noGrp="1"/>
+          </p:cNvSpPr>
+          <p:nvPr>
+            <p:ph type="title"/>
+          </p:nvPr>
+        </p:nvSpPr>
+        <p:spPr>
+          <a:xfrm>
+            <a:off x="638881" y="417576"/>
+            <a:ext cx="10909640" cy="1249394"/>
+          </a:xfrm>
+        </p:spPr>
+        <p:txBody>
+          <a:bodyPr vert="horz" lIns="91440" tIns="45720" rIns="91440" bIns="45720" rtlCol="0" anchor="ctr">
+            <a:normAutofit/>
+          </a:bodyPr>
+          <a:lstStyle/>
+          <a:p>
+            <a:pPr algn="ctr"/>
+            <a:r>
+              <a:rPr lang="en-US" sz="6600" kern="1200">
+                <a:solidFill>
+                  <a:schemeClr val="tx1"/>
+                </a:solidFill>
+                <a:latin typeface="+mj-lt"/>
+                <a:ea typeface="+mj-ea"/>
+                <a:cs typeface="+mj-cs"/>
+              </a:rPr>
+              <a:t>Group by</a:t>
+            </a:r>
+          </a:p>
+        </p:txBody>
+      </p:sp>
+      <p:sp>
+        <p:nvSpPr>
+          <p:cNvPr id="12" name="sketch line">
+            <a:extLst>
+              <a:ext uri="{FF2B5EF4-FFF2-40B4-BE49-F238E27FC236}">
+                <a16:creationId xmlns:a16="http://schemas.microsoft.com/office/drawing/2014/main" id="{670CEDEF-4F34-412E-84EE-329C1E936AF5}"/>
+              </a:ext>
+              <a:ext uri="{C183D7F6-B498-43B3-948B-1728B52AA6E4}">
+                <adec:decorative xmlns:adec="http://schemas.microsoft.com/office/drawing/2017/decorative" val="1"/>
+              </a:ext>
+            </a:extLst>
+          </p:cNvPr>
+          <p:cNvSpPr>
+            <a:spLocks noGrp="1" noRot="1" noChangeAspect="1" noMove="1" noResize="1" noEditPoints="1" noAdjustHandles="1" noChangeArrowheads="1" noChangeShapeType="1" noTextEdit="1"/>
+          </p:cNvSpPr>
+          <p:nvPr>
+            <p:extLst>
+              <p:ext uri="{386F3935-93C4-4BCD-93E2-E3B085C9AB24}">
+                <p16:designElem xmlns:p16="http://schemas.microsoft.com/office/powerpoint/2015/main" val="1"/>
+              </p:ext>
+            </p:extLst>
+          </p:nvPr>
+        </p:nvSpPr>
+        <p:spPr>
+          <a:xfrm>
+            <a:off x="3807702" y="1733454"/>
+            <a:ext cx="4572000" cy="18288"/>
+          </a:xfrm>
+          <a:custGeom>
+            <a:avLst/>
+            <a:gdLst>
+              <a:gd name="connsiteX0" fmla="*/ 0 w 4572000"/>
+              <a:gd name="connsiteY0" fmla="*/ 0 h 18288"/>
+              <a:gd name="connsiteX1" fmla="*/ 515983 w 4572000"/>
+              <a:gd name="connsiteY1" fmla="*/ 0 h 18288"/>
+              <a:gd name="connsiteX2" fmla="*/ 1031966 w 4572000"/>
+              <a:gd name="connsiteY2" fmla="*/ 0 h 18288"/>
+              <a:gd name="connsiteX3" fmla="*/ 1639389 w 4572000"/>
+              <a:gd name="connsiteY3" fmla="*/ 0 h 18288"/>
+              <a:gd name="connsiteX4" fmla="*/ 2383971 w 4572000"/>
+              <a:gd name="connsiteY4" fmla="*/ 0 h 18288"/>
+              <a:gd name="connsiteX5" fmla="*/ 2945674 w 4572000"/>
+              <a:gd name="connsiteY5" fmla="*/ 0 h 18288"/>
+              <a:gd name="connsiteX6" fmla="*/ 3507377 w 4572000"/>
+              <a:gd name="connsiteY6" fmla="*/ 0 h 18288"/>
+              <a:gd name="connsiteX7" fmla="*/ 4572000 w 4572000"/>
+              <a:gd name="connsiteY7" fmla="*/ 0 h 18288"/>
+              <a:gd name="connsiteX8" fmla="*/ 4572000 w 4572000"/>
+              <a:gd name="connsiteY8" fmla="*/ 18288 h 18288"/>
+              <a:gd name="connsiteX9" fmla="*/ 3873137 w 4572000"/>
+              <a:gd name="connsiteY9" fmla="*/ 18288 h 18288"/>
+              <a:gd name="connsiteX10" fmla="*/ 3311434 w 4572000"/>
+              <a:gd name="connsiteY10" fmla="*/ 18288 h 18288"/>
+              <a:gd name="connsiteX11" fmla="*/ 2749731 w 4572000"/>
+              <a:gd name="connsiteY11" fmla="*/ 18288 h 18288"/>
+              <a:gd name="connsiteX12" fmla="*/ 2050869 w 4572000"/>
+              <a:gd name="connsiteY12" fmla="*/ 18288 h 18288"/>
+              <a:gd name="connsiteX13" fmla="*/ 1306286 w 4572000"/>
+              <a:gd name="connsiteY13" fmla="*/ 18288 h 18288"/>
+              <a:gd name="connsiteX14" fmla="*/ 790303 w 4572000"/>
+              <a:gd name="connsiteY14" fmla="*/ 18288 h 18288"/>
+              <a:gd name="connsiteX15" fmla="*/ 0 w 4572000"/>
+              <a:gd name="connsiteY15" fmla="*/ 18288 h 18288"/>
+              <a:gd name="connsiteX16" fmla="*/ 0 w 4572000"/>
+              <a:gd name="connsiteY16" fmla="*/ 0 h 18288"/>
+            </a:gdLst>
+            <a:ahLst/>
+            <a:cxnLst>
+              <a:cxn ang="0">
+                <a:pos x="connsiteX0" y="connsiteY0"/>
+              </a:cxn>
+              <a:cxn ang="0">
+                <a:pos x="connsiteX1" y="connsiteY1"/>
+              </a:cxn>
+              <a:cxn ang="0">
+                <a:pos x="connsiteX2" y="connsiteY2"/>
+              </a:cxn>
+              <a:cxn ang="0">
+                <a:pos x="connsiteX3" y="connsiteY3"/>
+              </a:cxn>
+              <a:cxn ang="0">
+                <a:pos x="connsiteX4" y="connsiteY4"/>
+              </a:cxn>
+              <a:cxn ang="0">
+                <a:pos x="connsiteX5" y="connsiteY5"/>
+              </a:cxn>
+              <a:cxn ang="0">
+                <a:pos x="connsiteX6" y="connsiteY6"/>
+              </a:cxn>
+              <a:cxn ang="0">
+                <a:pos x="connsiteX7" y="connsiteY7"/>
+              </a:cxn>
+              <a:cxn ang="0">
+                <a:pos x="connsiteX8" y="connsiteY8"/>
+              </a:cxn>
+              <a:cxn ang="0">
+                <a:pos x="connsiteX9" y="connsiteY9"/>
+              </a:cxn>
+              <a:cxn ang="0">
+                <a:pos x="connsiteX10" y="connsiteY10"/>
+              </a:cxn>
+              <a:cxn ang="0">
+                <a:pos x="connsiteX11" y="connsiteY11"/>
+              </a:cxn>
+              <a:cxn ang="0">
+                <a:pos x="connsiteX12" y="connsiteY12"/>
+              </a:cxn>
+              <a:cxn ang="0">
+                <a:pos x="connsiteX13" y="connsiteY13"/>
+              </a:cxn>
+              <a:cxn ang="0">
+                <a:pos x="connsiteX14" y="connsiteY14"/>
+              </a:cxn>
+              <a:cxn ang="0">
+                <a:pos x="connsiteX15" y="connsiteY15"/>
+              </a:cxn>
+              <a:cxn ang="0">
+                <a:pos x="connsiteX16" y="connsiteY16"/>
+              </a:cxn>
+            </a:cxnLst>
+            <a:rect l="l" t="t" r="r" b="b"/>
+            <a:pathLst>
+              <a:path w="4572000" h="18288" fill="none" extrusionOk="0">
+                <a:moveTo>
+                  <a:pt x="0" y="0"/>
+                </a:moveTo>
+                <a:cubicBezTo>
+                  <a:pt x="105156" y="-20963"/>
+                  <a:pt x="340432" y="822"/>
+                  <a:pt x="515983" y="0"/>
+                </a:cubicBezTo>
+                <a:cubicBezTo>
+                  <a:pt x="691534" y="-822"/>
+                  <a:pt x="850679" y="16479"/>
+                  <a:pt x="1031966" y="0"/>
+                </a:cubicBezTo>
+                <a:cubicBezTo>
+                  <a:pt x="1213253" y="-16479"/>
+                  <a:pt x="1443646" y="-18730"/>
+                  <a:pt x="1639389" y="0"/>
+                </a:cubicBezTo>
+                <a:cubicBezTo>
+                  <a:pt x="1835132" y="18730"/>
+                  <a:pt x="2159975" y="18531"/>
+                  <a:pt x="2383971" y="0"/>
+                </a:cubicBezTo>
+                <a:cubicBezTo>
+                  <a:pt x="2607967" y="-18531"/>
+                  <a:pt x="2719096" y="-12030"/>
+                  <a:pt x="2945674" y="0"/>
+                </a:cubicBezTo>
+                <a:cubicBezTo>
+                  <a:pt x="3172252" y="12030"/>
+                  <a:pt x="3269167" y="27666"/>
+                  <a:pt x="3507377" y="0"/>
+                </a:cubicBezTo>
+                <a:cubicBezTo>
+                  <a:pt x="3745587" y="-27666"/>
+                  <a:pt x="4116741" y="18705"/>
+                  <a:pt x="4572000" y="0"/>
+                </a:cubicBezTo>
+                <a:cubicBezTo>
+                  <a:pt x="4572895" y="8974"/>
+                  <a:pt x="4571454" y="9359"/>
+                  <a:pt x="4572000" y="18288"/>
+                </a:cubicBezTo>
+                <a:cubicBezTo>
+                  <a:pt x="4374698" y="3942"/>
+                  <a:pt x="4098874" y="-11042"/>
+                  <a:pt x="3873137" y="18288"/>
+                </a:cubicBezTo>
+                <a:cubicBezTo>
+                  <a:pt x="3647400" y="47618"/>
+                  <a:pt x="3517055" y="5421"/>
+                  <a:pt x="3311434" y="18288"/>
+                </a:cubicBezTo>
+                <a:cubicBezTo>
+                  <a:pt x="3105813" y="31155"/>
+                  <a:pt x="3025168" y="17856"/>
+                  <a:pt x="2749731" y="18288"/>
+                </a:cubicBezTo>
+                <a:cubicBezTo>
+                  <a:pt x="2474294" y="18720"/>
+                  <a:pt x="2291766" y="-14168"/>
+                  <a:pt x="2050869" y="18288"/>
+                </a:cubicBezTo>
+                <a:cubicBezTo>
+                  <a:pt x="1809972" y="50744"/>
+                  <a:pt x="1540276" y="46798"/>
+                  <a:pt x="1306286" y="18288"/>
+                </a:cubicBezTo>
+                <a:cubicBezTo>
+                  <a:pt x="1072296" y="-10222"/>
+                  <a:pt x="972445" y="19645"/>
+                  <a:pt x="790303" y="18288"/>
+                </a:cubicBezTo>
+                <a:cubicBezTo>
+                  <a:pt x="608161" y="16931"/>
+                  <a:pt x="200981" y="8241"/>
+                  <a:pt x="0" y="18288"/>
+                </a:cubicBezTo>
+                <a:cubicBezTo>
+                  <a:pt x="-229" y="14222"/>
+                  <a:pt x="509" y="5816"/>
+                  <a:pt x="0" y="0"/>
+                </a:cubicBezTo>
+                <a:close/>
+              </a:path>
+              <a:path w="4572000" h="18288" stroke="0" extrusionOk="0">
+                <a:moveTo>
+                  <a:pt x="0" y="0"/>
+                </a:moveTo>
+                <a:cubicBezTo>
+                  <a:pt x="143285" y="-9565"/>
+                  <a:pt x="327959" y="-11498"/>
+                  <a:pt x="561703" y="0"/>
+                </a:cubicBezTo>
+                <a:cubicBezTo>
+                  <a:pt x="795447" y="11498"/>
+                  <a:pt x="838260" y="18255"/>
+                  <a:pt x="1077686" y="0"/>
+                </a:cubicBezTo>
+                <a:cubicBezTo>
+                  <a:pt x="1317112" y="-18255"/>
+                  <a:pt x="1437472" y="23514"/>
+                  <a:pt x="1639389" y="0"/>
+                </a:cubicBezTo>
+                <a:cubicBezTo>
+                  <a:pt x="1841306" y="-23514"/>
+                  <a:pt x="2037142" y="-12551"/>
+                  <a:pt x="2292531" y="0"/>
+                </a:cubicBezTo>
+                <a:cubicBezTo>
+                  <a:pt x="2547920" y="12551"/>
+                  <a:pt x="2810436" y="-20352"/>
+                  <a:pt x="2991394" y="0"/>
+                </a:cubicBezTo>
+                <a:cubicBezTo>
+                  <a:pt x="3172352" y="20352"/>
+                  <a:pt x="3530025" y="-13347"/>
+                  <a:pt x="3735977" y="0"/>
+                </a:cubicBezTo>
+                <a:cubicBezTo>
+                  <a:pt x="3941929" y="13347"/>
+                  <a:pt x="4161497" y="34086"/>
+                  <a:pt x="4572000" y="0"/>
+                </a:cubicBezTo>
+                <a:cubicBezTo>
+                  <a:pt x="4571545" y="6162"/>
+                  <a:pt x="4571903" y="11775"/>
+                  <a:pt x="4572000" y="18288"/>
+                </a:cubicBezTo>
+                <a:cubicBezTo>
+                  <a:pt x="4228040" y="36490"/>
+                  <a:pt x="4199736" y="42557"/>
+                  <a:pt x="3873137" y="18288"/>
+                </a:cubicBezTo>
+                <a:cubicBezTo>
+                  <a:pt x="3546538" y="-5981"/>
+                  <a:pt x="3472124" y="16809"/>
+                  <a:pt x="3128554" y="18288"/>
+                </a:cubicBezTo>
+                <a:cubicBezTo>
+                  <a:pt x="2784984" y="19767"/>
+                  <a:pt x="2735896" y="-17781"/>
+                  <a:pt x="2383971" y="18288"/>
+                </a:cubicBezTo>
+                <a:cubicBezTo>
+                  <a:pt x="2032046" y="54357"/>
+                  <a:pt x="2019324" y="2920"/>
+                  <a:pt x="1867989" y="18288"/>
+                </a:cubicBezTo>
+                <a:cubicBezTo>
+                  <a:pt x="1716654" y="33656"/>
+                  <a:pt x="1418675" y="32575"/>
+                  <a:pt x="1169126" y="18288"/>
+                </a:cubicBezTo>
+                <a:cubicBezTo>
+                  <a:pt x="919577" y="4001"/>
+                  <a:pt x="798537" y="16165"/>
+                  <a:pt x="561703" y="18288"/>
+                </a:cubicBezTo>
+                <a:cubicBezTo>
+                  <a:pt x="324869" y="20411"/>
+                  <a:pt x="221395" y="-912"/>
+                  <a:pt x="0" y="18288"/>
+                </a:cubicBezTo>
+                <a:cubicBezTo>
+                  <a:pt x="766" y="10800"/>
+                  <a:pt x="-457" y="8180"/>
+                  <a:pt x="0" y="0"/>
+                </a:cubicBezTo>
+                <a:close/>
+              </a:path>
+            </a:pathLst>
+          </a:custGeom>
+          <a:solidFill>
+            <a:schemeClr val="accent2"/>
+          </a:solidFill>
+          <a:ln w="41275" cap="rnd">
+            <a:solidFill>
+              <a:schemeClr val="accent2"/>
+            </a:solidFill>
+            <a:round/>
+            <a:extLst>
+              <a:ext uri="{C807C97D-BFC1-408E-A445-0C87EB9F89A2}">
+                <ask:lineSketchStyleProps xmlns:ask="http://schemas.microsoft.com/office/drawing/2018/sketchyshapes" sd="2727557108">
+                  <a:prstGeom prst="rect">
+                    <a:avLst/>
+                  </a:prstGeom>
+                  <ask:type>
+                    <ask:lineSketchFreehand/>
+                  </ask:type>
+                </ask:lineSketchStyleProps>
+              </a:ext>
+            </a:extLst>
+          </a:ln>
+        </p:spPr>
+        <p:style>
+          <a:lnRef idx="2">
+            <a:schemeClr val="accent1">
+              <a:shade val="50000"/>
+            </a:schemeClr>
+          </a:lnRef>
+          <a:fillRef idx="1">
+            <a:schemeClr val="accent1"/>
+          </a:fillRef>
+          <a:effectRef idx="0">
+            <a:schemeClr val="accent1"/>
+          </a:effectRef>
+          <a:fontRef idx="minor">
+            <a:schemeClr val="lt1"/>
+          </a:fontRef>
+        </p:style>
+        <p:txBody>
+          <a:bodyPr rtlCol="0" anchor="ctr"/>
+          <a:lstStyle/>
+          <a:p>
+            <a:pPr algn="ctr"/>
+            <a:endParaRPr lang="en-US"/>
+          </a:p>
+        </p:txBody>
+      </p:sp>
+      <p:pic>
+        <p:nvPicPr>
+          <p:cNvPr id="5" name="Content Placeholder 4" descr="A picture containing text, screenshot, font&#10;&#10;Description automatically generated">
+            <a:extLst>
+              <a:ext uri="{FF2B5EF4-FFF2-40B4-BE49-F238E27FC236}">
+                <a16:creationId xmlns:a16="http://schemas.microsoft.com/office/drawing/2014/main" id="{644CA338-B298-45AE-89BD-6012F9C25C87}"/>
+              </a:ext>
+            </a:extLst>
+          </p:cNvPr>
+          <p:cNvPicPr>
+            <a:picLocks noGrp="1" noChangeAspect="1"/>
+          </p:cNvPicPr>
+          <p:nvPr>
+            <p:ph idx="1"/>
+          </p:nvPr>
+        </p:nvPicPr>
+        <p:blipFill>
+          <a:blip r:embed="rId2"/>
+          <a:stretch>
+            <a:fillRect/>
+          </a:stretch>
+        </p:blipFill>
+        <p:spPr>
+          <a:xfrm>
+            <a:off x="320040" y="2896423"/>
+            <a:ext cx="11548872" cy="3060451"/>
+          </a:xfrm>
+          <a:prstGeom prst="rect">
+            <a:avLst/>
+          </a:prstGeom>
+        </p:spPr>
+      </p:pic>
+    </p:spTree>
+    <p:extLst>
+      <p:ext uri="{BB962C8B-B14F-4D97-AF65-F5344CB8AC3E}">
+        <p14:creationId xmlns:p14="http://schemas.microsoft.com/office/powerpoint/2010/main" val="1190524689"/>
+      </p:ext>
+    </p:extLst>
+  </p:cSld>
+  <p:clrMapOvr>
+    <a:masterClrMapping/>
+  </p:clrMapOvr>
+</p:sld>
+</file>
+
+<file path=ppt/slides/slide47.xml><?xml version="1.0" encoding="utf-8"?>
+<p:sld xmlns:a="http://schemas.openxmlformats.org/drawingml/2006/main" xmlns:r="http://schemas.openxmlformats.org/officeDocument/2006/relationships" xmlns:p="http://schemas.openxmlformats.org/presentationml/2006/main">
+  <p:cSld>
+    <p:bg>
+      <p:bgPr>
+        <a:solidFill>
+          <a:schemeClr val="bg1"/>
+        </a:solidFill>
+        <a:effectLst/>
+      </p:bgPr>
+    </p:bg>
+    <p:spTree>
+      <p:nvGrpSpPr>
+        <p:cNvPr id="1" name=""/>
+        <p:cNvGrpSpPr/>
+        <p:nvPr/>
+      </p:nvGrpSpPr>
+      <p:grpSpPr>
+        <a:xfrm>
+          <a:off x="0" y="0"/>
+          <a:ext cx="0" cy="0"/>
+          <a:chOff x="0" y="0"/>
+          <a:chExt cx="0" cy="0"/>
+        </a:xfrm>
+      </p:grpSpPr>
+      <p:sp useBgFill="1">
+        <p:nvSpPr>
+          <p:cNvPr id="10" name="Rectangle 9">
+            <a:extLst>
+              <a:ext uri="{FF2B5EF4-FFF2-40B4-BE49-F238E27FC236}">
+                <a16:creationId xmlns:a16="http://schemas.microsoft.com/office/drawing/2014/main" id="{A8384FB5-9ADC-4DDC-881B-597D56F5B15D}"/>
+              </a:ext>
+              <a:ext uri="{C183D7F6-B498-43B3-948B-1728B52AA6E4}">
+                <adec:decorative xmlns:adec="http://schemas.microsoft.com/office/drawing/2017/decorative" val="1"/>
+              </a:ext>
+            </a:extLst>
+          </p:cNvPr>
+          <p:cNvSpPr>
+            <a:spLocks noGrp="1" noRot="1" noChangeAspect="1" noMove="1" noResize="1" noEditPoints="1" noAdjustHandles="1" noChangeArrowheads="1" noChangeShapeType="1" noTextEdit="1"/>
+          </p:cNvSpPr>
+          <p:nvPr>
+            <p:extLst>
+              <p:ext uri="{386F3935-93C4-4BCD-93E2-E3B085C9AB24}">
+                <p16:designElem xmlns:p16="http://schemas.microsoft.com/office/powerpoint/2015/main" val="1"/>
+              </p:ext>
+            </p:extLst>
+          </p:nvPr>
+        </p:nvSpPr>
+        <p:spPr>
+          <a:xfrm>
+            <a:off x="0" y="0"/>
+            <a:ext cx="12192000" cy="6858000"/>
+          </a:xfrm>
+          <a:prstGeom prst="rect">
+            <a:avLst/>
+          </a:prstGeom>
+          <a:ln w="12700" cap="flat" cmpd="sng" algn="ctr">
+            <a:noFill/>
+            <a:prstDash val="solid"/>
+            <a:miter lim="800000"/>
+          </a:ln>
+          <a:effectLst/>
+          <a:extLst>
+            <a:ext uri="{91240B29-F687-4F45-9708-019B960494DF}">
+              <a14:hiddenLine xmlns:a14="http://schemas.microsoft.com/office/drawing/2010/main" w="12700" cap="flat" cmpd="sng" algn="ctr">
+                <a:solidFill>
+                  <a:schemeClr val="accent1">
+                    <a:shade val="50000"/>
+                  </a:schemeClr>
+                </a:solidFill>
+                <a:prstDash val="solid"/>
+                <a:miter lim="800000"/>
+              </a14:hiddenLine>
+            </a:ext>
+          </a:extLst>
+        </p:spPr>
+        <p:style>
+          <a:lnRef idx="2">
+            <a:schemeClr val="accent1">
+              <a:shade val="50000"/>
+            </a:schemeClr>
+          </a:lnRef>
+          <a:fillRef idx="1">
+            <a:schemeClr val="accent1"/>
+          </a:fillRef>
+          <a:effectRef idx="0">
+            <a:schemeClr val="accent1"/>
+          </a:effectRef>
+          <a:fontRef idx="minor">
+            <a:schemeClr val="lt1"/>
+          </a:fontRef>
+        </p:style>
+        <p:txBody>
+          <a:bodyPr rtlCol="0" anchor="ctr"/>
+          <a:lstStyle/>
+          <a:p>
+            <a:pPr algn="ctr"/>
+            <a:endParaRPr lang="en-US"/>
+          </a:p>
+        </p:txBody>
+      </p:sp>
+      <p:sp>
+        <p:nvSpPr>
+          <p:cNvPr id="12" name="Rectangle 11">
+            <a:extLst>
+              <a:ext uri="{FF2B5EF4-FFF2-40B4-BE49-F238E27FC236}">
+                <a16:creationId xmlns:a16="http://schemas.microsoft.com/office/drawing/2014/main" id="{1199E1B1-A8C0-4FE8-A5A8-1CB41D69F857}"/>
+              </a:ext>
+              <a:ext uri="{C183D7F6-B498-43B3-948B-1728B52AA6E4}">
+                <adec:decorative xmlns:adec="http://schemas.microsoft.com/office/drawing/2017/decorative" val="1"/>
+              </a:ext>
+            </a:extLst>
+          </p:cNvPr>
+          <p:cNvSpPr>
+            <a:spLocks noGrp="1" noRot="1" noChangeAspect="1" noMove="1" noResize="1" noEditPoints="1" noAdjustHandles="1" noChangeArrowheads="1" noChangeShapeType="1" noTextEdit="1"/>
+          </p:cNvSpPr>
+          <p:nvPr>
+            <p:extLst>
+              <p:ext uri="{386F3935-93C4-4BCD-93E2-E3B085C9AB24}">
+                <p16:designElem xmlns:p16="http://schemas.microsoft.com/office/powerpoint/2015/main" val="1"/>
+              </p:ext>
+            </p:extLst>
+          </p:nvPr>
+        </p:nvSpPr>
+        <p:spPr>
+          <a:xfrm rot="10800000" flipH="1">
+            <a:off x="2" y="0"/>
+            <a:ext cx="12191998" cy="1575955"/>
+          </a:xfrm>
+          <a:prstGeom prst="rect">
+            <a:avLst/>
+          </a:prstGeom>
+          <a:gradFill>
+            <a:gsLst>
+              <a:gs pos="0">
+                <a:srgbClr val="000000">
+                  <a:alpha val="96000"/>
+                </a:srgbClr>
+              </a:gs>
+              <a:gs pos="100000">
+                <a:schemeClr val="accent1">
+                  <a:lumMod val="75000"/>
+                </a:schemeClr>
+              </a:gs>
+            </a:gsLst>
+            <a:lin ang="6000000" scaled="0"/>
+          </a:gradFill>
+          <a:ln>
+            <a:noFill/>
+          </a:ln>
+        </p:spPr>
+        <p:style>
+          <a:lnRef idx="2">
+            <a:schemeClr val="accent1">
+              <a:shade val="50000"/>
+            </a:schemeClr>
+          </a:lnRef>
+          <a:fillRef idx="1">
+            <a:schemeClr val="accent1"/>
+          </a:fillRef>
+          <a:effectRef idx="0">
+            <a:schemeClr val="accent1"/>
+          </a:effectRef>
+          <a:fontRef idx="minor">
+            <a:schemeClr val="lt1"/>
+          </a:fontRef>
+        </p:style>
+        <p:txBody>
+          <a:bodyPr rtlCol="0" anchor="ctr"/>
+          <a:lstStyle/>
+          <a:p>
+            <a:pPr algn="ctr"/>
+            <a:endParaRPr lang="en-US"/>
+          </a:p>
+        </p:txBody>
+      </p:sp>
+      <p:sp>
+        <p:nvSpPr>
+          <p:cNvPr id="14" name="Rectangle 13">
+            <a:extLst>
+              <a:ext uri="{FF2B5EF4-FFF2-40B4-BE49-F238E27FC236}">
+                <a16:creationId xmlns:a16="http://schemas.microsoft.com/office/drawing/2014/main" id="{84A8DE83-DE75-4B41-9DB4-A7EC0B0DEC0B}"/>
+              </a:ext>
+              <a:ext uri="{C183D7F6-B498-43B3-948B-1728B52AA6E4}">
+                <adec:decorative xmlns:adec="http://schemas.microsoft.com/office/drawing/2017/decorative" val="1"/>
+              </a:ext>
+            </a:extLst>
+          </p:cNvPr>
+          <p:cNvSpPr>
+            <a:spLocks noGrp="1" noRot="1" noChangeAspect="1" noMove="1" noResize="1" noEditPoints="1" noAdjustHandles="1" noChangeArrowheads="1" noChangeShapeType="1" noTextEdit="1"/>
+          </p:cNvSpPr>
+          <p:nvPr>
+            <p:extLst>
+              <p:ext uri="{386F3935-93C4-4BCD-93E2-E3B085C9AB24}">
+                <p16:designElem xmlns:p16="http://schemas.microsoft.com/office/powerpoint/2015/main" val="1"/>
+              </p:ext>
+            </p:extLst>
+          </p:nvPr>
+        </p:nvSpPr>
+        <p:spPr>
+          <a:xfrm>
+            <a:off x="0" y="0"/>
+            <a:ext cx="8128856" cy="1575461"/>
+          </a:xfrm>
+          <a:prstGeom prst="rect">
+            <a:avLst/>
+          </a:prstGeom>
+          <a:gradFill>
+            <a:gsLst>
+              <a:gs pos="0">
+                <a:schemeClr val="accent1">
+                  <a:alpha val="41000"/>
+                </a:schemeClr>
+              </a:gs>
+              <a:gs pos="74000">
+                <a:schemeClr val="accent1">
+                  <a:lumMod val="60000"/>
+                  <a:lumOff val="40000"/>
+                  <a:alpha val="0"/>
+                </a:schemeClr>
+              </a:gs>
+            </a:gsLst>
+            <a:lin ang="8400000" scaled="0"/>
+          </a:gradFill>
+          <a:ln>
+            <a:noFill/>
+          </a:ln>
+        </p:spPr>
+        <p:style>
+          <a:lnRef idx="2">
+            <a:schemeClr val="accent1">
+              <a:shade val="50000"/>
+            </a:schemeClr>
+          </a:lnRef>
+          <a:fillRef idx="1">
+            <a:schemeClr val="accent1"/>
+          </a:fillRef>
+          <a:effectRef idx="0">
+            <a:schemeClr val="accent1"/>
+          </a:effectRef>
+          <a:fontRef idx="minor">
+            <a:schemeClr val="lt1"/>
+          </a:fontRef>
+        </p:style>
+        <p:txBody>
+          <a:bodyPr rtlCol="0" anchor="ctr"/>
+          <a:lstStyle/>
+          <a:p>
+            <a:pPr algn="ctr"/>
+            <a:endParaRPr lang="en-US"/>
+          </a:p>
+        </p:txBody>
+      </p:sp>
+      <p:sp>
+        <p:nvSpPr>
+          <p:cNvPr id="16" name="Rectangle 15">
+            <a:extLst>
+              <a:ext uri="{FF2B5EF4-FFF2-40B4-BE49-F238E27FC236}">
+                <a16:creationId xmlns:a16="http://schemas.microsoft.com/office/drawing/2014/main" id="{A7009A0A-BEF5-4EAC-AF15-E4F9F002E239}"/>
+              </a:ext>
+              <a:ext uri="{C183D7F6-B498-43B3-948B-1728B52AA6E4}">
+                <adec:decorative xmlns:adec="http://schemas.microsoft.com/office/drawing/2017/decorative" val="1"/>
+              </a:ext>
+            </a:extLst>
+          </p:cNvPr>
+          <p:cNvSpPr>
+            <a:spLocks noGrp="1" noRot="1" noChangeAspect="1" noMove="1" noResize="1" noEditPoints="1" noAdjustHandles="1" noChangeArrowheads="1" noChangeShapeType="1" noTextEdit="1"/>
+          </p:cNvSpPr>
+          <p:nvPr>
+            <p:extLst>
+              <p:ext uri="{386F3935-93C4-4BCD-93E2-E3B085C9AB24}">
+                <p16:designElem xmlns:p16="http://schemas.microsoft.com/office/powerpoint/2015/main" val="1"/>
+              </p:ext>
+            </p:extLst>
+          </p:nvPr>
+        </p:nvSpPr>
+        <p:spPr>
+          <a:xfrm flipH="1">
+            <a:off x="-3" y="-1"/>
+            <a:ext cx="12192002" cy="1574311"/>
+          </a:xfrm>
+          <a:prstGeom prst="rect">
+            <a:avLst/>
+          </a:prstGeom>
+          <a:gradFill>
+            <a:gsLst>
+              <a:gs pos="0">
+                <a:srgbClr val="000000">
+                  <a:alpha val="63000"/>
+                </a:srgbClr>
+              </a:gs>
+              <a:gs pos="78000">
+                <a:schemeClr val="accent1">
+                  <a:alpha val="15000"/>
+                </a:schemeClr>
+              </a:gs>
+            </a:gsLst>
+            <a:lin ang="15600000" scaled="0"/>
+          </a:gradFill>
+          <a:ln>
+            <a:noFill/>
+          </a:ln>
+        </p:spPr>
+        <p:style>
+          <a:lnRef idx="2">
+            <a:schemeClr val="accent1">
+              <a:shade val="50000"/>
+            </a:schemeClr>
+          </a:lnRef>
+          <a:fillRef idx="1">
+            <a:schemeClr val="accent1"/>
+          </a:fillRef>
+          <a:effectRef idx="0">
+            <a:schemeClr val="accent1"/>
+          </a:effectRef>
+          <a:fontRef idx="minor">
+            <a:schemeClr val="lt1"/>
+          </a:fontRef>
+        </p:style>
+        <p:txBody>
+          <a:bodyPr rtlCol="0" anchor="ctr"/>
+          <a:lstStyle/>
+          <a:p>
+            <a:pPr algn="ctr"/>
+            <a:endParaRPr lang="en-US"/>
+          </a:p>
+        </p:txBody>
+      </p:sp>
+      <p:sp>
+        <p:nvSpPr>
+          <p:cNvPr id="2" name="Title 1">
+            <a:extLst>
+              <a:ext uri="{FF2B5EF4-FFF2-40B4-BE49-F238E27FC236}">
+                <a16:creationId xmlns:a16="http://schemas.microsoft.com/office/drawing/2014/main" id="{1EC0CF9B-39E3-EF67-806C-8534B94F555F}"/>
+              </a:ext>
+            </a:extLst>
+          </p:cNvPr>
+          <p:cNvSpPr>
+            <a:spLocks noGrp="1"/>
+          </p:cNvSpPr>
+          <p:nvPr>
+            <p:ph type="title"/>
+          </p:nvPr>
+        </p:nvSpPr>
+        <p:spPr>
+          <a:xfrm>
+            <a:off x="699713" y="248038"/>
+            <a:ext cx="7063721" cy="1159200"/>
+          </a:xfrm>
+        </p:spPr>
+        <p:txBody>
+          <a:bodyPr vert="horz" lIns="91440" tIns="45720" rIns="91440" bIns="45720" rtlCol="0" anchor="ctr">
+            <a:normAutofit/>
+          </a:bodyPr>
+          <a:lstStyle/>
+          <a:p>
+            <a:r>
+              <a:rPr lang="en-US" sz="4000" kern="1200">
+                <a:solidFill>
+                  <a:srgbClr val="FFFFFF"/>
+                </a:solidFill>
+                <a:latin typeface="+mj-lt"/>
+                <a:ea typeface="+mj-ea"/>
+                <a:cs typeface="+mj-cs"/>
+              </a:rPr>
+              <a:t>pagination</a:t>
+            </a:r>
+          </a:p>
+        </p:txBody>
+      </p:sp>
+      <p:pic>
+        <p:nvPicPr>
+          <p:cNvPr id="5" name="Content Placeholder 4" descr="A screen shot of a computer program&#10;&#10;Description automatically generated with low confidence">
+            <a:extLst>
+              <a:ext uri="{FF2B5EF4-FFF2-40B4-BE49-F238E27FC236}">
+                <a16:creationId xmlns:a16="http://schemas.microsoft.com/office/drawing/2014/main" id="{A2D41F29-0EA5-7C3E-D077-94FCA6D88CB9}"/>
+              </a:ext>
+            </a:extLst>
+          </p:cNvPr>
+          <p:cNvPicPr>
+            <a:picLocks noGrp="1" noChangeAspect="1"/>
+          </p:cNvPicPr>
+          <p:nvPr>
+            <p:ph idx="1"/>
+          </p:nvPr>
+        </p:nvPicPr>
+        <p:blipFill>
+          <a:blip r:embed="rId2"/>
+          <a:stretch>
+            <a:fillRect/>
+          </a:stretch>
+        </p:blipFill>
+        <p:spPr>
+          <a:xfrm>
+            <a:off x="1875943" y="1966293"/>
+            <a:ext cx="8440113" cy="4452160"/>
+          </a:xfrm>
+          <a:prstGeom prst="rect">
+            <a:avLst/>
+          </a:prstGeom>
+        </p:spPr>
+      </p:pic>
+    </p:spTree>
+    <p:extLst>
+      <p:ext uri="{BB962C8B-B14F-4D97-AF65-F5344CB8AC3E}">
+        <p14:creationId xmlns:p14="http://schemas.microsoft.com/office/powerpoint/2010/main" val="1606215203"/>
+      </p:ext>
+    </p:extLst>
+  </p:cSld>
+  <p:clrMapOvr>
+    <a:masterClrMapping/>
+  </p:clrMapOvr>
+</p:sld>
+</file>
+
+<file path=ppt/slides/slide48.xml><?xml version="1.0" encoding="utf-8"?>
+<p:sld xmlns:a="http://schemas.openxmlformats.org/drawingml/2006/main" xmlns:r="http://schemas.openxmlformats.org/officeDocument/2006/relationships" xmlns:p="http://schemas.openxmlformats.org/presentationml/2006/main">
+  <p:cSld>
+    <p:spTree>
+      <p:nvGrpSpPr>
+        <p:cNvPr id="1" name=""/>
+        <p:cNvGrpSpPr/>
+        <p:nvPr/>
+      </p:nvGrpSpPr>
+      <p:grpSpPr>
+        <a:xfrm>
+          <a:off x="0" y="0"/>
+          <a:ext cx="0" cy="0"/>
+          <a:chOff x="0" y="0"/>
+          <a:chExt cx="0" cy="0"/>
+        </a:xfrm>
+      </p:grpSpPr>
+      <p:sp>
+        <p:nvSpPr>
+          <p:cNvPr id="2" name="Title 1">
+            <a:extLst>
+              <a:ext uri="{FF2B5EF4-FFF2-40B4-BE49-F238E27FC236}">
+                <a16:creationId xmlns:a16="http://schemas.microsoft.com/office/drawing/2014/main" id="{1EC0CF9B-39E3-EF67-806C-8534B94F555F}"/>
+              </a:ext>
+            </a:extLst>
+          </p:cNvPr>
+          <p:cNvSpPr>
+            <a:spLocks noGrp="1"/>
+          </p:cNvSpPr>
+          <p:nvPr>
+            <p:ph type="title"/>
+          </p:nvPr>
+        </p:nvSpPr>
+        <p:spPr/>
+        <p:txBody>
+          <a:bodyPr/>
+          <a:lstStyle/>
+          <a:p>
+            <a:endParaRPr lang="en-IL"/>
+          </a:p>
+        </p:txBody>
+      </p:sp>
+      <p:sp>
+        <p:nvSpPr>
+          <p:cNvPr id="3" name="Content Placeholder 2">
+            <a:extLst>
+              <a:ext uri="{FF2B5EF4-FFF2-40B4-BE49-F238E27FC236}">
+                <a16:creationId xmlns:a16="http://schemas.microsoft.com/office/drawing/2014/main" id="{9AF58CA6-22A6-B4CA-E6E2-DE9BA58686B0}"/>
+              </a:ext>
+            </a:extLst>
+          </p:cNvPr>
+          <p:cNvSpPr>
+            <a:spLocks noGrp="1"/>
+          </p:cNvSpPr>
+          <p:nvPr>
+            <p:ph idx="1"/>
+          </p:nvPr>
+        </p:nvSpPr>
+        <p:spPr/>
+        <p:txBody>
+          <a:bodyPr/>
+          <a:lstStyle/>
+          <a:p>
+            <a:endParaRPr lang="en-IL"/>
+          </a:p>
+        </p:txBody>
+      </p:sp>
+    </p:spTree>
+    <p:extLst>
+      <p:ext uri="{BB962C8B-B14F-4D97-AF65-F5344CB8AC3E}">
+        <p14:creationId xmlns:p14="http://schemas.microsoft.com/office/powerpoint/2010/main" val="693723779"/>
+      </p:ext>
+    </p:extLst>
+  </p:cSld>
+  <p:clrMapOvr>
+    <a:masterClrMapping/>
+  </p:clrMapOvr>
+</p:sld>
+</file>
+
+<file path=ppt/slides/slide49.xml><?xml version="1.0" encoding="utf-8"?>
+<p:sld xmlns:a="http://schemas.openxmlformats.org/drawingml/2006/main" xmlns:r="http://schemas.openxmlformats.org/officeDocument/2006/relationships" xmlns:p="http://schemas.openxmlformats.org/presentationml/2006/main">
+  <p:cSld>
+    <p:spTree>
+      <p:nvGrpSpPr>
+        <p:cNvPr id="1" name=""/>
+        <p:cNvGrpSpPr/>
+        <p:nvPr/>
+      </p:nvGrpSpPr>
+      <p:grpSpPr>
+        <a:xfrm>
+          <a:off x="0" y="0"/>
+          <a:ext cx="0" cy="0"/>
+          <a:chOff x="0" y="0"/>
+          <a:chExt cx="0" cy="0"/>
+        </a:xfrm>
+      </p:grpSpPr>
+      <p:sp>
+        <p:nvSpPr>
+          <p:cNvPr id="2" name="Title 1">
+            <a:extLst>
+              <a:ext uri="{FF2B5EF4-FFF2-40B4-BE49-F238E27FC236}">
+                <a16:creationId xmlns:a16="http://schemas.microsoft.com/office/drawing/2014/main" id="{1EC0CF9B-39E3-EF67-806C-8534B94F555F}"/>
+              </a:ext>
+            </a:extLst>
+          </p:cNvPr>
+          <p:cNvSpPr>
+            <a:spLocks noGrp="1"/>
+          </p:cNvSpPr>
+          <p:nvPr>
+            <p:ph type="title"/>
+          </p:nvPr>
+        </p:nvSpPr>
+        <p:spPr/>
+        <p:txBody>
+          <a:bodyPr/>
+          <a:lstStyle/>
+          <a:p>
+            <a:endParaRPr lang="en-IL"/>
+          </a:p>
+        </p:txBody>
+      </p:sp>
+      <p:sp>
+        <p:nvSpPr>
+          <p:cNvPr id="3" name="Content Placeholder 2">
+            <a:extLst>
+              <a:ext uri="{FF2B5EF4-FFF2-40B4-BE49-F238E27FC236}">
+                <a16:creationId xmlns:a16="http://schemas.microsoft.com/office/drawing/2014/main" id="{9AF58CA6-22A6-B4CA-E6E2-DE9BA58686B0}"/>
+              </a:ext>
+            </a:extLst>
+          </p:cNvPr>
+          <p:cNvSpPr>
+            <a:spLocks noGrp="1"/>
+          </p:cNvSpPr>
+          <p:nvPr>
+            <p:ph idx="1"/>
+          </p:nvPr>
+        </p:nvSpPr>
+        <p:spPr/>
+        <p:txBody>
+          <a:bodyPr/>
+          <a:lstStyle/>
+          <a:p>
+            <a:endParaRPr lang="en-IL"/>
+          </a:p>
+        </p:txBody>
+      </p:sp>
+    </p:spTree>
+    <p:extLst>
+      <p:ext uri="{BB962C8B-B14F-4D97-AF65-F5344CB8AC3E}">
+        <p14:creationId xmlns:p14="http://schemas.microsoft.com/office/powerpoint/2010/main" val="220529839"/>
+      </p:ext>
+    </p:extLst>
+  </p:cSld>
+  <p:clrMapOvr>
+    <a:masterClrMapping/>
+  </p:clrMapOvr>
+</p:sld>
+</file>
+
 <file path=ppt/slides/slide5.xml><?xml version="1.0" encoding="utf-8"?>
 <p:sld xmlns:a="http://schemas.openxmlformats.org/drawingml/2006/main" xmlns:r="http://schemas.openxmlformats.org/officeDocument/2006/relationships" xmlns:p="http://schemas.openxmlformats.org/presentationml/2006/main">
   <p:cSld>
@@ -9597,6 +18563,246 @@
     <p:extLst>
       <p:ext uri="{BB962C8B-B14F-4D97-AF65-F5344CB8AC3E}">
         <p14:creationId xmlns:p14="http://schemas.microsoft.com/office/powerpoint/2010/main" val="3829226327"/>
+      </p:ext>
+    </p:extLst>
+  </p:cSld>
+  <p:clrMapOvr>
+    <a:masterClrMapping/>
+  </p:clrMapOvr>
+</p:sld>
+</file>
+
+<file path=ppt/slides/slide50.xml><?xml version="1.0" encoding="utf-8"?>
+<p:sld xmlns:a="http://schemas.openxmlformats.org/drawingml/2006/main" xmlns:r="http://schemas.openxmlformats.org/officeDocument/2006/relationships" xmlns:p="http://schemas.openxmlformats.org/presentationml/2006/main">
+  <p:cSld>
+    <p:spTree>
+      <p:nvGrpSpPr>
+        <p:cNvPr id="1" name=""/>
+        <p:cNvGrpSpPr/>
+        <p:nvPr/>
+      </p:nvGrpSpPr>
+      <p:grpSpPr>
+        <a:xfrm>
+          <a:off x="0" y="0"/>
+          <a:ext cx="0" cy="0"/>
+          <a:chOff x="0" y="0"/>
+          <a:chExt cx="0" cy="0"/>
+        </a:xfrm>
+      </p:grpSpPr>
+      <p:sp>
+        <p:nvSpPr>
+          <p:cNvPr id="2" name="Title 1">
+            <a:extLst>
+              <a:ext uri="{FF2B5EF4-FFF2-40B4-BE49-F238E27FC236}">
+                <a16:creationId xmlns:a16="http://schemas.microsoft.com/office/drawing/2014/main" id="{1EC0CF9B-39E3-EF67-806C-8534B94F555F}"/>
+              </a:ext>
+            </a:extLst>
+          </p:cNvPr>
+          <p:cNvSpPr>
+            <a:spLocks noGrp="1"/>
+          </p:cNvSpPr>
+          <p:nvPr>
+            <p:ph type="title"/>
+          </p:nvPr>
+        </p:nvSpPr>
+        <p:spPr/>
+        <p:txBody>
+          <a:bodyPr/>
+          <a:lstStyle/>
+          <a:p>
+            <a:endParaRPr lang="en-IL"/>
+          </a:p>
+        </p:txBody>
+      </p:sp>
+      <p:sp>
+        <p:nvSpPr>
+          <p:cNvPr id="3" name="Content Placeholder 2">
+            <a:extLst>
+              <a:ext uri="{FF2B5EF4-FFF2-40B4-BE49-F238E27FC236}">
+                <a16:creationId xmlns:a16="http://schemas.microsoft.com/office/drawing/2014/main" id="{9AF58CA6-22A6-B4CA-E6E2-DE9BA58686B0}"/>
+              </a:ext>
+            </a:extLst>
+          </p:cNvPr>
+          <p:cNvSpPr>
+            <a:spLocks noGrp="1"/>
+          </p:cNvSpPr>
+          <p:nvPr>
+            <p:ph idx="1"/>
+          </p:nvPr>
+        </p:nvSpPr>
+        <p:spPr/>
+        <p:txBody>
+          <a:bodyPr/>
+          <a:lstStyle/>
+          <a:p>
+            <a:endParaRPr lang="en-IL"/>
+          </a:p>
+        </p:txBody>
+      </p:sp>
+    </p:spTree>
+    <p:extLst>
+      <p:ext uri="{BB962C8B-B14F-4D97-AF65-F5344CB8AC3E}">
+        <p14:creationId xmlns:p14="http://schemas.microsoft.com/office/powerpoint/2010/main" val="4260015534"/>
+      </p:ext>
+    </p:extLst>
+  </p:cSld>
+  <p:clrMapOvr>
+    <a:masterClrMapping/>
+  </p:clrMapOvr>
+</p:sld>
+</file>
+
+<file path=ppt/slides/slide51.xml><?xml version="1.0" encoding="utf-8"?>
+<p:sld xmlns:a="http://schemas.openxmlformats.org/drawingml/2006/main" xmlns:r="http://schemas.openxmlformats.org/officeDocument/2006/relationships" xmlns:p="http://schemas.openxmlformats.org/presentationml/2006/main">
+  <p:cSld>
+    <p:spTree>
+      <p:nvGrpSpPr>
+        <p:cNvPr id="1" name=""/>
+        <p:cNvGrpSpPr/>
+        <p:nvPr/>
+      </p:nvGrpSpPr>
+      <p:grpSpPr>
+        <a:xfrm>
+          <a:off x="0" y="0"/>
+          <a:ext cx="0" cy="0"/>
+          <a:chOff x="0" y="0"/>
+          <a:chExt cx="0" cy="0"/>
+        </a:xfrm>
+      </p:grpSpPr>
+      <p:sp>
+        <p:nvSpPr>
+          <p:cNvPr id="2" name="Title 1">
+            <a:extLst>
+              <a:ext uri="{FF2B5EF4-FFF2-40B4-BE49-F238E27FC236}">
+                <a16:creationId xmlns:a16="http://schemas.microsoft.com/office/drawing/2014/main" id="{1EC0CF9B-39E3-EF67-806C-8534B94F555F}"/>
+              </a:ext>
+            </a:extLst>
+          </p:cNvPr>
+          <p:cNvSpPr>
+            <a:spLocks noGrp="1"/>
+          </p:cNvSpPr>
+          <p:nvPr>
+            <p:ph type="title"/>
+          </p:nvPr>
+        </p:nvSpPr>
+        <p:spPr/>
+        <p:txBody>
+          <a:bodyPr/>
+          <a:lstStyle/>
+          <a:p>
+            <a:endParaRPr lang="en-IL"/>
+          </a:p>
+        </p:txBody>
+      </p:sp>
+      <p:sp>
+        <p:nvSpPr>
+          <p:cNvPr id="3" name="Content Placeholder 2">
+            <a:extLst>
+              <a:ext uri="{FF2B5EF4-FFF2-40B4-BE49-F238E27FC236}">
+                <a16:creationId xmlns:a16="http://schemas.microsoft.com/office/drawing/2014/main" id="{9AF58CA6-22A6-B4CA-E6E2-DE9BA58686B0}"/>
+              </a:ext>
+            </a:extLst>
+          </p:cNvPr>
+          <p:cNvSpPr>
+            <a:spLocks noGrp="1"/>
+          </p:cNvSpPr>
+          <p:nvPr>
+            <p:ph idx="1"/>
+          </p:nvPr>
+        </p:nvSpPr>
+        <p:spPr/>
+        <p:txBody>
+          <a:bodyPr/>
+          <a:lstStyle/>
+          <a:p>
+            <a:endParaRPr lang="en-IL"/>
+          </a:p>
+        </p:txBody>
+      </p:sp>
+    </p:spTree>
+    <p:extLst>
+      <p:ext uri="{BB962C8B-B14F-4D97-AF65-F5344CB8AC3E}">
+        <p14:creationId xmlns:p14="http://schemas.microsoft.com/office/powerpoint/2010/main" val="3061358899"/>
+      </p:ext>
+    </p:extLst>
+  </p:cSld>
+  <p:clrMapOvr>
+    <a:masterClrMapping/>
+  </p:clrMapOvr>
+</p:sld>
+</file>
+
+<file path=ppt/slides/slide52.xml><?xml version="1.0" encoding="utf-8"?>
+<p:sld xmlns:a="http://schemas.openxmlformats.org/drawingml/2006/main" xmlns:r="http://schemas.openxmlformats.org/officeDocument/2006/relationships" xmlns:p="http://schemas.openxmlformats.org/presentationml/2006/main">
+  <p:cSld>
+    <p:spTree>
+      <p:nvGrpSpPr>
+        <p:cNvPr id="1" name=""/>
+        <p:cNvGrpSpPr/>
+        <p:nvPr/>
+      </p:nvGrpSpPr>
+      <p:grpSpPr>
+        <a:xfrm>
+          <a:off x="0" y="0"/>
+          <a:ext cx="0" cy="0"/>
+          <a:chOff x="0" y="0"/>
+          <a:chExt cx="0" cy="0"/>
+        </a:xfrm>
+      </p:grpSpPr>
+      <p:sp>
+        <p:nvSpPr>
+          <p:cNvPr id="2" name="Title 1">
+            <a:extLst>
+              <a:ext uri="{FF2B5EF4-FFF2-40B4-BE49-F238E27FC236}">
+                <a16:creationId xmlns:a16="http://schemas.microsoft.com/office/drawing/2014/main" id="{1EC0CF9B-39E3-EF67-806C-8534B94F555F}"/>
+              </a:ext>
+            </a:extLst>
+          </p:cNvPr>
+          <p:cNvSpPr>
+            <a:spLocks noGrp="1"/>
+          </p:cNvSpPr>
+          <p:nvPr>
+            <p:ph type="title"/>
+          </p:nvPr>
+        </p:nvSpPr>
+        <p:spPr/>
+        <p:txBody>
+          <a:bodyPr/>
+          <a:lstStyle/>
+          <a:p>
+            <a:endParaRPr lang="en-IL"/>
+          </a:p>
+        </p:txBody>
+      </p:sp>
+      <p:sp>
+        <p:nvSpPr>
+          <p:cNvPr id="3" name="Content Placeholder 2">
+            <a:extLst>
+              <a:ext uri="{FF2B5EF4-FFF2-40B4-BE49-F238E27FC236}">
+                <a16:creationId xmlns:a16="http://schemas.microsoft.com/office/drawing/2014/main" id="{9AF58CA6-22A6-B4CA-E6E2-DE9BA58686B0}"/>
+              </a:ext>
+            </a:extLst>
+          </p:cNvPr>
+          <p:cNvSpPr>
+            <a:spLocks noGrp="1"/>
+          </p:cNvSpPr>
+          <p:nvPr>
+            <p:ph idx="1"/>
+          </p:nvPr>
+        </p:nvSpPr>
+        <p:spPr/>
+        <p:txBody>
+          <a:bodyPr/>
+          <a:lstStyle/>
+          <a:p>
+            <a:endParaRPr lang="en-IL"/>
+          </a:p>
+        </p:txBody>
+      </p:sp>
+    </p:spTree>
+    <p:extLst>
+      <p:ext uri="{BB962C8B-B14F-4D97-AF65-F5344CB8AC3E}">
+        <p14:creationId xmlns:p14="http://schemas.microsoft.com/office/powerpoint/2010/main" val="2231676796"/>
       </p:ext>
     </p:extLst>
   </p:cSld>

--- a/19ass/19ass.pptx
+++ b/19ass/19ass.pptx
@@ -312,7 +312,7 @@
           <a:p>
             <a:fld id="{98E8F9B4-5C7F-7B4B-B94C-BB97D518C911}" type="datetimeFigureOut">
               <a:rPr lang="en-IL" smtClean="0"/>
-              <a:t>19/06/2023</a:t>
+              <a:t>28/06/2023</a:t>
             </a:fld>
             <a:endParaRPr lang="en-IL"/>
           </a:p>
@@ -512,7 +512,7 @@
           <a:p>
             <a:fld id="{98E8F9B4-5C7F-7B4B-B94C-BB97D518C911}" type="datetimeFigureOut">
               <a:rPr lang="en-IL" smtClean="0"/>
-              <a:t>19/06/2023</a:t>
+              <a:t>28/06/2023</a:t>
             </a:fld>
             <a:endParaRPr lang="en-IL"/>
           </a:p>
@@ -722,7 +722,7 @@
           <a:p>
             <a:fld id="{98E8F9B4-5C7F-7B4B-B94C-BB97D518C911}" type="datetimeFigureOut">
               <a:rPr lang="en-IL" smtClean="0"/>
-              <a:t>19/06/2023</a:t>
+              <a:t>28/06/2023</a:t>
             </a:fld>
             <a:endParaRPr lang="en-IL"/>
           </a:p>
@@ -922,7 +922,7 @@
           <a:p>
             <a:fld id="{98E8F9B4-5C7F-7B4B-B94C-BB97D518C911}" type="datetimeFigureOut">
               <a:rPr lang="en-IL" smtClean="0"/>
-              <a:t>19/06/2023</a:t>
+              <a:t>28/06/2023</a:t>
             </a:fld>
             <a:endParaRPr lang="en-IL"/>
           </a:p>
@@ -1198,7 +1198,7 @@
           <a:p>
             <a:fld id="{98E8F9B4-5C7F-7B4B-B94C-BB97D518C911}" type="datetimeFigureOut">
               <a:rPr lang="en-IL" smtClean="0"/>
-              <a:t>19/06/2023</a:t>
+              <a:t>28/06/2023</a:t>
             </a:fld>
             <a:endParaRPr lang="en-IL"/>
           </a:p>
@@ -1466,7 +1466,7 @@
           <a:p>
             <a:fld id="{98E8F9B4-5C7F-7B4B-B94C-BB97D518C911}" type="datetimeFigureOut">
               <a:rPr lang="en-IL" smtClean="0"/>
-              <a:t>19/06/2023</a:t>
+              <a:t>28/06/2023</a:t>
             </a:fld>
             <a:endParaRPr lang="en-IL"/>
           </a:p>
@@ -1881,7 +1881,7 @@
           <a:p>
             <a:fld id="{98E8F9B4-5C7F-7B4B-B94C-BB97D518C911}" type="datetimeFigureOut">
               <a:rPr lang="en-IL" smtClean="0"/>
-              <a:t>19/06/2023</a:t>
+              <a:t>28/06/2023</a:t>
             </a:fld>
             <a:endParaRPr lang="en-IL"/>
           </a:p>
@@ -2023,7 +2023,7 @@
           <a:p>
             <a:fld id="{98E8F9B4-5C7F-7B4B-B94C-BB97D518C911}" type="datetimeFigureOut">
               <a:rPr lang="en-IL" smtClean="0"/>
-              <a:t>19/06/2023</a:t>
+              <a:t>28/06/2023</a:t>
             </a:fld>
             <a:endParaRPr lang="en-IL"/>
           </a:p>
@@ -2136,7 +2136,7 @@
           <a:p>
             <a:fld id="{98E8F9B4-5C7F-7B4B-B94C-BB97D518C911}" type="datetimeFigureOut">
               <a:rPr lang="en-IL" smtClean="0"/>
-              <a:t>19/06/2023</a:t>
+              <a:t>28/06/2023</a:t>
             </a:fld>
             <a:endParaRPr lang="en-IL"/>
           </a:p>
@@ -2449,7 +2449,7 @@
           <a:p>
             <a:fld id="{98E8F9B4-5C7F-7B4B-B94C-BB97D518C911}" type="datetimeFigureOut">
               <a:rPr lang="en-IL" smtClean="0"/>
-              <a:t>19/06/2023</a:t>
+              <a:t>28/06/2023</a:t>
             </a:fld>
             <a:endParaRPr lang="en-IL"/>
           </a:p>
@@ -2738,7 +2738,7 @@
           <a:p>
             <a:fld id="{98E8F9B4-5C7F-7B4B-B94C-BB97D518C911}" type="datetimeFigureOut">
               <a:rPr lang="en-IL" smtClean="0"/>
-              <a:t>19/06/2023</a:t>
+              <a:t>28/06/2023</a:t>
             </a:fld>
             <a:endParaRPr lang="en-IL"/>
           </a:p>
@@ -2981,7 +2981,7 @@
           <a:p>
             <a:fld id="{98E8F9B4-5C7F-7B4B-B94C-BB97D518C911}" type="datetimeFigureOut">
               <a:rPr lang="en-IL" smtClean="0"/>
-              <a:t>19/06/2023</a:t>
+              <a:t>28/06/2023</a:t>
             </a:fld>
             <a:endParaRPr lang="en-IL"/>
           </a:p>
@@ -3481,6 +3481,14 @@
 <file path=ppt/slides/slide10.xml><?xml version="1.0" encoding="utf-8"?>
 <p:sld xmlns:a="http://schemas.openxmlformats.org/drawingml/2006/main" xmlns:r="http://schemas.openxmlformats.org/officeDocument/2006/relationships" xmlns:p="http://schemas.openxmlformats.org/presentationml/2006/main">
   <p:cSld>
+    <p:bg>
+      <p:bgPr>
+        <a:solidFill>
+          <a:schemeClr val="bg1"/>
+        </a:solidFill>
+        <a:effectLst/>
+      </p:bgPr>
+    </p:bg>
     <p:spTree>
       <p:nvGrpSpPr>
         <p:cNvPr id="1" name=""/>
@@ -3495,6 +3503,66 @@
           <a:chExt cx="0" cy="0"/>
         </a:xfrm>
       </p:grpSpPr>
+      <p:sp useBgFill="1">
+        <p:nvSpPr>
+          <p:cNvPr id="10" name="Rectangle 9">
+            <a:extLst>
+              <a:ext uri="{FF2B5EF4-FFF2-40B4-BE49-F238E27FC236}">
+                <a16:creationId xmlns:a16="http://schemas.microsoft.com/office/drawing/2014/main" id="{45D37F4E-DDB4-456B-97E0-9937730A039F}"/>
+              </a:ext>
+              <a:ext uri="{C183D7F6-B498-43B3-948B-1728B52AA6E4}">
+                <adec:decorative xmlns:adec="http://schemas.microsoft.com/office/drawing/2017/decorative" val="1"/>
+              </a:ext>
+            </a:extLst>
+          </p:cNvPr>
+          <p:cNvSpPr>
+            <a:spLocks noGrp="1" noRot="1" noChangeAspect="1" noMove="1" noResize="1" noEditPoints="1" noAdjustHandles="1" noChangeArrowheads="1" noChangeShapeType="1" noTextEdit="1"/>
+          </p:cNvSpPr>
+          <p:nvPr>
+            <p:extLst>
+              <p:ext uri="{386F3935-93C4-4BCD-93E2-E3B085C9AB24}">
+                <p16:designElem xmlns:p16="http://schemas.microsoft.com/office/powerpoint/2015/main" val="1"/>
+              </p:ext>
+            </p:extLst>
+          </p:nvPr>
+        </p:nvSpPr>
+        <p:spPr>
+          <a:xfrm>
+            <a:off x="0" y="0"/>
+            <a:ext cx="12188952" cy="6858000"/>
+          </a:xfrm>
+          <a:prstGeom prst="rect">
+            <a:avLst/>
+          </a:prstGeom>
+          <a:ln>
+            <a:noFill/>
+          </a:ln>
+        </p:spPr>
+        <p:style>
+          <a:lnRef idx="2">
+            <a:schemeClr val="accent1">
+              <a:shade val="50000"/>
+            </a:schemeClr>
+          </a:lnRef>
+          <a:fillRef idx="1">
+            <a:schemeClr val="accent1"/>
+          </a:fillRef>
+          <a:effectRef idx="0">
+            <a:schemeClr val="accent1"/>
+          </a:effectRef>
+          <a:fontRef idx="minor">
+            <a:schemeClr val="lt1"/>
+          </a:fontRef>
+        </p:style>
+        <p:txBody>
+          <a:bodyPr rtlCol="0" anchor="ctr"/>
+          <a:lstStyle/>
+          <a:p>
+            <a:pPr algn="ctr"/>
+            <a:endParaRPr lang="en-US"/>
+          </a:p>
+        </p:txBody>
+      </p:sp>
       <p:sp>
         <p:nvSpPr>
           <p:cNvPr id="2" name="Title 1">
@@ -3511,12 +3579,684 @@
             <p:ph type="title"/>
           </p:nvPr>
         </p:nvSpPr>
-        <p:spPr/>
+        <p:spPr>
+          <a:xfrm>
+            <a:off x="572493" y="238539"/>
+            <a:ext cx="11018520" cy="1434415"/>
+          </a:xfrm>
+        </p:spPr>
         <p:txBody>
-          <a:bodyPr/>
+          <a:bodyPr anchor="b">
+            <a:normAutofit/>
+          </a:bodyPr>
           <a:lstStyle/>
           <a:p>
-            <a:endParaRPr lang="en-IL"/>
+            <a:r>
+              <a:rPr lang="en-IL" sz="5400"/>
+              <a:t>Private</a:t>
+            </a:r>
+          </a:p>
+        </p:txBody>
+      </p:sp>
+      <p:sp>
+        <p:nvSpPr>
+          <p:cNvPr id="12" name="sketchy line">
+            <a:extLst>
+              <a:ext uri="{FF2B5EF4-FFF2-40B4-BE49-F238E27FC236}">
+                <a16:creationId xmlns:a16="http://schemas.microsoft.com/office/drawing/2014/main" id="{B2DD41CD-8F47-4F56-AD12-4E2FF7696987}"/>
+              </a:ext>
+              <a:ext uri="{C183D7F6-B498-43B3-948B-1728B52AA6E4}">
+                <adec:decorative xmlns:adec="http://schemas.microsoft.com/office/drawing/2017/decorative" val="1"/>
+              </a:ext>
+            </a:extLst>
+          </p:cNvPr>
+          <p:cNvSpPr>
+            <a:spLocks noGrp="1" noRot="1" noChangeAspect="1" noMove="1" noResize="1" noEditPoints="1" noAdjustHandles="1" noChangeArrowheads="1" noChangeShapeType="1" noTextEdit="1"/>
+          </p:cNvSpPr>
+          <p:nvPr>
+            <p:extLst>
+              <p:ext uri="{386F3935-93C4-4BCD-93E2-E3B085C9AB24}">
+                <p16:designElem xmlns:p16="http://schemas.microsoft.com/office/powerpoint/2015/main" val="1"/>
+              </p:ext>
+            </p:extLst>
+          </p:nvPr>
+        </p:nvSpPr>
+        <p:spPr>
+          <a:xfrm>
+            <a:off x="572493" y="1681544"/>
+            <a:ext cx="10972800" cy="18288"/>
+          </a:xfrm>
+          <a:custGeom>
+            <a:avLst/>
+            <a:gdLst>
+              <a:gd name="connsiteX0" fmla="*/ 0 w 10972800"/>
+              <a:gd name="connsiteY0" fmla="*/ 0 h 18288"/>
+              <a:gd name="connsiteX1" fmla="*/ 356616 w 10972800"/>
+              <a:gd name="connsiteY1" fmla="*/ 0 h 18288"/>
+              <a:gd name="connsiteX2" fmla="*/ 1042416 w 10972800"/>
+              <a:gd name="connsiteY2" fmla="*/ 0 h 18288"/>
+              <a:gd name="connsiteX3" fmla="*/ 1947672 w 10972800"/>
+              <a:gd name="connsiteY3" fmla="*/ 0 h 18288"/>
+              <a:gd name="connsiteX4" fmla="*/ 2633472 w 10972800"/>
+              <a:gd name="connsiteY4" fmla="*/ 0 h 18288"/>
+              <a:gd name="connsiteX5" fmla="*/ 2990088 w 10972800"/>
+              <a:gd name="connsiteY5" fmla="*/ 0 h 18288"/>
+              <a:gd name="connsiteX6" fmla="*/ 3456432 w 10972800"/>
+              <a:gd name="connsiteY6" fmla="*/ 0 h 18288"/>
+              <a:gd name="connsiteX7" fmla="*/ 4361688 w 10972800"/>
+              <a:gd name="connsiteY7" fmla="*/ 0 h 18288"/>
+              <a:gd name="connsiteX8" fmla="*/ 5266944 w 10972800"/>
+              <a:gd name="connsiteY8" fmla="*/ 0 h 18288"/>
+              <a:gd name="connsiteX9" fmla="*/ 6172200 w 10972800"/>
+              <a:gd name="connsiteY9" fmla="*/ 0 h 18288"/>
+              <a:gd name="connsiteX10" fmla="*/ 6528816 w 10972800"/>
+              <a:gd name="connsiteY10" fmla="*/ 0 h 18288"/>
+              <a:gd name="connsiteX11" fmla="*/ 7214616 w 10972800"/>
+              <a:gd name="connsiteY11" fmla="*/ 0 h 18288"/>
+              <a:gd name="connsiteX12" fmla="*/ 7790688 w 10972800"/>
+              <a:gd name="connsiteY12" fmla="*/ 0 h 18288"/>
+              <a:gd name="connsiteX13" fmla="*/ 8147304 w 10972800"/>
+              <a:gd name="connsiteY13" fmla="*/ 0 h 18288"/>
+              <a:gd name="connsiteX14" fmla="*/ 9052560 w 10972800"/>
+              <a:gd name="connsiteY14" fmla="*/ 0 h 18288"/>
+              <a:gd name="connsiteX15" fmla="*/ 9409176 w 10972800"/>
+              <a:gd name="connsiteY15" fmla="*/ 0 h 18288"/>
+              <a:gd name="connsiteX16" fmla="*/ 9765792 w 10972800"/>
+              <a:gd name="connsiteY16" fmla="*/ 0 h 18288"/>
+              <a:gd name="connsiteX17" fmla="*/ 10341864 w 10972800"/>
+              <a:gd name="connsiteY17" fmla="*/ 0 h 18288"/>
+              <a:gd name="connsiteX18" fmla="*/ 10972800 w 10972800"/>
+              <a:gd name="connsiteY18" fmla="*/ 0 h 18288"/>
+              <a:gd name="connsiteX19" fmla="*/ 10972800 w 10972800"/>
+              <a:gd name="connsiteY19" fmla="*/ 18288 h 18288"/>
+              <a:gd name="connsiteX20" fmla="*/ 10177272 w 10972800"/>
+              <a:gd name="connsiteY20" fmla="*/ 18288 h 18288"/>
+              <a:gd name="connsiteX21" fmla="*/ 9820656 w 10972800"/>
+              <a:gd name="connsiteY21" fmla="*/ 18288 h 18288"/>
+              <a:gd name="connsiteX22" fmla="*/ 9464040 w 10972800"/>
+              <a:gd name="connsiteY22" fmla="*/ 18288 h 18288"/>
+              <a:gd name="connsiteX23" fmla="*/ 8778240 w 10972800"/>
+              <a:gd name="connsiteY23" fmla="*/ 18288 h 18288"/>
+              <a:gd name="connsiteX24" fmla="*/ 8421624 w 10972800"/>
+              <a:gd name="connsiteY24" fmla="*/ 18288 h 18288"/>
+              <a:gd name="connsiteX25" fmla="*/ 7735824 w 10972800"/>
+              <a:gd name="connsiteY25" fmla="*/ 18288 h 18288"/>
+              <a:gd name="connsiteX26" fmla="*/ 6940296 w 10972800"/>
+              <a:gd name="connsiteY26" fmla="*/ 18288 h 18288"/>
+              <a:gd name="connsiteX27" fmla="*/ 6254496 w 10972800"/>
+              <a:gd name="connsiteY27" fmla="*/ 18288 h 18288"/>
+              <a:gd name="connsiteX28" fmla="*/ 5458968 w 10972800"/>
+              <a:gd name="connsiteY28" fmla="*/ 18288 h 18288"/>
+              <a:gd name="connsiteX29" fmla="*/ 4663440 w 10972800"/>
+              <a:gd name="connsiteY29" fmla="*/ 18288 h 18288"/>
+              <a:gd name="connsiteX30" fmla="*/ 4306824 w 10972800"/>
+              <a:gd name="connsiteY30" fmla="*/ 18288 h 18288"/>
+              <a:gd name="connsiteX31" fmla="*/ 3840480 w 10972800"/>
+              <a:gd name="connsiteY31" fmla="*/ 18288 h 18288"/>
+              <a:gd name="connsiteX32" fmla="*/ 3264408 w 10972800"/>
+              <a:gd name="connsiteY32" fmla="*/ 18288 h 18288"/>
+              <a:gd name="connsiteX33" fmla="*/ 2578608 w 10972800"/>
+              <a:gd name="connsiteY33" fmla="*/ 18288 h 18288"/>
+              <a:gd name="connsiteX34" fmla="*/ 1673352 w 10972800"/>
+              <a:gd name="connsiteY34" fmla="*/ 18288 h 18288"/>
+              <a:gd name="connsiteX35" fmla="*/ 877824 w 10972800"/>
+              <a:gd name="connsiteY35" fmla="*/ 18288 h 18288"/>
+              <a:gd name="connsiteX36" fmla="*/ 0 w 10972800"/>
+              <a:gd name="connsiteY36" fmla="*/ 18288 h 18288"/>
+              <a:gd name="connsiteX37" fmla="*/ 0 w 10972800"/>
+              <a:gd name="connsiteY37" fmla="*/ 0 h 18288"/>
+            </a:gdLst>
+            <a:ahLst/>
+            <a:cxnLst>
+              <a:cxn ang="0">
+                <a:pos x="connsiteX0" y="connsiteY0"/>
+              </a:cxn>
+              <a:cxn ang="0">
+                <a:pos x="connsiteX1" y="connsiteY1"/>
+              </a:cxn>
+              <a:cxn ang="0">
+                <a:pos x="connsiteX2" y="connsiteY2"/>
+              </a:cxn>
+              <a:cxn ang="0">
+                <a:pos x="connsiteX3" y="connsiteY3"/>
+              </a:cxn>
+              <a:cxn ang="0">
+                <a:pos x="connsiteX4" y="connsiteY4"/>
+              </a:cxn>
+              <a:cxn ang="0">
+                <a:pos x="connsiteX5" y="connsiteY5"/>
+              </a:cxn>
+              <a:cxn ang="0">
+                <a:pos x="connsiteX6" y="connsiteY6"/>
+              </a:cxn>
+              <a:cxn ang="0">
+                <a:pos x="connsiteX7" y="connsiteY7"/>
+              </a:cxn>
+              <a:cxn ang="0">
+                <a:pos x="connsiteX8" y="connsiteY8"/>
+              </a:cxn>
+              <a:cxn ang="0">
+                <a:pos x="connsiteX9" y="connsiteY9"/>
+              </a:cxn>
+              <a:cxn ang="0">
+                <a:pos x="connsiteX10" y="connsiteY10"/>
+              </a:cxn>
+              <a:cxn ang="0">
+                <a:pos x="connsiteX11" y="connsiteY11"/>
+              </a:cxn>
+              <a:cxn ang="0">
+                <a:pos x="connsiteX12" y="connsiteY12"/>
+              </a:cxn>
+              <a:cxn ang="0">
+                <a:pos x="connsiteX13" y="connsiteY13"/>
+              </a:cxn>
+              <a:cxn ang="0">
+                <a:pos x="connsiteX14" y="connsiteY14"/>
+              </a:cxn>
+              <a:cxn ang="0">
+                <a:pos x="connsiteX15" y="connsiteY15"/>
+              </a:cxn>
+              <a:cxn ang="0">
+                <a:pos x="connsiteX16" y="connsiteY16"/>
+              </a:cxn>
+              <a:cxn ang="0">
+                <a:pos x="connsiteX17" y="connsiteY17"/>
+              </a:cxn>
+              <a:cxn ang="0">
+                <a:pos x="connsiteX18" y="connsiteY18"/>
+              </a:cxn>
+              <a:cxn ang="0">
+                <a:pos x="connsiteX19" y="connsiteY19"/>
+              </a:cxn>
+              <a:cxn ang="0">
+                <a:pos x="connsiteX20" y="connsiteY20"/>
+              </a:cxn>
+              <a:cxn ang="0">
+                <a:pos x="connsiteX21" y="connsiteY21"/>
+              </a:cxn>
+              <a:cxn ang="0">
+                <a:pos x="connsiteX22" y="connsiteY22"/>
+              </a:cxn>
+              <a:cxn ang="0">
+                <a:pos x="connsiteX23" y="connsiteY23"/>
+              </a:cxn>
+              <a:cxn ang="0">
+                <a:pos x="connsiteX24" y="connsiteY24"/>
+              </a:cxn>
+              <a:cxn ang="0">
+                <a:pos x="connsiteX25" y="connsiteY25"/>
+              </a:cxn>
+              <a:cxn ang="0">
+                <a:pos x="connsiteX26" y="connsiteY26"/>
+              </a:cxn>
+              <a:cxn ang="0">
+                <a:pos x="connsiteX27" y="connsiteY27"/>
+              </a:cxn>
+              <a:cxn ang="0">
+                <a:pos x="connsiteX28" y="connsiteY28"/>
+              </a:cxn>
+              <a:cxn ang="0">
+                <a:pos x="connsiteX29" y="connsiteY29"/>
+              </a:cxn>
+              <a:cxn ang="0">
+                <a:pos x="connsiteX30" y="connsiteY30"/>
+              </a:cxn>
+              <a:cxn ang="0">
+                <a:pos x="connsiteX31" y="connsiteY31"/>
+              </a:cxn>
+              <a:cxn ang="0">
+                <a:pos x="connsiteX32" y="connsiteY32"/>
+              </a:cxn>
+              <a:cxn ang="0">
+                <a:pos x="connsiteX33" y="connsiteY33"/>
+              </a:cxn>
+              <a:cxn ang="0">
+                <a:pos x="connsiteX34" y="connsiteY34"/>
+              </a:cxn>
+              <a:cxn ang="0">
+                <a:pos x="connsiteX35" y="connsiteY35"/>
+              </a:cxn>
+              <a:cxn ang="0">
+                <a:pos x="connsiteX36" y="connsiteY36"/>
+              </a:cxn>
+              <a:cxn ang="0">
+                <a:pos x="connsiteX37" y="connsiteY37"/>
+              </a:cxn>
+            </a:cxnLst>
+            <a:rect l="l" t="t" r="r" b="b"/>
+            <a:pathLst>
+              <a:path w="10972800" h="18288" fill="none" extrusionOk="0">
+                <a:moveTo>
+                  <a:pt x="0" y="0"/>
+                </a:moveTo>
+                <a:cubicBezTo>
+                  <a:pt x="165916" y="-1866"/>
+                  <a:pt x="188720" y="13756"/>
+                  <a:pt x="356616" y="0"/>
+                </a:cubicBezTo>
+                <a:cubicBezTo>
+                  <a:pt x="524512" y="-13756"/>
+                  <a:pt x="734781" y="8922"/>
+                  <a:pt x="1042416" y="0"/>
+                </a:cubicBezTo>
+                <a:cubicBezTo>
+                  <a:pt x="1350051" y="-8922"/>
+                  <a:pt x="1595982" y="-26315"/>
+                  <a:pt x="1947672" y="0"/>
+                </a:cubicBezTo>
+                <a:cubicBezTo>
+                  <a:pt x="2299362" y="26315"/>
+                  <a:pt x="2292691" y="-19526"/>
+                  <a:pt x="2633472" y="0"/>
+                </a:cubicBezTo>
+                <a:cubicBezTo>
+                  <a:pt x="2974253" y="19526"/>
+                  <a:pt x="2857309" y="10773"/>
+                  <a:pt x="2990088" y="0"/>
+                </a:cubicBezTo>
+                <a:cubicBezTo>
+                  <a:pt x="3122867" y="-10773"/>
+                  <a:pt x="3359343" y="7194"/>
+                  <a:pt x="3456432" y="0"/>
+                </a:cubicBezTo>
+                <a:cubicBezTo>
+                  <a:pt x="3553521" y="-7194"/>
+                  <a:pt x="4136258" y="5108"/>
+                  <a:pt x="4361688" y="0"/>
+                </a:cubicBezTo>
+                <a:cubicBezTo>
+                  <a:pt x="4587118" y="-5108"/>
+                  <a:pt x="4992424" y="-42958"/>
+                  <a:pt x="5266944" y="0"/>
+                </a:cubicBezTo>
+                <a:cubicBezTo>
+                  <a:pt x="5541464" y="42958"/>
+                  <a:pt x="5882966" y="-3430"/>
+                  <a:pt x="6172200" y="0"/>
+                </a:cubicBezTo>
+                <a:cubicBezTo>
+                  <a:pt x="6461434" y="3430"/>
+                  <a:pt x="6432127" y="6688"/>
+                  <a:pt x="6528816" y="0"/>
+                </a:cubicBezTo>
+                <a:cubicBezTo>
+                  <a:pt x="6625505" y="-6688"/>
+                  <a:pt x="6916805" y="-436"/>
+                  <a:pt x="7214616" y="0"/>
+                </a:cubicBezTo>
+                <a:cubicBezTo>
+                  <a:pt x="7512427" y="436"/>
+                  <a:pt x="7626159" y="-6909"/>
+                  <a:pt x="7790688" y="0"/>
+                </a:cubicBezTo>
+                <a:cubicBezTo>
+                  <a:pt x="7955217" y="6909"/>
+                  <a:pt x="8048891" y="15307"/>
+                  <a:pt x="8147304" y="0"/>
+                </a:cubicBezTo>
+                <a:cubicBezTo>
+                  <a:pt x="8245717" y="-15307"/>
+                  <a:pt x="8645618" y="-11734"/>
+                  <a:pt x="9052560" y="0"/>
+                </a:cubicBezTo>
+                <a:cubicBezTo>
+                  <a:pt x="9459502" y="11734"/>
+                  <a:pt x="9320584" y="8388"/>
+                  <a:pt x="9409176" y="0"/>
+                </a:cubicBezTo>
+                <a:cubicBezTo>
+                  <a:pt x="9497768" y="-8388"/>
+                  <a:pt x="9644192" y="8379"/>
+                  <a:pt x="9765792" y="0"/>
+                </a:cubicBezTo>
+                <a:cubicBezTo>
+                  <a:pt x="9887392" y="-8379"/>
+                  <a:pt x="10105220" y="-12663"/>
+                  <a:pt x="10341864" y="0"/>
+                </a:cubicBezTo>
+                <a:cubicBezTo>
+                  <a:pt x="10578508" y="12663"/>
+                  <a:pt x="10773103" y="-5786"/>
+                  <a:pt x="10972800" y="0"/>
+                </a:cubicBezTo>
+                <a:cubicBezTo>
+                  <a:pt x="10972146" y="8818"/>
+                  <a:pt x="10972240" y="13823"/>
+                  <a:pt x="10972800" y="18288"/>
+                </a:cubicBezTo>
+                <a:cubicBezTo>
+                  <a:pt x="10588778" y="31598"/>
+                  <a:pt x="10543381" y="-12698"/>
+                  <a:pt x="10177272" y="18288"/>
+                </a:cubicBezTo>
+                <a:cubicBezTo>
+                  <a:pt x="9811163" y="49274"/>
+                  <a:pt x="9996817" y="25662"/>
+                  <a:pt x="9820656" y="18288"/>
+                </a:cubicBezTo>
+                <a:cubicBezTo>
+                  <a:pt x="9644495" y="10914"/>
+                  <a:pt x="9607007" y="31631"/>
+                  <a:pt x="9464040" y="18288"/>
+                </a:cubicBezTo>
+                <a:cubicBezTo>
+                  <a:pt x="9321073" y="4945"/>
+                  <a:pt x="9114189" y="28940"/>
+                  <a:pt x="8778240" y="18288"/>
+                </a:cubicBezTo>
+                <a:cubicBezTo>
+                  <a:pt x="8442291" y="7636"/>
+                  <a:pt x="8594763" y="987"/>
+                  <a:pt x="8421624" y="18288"/>
+                </a:cubicBezTo>
+                <a:cubicBezTo>
+                  <a:pt x="8248485" y="35589"/>
+                  <a:pt x="7929515" y="37573"/>
+                  <a:pt x="7735824" y="18288"/>
+                </a:cubicBezTo>
+                <a:cubicBezTo>
+                  <a:pt x="7542133" y="-997"/>
+                  <a:pt x="7252504" y="33858"/>
+                  <a:pt x="6940296" y="18288"/>
+                </a:cubicBezTo>
+                <a:cubicBezTo>
+                  <a:pt x="6628088" y="2718"/>
+                  <a:pt x="6528503" y="48389"/>
+                  <a:pt x="6254496" y="18288"/>
+                </a:cubicBezTo>
+                <a:cubicBezTo>
+                  <a:pt x="5980489" y="-11813"/>
+                  <a:pt x="5695784" y="-3740"/>
+                  <a:pt x="5458968" y="18288"/>
+                </a:cubicBezTo>
+                <a:cubicBezTo>
+                  <a:pt x="5222152" y="40316"/>
+                  <a:pt x="5010751" y="19095"/>
+                  <a:pt x="4663440" y="18288"/>
+                </a:cubicBezTo>
+                <a:cubicBezTo>
+                  <a:pt x="4316129" y="17481"/>
+                  <a:pt x="4425552" y="1606"/>
+                  <a:pt x="4306824" y="18288"/>
+                </a:cubicBezTo>
+                <a:cubicBezTo>
+                  <a:pt x="4188096" y="34970"/>
+                  <a:pt x="3941535" y="7481"/>
+                  <a:pt x="3840480" y="18288"/>
+                </a:cubicBezTo>
+                <a:cubicBezTo>
+                  <a:pt x="3739425" y="29095"/>
+                  <a:pt x="3402388" y="17641"/>
+                  <a:pt x="3264408" y="18288"/>
+                </a:cubicBezTo>
+                <a:cubicBezTo>
+                  <a:pt x="3126428" y="18935"/>
+                  <a:pt x="2776779" y="9983"/>
+                  <a:pt x="2578608" y="18288"/>
+                </a:cubicBezTo>
+                <a:cubicBezTo>
+                  <a:pt x="2380437" y="26593"/>
+                  <a:pt x="1909468" y="25818"/>
+                  <a:pt x="1673352" y="18288"/>
+                </a:cubicBezTo>
+                <a:cubicBezTo>
+                  <a:pt x="1437236" y="10758"/>
+                  <a:pt x="1131180" y="49884"/>
+                  <a:pt x="877824" y="18288"/>
+                </a:cubicBezTo>
+                <a:cubicBezTo>
+                  <a:pt x="624468" y="-13308"/>
+                  <a:pt x="206753" y="2195"/>
+                  <a:pt x="0" y="18288"/>
+                </a:cubicBezTo>
+                <a:cubicBezTo>
+                  <a:pt x="313" y="10654"/>
+                  <a:pt x="-263" y="4056"/>
+                  <a:pt x="0" y="0"/>
+                </a:cubicBezTo>
+                <a:close/>
+              </a:path>
+              <a:path w="10972800" h="18288" stroke="0" extrusionOk="0">
+                <a:moveTo>
+                  <a:pt x="0" y="0"/>
+                </a:moveTo>
+                <a:cubicBezTo>
+                  <a:pt x="164017" y="-17675"/>
+                  <a:pt x="309425" y="9913"/>
+                  <a:pt x="466344" y="0"/>
+                </a:cubicBezTo>
+                <a:cubicBezTo>
+                  <a:pt x="623263" y="-9913"/>
+                  <a:pt x="659300" y="-14524"/>
+                  <a:pt x="822960" y="0"/>
+                </a:cubicBezTo>
+                <a:cubicBezTo>
+                  <a:pt x="986620" y="14524"/>
+                  <a:pt x="1105222" y="-16481"/>
+                  <a:pt x="1289304" y="0"/>
+                </a:cubicBezTo>
+                <a:cubicBezTo>
+                  <a:pt x="1473386" y="16481"/>
+                  <a:pt x="1693223" y="26161"/>
+                  <a:pt x="1975104" y="0"/>
+                </a:cubicBezTo>
+                <a:cubicBezTo>
+                  <a:pt x="2256985" y="-26161"/>
+                  <a:pt x="2435781" y="23061"/>
+                  <a:pt x="2770632" y="0"/>
+                </a:cubicBezTo>
+                <a:cubicBezTo>
+                  <a:pt x="3105483" y="-23061"/>
+                  <a:pt x="3247479" y="-44011"/>
+                  <a:pt x="3675888" y="0"/>
+                </a:cubicBezTo>
+                <a:cubicBezTo>
+                  <a:pt x="4104297" y="44011"/>
+                  <a:pt x="4280918" y="4017"/>
+                  <a:pt x="4581144" y="0"/>
+                </a:cubicBezTo>
+                <a:cubicBezTo>
+                  <a:pt x="4881370" y="-4017"/>
+                  <a:pt x="5021699" y="-11889"/>
+                  <a:pt x="5157216" y="0"/>
+                </a:cubicBezTo>
+                <a:cubicBezTo>
+                  <a:pt x="5292733" y="11889"/>
+                  <a:pt x="5603398" y="-17698"/>
+                  <a:pt x="5952744" y="0"/>
+                </a:cubicBezTo>
+                <a:cubicBezTo>
+                  <a:pt x="6302090" y="17698"/>
+                  <a:pt x="6353093" y="-11909"/>
+                  <a:pt x="6638544" y="0"/>
+                </a:cubicBezTo>
+                <a:cubicBezTo>
+                  <a:pt x="6923995" y="11909"/>
+                  <a:pt x="7053404" y="21630"/>
+                  <a:pt x="7214616" y="0"/>
+                </a:cubicBezTo>
+                <a:cubicBezTo>
+                  <a:pt x="7375828" y="-21630"/>
+                  <a:pt x="7837963" y="3886"/>
+                  <a:pt x="8010144" y="0"/>
+                </a:cubicBezTo>
+                <a:cubicBezTo>
+                  <a:pt x="8182325" y="-3886"/>
+                  <a:pt x="8224183" y="16009"/>
+                  <a:pt x="8366760" y="0"/>
+                </a:cubicBezTo>
+                <a:cubicBezTo>
+                  <a:pt x="8509337" y="-16009"/>
+                  <a:pt x="8687920" y="-5720"/>
+                  <a:pt x="8942832" y="0"/>
+                </a:cubicBezTo>
+                <a:cubicBezTo>
+                  <a:pt x="9197744" y="5720"/>
+                  <a:pt x="9368437" y="20479"/>
+                  <a:pt x="9628632" y="0"/>
+                </a:cubicBezTo>
+                <a:cubicBezTo>
+                  <a:pt x="9888827" y="-20479"/>
+                  <a:pt x="10560858" y="-20746"/>
+                  <a:pt x="10972800" y="0"/>
+                </a:cubicBezTo>
+                <a:cubicBezTo>
+                  <a:pt x="10972186" y="5722"/>
+                  <a:pt x="10972980" y="12495"/>
+                  <a:pt x="10972800" y="18288"/>
+                </a:cubicBezTo>
+                <a:cubicBezTo>
+                  <a:pt x="10786146" y="12536"/>
+                  <a:pt x="10623717" y="14033"/>
+                  <a:pt x="10506456" y="18288"/>
+                </a:cubicBezTo>
+                <a:cubicBezTo>
+                  <a:pt x="10389195" y="22543"/>
+                  <a:pt x="10296178" y="20107"/>
+                  <a:pt x="10149840" y="18288"/>
+                </a:cubicBezTo>
+                <a:cubicBezTo>
+                  <a:pt x="10003502" y="16469"/>
+                  <a:pt x="9767530" y="28891"/>
+                  <a:pt x="9464040" y="18288"/>
+                </a:cubicBezTo>
+                <a:cubicBezTo>
+                  <a:pt x="9160550" y="7685"/>
+                  <a:pt x="9229050" y="2659"/>
+                  <a:pt x="8997696" y="18288"/>
+                </a:cubicBezTo>
+                <a:cubicBezTo>
+                  <a:pt x="8766342" y="33917"/>
+                  <a:pt x="8340136" y="34864"/>
+                  <a:pt x="8092440" y="18288"/>
+                </a:cubicBezTo>
+                <a:cubicBezTo>
+                  <a:pt x="7844744" y="1712"/>
+                  <a:pt x="7863720" y="27405"/>
+                  <a:pt x="7735824" y="18288"/>
+                </a:cubicBezTo>
+                <a:cubicBezTo>
+                  <a:pt x="7607928" y="9171"/>
+                  <a:pt x="7323619" y="461"/>
+                  <a:pt x="7050024" y="18288"/>
+                </a:cubicBezTo>
+                <a:cubicBezTo>
+                  <a:pt x="6776429" y="36115"/>
+                  <a:pt x="6787899" y="28206"/>
+                  <a:pt x="6693408" y="18288"/>
+                </a:cubicBezTo>
+                <a:cubicBezTo>
+                  <a:pt x="6598917" y="8370"/>
+                  <a:pt x="6395231" y="19114"/>
+                  <a:pt x="6227064" y="18288"/>
+                </a:cubicBezTo>
+                <a:cubicBezTo>
+                  <a:pt x="6058897" y="17462"/>
+                  <a:pt x="5618582" y="1091"/>
+                  <a:pt x="5431536" y="18288"/>
+                </a:cubicBezTo>
+                <a:cubicBezTo>
+                  <a:pt x="5244490" y="35485"/>
+                  <a:pt x="4729797" y="-9650"/>
+                  <a:pt x="4526280" y="18288"/>
+                </a:cubicBezTo>
+                <a:cubicBezTo>
+                  <a:pt x="4322763" y="46226"/>
+                  <a:pt x="4216797" y="756"/>
+                  <a:pt x="4059936" y="18288"/>
+                </a:cubicBezTo>
+                <a:cubicBezTo>
+                  <a:pt x="3903075" y="35820"/>
+                  <a:pt x="3537912" y="42098"/>
+                  <a:pt x="3374136" y="18288"/>
+                </a:cubicBezTo>
+                <a:cubicBezTo>
+                  <a:pt x="3210360" y="-5522"/>
+                  <a:pt x="3126842" y="39135"/>
+                  <a:pt x="2907792" y="18288"/>
+                </a:cubicBezTo>
+                <a:cubicBezTo>
+                  <a:pt x="2688742" y="-2559"/>
+                  <a:pt x="2490436" y="34100"/>
+                  <a:pt x="2112264" y="18288"/>
+                </a:cubicBezTo>
+                <a:cubicBezTo>
+                  <a:pt x="1734092" y="2476"/>
+                  <a:pt x="1744622" y="-7274"/>
+                  <a:pt x="1536192" y="18288"/>
+                </a:cubicBezTo>
+                <a:cubicBezTo>
+                  <a:pt x="1327762" y="43850"/>
+                  <a:pt x="1189025" y="6435"/>
+                  <a:pt x="1069848" y="18288"/>
+                </a:cubicBezTo>
+                <a:cubicBezTo>
+                  <a:pt x="950671" y="30141"/>
+                  <a:pt x="858345" y="33684"/>
+                  <a:pt x="713232" y="18288"/>
+                </a:cubicBezTo>
+                <a:cubicBezTo>
+                  <a:pt x="568119" y="2892"/>
+                  <a:pt x="250292" y="5410"/>
+                  <a:pt x="0" y="18288"/>
+                </a:cubicBezTo>
+                <a:cubicBezTo>
+                  <a:pt x="465" y="13062"/>
+                  <a:pt x="-894" y="9029"/>
+                  <a:pt x="0" y="0"/>
+                </a:cubicBezTo>
+                <a:close/>
+              </a:path>
+            </a:pathLst>
+          </a:custGeom>
+          <a:solidFill>
+            <a:schemeClr val="accent2">
+              <a:alpha val="75000"/>
+            </a:schemeClr>
+          </a:solidFill>
+          <a:ln w="44450" cap="rnd">
+            <a:solidFill>
+              <a:schemeClr val="accent2">
+                <a:alpha val="75000"/>
+              </a:schemeClr>
+            </a:solidFill>
+            <a:round/>
+            <a:extLst>
+              <a:ext uri="{C807C97D-BFC1-408E-A445-0C87EB9F89A2}">
+                <ask:lineSketchStyleProps xmlns:ask="http://schemas.microsoft.com/office/drawing/2018/sketchyshapes" sd="2727557108">
+                  <a:prstGeom prst="rect">
+                    <a:avLst/>
+                  </a:prstGeom>
+                  <ask:type>
+                    <ask:lineSketchFreehand/>
+                  </ask:type>
+                </ask:lineSketchStyleProps>
+              </a:ext>
+            </a:extLst>
+          </a:ln>
+        </p:spPr>
+        <p:style>
+          <a:lnRef idx="2">
+            <a:schemeClr val="accent1">
+              <a:shade val="50000"/>
+            </a:schemeClr>
+          </a:lnRef>
+          <a:fillRef idx="1">
+            <a:schemeClr val="accent1"/>
+          </a:fillRef>
+          <a:effectRef idx="0">
+            <a:schemeClr val="accent1"/>
+          </a:effectRef>
+          <a:fontRef idx="minor">
+            <a:schemeClr val="lt1"/>
+          </a:fontRef>
+        </p:style>
+        <p:txBody>
+          <a:bodyPr rtlCol="0" anchor="ctr"/>
+          <a:lstStyle/>
+          <a:p>
+            <a:pPr algn="ctr"/>
+            <a:endParaRPr lang="en-US"/>
           </a:p>
         </p:txBody>
       </p:sp>
@@ -3536,15 +4276,87 @@
             <p:ph idx="1"/>
           </p:nvPr>
         </p:nvSpPr>
-        <p:spPr/>
+        <p:spPr>
+          <a:xfrm>
+            <a:off x="572493" y="2071316"/>
+            <a:ext cx="6713552" cy="4119172"/>
+          </a:xfrm>
+        </p:spPr>
         <p:txBody>
-          <a:bodyPr/>
+          <a:bodyPr anchor="t">
+            <a:normAutofit/>
+          </a:bodyPr>
           <a:lstStyle/>
           <a:p>
-            <a:endParaRPr lang="en-IL"/>
+            <a:r>
+              <a:rPr lang="en-US" sz="2200" b="0" i="0">
+                <a:effectLst/>
+                <a:latin typeface="Söhne"/>
+              </a:rPr>
+              <a:t>In TypeScript, the </a:t>
+            </a:r>
+            <a:r>
+              <a:rPr lang="en-US" sz="2200"/>
+              <a:t>private</a:t>
+            </a:r>
+            <a:r>
+              <a:rPr lang="en-US" sz="2200" b="0" i="0">
+                <a:effectLst/>
+                <a:latin typeface="Söhne"/>
+              </a:rPr>
+              <a:t> modifier is used within classes to restrict access to class members (properties and methods) from outside the class. It ensures that the members marked as </a:t>
+            </a:r>
+            <a:r>
+              <a:rPr lang="en-US" sz="2200"/>
+              <a:t>private</a:t>
+            </a:r>
+            <a:r>
+              <a:rPr lang="en-US" sz="2200" b="0" i="0">
+                <a:effectLst/>
+                <a:latin typeface="Söhne"/>
+              </a:rPr>
+              <a:t> can only be accessed and modified within the class itself.</a:t>
+            </a:r>
+          </a:p>
+          <a:p>
+            <a:endParaRPr lang="en-US" sz="2200">
+              <a:latin typeface="Söhne"/>
+            </a:endParaRPr>
+          </a:p>
+          <a:p>
+            <a:endParaRPr lang="en-IL" sz="2200"/>
           </a:p>
         </p:txBody>
       </p:sp>
+      <p:pic>
+        <p:nvPicPr>
+          <p:cNvPr id="5" name="Picture 4" descr="A picture containing text, screenshot&#10;&#10;Description automatically generated">
+            <a:extLst>
+              <a:ext uri="{FF2B5EF4-FFF2-40B4-BE49-F238E27FC236}">
+                <a16:creationId xmlns:a16="http://schemas.microsoft.com/office/drawing/2014/main" id="{C75F22B6-0886-D281-128F-7616BEF14E89}"/>
+              </a:ext>
+            </a:extLst>
+          </p:cNvPr>
+          <p:cNvPicPr>
+            <a:picLocks noChangeAspect="1"/>
+          </p:cNvPicPr>
+          <p:nvPr/>
+        </p:nvPicPr>
+        <p:blipFill rotWithShape="1">
+          <a:blip r:embed="rId2"/>
+          <a:srcRect l="3407" r="10731" b="2"/>
+          <a:stretch/>
+        </p:blipFill>
+        <p:spPr>
+          <a:xfrm>
+            <a:off x="7675658" y="2093976"/>
+            <a:ext cx="3941064" cy="4096512"/>
+          </a:xfrm>
+          <a:prstGeom prst="rect">
+            <a:avLst/>
+          </a:prstGeom>
+        </p:spPr>
+      </p:pic>
     </p:spTree>
     <p:extLst>
       <p:ext uri="{BB962C8B-B14F-4D97-AF65-F5344CB8AC3E}">
@@ -3596,7 +4408,14 @@
           <a:bodyPr/>
           <a:lstStyle/>
           <a:p>
-            <a:endParaRPr lang="en-IL"/>
+            <a:r>
+              <a:rPr lang="en-US" dirty="0"/>
+              <a:t>G</a:t>
+            </a:r>
+            <a:r>
+              <a:rPr lang="en-IL" dirty="0"/>
+              <a:t>et and set </a:t>
+            </a:r>
           </a:p>
         </p:txBody>
       </p:sp>
@@ -3621,7 +4440,33 @@
           <a:bodyPr/>
           <a:lstStyle/>
           <a:p>
-            <a:endParaRPr lang="en-IL"/>
+            <a:pPr algn="l"/>
+            <a:r>
+              <a:rPr lang="en-US" b="0" i="0" dirty="0">
+                <a:solidFill>
+                  <a:srgbClr val="374151"/>
+                </a:solidFill>
+                <a:effectLst/>
+                <a:latin typeface="Söhne"/>
+              </a:rPr>
+              <a:t>Getters and setters are special methods in a class that provide a way to access (get) and modify (set) the values of its private or protected properties. They allow for controlled access and manipulation of the class's internal state.</a:t>
+            </a:r>
+          </a:p>
+          <a:p>
+            <a:pPr algn="l"/>
+            <a:r>
+              <a:rPr lang="en-US" b="0" i="0" dirty="0">
+                <a:solidFill>
+                  <a:srgbClr val="374151"/>
+                </a:solidFill>
+                <a:effectLst/>
+                <a:latin typeface="Söhne"/>
+              </a:rPr>
+              <a:t>In TypeScript, you can define getters and setters using the get and set keywords, respectively. They are typically associated with a specific property and provide a level of encapsulation by allowing controlled access to the property's value.</a:t>
+            </a:r>
+          </a:p>
+          <a:p>
+            <a:endParaRPr lang="en-IL" dirty="0"/>
           </a:p>
         </p:txBody>
       </p:sp>
@@ -3701,7 +4546,198 @@
           <a:bodyPr/>
           <a:lstStyle/>
           <a:p>
-            <a:endParaRPr lang="en-IL"/>
+            <a:pPr algn="l"/>
+            <a:r>
+              <a:rPr lang="en-US" b="0" i="0" dirty="0">
+                <a:solidFill>
+                  <a:srgbClr val="374151"/>
+                </a:solidFill>
+                <a:effectLst/>
+                <a:latin typeface="Söhne"/>
+              </a:rPr>
+              <a:t>To check if an object is of a specific type in TypeScript, you can use the </a:t>
+            </a:r>
+            <a:r>
+              <a:rPr lang="en-US" b="0" i="0" dirty="0" err="1">
+                <a:solidFill>
+                  <a:srgbClr val="374151"/>
+                </a:solidFill>
+                <a:effectLst/>
+                <a:latin typeface="Söhne"/>
+              </a:rPr>
+              <a:t>instanceof</a:t>
+            </a:r>
+            <a:r>
+              <a:rPr lang="en-US" b="0" i="0" dirty="0">
+                <a:solidFill>
+                  <a:srgbClr val="374151"/>
+                </a:solidFill>
+                <a:effectLst/>
+                <a:latin typeface="Söhne"/>
+              </a:rPr>
+              <a:t> operator or the </a:t>
+            </a:r>
+            <a:r>
+              <a:rPr lang="en-US" b="0" i="0" dirty="0" err="1">
+                <a:solidFill>
+                  <a:srgbClr val="374151"/>
+                </a:solidFill>
+                <a:effectLst/>
+                <a:latin typeface="Söhne"/>
+              </a:rPr>
+              <a:t>typeof</a:t>
+            </a:r>
+            <a:r>
+              <a:rPr lang="en-US" b="0" i="0" dirty="0">
+                <a:solidFill>
+                  <a:srgbClr val="374151"/>
+                </a:solidFill>
+                <a:effectLst/>
+                <a:latin typeface="Söhne"/>
+              </a:rPr>
+              <a:t> operator. Here's how you can use each approach:</a:t>
+            </a:r>
+          </a:p>
+          <a:p>
+            <a:pPr algn="l">
+              <a:buFont typeface="+mj-lt"/>
+              <a:buAutoNum type="arabicPeriod"/>
+            </a:pPr>
+            <a:r>
+              <a:rPr lang="en-US" b="0" i="0" dirty="0">
+                <a:solidFill>
+                  <a:srgbClr val="374151"/>
+                </a:solidFill>
+                <a:effectLst/>
+                <a:latin typeface="Söhne"/>
+              </a:rPr>
+              <a:t>Using the </a:t>
+            </a:r>
+            <a:r>
+              <a:rPr lang="en-US" b="0" i="0" dirty="0" err="1">
+                <a:solidFill>
+                  <a:srgbClr val="374151"/>
+                </a:solidFill>
+                <a:effectLst/>
+                <a:latin typeface="Söhne"/>
+              </a:rPr>
+              <a:t>instanceof</a:t>
+            </a:r>
+            <a:r>
+              <a:rPr lang="en-US" b="0" i="0" dirty="0">
+                <a:solidFill>
+                  <a:srgbClr val="374151"/>
+                </a:solidFill>
+                <a:effectLst/>
+                <a:latin typeface="Söhne"/>
+              </a:rPr>
+              <a:t> operator:</a:t>
+            </a:r>
+            <a:r>
+              <a:rPr lang="en-IL" b="0" i="0" dirty="0">
+                <a:solidFill>
+                  <a:srgbClr val="374151"/>
+                </a:solidFill>
+                <a:effectLst/>
+                <a:latin typeface="Söhne"/>
+              </a:rPr>
+              <a:t> </a:t>
+            </a:r>
+            <a:r>
+              <a:rPr lang="en-US" b="0" i="0" dirty="0">
+                <a:solidFill>
+                  <a:srgbClr val="374151"/>
+                </a:solidFill>
+                <a:effectLst/>
+                <a:latin typeface="Söhne"/>
+              </a:rPr>
+              <a:t>The </a:t>
+            </a:r>
+            <a:r>
+              <a:rPr lang="en-US" dirty="0" err="1"/>
+              <a:t>instanceof</a:t>
+            </a:r>
+            <a:r>
+              <a:rPr lang="en-US" b="0" i="0" dirty="0">
+                <a:solidFill>
+                  <a:srgbClr val="374151"/>
+                </a:solidFill>
+                <a:effectLst/>
+                <a:latin typeface="Söhne"/>
+              </a:rPr>
+              <a:t> operator checks if an object is an instance of a particular class or has a specific class in its prototype chain.</a:t>
+            </a:r>
+            <a:endParaRPr lang="en-IL" b="0" i="0" dirty="0">
+              <a:solidFill>
+                <a:srgbClr val="374151"/>
+              </a:solidFill>
+              <a:effectLst/>
+              <a:latin typeface="Söhne"/>
+            </a:endParaRPr>
+          </a:p>
+          <a:p>
+            <a:pPr algn="l">
+              <a:buFont typeface="+mj-lt"/>
+              <a:buAutoNum type="arabicPeriod"/>
+            </a:pPr>
+            <a:r>
+              <a:rPr lang="en-US" b="0" i="0" dirty="0">
+                <a:solidFill>
+                  <a:srgbClr val="374151"/>
+                </a:solidFill>
+                <a:effectLst/>
+                <a:latin typeface="Söhne"/>
+              </a:rPr>
+              <a:t>Using the </a:t>
+            </a:r>
+            <a:r>
+              <a:rPr lang="en-US" dirty="0" err="1"/>
+              <a:t>typeof</a:t>
+            </a:r>
+            <a:r>
+              <a:rPr lang="en-US" b="0" i="0" dirty="0">
+                <a:solidFill>
+                  <a:srgbClr val="374151"/>
+                </a:solidFill>
+                <a:effectLst/>
+                <a:latin typeface="Söhne"/>
+              </a:rPr>
+              <a:t> operator: The </a:t>
+            </a:r>
+            <a:r>
+              <a:rPr lang="en-US" dirty="0" err="1"/>
+              <a:t>typeof</a:t>
+            </a:r>
+            <a:r>
+              <a:rPr lang="en-US" b="0" i="0" dirty="0">
+                <a:solidFill>
+                  <a:srgbClr val="374151"/>
+                </a:solidFill>
+                <a:effectLst/>
+                <a:latin typeface="Söhne"/>
+              </a:rPr>
+              <a:t> operator checks the type of a value or expression, primarily for primitive types (e.g., number, string, </a:t>
+            </a:r>
+            <a:r>
+              <a:rPr lang="en-US" b="0" i="0" dirty="0" err="1">
+                <a:solidFill>
+                  <a:srgbClr val="374151"/>
+                </a:solidFill>
+                <a:effectLst/>
+                <a:latin typeface="Söhne"/>
+              </a:rPr>
+              <a:t>boolean</a:t>
+            </a:r>
+            <a:r>
+              <a:rPr lang="en-US" b="0" i="0" dirty="0">
+                <a:solidFill>
+                  <a:srgbClr val="374151"/>
+                </a:solidFill>
+                <a:effectLst/>
+                <a:latin typeface="Söhne"/>
+              </a:rPr>
+              <a:t>) and built-in types.</a:t>
+            </a:r>
           </a:p>
         </p:txBody>
       </p:sp>
